--- a/powerpoint.pptx
+++ b/powerpoint.pptx
@@ -5,25 +5,27 @@
     <p:sldMasterId id="2147483648" r:id="rId1"/>
   </p:sldMasterIdLst>
   <p:notesMasterIdLst>
-    <p:notesMasterId r:id="rId18"/>
+    <p:notesMasterId r:id="rId20"/>
   </p:notesMasterIdLst>
   <p:sldIdLst>
     <p:sldId id="256" r:id="rId2"/>
     <p:sldId id="260" r:id="rId3"/>
     <p:sldId id="257" r:id="rId4"/>
-    <p:sldId id="258" r:id="rId5"/>
-    <p:sldId id="259" r:id="rId6"/>
-    <p:sldId id="261" r:id="rId7"/>
-    <p:sldId id="267" r:id="rId8"/>
-    <p:sldId id="268" r:id="rId9"/>
-    <p:sldId id="262" r:id="rId10"/>
-    <p:sldId id="263" r:id="rId11"/>
-    <p:sldId id="264" r:id="rId12"/>
-    <p:sldId id="265" r:id="rId13"/>
-    <p:sldId id="266" r:id="rId14"/>
-    <p:sldId id="269" r:id="rId15"/>
-    <p:sldId id="270" r:id="rId16"/>
-    <p:sldId id="271" r:id="rId17"/>
+    <p:sldId id="272" r:id="rId5"/>
+    <p:sldId id="258" r:id="rId6"/>
+    <p:sldId id="259" r:id="rId7"/>
+    <p:sldId id="261" r:id="rId8"/>
+    <p:sldId id="273" r:id="rId9"/>
+    <p:sldId id="267" r:id="rId10"/>
+    <p:sldId id="268" r:id="rId11"/>
+    <p:sldId id="262" r:id="rId12"/>
+    <p:sldId id="263" r:id="rId13"/>
+    <p:sldId id="264" r:id="rId14"/>
+    <p:sldId id="265" r:id="rId15"/>
+    <p:sldId id="266" r:id="rId16"/>
+    <p:sldId id="269" r:id="rId17"/>
+    <p:sldId id="270" r:id="rId18"/>
+    <p:sldId id="271" r:id="rId19"/>
   </p:sldIdLst>
   <p:sldSz cx="9144000" cy="6858000" type="screen4x3"/>
   <p:notesSz cx="6858000" cy="9144000"/>
@@ -375,6 +377,11 @@
         </p:txBody>
       </p:sp>
     </p:spTree>
+    <p:extLst>
+      <p:ext uri="{BB962C8B-B14F-4D97-AF65-F5344CB8AC3E}">
+        <p14:creationId xmlns:p14="http://schemas.microsoft.com/office/powerpoint/2010/main" val="2825561085"/>
+      </p:ext>
+    </p:extLst>
   </p:cSld>
   <p:clrMap bg1="lt1" tx1="dk1" bg2="lt2" tx2="dk2" accent1="accent1" accent2="accent2" accent3="accent3" accent4="accent4" accent5="accent5" accent6="accent6" hlink="hlink" folHlink="folHlink"/>
   <p:notesStyle>
@@ -3530,6 +3537,13 @@
   <p:clrMapOvr>
     <a:masterClrMapping/>
   </p:clrMapOvr>
+  <p:timing>
+    <p:tnLst>
+      <p:par>
+        <p:cTn id="1" dur="indefinite" restart="never" nodeType="tmRoot"/>
+      </p:par>
+    </p:tnLst>
+  </p:timing>
 </p:sld>
 </file>
 
@@ -3567,7 +3581,7 @@
           <a:p>
             <a:r>
               <a:rPr lang="en-GB" dirty="0" smtClean="0"/>
-              <a:t>Damping resonant peaks</a:t>
+              <a:t>Comparison against real structure</a:t>
             </a:r>
             <a:endParaRPr lang="en-GB" dirty="0"/>
           </a:p>
@@ -3590,47 +3604,14 @@
           <a:p>
             <a:r>
               <a:rPr lang="en-GB" dirty="0" smtClean="0"/>
-              <a:t>Absorbers needs a </a:t>
-            </a:r>
-            <a:r>
-              <a:rPr lang="en-GB" i="1" dirty="0" smtClean="0"/>
-              <a:t>damped </a:t>
-            </a:r>
+              <a:t>Couldn’t get a step response from the structure, because force and signal to transducer were not in sync</a:t>
+            </a:r>
+          </a:p>
+          <a:p>
             <a:r>
               <a:rPr lang="en-GB" dirty="0" smtClean="0"/>
-              <a:t>frequency matching the frequency of the peak to eliminate</a:t>
-            </a:r>
-          </a:p>
-          <a:p>
-            <a:r>
-              <a:rPr lang="en-GB" dirty="0" smtClean="0"/>
-              <a:t>Can be derived from </a:t>
-            </a:r>
-            <a:r>
-              <a:rPr lang="en-GB" dirty="0" err="1" smtClean="0"/>
-              <a:t>databook</a:t>
-            </a:r>
-            <a:r>
-              <a:rPr lang="en-GB" dirty="0" smtClean="0"/>
-              <a:t> equations</a:t>
-            </a:r>
-          </a:p>
-          <a:p>
-            <a:r>
-              <a:rPr lang="en-GB" dirty="0" smtClean="0"/>
-              <a:t>[equation]</a:t>
-            </a:r>
-          </a:p>
-          <a:p>
-            <a:r>
-              <a:rPr lang="en-GB" dirty="0" smtClean="0"/>
-              <a:t>For simplicity, assume absorber damping equal to building damping</a:t>
-            </a:r>
-          </a:p>
-          <a:p>
-            <a:pPr>
-              <a:buNone/>
-            </a:pPr>
+              <a:t>Got data from the original under a frequency sweep</a:t>
+            </a:r>
             <a:endParaRPr lang="en-GB" dirty="0"/>
           </a:p>
         </p:txBody>
@@ -3662,7 +3643,7 @@
       </p:grpSpPr>
       <p:sp>
         <p:nvSpPr>
-          <p:cNvPr id="2" name="Title 1"/>
+          <p:cNvPr id="4" name="Title 3"/>
           <p:cNvSpPr>
             <a:spLocks noGrp="1"/>
           </p:cNvSpPr>
@@ -3677,7 +3658,7 @@
           <a:p>
             <a:r>
               <a:rPr lang="en-GB" dirty="0" smtClean="0"/>
-              <a:t>Iteratively adding absorbers</a:t>
+              <a:t>Adding absorbers to the model</a:t>
             </a:r>
             <a:endParaRPr lang="en-GB" dirty="0"/>
           </a:p>
@@ -3685,12 +3666,12 @@
       </p:sp>
       <p:sp>
         <p:nvSpPr>
-          <p:cNvPr id="3" name="Content Placeholder 2"/>
-          <p:cNvSpPr>
-            <a:spLocks noGrp="1"/>
-          </p:cNvSpPr>
-          <p:nvPr>
-            <p:ph idx="1"/>
+          <p:cNvPr id="5" name="Text Placeholder 4"/>
+          <p:cNvSpPr>
+            <a:spLocks noGrp="1"/>
+          </p:cNvSpPr>
+          <p:nvPr>
+            <p:ph type="body" idx="1"/>
           </p:nvPr>
         </p:nvSpPr>
         <p:spPr/>
@@ -3698,27 +3679,7 @@
           <a:bodyPr/>
           <a:lstStyle/>
           <a:p>
-            <a:r>
-              <a:rPr lang="en-GB" dirty="0" smtClean="0"/>
-              <a:t>Repeatedly add dampers to eliminate the maximum response</a:t>
-            </a:r>
-          </a:p>
-          <a:p>
-            <a:r>
-              <a:rPr lang="en-GB" dirty="0" smtClean="0"/>
-              <a:t>Conserve total mass of </a:t>
-            </a:r>
-            <a:r>
-              <a:rPr lang="en-GB" dirty="0" smtClean="0"/>
-              <a:t>absorbers</a:t>
-            </a:r>
-          </a:p>
-          <a:p>
-            <a:r>
-              <a:rPr lang="en-GB" dirty="0" smtClean="0"/>
-              <a:t>As a result, some absorbers become less massive and therefore less effective, so are duplicated on further iterations</a:t>
-            </a:r>
-            <a:endParaRPr lang="en-GB" dirty="0"/>
+            <a:endParaRPr lang="en-GB"/>
           </a:p>
         </p:txBody>
       </p:sp>
@@ -3749,7 +3710,7 @@
       </p:grpSpPr>
       <p:sp>
         <p:nvSpPr>
-          <p:cNvPr id="2" name="Title 1"/>
+          <p:cNvPr id="4" name="Title 3"/>
           <p:cNvSpPr>
             <a:spLocks noGrp="1"/>
           </p:cNvSpPr>
@@ -3764,7 +3725,7 @@
           <a:p>
             <a:r>
               <a:rPr lang="en-GB" dirty="0" smtClean="0"/>
-              <a:t>Effect of adding absorbers</a:t>
+              <a:t>Damping resonant peaks</a:t>
             </a:r>
             <a:endParaRPr lang="en-GB" dirty="0"/>
           </a:p>
@@ -3772,7 +3733,7 @@
       </p:sp>
       <p:sp>
         <p:nvSpPr>
-          <p:cNvPr id="3" name="Content Placeholder 2"/>
+          <p:cNvPr id="5" name="Content Placeholder 4"/>
           <p:cNvSpPr>
             <a:spLocks noGrp="1"/>
           </p:cNvSpPr>
@@ -3787,8 +3748,47 @@
           <a:p>
             <a:r>
               <a:rPr lang="en-GB" dirty="0" smtClean="0"/>
-              <a:t>[graph/animation]</a:t>
-            </a:r>
+              <a:t>Absorbers needs a </a:t>
+            </a:r>
+            <a:r>
+              <a:rPr lang="en-GB" i="1" dirty="0" smtClean="0"/>
+              <a:t>damped </a:t>
+            </a:r>
+            <a:r>
+              <a:rPr lang="en-GB" dirty="0" smtClean="0"/>
+              <a:t>frequency matching the frequency of the peak to eliminate</a:t>
+            </a:r>
+          </a:p>
+          <a:p>
+            <a:r>
+              <a:rPr lang="en-GB" dirty="0" smtClean="0"/>
+              <a:t>Can be derived from </a:t>
+            </a:r>
+            <a:r>
+              <a:rPr lang="en-GB" dirty="0" err="1" smtClean="0"/>
+              <a:t>databook</a:t>
+            </a:r>
+            <a:r>
+              <a:rPr lang="en-GB" dirty="0" smtClean="0"/>
+              <a:t> equations</a:t>
+            </a:r>
+          </a:p>
+          <a:p>
+            <a:r>
+              <a:rPr lang="en-GB" dirty="0" smtClean="0"/>
+              <a:t>[equation]</a:t>
+            </a:r>
+          </a:p>
+          <a:p>
+            <a:r>
+              <a:rPr lang="en-GB" dirty="0" smtClean="0"/>
+              <a:t>For simplicity, assume absorber damping equal to building damping</a:t>
+            </a:r>
+          </a:p>
+          <a:p>
+            <a:pPr>
+              <a:buNone/>
+            </a:pPr>
             <a:endParaRPr lang="en-GB" dirty="0"/>
           </a:p>
         </p:txBody>
@@ -3835,7 +3835,7 @@
           <a:p>
             <a:r>
               <a:rPr lang="en-GB" dirty="0" smtClean="0"/>
-              <a:t>Effect of adding absorbers</a:t>
+              <a:t>Iteratively adding absorbers</a:t>
             </a:r>
             <a:endParaRPr lang="en-GB" dirty="0"/>
           </a:p>
@@ -3858,22 +3858,21 @@
           <a:p>
             <a:r>
               <a:rPr lang="en-GB" dirty="0" smtClean="0"/>
-              <a:t>[histogram of absorber frequency by mass]</a:t>
+              <a:t>Repeatedly add dampers to eliminate the maximum response</a:t>
             </a:r>
           </a:p>
           <a:p>
             <a:r>
               <a:rPr lang="en-GB" dirty="0" smtClean="0"/>
-              <a:t>[max amplitude (by floor) against </a:t>
-            </a:r>
-            <a:r>
-              <a:rPr lang="en-GB" dirty="0" err="1" smtClean="0"/>
-              <a:t>n_abs</a:t>
-            </a:r>
-            <a:r>
-              <a:rPr lang="en-GB" dirty="0"/>
-              <a:t>]</a:t>
-            </a:r>
+              <a:t>Conserve total mass of absorbers</a:t>
+            </a:r>
+          </a:p>
+          <a:p>
+            <a:r>
+              <a:rPr lang="en-GB" dirty="0" smtClean="0"/>
+              <a:t>As a result, some absorbers become less massive and therefore less effective, so are duplicated on further iterations</a:t>
+            </a:r>
+            <a:endParaRPr lang="en-GB" dirty="0"/>
           </a:p>
         </p:txBody>
       </p:sp>
@@ -3904,7 +3903,7 @@
       </p:grpSpPr>
       <p:sp>
         <p:nvSpPr>
-          <p:cNvPr id="6" name="Title 5"/>
+          <p:cNvPr id="2" name="Title 1"/>
           <p:cNvSpPr>
             <a:spLocks noGrp="1"/>
           </p:cNvSpPr>
@@ -3919,7 +3918,7 @@
           <a:p>
             <a:r>
               <a:rPr lang="en-GB" dirty="0" smtClean="0"/>
-              <a:t>Applying a “real” earthquake</a:t>
+              <a:t>Effect of adding absorbers</a:t>
             </a:r>
             <a:endParaRPr lang="en-GB" dirty="0"/>
           </a:p>
@@ -3927,12 +3926,12 @@
       </p:sp>
       <p:sp>
         <p:nvSpPr>
-          <p:cNvPr id="7" name="Text Placeholder 6"/>
-          <p:cNvSpPr>
-            <a:spLocks noGrp="1"/>
-          </p:cNvSpPr>
-          <p:nvPr>
-            <p:ph type="body" idx="1"/>
+          <p:cNvPr id="3" name="Content Placeholder 2"/>
+          <p:cNvSpPr>
+            <a:spLocks noGrp="1"/>
+          </p:cNvSpPr>
+          <p:nvPr>
+            <p:ph idx="1"/>
           </p:nvPr>
         </p:nvSpPr>
         <p:spPr/>
@@ -3940,7 +3939,11 @@
           <a:bodyPr/>
           <a:lstStyle/>
           <a:p>
-            <a:endParaRPr lang="en-GB"/>
+            <a:r>
+              <a:rPr lang="en-GB" dirty="0" smtClean="0"/>
+              <a:t>[graph/animation]</a:t>
+            </a:r>
+            <a:endParaRPr lang="en-GB" dirty="0"/>
           </a:p>
         </p:txBody>
       </p:sp>
@@ -3971,7 +3974,7 @@
       </p:grpSpPr>
       <p:sp>
         <p:nvSpPr>
-          <p:cNvPr id="4" name="Title 3"/>
+          <p:cNvPr id="2" name="Title 1"/>
           <p:cNvSpPr>
             <a:spLocks noGrp="1"/>
           </p:cNvSpPr>
@@ -3986,7 +3989,7 @@
           <a:p>
             <a:r>
               <a:rPr lang="en-GB" dirty="0" smtClean="0"/>
-              <a:t>Displacement / time graph</a:t>
+              <a:t>Effect of adding absorbers</a:t>
             </a:r>
             <a:endParaRPr lang="en-GB" dirty="0"/>
           </a:p>
@@ -3994,7 +3997,7 @@
       </p:sp>
       <p:sp>
         <p:nvSpPr>
-          <p:cNvPr id="5" name="Content Placeholder 4"/>
+          <p:cNvPr id="3" name="Content Placeholder 2"/>
           <p:cNvSpPr>
             <a:spLocks noGrp="1"/>
           </p:cNvSpPr>
@@ -4007,7 +4010,24 @@
           <a:bodyPr/>
           <a:lstStyle/>
           <a:p>
-            <a:endParaRPr lang="en-GB"/>
+            <a:r>
+              <a:rPr lang="en-GB" dirty="0" smtClean="0"/>
+              <a:t>[histogram of absorber frequency by mass]</a:t>
+            </a:r>
+          </a:p>
+          <a:p>
+            <a:r>
+              <a:rPr lang="en-GB" dirty="0" smtClean="0"/>
+              <a:t>[max amplitude (by floor) against </a:t>
+            </a:r>
+            <a:r>
+              <a:rPr lang="en-GB" dirty="0" err="1" smtClean="0"/>
+              <a:t>n_abs</a:t>
+            </a:r>
+            <a:r>
+              <a:rPr lang="en-GB" dirty="0"/>
+              <a:t>]</a:t>
+            </a:r>
           </a:p>
         </p:txBody>
       </p:sp>
@@ -4038,6 +4058,140 @@
       </p:grpSpPr>
       <p:sp>
         <p:nvSpPr>
+          <p:cNvPr id="6" name="Title 5"/>
+          <p:cNvSpPr>
+            <a:spLocks noGrp="1"/>
+          </p:cNvSpPr>
+          <p:nvPr>
+            <p:ph type="title"/>
+          </p:nvPr>
+        </p:nvSpPr>
+        <p:spPr/>
+        <p:txBody>
+          <a:bodyPr/>
+          <a:lstStyle/>
+          <a:p>
+            <a:r>
+              <a:rPr lang="en-GB" dirty="0" smtClean="0"/>
+              <a:t>Applying a “real” earthquake</a:t>
+            </a:r>
+            <a:endParaRPr lang="en-GB" dirty="0"/>
+          </a:p>
+        </p:txBody>
+      </p:sp>
+      <p:sp>
+        <p:nvSpPr>
+          <p:cNvPr id="7" name="Text Placeholder 6"/>
+          <p:cNvSpPr>
+            <a:spLocks noGrp="1"/>
+          </p:cNvSpPr>
+          <p:nvPr>
+            <p:ph type="body" idx="1"/>
+          </p:nvPr>
+        </p:nvSpPr>
+        <p:spPr/>
+        <p:txBody>
+          <a:bodyPr/>
+          <a:lstStyle/>
+          <a:p>
+            <a:endParaRPr lang="en-GB"/>
+          </a:p>
+        </p:txBody>
+      </p:sp>
+    </p:spTree>
+  </p:cSld>
+  <p:clrMapOvr>
+    <a:masterClrMapping/>
+  </p:clrMapOvr>
+</p:sld>
+</file>
+
+<file path=ppt/slides/slide17.xml><?xml version="1.0" encoding="utf-8"?>
+<p:sld xmlns:a="http://schemas.openxmlformats.org/drawingml/2006/main" xmlns:r="http://schemas.openxmlformats.org/officeDocument/2006/relationships" xmlns:p="http://schemas.openxmlformats.org/presentationml/2006/main">
+  <p:cSld>
+    <p:spTree>
+      <p:nvGrpSpPr>
+        <p:cNvPr id="1" name=""/>
+        <p:cNvGrpSpPr/>
+        <p:nvPr/>
+      </p:nvGrpSpPr>
+      <p:grpSpPr>
+        <a:xfrm>
+          <a:off x="0" y="0"/>
+          <a:ext cx="0" cy="0"/>
+          <a:chOff x="0" y="0"/>
+          <a:chExt cx="0" cy="0"/>
+        </a:xfrm>
+      </p:grpSpPr>
+      <p:sp>
+        <p:nvSpPr>
+          <p:cNvPr id="4" name="Title 3"/>
+          <p:cNvSpPr>
+            <a:spLocks noGrp="1"/>
+          </p:cNvSpPr>
+          <p:nvPr>
+            <p:ph type="title"/>
+          </p:nvPr>
+        </p:nvSpPr>
+        <p:spPr/>
+        <p:txBody>
+          <a:bodyPr/>
+          <a:lstStyle/>
+          <a:p>
+            <a:r>
+              <a:rPr lang="en-GB" dirty="0" smtClean="0"/>
+              <a:t>Displacement / time graph</a:t>
+            </a:r>
+            <a:endParaRPr lang="en-GB" dirty="0"/>
+          </a:p>
+        </p:txBody>
+      </p:sp>
+      <p:sp>
+        <p:nvSpPr>
+          <p:cNvPr id="5" name="Content Placeholder 4"/>
+          <p:cNvSpPr>
+            <a:spLocks noGrp="1"/>
+          </p:cNvSpPr>
+          <p:nvPr>
+            <p:ph idx="1"/>
+          </p:nvPr>
+        </p:nvSpPr>
+        <p:spPr/>
+        <p:txBody>
+          <a:bodyPr/>
+          <a:lstStyle/>
+          <a:p>
+            <a:endParaRPr lang="en-GB"/>
+          </a:p>
+        </p:txBody>
+      </p:sp>
+    </p:spTree>
+  </p:cSld>
+  <p:clrMapOvr>
+    <a:masterClrMapping/>
+  </p:clrMapOvr>
+</p:sld>
+</file>
+
+<file path=ppt/slides/slide18.xml><?xml version="1.0" encoding="utf-8"?>
+<p:sld xmlns:a="http://schemas.openxmlformats.org/drawingml/2006/main" xmlns:r="http://schemas.openxmlformats.org/officeDocument/2006/relationships" xmlns:p="http://schemas.openxmlformats.org/presentationml/2006/main">
+  <p:cSld>
+    <p:spTree>
+      <p:nvGrpSpPr>
+        <p:cNvPr id="1" name=""/>
+        <p:cNvGrpSpPr/>
+        <p:nvPr/>
+      </p:nvGrpSpPr>
+      <p:grpSpPr>
+        <a:xfrm>
+          <a:off x="0" y="0"/>
+          <a:ext cx="0" cy="0"/>
+          <a:chOff x="0" y="0"/>
+          <a:chExt cx="0" cy="0"/>
+        </a:xfrm>
+      </p:grpSpPr>
+      <p:sp>
+        <p:nvSpPr>
           <p:cNvPr id="2" name="Title 1"/>
           <p:cNvSpPr>
             <a:spLocks noGrp="1"/>
@@ -4188,6 +4342,13 @@
   <p:clrMapOvr>
     <a:masterClrMapping/>
   </p:clrMapOvr>
+  <p:timing>
+    <p:tnLst>
+      <p:par>
+        <p:cTn id="1" dur="indefinite" restart="never" nodeType="tmRoot"/>
+      </p:par>
+    </p:tnLst>
+  </p:timing>
 </p:sld>
 </file>
 
@@ -4231,71 +4392,297 @@
           </a:p>
         </p:txBody>
       </p:sp>
-      <p:sp>
-        <p:nvSpPr>
-          <p:cNvPr id="3" name="Content Placeholder 2"/>
-          <p:cNvSpPr>
-            <a:spLocks noGrp="1"/>
-          </p:cNvSpPr>
-          <p:nvPr>
-            <p:ph idx="1"/>
-          </p:nvPr>
-        </p:nvSpPr>
-        <p:spPr/>
-        <p:txBody>
-          <a:bodyPr/>
-          <a:lstStyle/>
-          <a:p>
-            <a:r>
-              <a:rPr lang="en-GB" dirty="0" smtClean="0"/>
-              <a:t>NDOF simulator with 3 floors and any number of dampers</a:t>
-            </a:r>
-          </a:p>
-          <a:p>
-            <a:r>
-              <a:rPr lang="en-GB" dirty="0" smtClean="0"/>
-              <a:t>Written in python (using </a:t>
-            </a:r>
-            <a:r>
-              <a:rPr lang="en-GB" dirty="0" err="1" smtClean="0"/>
-              <a:t>numpy</a:t>
-            </a:r>
-            <a:r>
-              <a:rPr lang="en-GB" dirty="0" smtClean="0"/>
-              <a:t>, a library that gives us the power of </a:t>
-            </a:r>
-            <a:r>
-              <a:rPr lang="en-GB" dirty="0" err="1" smtClean="0"/>
-              <a:t>matlab</a:t>
-            </a:r>
-            <a:r>
-              <a:rPr lang="en-GB" dirty="0" smtClean="0"/>
-              <a:t>)</a:t>
-            </a:r>
-          </a:p>
-          <a:p>
-            <a:r>
-              <a:rPr lang="en-GB" dirty="0" smtClean="0"/>
-              <a:t>[equations]!</a:t>
-            </a:r>
-          </a:p>
-          <a:p>
-            <a:r>
-              <a:rPr lang="en-GB" dirty="0" smtClean="0"/>
-              <a:t>Constructing the damping and stiffness matrix</a:t>
-            </a:r>
-          </a:p>
-          <a:p>
-            <a:endParaRPr lang="en-GB" dirty="0" smtClean="0"/>
-          </a:p>
-          <a:p>
-            <a:endParaRPr lang="en-GB" dirty="0" smtClean="0"/>
-          </a:p>
-          <a:p>
-            <a:endParaRPr lang="en-GB" dirty="0"/>
-          </a:p>
-        </p:txBody>
-      </p:sp>
+      <mc:AlternateContent xmlns:mc="http://schemas.openxmlformats.org/markup-compatibility/2006">
+        <mc:Choice xmlns:a14="http://schemas.microsoft.com/office/drawing/2010/main" Requires="a14">
+          <p:sp>
+            <p:nvSpPr>
+              <p:cNvPr id="3" name="Content Placeholder 2"/>
+              <p:cNvSpPr>
+                <a:spLocks noGrp="1"/>
+              </p:cNvSpPr>
+              <p:nvPr>
+                <p:ph idx="1"/>
+              </p:nvPr>
+            </p:nvSpPr>
+            <p:spPr/>
+            <p:txBody>
+              <a:bodyPr>
+                <a:normAutofit/>
+              </a:bodyPr>
+              <a:lstStyle/>
+              <a:p>
+                <a:r>
+                  <a:rPr lang="en-GB" dirty="0" smtClean="0"/>
+                  <a:t>N-DOF simulator</a:t>
+                </a:r>
+              </a:p>
+              <a:p>
+                <a:r>
+                  <a:rPr lang="en-GB" dirty="0" smtClean="0"/>
+                  <a:t>Written </a:t>
+                </a:r>
+                <a:r>
+                  <a:rPr lang="en-GB" dirty="0" smtClean="0"/>
+                  <a:t>in python (using </a:t>
+                </a:r>
+                <a:r>
+                  <a:rPr lang="en-GB" dirty="0" err="1" smtClean="0"/>
+                  <a:t>numpy</a:t>
+                </a:r>
+                <a:r>
+                  <a:rPr lang="en-GB" dirty="0" smtClean="0"/>
+                  <a:t>, a library that gives us the power of </a:t>
+                </a:r>
+                <a:r>
+                  <a:rPr lang="en-GB" dirty="0" err="1" smtClean="0"/>
+                  <a:t>matlab</a:t>
+                </a:r>
+                <a:r>
+                  <a:rPr lang="en-GB" dirty="0" smtClean="0"/>
+                  <a:t>)</a:t>
+                </a:r>
+              </a:p>
+              <a:p>
+                <a:r>
+                  <a:rPr lang="en-GB" dirty="0" smtClean="0"/>
+                  <a:t>1-DOF:   </a:t>
+                </a:r>
+                <a14:m>
+                  <m:oMath xmlns:m="http://schemas.openxmlformats.org/officeDocument/2006/math">
+                    <m:r>
+                      <a:rPr lang="en-GB" b="0" i="1" dirty="0" smtClean="0">
+                        <a:latin typeface="Cambria Math"/>
+                      </a:rPr>
+                      <m:t>𝑚</m:t>
+                    </m:r>
+                    <m:acc>
+                      <m:accPr>
+                        <m:chr m:val="̈"/>
+                        <m:ctrlPr>
+                          <a:rPr lang="en-GB" i="1" dirty="0">
+                            <a:latin typeface="Cambria Math"/>
+                          </a:rPr>
+                        </m:ctrlPr>
+                      </m:accPr>
+                      <m:e>
+                        <m:r>
+                          <a:rPr lang="en-GB" b="0" i="1" dirty="0">
+                            <a:latin typeface="Cambria Math"/>
+                          </a:rPr>
+                          <m:t>𝑦</m:t>
+                        </m:r>
+                      </m:e>
+                    </m:acc>
+                    <m:r>
+                      <a:rPr lang="en-GB" i="1" dirty="0">
+                        <a:latin typeface="Cambria Math"/>
+                      </a:rPr>
+                      <m:t>+</m:t>
+                    </m:r>
+                    <m:r>
+                      <a:rPr lang="en-GB" b="0" i="1" dirty="0" smtClean="0">
+                        <a:latin typeface="Cambria Math"/>
+                      </a:rPr>
+                      <m:t>𝜆</m:t>
+                    </m:r>
+                    <m:acc>
+                      <m:accPr>
+                        <m:chr m:val="̇"/>
+                        <m:ctrlPr>
+                          <a:rPr lang="en-GB" i="1" dirty="0">
+                            <a:latin typeface="Cambria Math"/>
+                          </a:rPr>
+                        </m:ctrlPr>
+                      </m:accPr>
+                      <m:e>
+                        <m:r>
+                          <a:rPr lang="en-GB" b="0" i="1" dirty="0">
+                            <a:latin typeface="Cambria Math"/>
+                          </a:rPr>
+                          <m:t>𝑦</m:t>
+                        </m:r>
+                      </m:e>
+                    </m:acc>
+                    <m:r>
+                      <a:rPr lang="en-GB" i="1" dirty="0">
+                        <a:latin typeface="Cambria Math"/>
+                      </a:rPr>
+                      <m:t>+</m:t>
+                    </m:r>
+                    <m:r>
+                      <a:rPr lang="en-GB" b="0" i="1" dirty="0" smtClean="0">
+                        <a:latin typeface="Cambria Math"/>
+                      </a:rPr>
+                      <m:t>𝑘</m:t>
+                    </m:r>
+                    <m:r>
+                      <a:rPr lang="en-GB" b="0" i="1" dirty="0">
+                        <a:latin typeface="Cambria Math"/>
+                      </a:rPr>
+                      <m:t>𝑦</m:t>
+                    </m:r>
+                    <m:r>
+                      <a:rPr lang="en-GB" i="1" dirty="0">
+                        <a:latin typeface="Cambria Math"/>
+                      </a:rPr>
+                      <m:t>=</m:t>
+                    </m:r>
+                    <m:r>
+                      <a:rPr lang="en-GB" b="0" i="1" dirty="0">
+                        <a:latin typeface="Cambria Math"/>
+                      </a:rPr>
+                      <m:t>𝑓</m:t>
+                    </m:r>
+                  </m:oMath>
+                </a14:m>
+                <a:r>
+                  <a:rPr lang="en-GB" dirty="0"/>
+                  <a:t>  </a:t>
+                </a:r>
+                <a:endParaRPr lang="en-GB" dirty="0" smtClean="0"/>
+              </a:p>
+              <a:p>
+                <a:r>
+                  <a:rPr lang="en-GB" dirty="0"/>
+                  <a:t>N</a:t>
+                </a:r>
+                <a:r>
+                  <a:rPr lang="en-GB" dirty="0" smtClean="0"/>
+                  <a:t>-DOF:  </a:t>
+                </a:r>
+                <a14:m>
+                  <m:oMath xmlns:m="http://schemas.openxmlformats.org/officeDocument/2006/math">
+                    <m:r>
+                      <a:rPr lang="en-GB" b="1" i="1" dirty="0" smtClean="0">
+                        <a:latin typeface="Cambria Math"/>
+                      </a:rPr>
+                      <m:t>𝑴</m:t>
+                    </m:r>
+                    <m:acc>
+                      <m:accPr>
+                        <m:chr m:val="̈"/>
+                        <m:ctrlPr>
+                          <a:rPr lang="en-GB" i="1" dirty="0" smtClean="0">
+                            <a:latin typeface="Cambria Math"/>
+                          </a:rPr>
+                        </m:ctrlPr>
+                      </m:accPr>
+                      <m:e>
+                        <m:r>
+                          <a:rPr lang="en-GB" b="1" i="1" dirty="0" smtClean="0">
+                            <a:latin typeface="Cambria Math"/>
+                          </a:rPr>
+                          <m:t>𝒚</m:t>
+                        </m:r>
+                      </m:e>
+                    </m:acc>
+                    <m:r>
+                      <a:rPr lang="en-GB" b="0" i="1" dirty="0" smtClean="0">
+                        <a:latin typeface="Cambria Math"/>
+                      </a:rPr>
+                      <m:t>+</m:t>
+                    </m:r>
+                    <m:r>
+                      <a:rPr lang="en-GB" b="1" i="0" dirty="0" smtClean="0">
+                        <a:latin typeface="Cambria Math"/>
+                      </a:rPr>
+                      <m:t>𝚲</m:t>
+                    </m:r>
+                    <m:acc>
+                      <m:accPr>
+                        <m:chr m:val="̇"/>
+                        <m:ctrlPr>
+                          <a:rPr lang="en-GB" i="1" dirty="0" smtClean="0">
+                            <a:latin typeface="Cambria Math"/>
+                          </a:rPr>
+                        </m:ctrlPr>
+                      </m:accPr>
+                      <m:e>
+                        <m:r>
+                          <a:rPr lang="en-GB" b="1" i="1" dirty="0" smtClean="0">
+                            <a:latin typeface="Cambria Math"/>
+                          </a:rPr>
+                          <m:t>𝒚</m:t>
+                        </m:r>
+                      </m:e>
+                    </m:acc>
+                    <m:r>
+                      <a:rPr lang="en-GB" b="0" i="1" dirty="0" smtClean="0">
+                        <a:latin typeface="Cambria Math"/>
+                      </a:rPr>
+                      <m:t>+</m:t>
+                    </m:r>
+                    <m:r>
+                      <a:rPr lang="en-GB" b="1" i="1" dirty="0" smtClean="0">
+                        <a:latin typeface="Cambria Math"/>
+                      </a:rPr>
+                      <m:t>𝑲𝒚</m:t>
+                    </m:r>
+                    <m:r>
+                      <a:rPr lang="en-GB" b="0" i="1" dirty="0" smtClean="0">
+                        <a:latin typeface="Cambria Math"/>
+                      </a:rPr>
+                      <m:t>=</m:t>
+                    </m:r>
+                    <m:r>
+                      <a:rPr lang="en-GB" b="1" i="1" dirty="0" smtClean="0">
+                        <a:latin typeface="Cambria Math"/>
+                      </a:rPr>
+                      <m:t>𝒇</m:t>
+                    </m:r>
+                  </m:oMath>
+                </a14:m>
+                <a:endParaRPr lang="en-GB" b="1" dirty="0" smtClean="0"/>
+              </a:p>
+              <a:p>
+                <a:pPr marL="0" indent="0">
+                  <a:buNone/>
+                </a:pPr>
+                <a:endParaRPr lang="en-GB" dirty="0" smtClean="0"/>
+              </a:p>
+              <a:p>
+                <a:endParaRPr lang="en-GB" dirty="0" smtClean="0"/>
+              </a:p>
+              <a:p>
+                <a:endParaRPr lang="en-GB" dirty="0"/>
+              </a:p>
+            </p:txBody>
+          </p:sp>
+        </mc:Choice>
+        <mc:Fallback>
+          <p:sp>
+            <p:nvSpPr>
+              <p:cNvPr id="3" name="Content Placeholder 2"/>
+              <p:cNvSpPr>
+                <a:spLocks noGrp="1" noRot="1" noChangeAspect="1" noMove="1" noResize="1" noEditPoints="1" noAdjustHandles="1" noChangeArrowheads="1" noChangeShapeType="1" noTextEdit="1"/>
+              </p:cNvSpPr>
+              <p:nvPr>
+                <p:ph idx="1"/>
+              </p:nvPr>
+            </p:nvSpPr>
+            <p:spPr>
+              <a:blipFill rotWithShape="1">
+                <a:blip r:embed="rId2"/>
+                <a:stretch>
+                  <a:fillRect l="-1630" t="-1752" r="-1037"/>
+                </a:stretch>
+              </a:blipFill>
+            </p:spPr>
+            <p:txBody>
+              <a:bodyPr/>
+              <a:lstStyle/>
+              <a:p>
+                <a:r>
+                  <a:rPr lang="en-GB">
+                    <a:noFill/>
+                  </a:rPr>
+                  <a:t> </a:t>
+                </a:r>
+              </a:p>
+            </p:txBody>
+          </p:sp>
+        </mc:Fallback>
+      </mc:AlternateContent>
       <p:sp>
         <p:nvSpPr>
           <p:cNvPr id="1026" name="Rectangle 2"/>
@@ -4339,6 +4726,13 @@
   <p:clrMapOvr>
     <a:masterClrMapping/>
   </p:clrMapOvr>
+  <p:timing>
+    <p:tnLst>
+      <p:par>
+        <p:cTn id="1" dur="indefinite" restart="never" nodeType="tmRoot"/>
+      </p:par>
+    </p:tnLst>
+  </p:timing>
 </p:sld>
 </file>
 
@@ -4376,108 +4770,796 @@
           <a:p>
             <a:r>
               <a:rPr lang="en-GB" dirty="0" smtClean="0"/>
-              <a:t>Time response</a:t>
+              <a:t>Deriving the stiffness matrix</a:t>
             </a:r>
             <a:endParaRPr lang="en-GB" dirty="0"/>
           </a:p>
         </p:txBody>
       </p:sp>
-      <p:sp>
-        <p:nvSpPr>
-          <p:cNvPr id="3" name="Content Placeholder 2"/>
-          <p:cNvSpPr>
-            <a:spLocks noGrp="1"/>
-          </p:cNvSpPr>
-          <p:nvPr>
-            <p:ph idx="1"/>
-          </p:nvPr>
-        </p:nvSpPr>
-        <p:spPr/>
-        <p:txBody>
-          <a:bodyPr/>
-          <a:lstStyle/>
-          <a:p>
-            <a:r>
-              <a:rPr lang="en-GB" dirty="0" err="1" smtClean="0">
-                <a:latin typeface="+mj-lt"/>
-              </a:rPr>
-              <a:t>Verlet</a:t>
-            </a:r>
-            <a:r>
-              <a:rPr lang="en-GB" dirty="0" smtClean="0">
-                <a:latin typeface="+mj-lt"/>
-              </a:rPr>
-              <a:t> integrator (like in mars </a:t>
-            </a:r>
-            <a:r>
-              <a:rPr lang="en-GB" dirty="0" err="1" smtClean="0">
-                <a:latin typeface="+mj-lt"/>
-              </a:rPr>
-              <a:t>lander</a:t>
-            </a:r>
-            <a:r>
-              <a:rPr lang="en-GB" dirty="0" smtClean="0">
-                <a:latin typeface="+mj-lt"/>
-              </a:rPr>
-              <a:t>!)</a:t>
-            </a:r>
-          </a:p>
-          <a:p>
-            <a:r>
-              <a:rPr lang="en-GB" dirty="0" smtClean="0">
-                <a:latin typeface="+mj-lt"/>
-              </a:rPr>
-              <a:t>Takes external force as a function of time</a:t>
-            </a:r>
-          </a:p>
-          <a:p>
-            <a:r>
-              <a:rPr lang="en-GB" dirty="0" smtClean="0">
-                <a:latin typeface="+mj-lt"/>
-              </a:rPr>
-              <a:t>Combines with M, K, and </a:t>
-            </a:r>
-            <a:r>
-              <a:rPr lang="el-GR" dirty="0" smtClean="0">
-                <a:latin typeface="+mj-lt"/>
-                <a:cs typeface="Times New Roman"/>
-              </a:rPr>
-              <a:t>Λ</a:t>
-            </a:r>
-            <a:r>
-              <a:rPr lang="en-GB" dirty="0" smtClean="0">
-                <a:latin typeface="+mj-lt"/>
-                <a:cs typeface="Times New Roman"/>
-              </a:rPr>
-              <a:t> to find acceleration</a:t>
-            </a:r>
-          </a:p>
-          <a:p>
-            <a:r>
-              <a:rPr lang="en-GB" dirty="0" smtClean="0">
-                <a:latin typeface="+mj-lt"/>
-                <a:cs typeface="Times New Roman"/>
-              </a:rPr>
-              <a:t>Works with vectors to find all displacements </a:t>
-            </a:r>
-            <a:r>
-              <a:rPr lang="en-GB" dirty="0" err="1" smtClean="0">
-                <a:latin typeface="+mj-lt"/>
-                <a:cs typeface="Times New Roman"/>
-              </a:rPr>
-              <a:t>simulteneously</a:t>
-            </a:r>
-            <a:endParaRPr lang="en-GB" dirty="0">
-              <a:latin typeface="+mj-lt"/>
-            </a:endParaRPr>
-          </a:p>
-        </p:txBody>
-      </p:sp>
+      <mc:AlternateContent xmlns:mc="http://schemas.openxmlformats.org/markup-compatibility/2006">
+        <mc:Choice xmlns:a14="http://schemas.microsoft.com/office/drawing/2010/main" Requires="a14">
+          <p:sp>
+            <p:nvSpPr>
+              <p:cNvPr id="3" name="Content Placeholder 2"/>
+              <p:cNvSpPr>
+                <a:spLocks noGrp="1"/>
+              </p:cNvSpPr>
+              <p:nvPr>
+                <p:ph idx="1"/>
+              </p:nvPr>
+            </p:nvSpPr>
+            <p:spPr/>
+            <p:txBody>
+              <a:bodyPr>
+                <a:normAutofit fontScale="70000" lnSpcReduction="20000"/>
+              </a:bodyPr>
+              <a:lstStyle/>
+              <a:p>
+                <a:pPr marL="0" indent="0">
+                  <a:buNone/>
+                </a:pPr>
+                <a:r>
+                  <a:rPr lang="en-GB" dirty="0" smtClean="0"/>
+                  <a:t>Total stiffness:</a:t>
+                </a:r>
+                <a:endParaRPr lang="en-GB" b="0" dirty="0" smtClean="0"/>
+              </a:p>
+              <a:p>
+                <a:pPr marL="0" indent="0">
+                  <a:buNone/>
+                </a:pPr>
+                <a14:m>
+                  <m:oMathPara xmlns:m="http://schemas.openxmlformats.org/officeDocument/2006/math">
+                    <m:oMathParaPr>
+                      <m:jc m:val="centerGroup"/>
+                    </m:oMathParaPr>
+                    <m:oMath xmlns:m="http://schemas.openxmlformats.org/officeDocument/2006/math">
+                      <m:r>
+                        <a:rPr lang="en-GB" b="1" i="1" smtClean="0">
+                          <a:latin typeface="Cambria Math"/>
+                        </a:rPr>
+                        <m:t>𝑲</m:t>
+                      </m:r>
+                      <m:r>
+                        <a:rPr lang="en-GB" b="0" i="1" smtClean="0">
+                          <a:latin typeface="Cambria Math"/>
+                        </a:rPr>
+                        <m:t>=</m:t>
+                      </m:r>
+                      <m:nary>
+                        <m:naryPr>
+                          <m:chr m:val="∑"/>
+                          <m:subHide m:val="on"/>
+                          <m:supHide m:val="on"/>
+                          <m:ctrlPr>
+                            <a:rPr lang="en-GB" b="0" i="1" smtClean="0">
+                              <a:latin typeface="Cambria Math"/>
+                            </a:rPr>
+                          </m:ctrlPr>
+                        </m:naryPr>
+                        <m:sub/>
+                        <m:sup/>
+                        <m:e>
+                          <m:sSub>
+                            <m:sSubPr>
+                              <m:ctrlPr>
+                                <a:rPr lang="en-GB" b="1" i="1" smtClean="0">
+                                  <a:latin typeface="Cambria Math"/>
+                                </a:rPr>
+                              </m:ctrlPr>
+                            </m:sSubPr>
+                            <m:e>
+                              <m:r>
+                                <a:rPr lang="en-GB" b="1" i="1" smtClean="0">
+                                  <a:latin typeface="Cambria Math"/>
+                                </a:rPr>
+                                <m:t>𝑲</m:t>
+                              </m:r>
+                            </m:e>
+                            <m:sub>
+                              <m:r>
+                                <a:rPr lang="en-GB" b="1" i="1" smtClean="0">
+                                  <a:latin typeface="Cambria Math"/>
+                                </a:rPr>
+                                <m:t>𝒊</m:t>
+                              </m:r>
+                              <m:r>
+                                <a:rPr lang="en-GB" b="1" i="1" smtClean="0">
+                                  <a:latin typeface="Cambria Math"/>
+                                </a:rPr>
+                                <m:t>,</m:t>
+                              </m:r>
+                              <m:r>
+                                <a:rPr lang="en-GB" b="1" i="1" smtClean="0">
+                                  <a:latin typeface="Cambria Math"/>
+                                </a:rPr>
+                                <m:t>𝒋</m:t>
+                              </m:r>
+                            </m:sub>
+                          </m:sSub>
+                        </m:e>
+                      </m:nary>
+                      <m:r>
+                        <a:rPr lang="en-GB" b="0" i="1" smtClean="0">
+                          <a:latin typeface="Cambria Math"/>
+                        </a:rPr>
+                        <m:t>+</m:t>
+                      </m:r>
+                      <m:nary>
+                        <m:naryPr>
+                          <m:chr m:val="∑"/>
+                          <m:subHide m:val="on"/>
+                          <m:supHide m:val="on"/>
+                          <m:ctrlPr>
+                            <a:rPr lang="en-GB" b="0" i="1" smtClean="0">
+                              <a:latin typeface="Cambria Math"/>
+                            </a:rPr>
+                          </m:ctrlPr>
+                        </m:naryPr>
+                        <m:sub/>
+                        <m:sup/>
+                        <m:e>
+                          <m:sSub>
+                            <m:sSubPr>
+                              <m:ctrlPr>
+                                <a:rPr lang="en-GB" b="1" i="1" smtClean="0">
+                                  <a:latin typeface="Cambria Math"/>
+                                </a:rPr>
+                              </m:ctrlPr>
+                            </m:sSubPr>
+                            <m:e>
+                              <m:r>
+                                <a:rPr lang="en-GB" b="1" i="1" smtClean="0">
+                                  <a:latin typeface="Cambria Math"/>
+                                </a:rPr>
+                                <m:t>𝑲</m:t>
+                              </m:r>
+                            </m:e>
+                            <m:sub>
+                              <m:r>
+                                <a:rPr lang="en-GB" b="1" i="1">
+                                  <a:latin typeface="Cambria Math"/>
+                                </a:rPr>
+                                <m:t>𝒊</m:t>
+                              </m:r>
+                              <m:r>
+                                <a:rPr lang="en-GB" b="1" i="1">
+                                  <a:latin typeface="Cambria Math"/>
+                                </a:rPr>
+                                <m:t>,</m:t>
+                              </m:r>
+                              <m:r>
+                                <a:rPr lang="en-GB" b="1" i="1" smtClean="0">
+                                  <a:latin typeface="Cambria Math"/>
+                                </a:rPr>
+                                <m:t>𝑮</m:t>
+                              </m:r>
+                              <m:r>
+                                <a:rPr lang="en-GB" b="1" i="1" smtClean="0">
+                                  <a:latin typeface="Cambria Math"/>
+                                </a:rPr>
+                                <m:t> </m:t>
+                              </m:r>
+                            </m:sub>
+                          </m:sSub>
+                        </m:e>
+                      </m:nary>
+                    </m:oMath>
+                  </m:oMathPara>
+                </a14:m>
+                <a:endParaRPr lang="en-GB" b="0" i="1" dirty="0" smtClean="0">
+                  <a:latin typeface="Cambria Math"/>
+                </a:endParaRPr>
+              </a:p>
+              <a:p>
+                <a:pPr marL="0" indent="0">
+                  <a:buNone/>
+                </a:pPr>
+                <a:endParaRPr lang="en-GB" b="0" i="1" dirty="0" smtClean="0">
+                  <a:latin typeface="Cambria Math"/>
+                </a:endParaRPr>
+              </a:p>
+              <a:p>
+                <a:pPr marL="0" indent="0">
+                  <a:buNone/>
+                </a:pPr>
+                <a14:m>
+                  <m:oMathPara xmlns:m="http://schemas.openxmlformats.org/officeDocument/2006/math">
+                    <m:oMathParaPr>
+                      <m:jc m:val="centerGroup"/>
+                    </m:oMathParaPr>
+                    <m:oMath xmlns:m="http://schemas.openxmlformats.org/officeDocument/2006/math">
+                      <m:sSub>
+                        <m:sSubPr>
+                          <m:ctrlPr>
+                            <a:rPr lang="en-GB" b="1" i="1" smtClean="0">
+                              <a:latin typeface="Cambria Math"/>
+                            </a:rPr>
+                          </m:ctrlPr>
+                        </m:sSubPr>
+                        <m:e>
+                          <m:r>
+                            <a:rPr lang="en-GB" b="1" i="1" smtClean="0">
+                              <a:latin typeface="Cambria Math"/>
+                            </a:rPr>
+                            <m:t>𝑲</m:t>
+                          </m:r>
+                        </m:e>
+                        <m:sub>
+                          <m:r>
+                            <a:rPr lang="en-GB" b="1" i="1" smtClean="0">
+                              <a:latin typeface="Cambria Math"/>
+                            </a:rPr>
+                            <m:t>𝒊</m:t>
+                          </m:r>
+                          <m:r>
+                            <a:rPr lang="en-GB" b="1" i="1" smtClean="0">
+                              <a:latin typeface="Cambria Math"/>
+                            </a:rPr>
+                            <m:t>,</m:t>
+                          </m:r>
+                          <m:r>
+                            <a:rPr lang="en-GB" b="1" i="1" smtClean="0">
+                              <a:latin typeface="Cambria Math"/>
+                            </a:rPr>
+                            <m:t>𝒋</m:t>
+                          </m:r>
+                        </m:sub>
+                      </m:sSub>
+                      <m:r>
+                        <a:rPr lang="en-GB" b="0" i="1" smtClean="0">
+                          <a:latin typeface="Cambria Math"/>
+                        </a:rPr>
+                        <m:t>=</m:t>
+                      </m:r>
+                      <m:sSub>
+                        <m:sSubPr>
+                          <m:ctrlPr>
+                            <a:rPr lang="en-GB" i="1">
+                              <a:latin typeface="Cambria Math"/>
+                            </a:rPr>
+                          </m:ctrlPr>
+                        </m:sSubPr>
+                        <m:e>
+                          <m:r>
+                            <a:rPr lang="en-GB" i="1">
+                              <a:latin typeface="Cambria Math"/>
+                            </a:rPr>
+                            <m:t>𝑘</m:t>
+                          </m:r>
+                        </m:e>
+                        <m:sub>
+                          <m:r>
+                            <a:rPr lang="en-GB" i="1">
+                              <a:latin typeface="Cambria Math"/>
+                            </a:rPr>
+                            <m:t>𝑖</m:t>
+                          </m:r>
+                          <m:r>
+                            <a:rPr lang="en-GB" i="1">
+                              <a:latin typeface="Cambria Math"/>
+                            </a:rPr>
+                            <m:t>,</m:t>
+                          </m:r>
+                          <m:r>
+                            <a:rPr lang="en-GB" i="1">
+                              <a:latin typeface="Cambria Math"/>
+                            </a:rPr>
+                            <m:t>𝑗</m:t>
+                          </m:r>
+                        </m:sub>
+                      </m:sSub>
+                      <m:d>
+                        <m:dPr>
+                          <m:begChr m:val="["/>
+                          <m:endChr m:val="]"/>
+                          <m:ctrlPr>
+                            <a:rPr lang="en-GB" i="1" smtClean="0">
+                              <a:latin typeface="Cambria Math"/>
+                            </a:rPr>
+                          </m:ctrlPr>
+                        </m:dPr>
+                        <m:e>
+                          <m:m>
+                            <m:mPr>
+                              <m:plcHide m:val="on"/>
+                              <m:mcs>
+                                <m:mc>
+                                  <m:mcPr>
+                                    <m:count m:val="5"/>
+                                    <m:mcJc m:val="center"/>
+                                  </m:mcPr>
+                                </m:mc>
+                              </m:mcs>
+                              <m:ctrlPr>
+                                <a:rPr lang="en-GB" i="1" smtClean="0">
+                                  <a:latin typeface="Cambria Math"/>
+                                </a:rPr>
+                              </m:ctrlPr>
+                            </m:mPr>
+                            <m:mr>
+                              <m:e/>
+                              <m:e>
+                                <m:r>
+                                  <a:rPr lang="en-GB" i="1">
+                                    <a:latin typeface="Cambria Math"/>
+                                  </a:rPr>
+                                  <m:t>⋮</m:t>
+                                </m:r>
+                              </m:e>
+                              <m:e/>
+                              <m:e>
+                                <m:r>
+                                  <a:rPr lang="en-GB" i="1">
+                                    <a:latin typeface="Cambria Math"/>
+                                  </a:rPr>
+                                  <m:t>⋮</m:t>
+                                </m:r>
+                              </m:e>
+                              <m:e/>
+                            </m:mr>
+                            <m:mr>
+                              <m:e>
+                                <m:r>
+                                  <a:rPr lang="en-GB" i="1">
+                                    <a:latin typeface="Cambria Math"/>
+                                  </a:rPr>
+                                  <m:t>⋯</m:t>
+                                </m:r>
+                              </m:e>
+                              <m:e>
+                                <m:r>
+                                  <a:rPr lang="en-GB" b="0" i="1" smtClean="0">
+                                    <a:latin typeface="Cambria Math"/>
+                                  </a:rPr>
+                                  <m:t>1</m:t>
+                                </m:r>
+                              </m:e>
+                              <m:e>
+                                <m:r>
+                                  <a:rPr lang="en-GB" i="1">
+                                    <a:latin typeface="Cambria Math"/>
+                                  </a:rPr>
+                                  <m:t>⋯</m:t>
+                                </m:r>
+                              </m:e>
+                              <m:e>
+                                <m:r>
+                                  <a:rPr lang="en-GB" i="1">
+                                    <a:latin typeface="Cambria Math"/>
+                                  </a:rPr>
+                                  <m:t>−</m:t>
+                                </m:r>
+                                <m:r>
+                                  <a:rPr lang="en-GB" b="0" i="1" smtClean="0">
+                                    <a:latin typeface="Cambria Math"/>
+                                  </a:rPr>
+                                  <m:t>1</m:t>
+                                </m:r>
+                              </m:e>
+                              <m:e>
+                                <m:r>
+                                  <a:rPr lang="en-GB" i="1">
+                                    <a:latin typeface="Cambria Math"/>
+                                  </a:rPr>
+                                  <m:t>⋯</m:t>
+                                </m:r>
+                              </m:e>
+                            </m:mr>
+                            <m:mr>
+                              <m:e/>
+                              <m:e>
+                                <m:r>
+                                  <a:rPr lang="en-GB" i="1">
+                                    <a:latin typeface="Cambria Math"/>
+                                  </a:rPr>
+                                  <m:t>⋮</m:t>
+                                </m:r>
+                              </m:e>
+                              <m:e/>
+                              <m:e>
+                                <m:r>
+                                  <a:rPr lang="en-GB" i="1">
+                                    <a:latin typeface="Cambria Math"/>
+                                  </a:rPr>
+                                  <m:t>⋮</m:t>
+                                </m:r>
+                              </m:e>
+                              <m:e/>
+                            </m:mr>
+                            <m:mr>
+                              <m:e>
+                                <m:r>
+                                  <a:rPr lang="en-GB" i="1">
+                                    <a:latin typeface="Cambria Math"/>
+                                  </a:rPr>
+                                  <m:t>⋯</m:t>
+                                </m:r>
+                              </m:e>
+                              <m:e>
+                                <m:r>
+                                  <a:rPr lang="en-GB" i="1">
+                                    <a:latin typeface="Cambria Math"/>
+                                  </a:rPr>
+                                  <m:t>−</m:t>
+                                </m:r>
+                                <m:r>
+                                  <a:rPr lang="en-GB" b="0" i="1" smtClean="0">
+                                    <a:latin typeface="Cambria Math"/>
+                                  </a:rPr>
+                                  <m:t>1</m:t>
+                                </m:r>
+                              </m:e>
+                              <m:e>
+                                <m:r>
+                                  <a:rPr lang="en-GB" i="1">
+                                    <a:latin typeface="Cambria Math"/>
+                                  </a:rPr>
+                                  <m:t>⋯</m:t>
+                                </m:r>
+                              </m:e>
+                              <m:e>
+                                <m:r>
+                                  <a:rPr lang="en-GB" b="0" i="1" smtClean="0">
+                                    <a:latin typeface="Cambria Math"/>
+                                  </a:rPr>
+                                  <m:t>1</m:t>
+                                </m:r>
+                              </m:e>
+                              <m:e>
+                                <m:r>
+                                  <a:rPr lang="en-GB" i="1">
+                                    <a:latin typeface="Cambria Math"/>
+                                  </a:rPr>
+                                  <m:t>⋯</m:t>
+                                </m:r>
+                              </m:e>
+                            </m:mr>
+                            <m:mr>
+                              <m:e/>
+                              <m:e>
+                                <m:r>
+                                  <a:rPr lang="en-GB" i="1">
+                                    <a:latin typeface="Cambria Math"/>
+                                  </a:rPr>
+                                  <m:t>⋮</m:t>
+                                </m:r>
+                              </m:e>
+                              <m:e/>
+                              <m:e>
+                                <m:r>
+                                  <a:rPr lang="en-GB" i="1">
+                                    <a:latin typeface="Cambria Math"/>
+                                  </a:rPr>
+                                  <m:t>⋮</m:t>
+                                </m:r>
+                              </m:e>
+                              <m:e/>
+                            </m:mr>
+                          </m:m>
+                        </m:e>
+                      </m:d>
+                      <m:r>
+                        <m:rPr>
+                          <m:lit/>
+                        </m:rPr>
+                        <a:rPr lang="en-GB" b="0" i="1" smtClean="0">
+                          <a:latin typeface="Cambria Math"/>
+                        </a:rPr>
+                        <m:t>,</m:t>
+                      </m:r>
+                      <m:r>
+                        <a:rPr lang="en-GB" b="0" i="1" smtClean="0">
+                          <a:latin typeface="Cambria Math"/>
+                        </a:rPr>
+                        <m:t> </m:t>
+                      </m:r>
+                      <m:r>
+                        <a:rPr lang="en-GB" b="1" i="1" smtClean="0">
+                          <a:latin typeface="Cambria Math"/>
+                        </a:rPr>
+                        <m:t> </m:t>
+                      </m:r>
+                      <m:sSub>
+                        <m:sSubPr>
+                          <m:ctrlPr>
+                            <a:rPr lang="en-GB" b="1" i="1">
+                              <a:latin typeface="Cambria Math"/>
+                            </a:rPr>
+                          </m:ctrlPr>
+                        </m:sSubPr>
+                        <m:e>
+                          <m:r>
+                            <a:rPr lang="en-GB" b="1" i="1">
+                              <a:latin typeface="Cambria Math"/>
+                            </a:rPr>
+                            <m:t>𝑲</m:t>
+                          </m:r>
+                        </m:e>
+                        <m:sub>
+                          <m:r>
+                            <a:rPr lang="en-GB" b="1" i="1">
+                              <a:latin typeface="Cambria Math"/>
+                            </a:rPr>
+                            <m:t>𝒊</m:t>
+                          </m:r>
+                          <m:r>
+                            <a:rPr lang="en-GB" b="1" i="1">
+                              <a:latin typeface="Cambria Math"/>
+                            </a:rPr>
+                            <m:t>,</m:t>
+                          </m:r>
+                          <m:r>
+                            <a:rPr lang="en-GB" b="1" i="1">
+                              <a:latin typeface="Cambria Math"/>
+                            </a:rPr>
+                            <m:t>𝑮</m:t>
+                          </m:r>
+                          <m:r>
+                            <a:rPr lang="en-GB" b="1" i="1">
+                              <a:latin typeface="Cambria Math"/>
+                            </a:rPr>
+                            <m:t> </m:t>
+                          </m:r>
+                        </m:sub>
+                      </m:sSub>
+                      <m:r>
+                        <a:rPr lang="en-GB" b="1" i="1" smtClean="0">
+                          <a:latin typeface="Cambria Math"/>
+                        </a:rPr>
+                        <m:t>=</m:t>
+                      </m:r>
+                      <m:sSub>
+                        <m:sSubPr>
+                          <m:ctrlPr>
+                            <a:rPr lang="en-GB" i="1">
+                              <a:latin typeface="Cambria Math"/>
+                            </a:rPr>
+                          </m:ctrlPr>
+                        </m:sSubPr>
+                        <m:e>
+                          <m:r>
+                            <a:rPr lang="en-GB" i="1">
+                              <a:latin typeface="Cambria Math"/>
+                            </a:rPr>
+                            <m:t>𝑘</m:t>
+                          </m:r>
+                        </m:e>
+                        <m:sub>
+                          <m:r>
+                            <a:rPr lang="en-GB" i="1">
+                              <a:latin typeface="Cambria Math"/>
+                            </a:rPr>
+                            <m:t>𝑖</m:t>
+                          </m:r>
+                          <m:r>
+                            <a:rPr lang="en-GB" i="1">
+                              <a:latin typeface="Cambria Math"/>
+                            </a:rPr>
+                            <m:t>,</m:t>
+                          </m:r>
+                          <m:r>
+                            <a:rPr lang="en-GB" b="0" i="1" smtClean="0">
+                              <a:latin typeface="Cambria Math"/>
+                            </a:rPr>
+                            <m:t>𝐺</m:t>
+                          </m:r>
+                        </m:sub>
+                      </m:sSub>
+                      <m:d>
+                        <m:dPr>
+                          <m:begChr m:val="["/>
+                          <m:endChr m:val="]"/>
+                          <m:ctrlPr>
+                            <a:rPr lang="en-GB" i="1" smtClean="0">
+                              <a:latin typeface="Cambria Math"/>
+                            </a:rPr>
+                          </m:ctrlPr>
+                        </m:dPr>
+                        <m:e>
+                          <m:m>
+                            <m:mPr>
+                              <m:plcHide m:val="on"/>
+                              <m:mcs>
+                                <m:mc>
+                                  <m:mcPr>
+                                    <m:count m:val="3"/>
+                                    <m:mcJc m:val="center"/>
+                                  </m:mcPr>
+                                </m:mc>
+                              </m:mcs>
+                              <m:ctrlPr>
+                                <a:rPr lang="en-GB" i="1" smtClean="0">
+                                  <a:latin typeface="Cambria Math"/>
+                                </a:rPr>
+                              </m:ctrlPr>
+                            </m:mPr>
+                            <m:mr>
+                              <m:e/>
+                              <m:e>
+                                <m:r>
+                                  <a:rPr lang="en-GB" i="1">
+                                    <a:latin typeface="Cambria Math"/>
+                                  </a:rPr>
+                                  <m:t>⋮</m:t>
+                                </m:r>
+                              </m:e>
+                              <m:e/>
+                            </m:mr>
+                            <m:mr>
+                              <m:e>
+                                <m:r>
+                                  <a:rPr lang="en-GB" i="1">
+                                    <a:latin typeface="Cambria Math"/>
+                                  </a:rPr>
+                                  <m:t>⋯</m:t>
+                                </m:r>
+                              </m:e>
+                              <m:e>
+                                <m:r>
+                                  <a:rPr lang="en-GB" b="0" i="1" smtClean="0">
+                                    <a:latin typeface="Cambria Math"/>
+                                  </a:rPr>
+                                  <m:t>1</m:t>
+                                </m:r>
+                              </m:e>
+                              <m:e>
+                                <m:r>
+                                  <a:rPr lang="en-GB" i="1">
+                                    <a:latin typeface="Cambria Math"/>
+                                  </a:rPr>
+                                  <m:t>⋯</m:t>
+                                </m:r>
+                              </m:e>
+                            </m:mr>
+                            <m:mr>
+                              <m:e/>
+                              <m:e>
+                                <m:r>
+                                  <a:rPr lang="en-GB" i="1">
+                                    <a:latin typeface="Cambria Math"/>
+                                  </a:rPr>
+                                  <m:t>⋮</m:t>
+                                </m:r>
+                              </m:e>
+                              <m:e/>
+                            </m:mr>
+                          </m:m>
+                        </m:e>
+                      </m:d>
+                    </m:oMath>
+                  </m:oMathPara>
+                </a14:m>
+                <a:endParaRPr lang="en-GB" dirty="0" smtClean="0"/>
+              </a:p>
+              <a:p>
+                <a:pPr marL="0" indent="0">
+                  <a:buNone/>
+                </a:pPr>
+                <a:endParaRPr lang="en-GB" dirty="0" smtClean="0"/>
+              </a:p>
+              <a:p>
+                <a:pPr marL="0" indent="0">
+                  <a:buNone/>
+                </a:pPr>
+                <a:r>
+                  <a:rPr lang="en-GB" dirty="0" smtClean="0"/>
+                  <a:t>(</a:t>
+                </a:r>
+                <a:r>
+                  <a:rPr lang="en-GB" dirty="0"/>
+                  <a:t>dotted lines are rows and columns </a:t>
+                </a:r>
+                <a14:m>
+                  <m:oMath xmlns:m="http://schemas.openxmlformats.org/officeDocument/2006/math">
+                    <m:r>
+                      <a:rPr lang="en-GB" i="1" dirty="0">
+                        <a:latin typeface="Cambria Math"/>
+                      </a:rPr>
+                      <m:t>𝑖</m:t>
+                    </m:r>
+                  </m:oMath>
+                </a14:m>
+                <a:r>
+                  <a:rPr lang="en-GB" dirty="0"/>
+                  <a:t> and </a:t>
+                </a:r>
+                <a14:m>
+                  <m:oMath xmlns:m="http://schemas.openxmlformats.org/officeDocument/2006/math">
+                    <m:r>
+                      <a:rPr lang="en-GB" i="1" dirty="0">
+                        <a:latin typeface="Cambria Math"/>
+                      </a:rPr>
+                      <m:t>𝑗</m:t>
+                    </m:r>
+                  </m:oMath>
+                </a14:m>
+                <a:r>
+                  <a:rPr lang="en-GB" dirty="0" smtClean="0"/>
+                  <a:t>)</a:t>
+                </a:r>
+              </a:p>
+              <a:p>
+                <a:pPr marL="0" indent="0">
+                  <a:buNone/>
+                </a:pPr>
+                <a:r>
+                  <a:rPr lang="en-GB" dirty="0"/>
+                  <a:t/>
+                </a:r>
+                <a:br>
+                  <a:rPr lang="en-GB" dirty="0"/>
+                </a:br>
+                <a14:m>
+                  <m:oMath xmlns:m="http://schemas.openxmlformats.org/officeDocument/2006/math">
+                    <m:r>
+                      <a:rPr lang="en-GB" b="1" dirty="0">
+                        <a:latin typeface="Cambria Math"/>
+                      </a:rPr>
+                      <m:t>𝚲</m:t>
+                    </m:r>
+                  </m:oMath>
+                </a14:m>
+                <a:r>
+                  <a:rPr lang="en-GB" dirty="0" smtClean="0"/>
+                  <a:t> can be found in exactly the same way</a:t>
+                </a:r>
+                <a:endParaRPr lang="en-GB" dirty="0"/>
+              </a:p>
+            </p:txBody>
+          </p:sp>
+        </mc:Choice>
+        <mc:Fallback>
+          <p:sp>
+            <p:nvSpPr>
+              <p:cNvPr id="3" name="Content Placeholder 2"/>
+              <p:cNvSpPr>
+                <a:spLocks noGrp="1" noRot="1" noChangeAspect="1" noMove="1" noResize="1" noEditPoints="1" noAdjustHandles="1" noChangeArrowheads="1" noChangeShapeType="1" noTextEdit="1"/>
+              </p:cNvSpPr>
+              <p:nvPr>
+                <p:ph idx="1"/>
+              </p:nvPr>
+            </p:nvSpPr>
+            <p:spPr>
+              <a:blipFill rotWithShape="1">
+                <a:blip r:embed="rId2"/>
+                <a:stretch>
+                  <a:fillRect l="-889" t="-2156"/>
+                </a:stretch>
+              </a:blipFill>
+            </p:spPr>
+            <p:txBody>
+              <a:bodyPr/>
+              <a:lstStyle/>
+              <a:p>
+                <a:r>
+                  <a:rPr lang="en-GB">
+                    <a:noFill/>
+                  </a:rPr>
+                  <a:t> </a:t>
+                </a:r>
+              </a:p>
+            </p:txBody>
+          </p:sp>
+        </mc:Fallback>
+      </mc:AlternateContent>
     </p:spTree>
+    <p:extLst>
+      <p:ext uri="{BB962C8B-B14F-4D97-AF65-F5344CB8AC3E}">
+        <p14:creationId xmlns:p14="http://schemas.microsoft.com/office/powerpoint/2010/main" val="3854000270"/>
+      </p:ext>
+    </p:extLst>
   </p:cSld>
   <p:clrMapOvr>
     <a:masterClrMapping/>
   </p:clrMapOvr>
+  <p:timing>
+    <p:tnLst>
+      <p:par>
+        <p:cTn id="1" dur="indefinite" restart="never" nodeType="tmRoot"/>
+      </p:par>
+    </p:tnLst>
+  </p:timing>
 </p:sld>
 </file>
 
@@ -4515,7 +5597,7 @@
           <a:p>
             <a:r>
               <a:rPr lang="en-GB" dirty="0" smtClean="0"/>
-              <a:t>Frequency response</a:t>
+              <a:t>Time response</a:t>
             </a:r>
             <a:endParaRPr lang="en-GB" dirty="0"/>
           </a:p>
@@ -4537,46 +5619,78 @@
           <a:lstStyle/>
           <a:p>
             <a:r>
-              <a:rPr lang="en-GB" dirty="0" err="1" smtClean="0"/>
-              <a:t>fft</a:t>
-            </a:r>
-            <a:r>
-              <a:rPr lang="en-GB" dirty="0" smtClean="0"/>
-              <a:t> of the time response (using </a:t>
-            </a:r>
-            <a:r>
-              <a:rPr lang="en-GB" dirty="0" err="1" smtClean="0"/>
-              <a:t>builtins</a:t>
-            </a:r>
-            <a:r>
-              <a:rPr lang="en-GB" dirty="0" smtClean="0"/>
-              <a:t>)</a:t>
-            </a:r>
-          </a:p>
-          <a:p>
-            <a:r>
-              <a:rPr lang="en-GB" dirty="0" smtClean="0"/>
-              <a:t>When subjected to a frequency-sweep input</a:t>
-            </a:r>
-          </a:p>
-          <a:p>
-            <a:r>
-              <a:rPr lang="en-GB" dirty="0" smtClean="0"/>
-              <a:t>Causes artefacts in [graph]</a:t>
-            </a:r>
-          </a:p>
-          <a:p>
-            <a:r>
-              <a:rPr lang="en-GB" dirty="0" smtClean="0"/>
-              <a:t>We can do it algebraically too</a:t>
-            </a:r>
-          </a:p>
-          <a:p>
-            <a:r>
-              <a:rPr lang="en-GB" dirty="0" smtClean="0"/>
-              <a:t> [equations]</a:t>
-            </a:r>
-            <a:endParaRPr lang="en-GB" dirty="0"/>
+              <a:rPr lang="en-GB" dirty="0" err="1" smtClean="0">
+                <a:latin typeface="+mj-lt"/>
+              </a:rPr>
+              <a:t>Verlet</a:t>
+            </a:r>
+            <a:r>
+              <a:rPr lang="en-GB" dirty="0" smtClean="0">
+                <a:latin typeface="+mj-lt"/>
+              </a:rPr>
+              <a:t> integrator (like in mars </a:t>
+            </a:r>
+            <a:r>
+              <a:rPr lang="en-GB" dirty="0" err="1" smtClean="0">
+                <a:latin typeface="+mj-lt"/>
+              </a:rPr>
+              <a:t>lander</a:t>
+            </a:r>
+            <a:r>
+              <a:rPr lang="en-GB" dirty="0" smtClean="0">
+                <a:latin typeface="+mj-lt"/>
+              </a:rPr>
+              <a:t>!)</a:t>
+            </a:r>
+          </a:p>
+          <a:p>
+            <a:r>
+              <a:rPr lang="en-GB" dirty="0" smtClean="0">
+                <a:latin typeface="+mj-lt"/>
+              </a:rPr>
+              <a:t>Takes external force as a function of time</a:t>
+            </a:r>
+          </a:p>
+          <a:p>
+            <a:r>
+              <a:rPr lang="en-GB" dirty="0" smtClean="0">
+                <a:latin typeface="+mj-lt"/>
+              </a:rPr>
+              <a:t>Combines with M, K, and </a:t>
+            </a:r>
+            <a:r>
+              <a:rPr lang="el-GR" dirty="0" smtClean="0">
+                <a:latin typeface="+mj-lt"/>
+                <a:cs typeface="Times New Roman"/>
+              </a:rPr>
+              <a:t>Λ</a:t>
+            </a:r>
+            <a:r>
+              <a:rPr lang="en-GB" dirty="0" smtClean="0">
+                <a:latin typeface="+mj-lt"/>
+                <a:cs typeface="Times New Roman"/>
+              </a:rPr>
+              <a:t> to find acceleration</a:t>
+            </a:r>
+          </a:p>
+          <a:p>
+            <a:r>
+              <a:rPr lang="en-GB" dirty="0" smtClean="0">
+                <a:latin typeface="+mj-lt"/>
+                <a:cs typeface="Times New Roman"/>
+              </a:rPr>
+              <a:t>Works with vectors to find all displacements </a:t>
+            </a:r>
+            <a:r>
+              <a:rPr lang="en-GB" dirty="0" smtClean="0">
+                <a:latin typeface="+mj-lt"/>
+                <a:cs typeface="Times New Roman"/>
+              </a:rPr>
+              <a:t>simultaneously</a:t>
+            </a:r>
+            <a:endParaRPr lang="en-GB" dirty="0">
+              <a:latin typeface="+mj-lt"/>
+            </a:endParaRPr>
           </a:p>
         </p:txBody>
       </p:sp>
@@ -4585,6 +5699,13 @@
   <p:clrMapOvr>
     <a:masterClrMapping/>
   </p:clrMapOvr>
+  <p:timing>
+    <p:tnLst>
+      <p:par>
+        <p:cTn id="1" dur="indefinite" restart="never" nodeType="tmRoot"/>
+      </p:par>
+    </p:tnLst>
+  </p:timing>
 </p:sld>
 </file>
 
@@ -4622,51 +5743,616 @@
           <a:p>
             <a:r>
               <a:rPr lang="en-GB" dirty="0" smtClean="0"/>
-              <a:t>Finding resonant frequencies</a:t>
+              <a:t>Frequency response</a:t>
             </a:r>
             <a:endParaRPr lang="en-GB" dirty="0"/>
           </a:p>
         </p:txBody>
       </p:sp>
-      <p:sp>
-        <p:nvSpPr>
-          <p:cNvPr id="3" name="Content Placeholder 2"/>
-          <p:cNvSpPr>
-            <a:spLocks noGrp="1"/>
-          </p:cNvSpPr>
-          <p:nvPr>
-            <p:ph idx="1"/>
-          </p:nvPr>
-        </p:nvSpPr>
-        <p:spPr/>
-        <p:txBody>
-          <a:bodyPr/>
-          <a:lstStyle/>
-          <a:p>
-            <a:r>
-              <a:rPr lang="en-GB" dirty="0" smtClean="0"/>
-              <a:t>To a good approximation, numerically finding maxima on a frequency response is sufficient</a:t>
-            </a:r>
-          </a:p>
-          <a:p>
-            <a:r>
-              <a:rPr lang="en-GB" dirty="0" smtClean="0"/>
-              <a:t>Can also be solved by solving a quadratic equation with matrix coefficients (quadratic </a:t>
-            </a:r>
-            <a:r>
-              <a:rPr lang="en-GB" dirty="0" err="1" smtClean="0"/>
-              <a:t>eigenvalue</a:t>
-            </a:r>
-            <a:r>
-              <a:rPr lang="en-GB" dirty="0" smtClean="0"/>
-              <a:t> problem)</a:t>
-            </a:r>
-          </a:p>
-          <a:p>
-            <a:endParaRPr lang="en-GB" dirty="0"/>
-          </a:p>
-        </p:txBody>
-      </p:sp>
+      <mc:AlternateContent xmlns:mc="http://schemas.openxmlformats.org/markup-compatibility/2006">
+        <mc:Choice xmlns:a14="http://schemas.microsoft.com/office/drawing/2010/main" Requires="a14">
+          <p:sp>
+            <p:nvSpPr>
+              <p:cNvPr id="3" name="Content Placeholder 2"/>
+              <p:cNvSpPr>
+                <a:spLocks noGrp="1"/>
+              </p:cNvSpPr>
+              <p:nvPr>
+                <p:ph idx="1"/>
+              </p:nvPr>
+            </p:nvSpPr>
+            <p:spPr/>
+            <p:txBody>
+              <a:bodyPr>
+                <a:normAutofit fontScale="92500" lnSpcReduction="20000"/>
+              </a:bodyPr>
+              <a:lstStyle/>
+              <a:p>
+                <a:r>
+                  <a:rPr lang="en-GB" dirty="0" smtClean="0"/>
+                  <a:t>fft</a:t>
+                </a:r>
+                <a:r>
+                  <a:rPr lang="en-GB" dirty="0" smtClean="0"/>
+                  <a:t> of the time response (using </a:t>
+                </a:r>
+                <a:r>
+                  <a:rPr lang="en-GB" dirty="0" err="1" smtClean="0"/>
+                  <a:t>builtins</a:t>
+                </a:r>
+                <a:r>
+                  <a:rPr lang="en-GB" dirty="0" smtClean="0"/>
+                  <a:t>)</a:t>
+                </a:r>
+              </a:p>
+              <a:p>
+                <a:r>
+                  <a:rPr lang="en-GB" dirty="0" smtClean="0"/>
+                  <a:t>When subjected to a frequency-sweep input</a:t>
+                </a:r>
+              </a:p>
+              <a:p>
+                <a:r>
+                  <a:rPr lang="en-GB" dirty="0" smtClean="0"/>
+                  <a:t>Causes artefacts in [graph]</a:t>
+                </a:r>
+              </a:p>
+              <a:p>
+                <a:r>
+                  <a:rPr lang="en-GB" dirty="0" smtClean="0"/>
+                  <a:t>We can do it algebraically </a:t>
+                </a:r>
+                <a:r>
+                  <a:rPr lang="en-GB" dirty="0" smtClean="0"/>
+                  <a:t>too:</a:t>
+                </a:r>
+              </a:p>
+              <a:p>
+                <a:pPr marL="457200" lvl="1" indent="0">
+                  <a:buNone/>
+                </a:pPr>
+                <a:endParaRPr lang="en-GB" dirty="0"/>
+              </a:p>
+              <a:p>
+                <a:pPr marL="457200" lvl="1" indent="0">
+                  <a:buNone/>
+                </a:pPr>
+                <a14:m>
+                  <m:oMathPara xmlns:m="http://schemas.openxmlformats.org/officeDocument/2006/math">
+                    <m:oMathParaPr>
+                      <m:jc m:val="centerGroup"/>
+                    </m:oMathParaPr>
+                    <m:oMath xmlns:m="http://schemas.openxmlformats.org/officeDocument/2006/math">
+                      <m:r>
+                        <a:rPr lang="en-GB" b="1" i="1" dirty="0">
+                          <a:latin typeface="Cambria Math"/>
+                        </a:rPr>
+                        <m:t>𝒚</m:t>
+                      </m:r>
+                      <m:r>
+                        <m:rPr>
+                          <m:aln/>
+                        </m:rPr>
+                        <a:rPr lang="en-GB" b="1" i="1" dirty="0" smtClean="0">
+                          <a:latin typeface="Cambria Math"/>
+                        </a:rPr>
+                        <m:t>=</m:t>
+                      </m:r>
+                      <m:r>
+                        <a:rPr lang="en-GB" b="1" i="1" dirty="0" smtClean="0">
+                          <a:latin typeface="Cambria Math"/>
+                        </a:rPr>
+                        <m:t>𝒂</m:t>
+                      </m:r>
+                      <m:sSup>
+                        <m:sSupPr>
+                          <m:ctrlPr>
+                            <a:rPr lang="en-GB" b="0" i="1" dirty="0" smtClean="0">
+                              <a:latin typeface="Cambria Math"/>
+                            </a:rPr>
+                          </m:ctrlPr>
+                        </m:sSupPr>
+                        <m:e>
+                          <m:r>
+                            <a:rPr lang="en-GB" b="0" i="1" dirty="0" smtClean="0">
+                              <a:latin typeface="Cambria Math"/>
+                            </a:rPr>
+                            <m:t>𝑒</m:t>
+                          </m:r>
+                        </m:e>
+                        <m:sup>
+                          <m:r>
+                            <a:rPr lang="en-GB" b="0" i="1" dirty="0" smtClean="0">
+                              <a:latin typeface="Cambria Math"/>
+                            </a:rPr>
+                            <m:t>𝑖</m:t>
+                          </m:r>
+                          <m:r>
+                            <a:rPr lang="en-GB" b="0" i="1" dirty="0" smtClean="0">
+                              <a:latin typeface="Cambria Math"/>
+                            </a:rPr>
+                            <m:t>𝜔</m:t>
+                          </m:r>
+                          <m:r>
+                            <a:rPr lang="en-GB" b="0" i="1" dirty="0" smtClean="0">
+                              <a:latin typeface="Cambria Math"/>
+                            </a:rPr>
+                            <m:t>𝑡</m:t>
+                          </m:r>
+                        </m:sup>
+                      </m:sSup>
+                    </m:oMath>
+                    <m:oMath xmlns:m="http://schemas.openxmlformats.org/officeDocument/2006/math">
+                      <m:r>
+                        <a:rPr lang="en-GB" b="1" i="1" dirty="0">
+                          <a:latin typeface="Cambria Math"/>
+                        </a:rPr>
+                        <m:t>𝑴</m:t>
+                      </m:r>
+                      <m:acc>
+                        <m:accPr>
+                          <m:chr m:val="̈"/>
+                          <m:ctrlPr>
+                            <a:rPr lang="en-GB" i="1" dirty="0">
+                              <a:latin typeface="Cambria Math"/>
+                            </a:rPr>
+                          </m:ctrlPr>
+                        </m:accPr>
+                        <m:e>
+                          <m:r>
+                            <a:rPr lang="en-GB" b="1" i="1" dirty="0" smtClean="0">
+                              <a:latin typeface="Cambria Math"/>
+                            </a:rPr>
+                            <m:t>𝒚</m:t>
+                          </m:r>
+                        </m:e>
+                      </m:acc>
+                      <m:r>
+                        <a:rPr lang="en-GB" i="1" dirty="0">
+                          <a:latin typeface="Cambria Math"/>
+                        </a:rPr>
+                        <m:t>+</m:t>
+                      </m:r>
+                      <m:r>
+                        <a:rPr lang="en-GB" b="1" dirty="0">
+                          <a:latin typeface="Cambria Math"/>
+                        </a:rPr>
+                        <m:t>𝚲</m:t>
+                      </m:r>
+                      <m:acc>
+                        <m:accPr>
+                          <m:chr m:val="̇"/>
+                          <m:ctrlPr>
+                            <a:rPr lang="en-GB" i="1" dirty="0">
+                              <a:latin typeface="Cambria Math"/>
+                            </a:rPr>
+                          </m:ctrlPr>
+                        </m:accPr>
+                        <m:e>
+                          <m:r>
+                            <a:rPr lang="en-GB" b="1" i="1" dirty="0">
+                              <a:latin typeface="Cambria Math"/>
+                            </a:rPr>
+                            <m:t>𝒚</m:t>
+                          </m:r>
+                        </m:e>
+                      </m:acc>
+                      <m:r>
+                        <a:rPr lang="en-GB" i="1" dirty="0">
+                          <a:latin typeface="Cambria Math"/>
+                        </a:rPr>
+                        <m:t>+</m:t>
+                      </m:r>
+                      <m:r>
+                        <a:rPr lang="en-GB" b="1" i="1" dirty="0">
+                          <a:latin typeface="Cambria Math"/>
+                        </a:rPr>
+                        <m:t>𝑲𝒚</m:t>
+                      </m:r>
+                      <m:r>
+                        <m:rPr>
+                          <m:aln/>
+                        </m:rPr>
+                        <a:rPr lang="en-GB" i="1" dirty="0">
+                          <a:latin typeface="Cambria Math"/>
+                        </a:rPr>
+                        <m:t>=</m:t>
+                      </m:r>
+                      <m:r>
+                        <a:rPr lang="en-GB" b="1" i="1" dirty="0">
+                          <a:latin typeface="Cambria Math"/>
+                        </a:rPr>
+                        <m:t>𝒇</m:t>
+                      </m:r>
+                    </m:oMath>
+                    <m:oMath xmlns:m="http://schemas.openxmlformats.org/officeDocument/2006/math">
+                      <m:sSup>
+                        <m:sSupPr>
+                          <m:ctrlPr>
+                            <a:rPr lang="en-GB" b="1" i="1" dirty="0" smtClean="0">
+                              <a:latin typeface="Cambria Math"/>
+                            </a:rPr>
+                          </m:ctrlPr>
+                        </m:sSupPr>
+                        <m:e>
+                          <m:r>
+                            <a:rPr lang="en-GB" b="0" i="1" dirty="0" smtClean="0">
+                              <a:latin typeface="Cambria Math"/>
+                            </a:rPr>
+                            <m:t>−</m:t>
+                          </m:r>
+                          <m:r>
+                            <a:rPr lang="en-GB" i="1" dirty="0">
+                              <a:latin typeface="Cambria Math"/>
+                            </a:rPr>
+                            <m:t>𝜔</m:t>
+                          </m:r>
+                        </m:e>
+                        <m:sup>
+                          <m:r>
+                            <a:rPr lang="en-GB" b="1" i="1" dirty="0" smtClean="0">
+                              <a:latin typeface="Cambria Math"/>
+                            </a:rPr>
+                            <m:t>𝟐</m:t>
+                          </m:r>
+                        </m:sup>
+                      </m:sSup>
+                      <m:r>
+                        <a:rPr lang="en-GB" b="1" i="1" dirty="0">
+                          <a:latin typeface="Cambria Math"/>
+                        </a:rPr>
+                        <m:t>𝑴</m:t>
+                      </m:r>
+                      <m:r>
+                        <a:rPr lang="en-GB" b="1" i="1" dirty="0" smtClean="0">
+                          <a:latin typeface="Cambria Math"/>
+                        </a:rPr>
+                        <m:t>𝒂</m:t>
+                      </m:r>
+                      <m:r>
+                        <a:rPr lang="en-GB" i="1" dirty="0">
+                          <a:latin typeface="Cambria Math"/>
+                        </a:rPr>
+                        <m:t>+</m:t>
+                      </m:r>
+                      <m:r>
+                        <a:rPr lang="en-GB" b="0" i="1" dirty="0" smtClean="0">
+                          <a:latin typeface="Cambria Math"/>
+                        </a:rPr>
+                        <m:t>𝑖</m:t>
+                      </m:r>
+                      <m:r>
+                        <a:rPr lang="en-GB" i="1" dirty="0">
+                          <a:latin typeface="Cambria Math"/>
+                        </a:rPr>
+                        <m:t>𝜔</m:t>
+                      </m:r>
+                      <m:r>
+                        <a:rPr lang="en-GB" b="1" dirty="0">
+                          <a:latin typeface="Cambria Math"/>
+                        </a:rPr>
+                        <m:t>𝚲</m:t>
+                      </m:r>
+                      <m:r>
+                        <a:rPr lang="en-GB" b="1" i="1" dirty="0" smtClean="0">
+                          <a:latin typeface="Cambria Math"/>
+                        </a:rPr>
+                        <m:t>𝒂</m:t>
+                      </m:r>
+                      <m:r>
+                        <a:rPr lang="en-GB" i="1" dirty="0">
+                          <a:latin typeface="Cambria Math"/>
+                        </a:rPr>
+                        <m:t>+</m:t>
+                      </m:r>
+                      <m:r>
+                        <a:rPr lang="en-GB" b="1" i="1" dirty="0">
+                          <a:latin typeface="Cambria Math"/>
+                        </a:rPr>
+                        <m:t>𝑲</m:t>
+                      </m:r>
+                      <m:r>
+                        <a:rPr lang="en-GB" b="1" i="1" dirty="0" smtClean="0">
+                          <a:latin typeface="Cambria Math"/>
+                        </a:rPr>
+                        <m:t>𝒂</m:t>
+                      </m:r>
+                      <m:r>
+                        <m:rPr>
+                          <m:aln/>
+                        </m:rPr>
+                        <a:rPr lang="en-GB" i="1" dirty="0">
+                          <a:latin typeface="Cambria Math"/>
+                        </a:rPr>
+                        <m:t>=</m:t>
+                      </m:r>
+                      <m:r>
+                        <a:rPr lang="en-GB" b="1" i="1" dirty="0">
+                          <a:latin typeface="Cambria Math"/>
+                        </a:rPr>
+                        <m:t>𝒇</m:t>
+                      </m:r>
+                    </m:oMath>
+                    <m:oMath xmlns:m="http://schemas.openxmlformats.org/officeDocument/2006/math">
+                      <m:d>
+                        <m:dPr>
+                          <m:ctrlPr>
+                            <a:rPr lang="en-GB" b="1" i="1" dirty="0" smtClean="0">
+                              <a:latin typeface="Cambria Math"/>
+                            </a:rPr>
+                          </m:ctrlPr>
+                        </m:dPr>
+                        <m:e>
+                          <m:r>
+                            <a:rPr lang="en-GB" b="1" i="1" dirty="0" smtClean="0">
+                              <a:latin typeface="Cambria Math"/>
+                            </a:rPr>
+                            <m:t>−</m:t>
+                          </m:r>
+                          <m:sSup>
+                            <m:sSupPr>
+                              <m:ctrlPr>
+                                <a:rPr lang="en-GB" b="1" i="1" dirty="0">
+                                  <a:latin typeface="Cambria Math"/>
+                                </a:rPr>
+                              </m:ctrlPr>
+                            </m:sSupPr>
+                            <m:e>
+                              <m:r>
+                                <a:rPr lang="en-GB" i="1" dirty="0">
+                                  <a:latin typeface="Cambria Math"/>
+                                </a:rPr>
+                                <m:t>𝜔</m:t>
+                              </m:r>
+                            </m:e>
+                            <m:sup>
+                              <m:r>
+                                <a:rPr lang="en-GB" b="1" i="1" dirty="0">
+                                  <a:latin typeface="Cambria Math"/>
+                                </a:rPr>
+                                <m:t>𝟐</m:t>
+                              </m:r>
+                            </m:sup>
+                          </m:sSup>
+                          <m:r>
+                            <a:rPr lang="en-GB" b="1" i="1" dirty="0">
+                              <a:latin typeface="Cambria Math"/>
+                            </a:rPr>
+                            <m:t>𝑴</m:t>
+                          </m:r>
+                          <m:r>
+                            <a:rPr lang="en-GB" i="1" dirty="0">
+                              <a:latin typeface="Cambria Math"/>
+                            </a:rPr>
+                            <m:t>+</m:t>
+                          </m:r>
+                          <m:r>
+                            <a:rPr lang="en-GB" b="0" i="1" dirty="0" smtClean="0">
+                              <a:latin typeface="Cambria Math"/>
+                            </a:rPr>
+                            <m:t>𝑖</m:t>
+                          </m:r>
+                          <m:r>
+                            <a:rPr lang="en-GB" i="1" dirty="0">
+                              <a:latin typeface="Cambria Math"/>
+                            </a:rPr>
+                            <m:t>𝜔</m:t>
+                          </m:r>
+                          <m:r>
+                            <a:rPr lang="en-GB" b="1" dirty="0">
+                              <a:latin typeface="Cambria Math"/>
+                            </a:rPr>
+                            <m:t>𝚲</m:t>
+                          </m:r>
+                          <m:r>
+                            <a:rPr lang="en-GB" i="1" dirty="0">
+                              <a:latin typeface="Cambria Math"/>
+                            </a:rPr>
+                            <m:t>+</m:t>
+                          </m:r>
+                          <m:r>
+                            <a:rPr lang="en-GB" b="1" i="1" dirty="0">
+                              <a:latin typeface="Cambria Math"/>
+                            </a:rPr>
+                            <m:t>𝑲</m:t>
+                          </m:r>
+                        </m:e>
+                      </m:d>
+                      <m:r>
+                        <a:rPr lang="en-GB" b="1" i="1" dirty="0" smtClean="0">
+                          <a:latin typeface="Cambria Math"/>
+                        </a:rPr>
+                        <m:t>𝒂</m:t>
+                      </m:r>
+                      <m:r>
+                        <m:rPr>
+                          <m:aln/>
+                        </m:rPr>
+                        <a:rPr lang="en-GB" i="1" dirty="0">
+                          <a:latin typeface="Cambria Math"/>
+                        </a:rPr>
+                        <m:t>=</m:t>
+                      </m:r>
+                      <m:r>
+                        <a:rPr lang="en-GB" b="1" i="1" dirty="0">
+                          <a:latin typeface="Cambria Math"/>
+                        </a:rPr>
+                        <m:t>𝒇</m:t>
+                      </m:r>
+                    </m:oMath>
+                    <m:oMath xmlns:m="http://schemas.openxmlformats.org/officeDocument/2006/math">
+                      <m:r>
+                        <a:rPr lang="en-GB" b="1" i="1" dirty="0">
+                          <a:latin typeface="Cambria Math"/>
+                        </a:rPr>
+                        <m:t>𝒂</m:t>
+                      </m:r>
+                      <m:r>
+                        <m:rPr>
+                          <m:aln/>
+                        </m:rPr>
+                        <a:rPr lang="en-GB" i="1" dirty="0">
+                          <a:latin typeface="Cambria Math"/>
+                        </a:rPr>
+                        <m:t>=</m:t>
+                      </m:r>
+                      <m:sSup>
+                        <m:sSupPr>
+                          <m:ctrlPr>
+                            <a:rPr lang="en-GB" b="1" i="1" dirty="0" smtClean="0">
+                              <a:latin typeface="Cambria Math"/>
+                            </a:rPr>
+                          </m:ctrlPr>
+                        </m:sSupPr>
+                        <m:e>
+                          <m:d>
+                            <m:dPr>
+                              <m:ctrlPr>
+                                <a:rPr lang="en-GB" b="1" i="1" dirty="0">
+                                  <a:latin typeface="Cambria Math"/>
+                                </a:rPr>
+                              </m:ctrlPr>
+                            </m:dPr>
+                            <m:e>
+                              <m:r>
+                                <a:rPr lang="en-GB" b="1" i="1" dirty="0" smtClean="0">
+                                  <a:latin typeface="Cambria Math"/>
+                                </a:rPr>
+                                <m:t>−</m:t>
+                              </m:r>
+                              <m:sSup>
+                                <m:sSupPr>
+                                  <m:ctrlPr>
+                                    <a:rPr lang="en-GB" b="1" i="1" dirty="0">
+                                      <a:latin typeface="Cambria Math"/>
+                                    </a:rPr>
+                                  </m:ctrlPr>
+                                </m:sSupPr>
+                                <m:e>
+                                  <m:r>
+                                    <a:rPr lang="en-GB" i="1" dirty="0">
+                                      <a:latin typeface="Cambria Math"/>
+                                    </a:rPr>
+                                    <m:t>𝜔</m:t>
+                                  </m:r>
+                                </m:e>
+                                <m:sup>
+                                  <m:r>
+                                    <a:rPr lang="en-GB" b="1" i="1" dirty="0">
+                                      <a:latin typeface="Cambria Math"/>
+                                    </a:rPr>
+                                    <m:t>𝟐</m:t>
+                                  </m:r>
+                                </m:sup>
+                              </m:sSup>
+                              <m:r>
+                                <a:rPr lang="en-GB" b="1" i="1" dirty="0">
+                                  <a:latin typeface="Cambria Math"/>
+                                </a:rPr>
+                                <m:t>𝑴</m:t>
+                              </m:r>
+                              <m:r>
+                                <a:rPr lang="en-GB" i="1" dirty="0">
+                                  <a:latin typeface="Cambria Math"/>
+                                </a:rPr>
+                                <m:t>+</m:t>
+                              </m:r>
+                              <m:r>
+                                <a:rPr lang="en-GB" b="0" i="1" dirty="0" smtClean="0">
+                                  <a:latin typeface="Cambria Math"/>
+                                </a:rPr>
+                                <m:t>𝑖</m:t>
+                              </m:r>
+                              <m:r>
+                                <a:rPr lang="en-GB" i="1" dirty="0">
+                                  <a:latin typeface="Cambria Math"/>
+                                </a:rPr>
+                                <m:t>𝜔</m:t>
+                              </m:r>
+                              <m:r>
+                                <a:rPr lang="en-GB" b="1" dirty="0">
+                                  <a:latin typeface="Cambria Math"/>
+                                </a:rPr>
+                                <m:t>𝚲</m:t>
+                              </m:r>
+                              <m:r>
+                                <a:rPr lang="en-GB" i="1" dirty="0">
+                                  <a:latin typeface="Cambria Math"/>
+                                </a:rPr>
+                                <m:t>+</m:t>
+                              </m:r>
+                              <m:r>
+                                <a:rPr lang="en-GB" b="1" i="1" dirty="0">
+                                  <a:latin typeface="Cambria Math"/>
+                                </a:rPr>
+                                <m:t>𝑲</m:t>
+                              </m:r>
+                            </m:e>
+                          </m:d>
+                        </m:e>
+                        <m:sup>
+                          <m:r>
+                            <a:rPr lang="en-GB" b="1" i="1" dirty="0" smtClean="0">
+                              <a:latin typeface="Cambria Math"/>
+                            </a:rPr>
+                            <m:t>−</m:t>
+                          </m:r>
+                          <m:r>
+                            <a:rPr lang="en-GB" b="1" i="1" dirty="0" smtClean="0">
+                              <a:latin typeface="Cambria Math"/>
+                            </a:rPr>
+                            <m:t>𝟏</m:t>
+                          </m:r>
+                        </m:sup>
+                      </m:sSup>
+                      <m:r>
+                        <a:rPr lang="en-GB" b="1" i="1" dirty="0">
+                          <a:latin typeface="Cambria Math"/>
+                        </a:rPr>
+                        <m:t>𝒇</m:t>
+                      </m:r>
+                    </m:oMath>
+                  </m:oMathPara>
+                </a14:m>
+                <a:endParaRPr lang="en-GB" b="1" dirty="0"/>
+              </a:p>
+            </p:txBody>
+          </p:sp>
+        </mc:Choice>
+        <mc:Fallback>
+          <p:sp>
+            <p:nvSpPr>
+              <p:cNvPr id="3" name="Content Placeholder 2"/>
+              <p:cNvSpPr>
+                <a:spLocks noGrp="1" noRot="1" noChangeAspect="1" noMove="1" noResize="1" noEditPoints="1" noAdjustHandles="1" noChangeArrowheads="1" noChangeShapeType="1" noTextEdit="1"/>
+              </p:cNvSpPr>
+              <p:nvPr>
+                <p:ph idx="1"/>
+              </p:nvPr>
+            </p:nvSpPr>
+            <p:spPr>
+              <a:blipFill rotWithShape="1">
+                <a:blip r:embed="rId2"/>
+                <a:stretch>
+                  <a:fillRect l="-1481" t="-3504"/>
+                </a:stretch>
+              </a:blipFill>
+            </p:spPr>
+            <p:txBody>
+              <a:bodyPr/>
+              <a:lstStyle/>
+              <a:p>
+                <a:r>
+                  <a:rPr lang="en-GB">
+                    <a:noFill/>
+                  </a:rPr>
+                  <a:t> </a:t>
+                </a:r>
+              </a:p>
+            </p:txBody>
+          </p:sp>
+        </mc:Fallback>
+      </mc:AlternateContent>
     </p:spTree>
   </p:cSld>
   <p:clrMapOvr>
@@ -4694,7 +6380,7 @@
       </p:grpSpPr>
       <p:sp>
         <p:nvSpPr>
-          <p:cNvPr id="4" name="Title 3"/>
+          <p:cNvPr id="2" name="Title 1"/>
           <p:cNvSpPr>
             <a:spLocks noGrp="1"/>
           </p:cNvSpPr>
@@ -4709,7 +6395,7 @@
           <a:p>
             <a:r>
               <a:rPr lang="en-GB" dirty="0" smtClean="0"/>
-              <a:t>Testing the model</a:t>
+              <a:t>Finding resonant frequencies</a:t>
             </a:r>
             <a:endParaRPr lang="en-GB" dirty="0"/>
           </a:p>
@@ -4717,12 +6403,12 @@
       </p:sp>
       <p:sp>
         <p:nvSpPr>
-          <p:cNvPr id="5" name="Text Placeholder 4"/>
-          <p:cNvSpPr>
-            <a:spLocks noGrp="1"/>
-          </p:cNvSpPr>
-          <p:nvPr>
-            <p:ph type="body" idx="1"/>
+          <p:cNvPr id="3" name="Content Placeholder 2"/>
+          <p:cNvSpPr>
+            <a:spLocks noGrp="1"/>
+          </p:cNvSpPr>
+          <p:nvPr>
+            <p:ph idx="1"/>
           </p:nvPr>
         </p:nvSpPr>
         <p:spPr/>
@@ -4730,7 +6416,21 @@
           <a:bodyPr/>
           <a:lstStyle/>
           <a:p>
-            <a:endParaRPr lang="en-GB"/>
+            <a:r>
+              <a:rPr lang="en-GB" dirty="0" smtClean="0"/>
+              <a:t>To a good approximation, numerically finding maxima on a frequency response is sufficient</a:t>
+            </a:r>
+          </a:p>
+          <a:p>
+            <a:r>
+              <a:rPr lang="en-GB" dirty="0" smtClean="0"/>
+              <a:t>Can also be solved by solving a quadratic equation with matrix coefficients (quadratic eigenvalue problem</a:t>
+            </a:r>
+            <a:r>
+              <a:rPr lang="en-GB" dirty="0" smtClean="0"/>
+              <a:t>)</a:t>
+            </a:r>
+            <a:endParaRPr lang="en-GB" dirty="0" smtClean="0"/>
           </a:p>
         </p:txBody>
       </p:sp>
@@ -4761,7 +6461,7 @@
       </p:grpSpPr>
       <p:sp>
         <p:nvSpPr>
-          <p:cNvPr id="4" name="Title 3"/>
+          <p:cNvPr id="2" name="Title 1"/>
           <p:cNvSpPr>
             <a:spLocks noGrp="1"/>
           </p:cNvSpPr>
@@ -4776,42 +6476,1359 @@
           <a:p>
             <a:r>
               <a:rPr lang="en-GB" dirty="0" smtClean="0"/>
-              <a:t>Comparison against real structure</a:t>
+              <a:t>Quadratic eigenvalue problem</a:t>
             </a:r>
             <a:endParaRPr lang="en-GB" dirty="0"/>
           </a:p>
         </p:txBody>
       </p:sp>
-      <p:sp>
-        <p:nvSpPr>
-          <p:cNvPr id="5" name="Content Placeholder 4"/>
-          <p:cNvSpPr>
-            <a:spLocks noGrp="1"/>
-          </p:cNvSpPr>
-          <p:nvPr>
-            <p:ph idx="1"/>
-          </p:nvPr>
-        </p:nvSpPr>
-        <p:spPr/>
-        <p:txBody>
-          <a:bodyPr/>
-          <a:lstStyle/>
-          <a:p>
-            <a:r>
-              <a:rPr lang="en-GB" dirty="0" smtClean="0"/>
-              <a:t>Couldn’t get a step response from the structure, because force and signal to transducer were not in sync</a:t>
-            </a:r>
-          </a:p>
-          <a:p>
-            <a:r>
-              <a:rPr lang="en-GB" dirty="0" smtClean="0"/>
-              <a:t>Got data from the original under a frequency sweep</a:t>
-            </a:r>
-            <a:endParaRPr lang="en-GB" dirty="0"/>
-          </a:p>
-        </p:txBody>
-      </p:sp>
+      <mc:AlternateContent xmlns:mc="http://schemas.openxmlformats.org/markup-compatibility/2006">
+        <mc:Choice xmlns:a14="http://schemas.microsoft.com/office/drawing/2010/main" Requires="a14">
+          <p:sp>
+            <p:nvSpPr>
+              <p:cNvPr id="3" name="Content Placeholder 2"/>
+              <p:cNvSpPr>
+                <a:spLocks noGrp="1"/>
+              </p:cNvSpPr>
+              <p:nvPr>
+                <p:ph idx="1"/>
+              </p:nvPr>
+            </p:nvSpPr>
+            <p:spPr/>
+            <p:txBody>
+              <a:bodyPr>
+                <a:normAutofit fontScale="47500" lnSpcReduction="20000"/>
+              </a:bodyPr>
+              <a:lstStyle/>
+              <a:p>
+                <a:pPr marL="0" indent="0">
+                  <a:buNone/>
+                </a:pPr>
+                <a:r>
+                  <a:rPr lang="en-GB" dirty="0" smtClean="0">
+                    <a:latin typeface="Cambria Math"/>
+                  </a:rPr>
+                  <a:t>From before (where </a:t>
+                </a:r>
+                <a14:m>
+                  <m:oMath xmlns:m="http://schemas.openxmlformats.org/officeDocument/2006/math">
+                    <m:r>
+                      <a:rPr lang="en-GB" b="0" i="1" dirty="0" smtClean="0">
+                        <a:latin typeface="Cambria Math"/>
+                      </a:rPr>
+                      <m:t>𝜆</m:t>
+                    </m:r>
+                    <m:r>
+                      <a:rPr lang="en-GB" b="0" i="1" dirty="0" smtClean="0">
+                        <a:latin typeface="Cambria Math"/>
+                      </a:rPr>
+                      <m:t>=</m:t>
+                    </m:r>
+                    <m:r>
+                      <a:rPr lang="en-GB" i="1" dirty="0">
+                        <a:latin typeface="Cambria Math"/>
+                      </a:rPr>
+                      <m:t>𝑖</m:t>
+                    </m:r>
+                    <m:r>
+                      <a:rPr lang="en-GB" i="1" dirty="0">
+                        <a:latin typeface="Cambria Math"/>
+                      </a:rPr>
+                      <m:t>𝜔</m:t>
+                    </m:r>
+                  </m:oMath>
+                </a14:m>
+                <a:r>
+                  <a:rPr lang="en-GB" dirty="0" smtClean="0">
+                    <a:latin typeface="Cambria Math"/>
+                  </a:rPr>
+                  <a:t>)</a:t>
+                </a:r>
+              </a:p>
+              <a:p>
+                <a:pPr marL="0" indent="0">
+                  <a:buNone/>
+                </a:pPr>
+                <a14:m>
+                  <m:oMathPara xmlns:m="http://schemas.openxmlformats.org/officeDocument/2006/math">
+                    <m:oMathParaPr>
+                      <m:jc m:val="center"/>
+                    </m:oMathParaPr>
+                    <m:oMath xmlns:m="http://schemas.openxmlformats.org/officeDocument/2006/math">
+                      <m:d>
+                        <m:dPr>
+                          <m:ctrlPr>
+                            <a:rPr lang="en-GB" b="1" i="1" dirty="0" smtClean="0">
+                              <a:latin typeface="Cambria Math"/>
+                            </a:rPr>
+                          </m:ctrlPr>
+                        </m:dPr>
+                        <m:e>
+                          <m:sSup>
+                            <m:sSupPr>
+                              <m:ctrlPr>
+                                <a:rPr lang="en-GB" b="1" i="1" dirty="0">
+                                  <a:latin typeface="Cambria Math"/>
+                                </a:rPr>
+                              </m:ctrlPr>
+                            </m:sSupPr>
+                            <m:e>
+                              <m:r>
+                                <a:rPr lang="en-GB" i="1" dirty="0">
+                                  <a:latin typeface="Cambria Math"/>
+                                </a:rPr>
+                                <m:t>𝜆</m:t>
+                              </m:r>
+                            </m:e>
+                            <m:sup>
+                              <m:r>
+                                <a:rPr lang="en-GB" b="1" i="1" dirty="0">
+                                  <a:latin typeface="Cambria Math"/>
+                                </a:rPr>
+                                <m:t>𝟐</m:t>
+                              </m:r>
+                            </m:sup>
+                          </m:sSup>
+                          <m:r>
+                            <a:rPr lang="en-GB" b="1" i="1" dirty="0">
+                              <a:latin typeface="Cambria Math"/>
+                            </a:rPr>
+                            <m:t>𝑴</m:t>
+                          </m:r>
+                          <m:r>
+                            <a:rPr lang="en-GB" i="1" dirty="0">
+                              <a:latin typeface="Cambria Math"/>
+                            </a:rPr>
+                            <m:t>+</m:t>
+                          </m:r>
+                          <m:r>
+                            <a:rPr lang="en-GB" i="1" dirty="0">
+                              <a:latin typeface="Cambria Math"/>
+                            </a:rPr>
+                            <m:t>𝜆</m:t>
+                          </m:r>
+                          <m:r>
+                            <a:rPr lang="en-GB" b="1" dirty="0">
+                              <a:latin typeface="Cambria Math"/>
+                            </a:rPr>
+                            <m:t>𝚲</m:t>
+                          </m:r>
+                          <m:r>
+                            <a:rPr lang="en-GB" i="1" dirty="0">
+                              <a:latin typeface="Cambria Math"/>
+                            </a:rPr>
+                            <m:t>+</m:t>
+                          </m:r>
+                          <m:r>
+                            <a:rPr lang="en-GB" b="1" i="1" dirty="0">
+                              <a:latin typeface="Cambria Math"/>
+                            </a:rPr>
+                            <m:t>𝑲</m:t>
+                          </m:r>
+                        </m:e>
+                      </m:d>
+                      <m:r>
+                        <a:rPr lang="en-GB" b="1" i="1" dirty="0">
+                          <a:latin typeface="Cambria Math"/>
+                        </a:rPr>
+                        <m:t>𝒂</m:t>
+                      </m:r>
+                      <m:r>
+                        <a:rPr lang="en-GB" b="1" i="1" dirty="0">
+                          <a:latin typeface="Cambria Math"/>
+                        </a:rPr>
+                        <m:t>=</m:t>
+                      </m:r>
+                      <m:r>
+                        <a:rPr lang="en-GB" b="1" i="1" dirty="0">
+                          <a:latin typeface="Cambria Math"/>
+                        </a:rPr>
+                        <m:t>𝟎</m:t>
+                      </m:r>
+                    </m:oMath>
+                  </m:oMathPara>
+                </a14:m>
+                <a:endParaRPr lang="en-GB" b="1" dirty="0" smtClean="0"/>
+              </a:p>
+              <a:p>
+                <a:pPr marL="0" indent="0">
+                  <a:buNone/>
+                </a:pPr>
+                <a:endParaRPr lang="en-GB" b="1" dirty="0" smtClean="0"/>
+              </a:p>
+              <a:p>
+                <a:pPr marL="0" indent="0">
+                  <a:buNone/>
+                </a:pPr>
+                <a:r>
+                  <a:rPr lang="en-GB" dirty="0" smtClean="0"/>
+                  <a:t>Let </a:t>
+                </a:r>
+                <a14:m>
+                  <m:oMath xmlns:m="http://schemas.openxmlformats.org/officeDocument/2006/math">
+                    <m:r>
+                      <a:rPr lang="en-GB" i="1" dirty="0">
+                        <a:latin typeface="Cambria Math"/>
+                      </a:rPr>
+                      <m:t>𝜆</m:t>
+                    </m:r>
+                    <m:r>
+                      <a:rPr lang="en-GB" b="1" i="1" dirty="0">
+                        <a:latin typeface="Cambria Math"/>
+                      </a:rPr>
+                      <m:t>𝒂</m:t>
+                    </m:r>
+                    <m:r>
+                      <a:rPr lang="en-GB" b="1" i="1" dirty="0" smtClean="0">
+                        <a:latin typeface="Cambria Math"/>
+                      </a:rPr>
+                      <m:t>=</m:t>
+                    </m:r>
+                    <m:sSup>
+                      <m:sSupPr>
+                        <m:ctrlPr>
+                          <a:rPr lang="en-GB" b="1" i="1">
+                            <a:latin typeface="Cambria Math"/>
+                          </a:rPr>
+                        </m:ctrlPr>
+                      </m:sSupPr>
+                      <m:e>
+                        <m:r>
+                          <a:rPr lang="en-GB" b="1" i="1">
+                            <a:latin typeface="Cambria Math"/>
+                          </a:rPr>
+                          <m:t>𝒂</m:t>
+                        </m:r>
+                      </m:e>
+                      <m:sup>
+                        <m:r>
+                          <a:rPr lang="en-GB" b="1" i="1">
+                            <a:latin typeface="Cambria Math"/>
+                          </a:rPr>
+                          <m:t>′</m:t>
+                        </m:r>
+                      </m:sup>
+                    </m:sSup>
+                  </m:oMath>
+                </a14:m>
+                <a:endParaRPr lang="en-GB" dirty="0"/>
+              </a:p>
+              <a:p>
+                <a:pPr marL="0" indent="0">
+                  <a:buNone/>
+                </a:pPr>
+                <a14:m>
+                  <m:oMathPara xmlns:m="http://schemas.openxmlformats.org/officeDocument/2006/math">
+                    <m:oMathParaPr>
+                      <m:jc m:val="centerGroup"/>
+                    </m:oMathParaPr>
+                    <m:oMath xmlns:m="http://schemas.openxmlformats.org/officeDocument/2006/math">
+                      <m:r>
+                        <a:rPr lang="en-GB" i="1" dirty="0">
+                          <a:latin typeface="Cambria Math"/>
+                        </a:rPr>
+                        <m:t>𝜆</m:t>
+                      </m:r>
+                      <m:r>
+                        <a:rPr lang="en-GB" b="1" i="1" dirty="0">
+                          <a:latin typeface="Cambria Math"/>
+                        </a:rPr>
+                        <m:t>𝑴</m:t>
+                      </m:r>
+                      <m:sSup>
+                        <m:sSupPr>
+                          <m:ctrlPr>
+                            <a:rPr lang="en-GB" b="1" i="1">
+                              <a:latin typeface="Cambria Math"/>
+                            </a:rPr>
+                          </m:ctrlPr>
+                        </m:sSupPr>
+                        <m:e>
+                          <m:r>
+                            <a:rPr lang="en-GB" b="1" i="1">
+                              <a:latin typeface="Cambria Math"/>
+                            </a:rPr>
+                            <m:t>𝒂</m:t>
+                          </m:r>
+                        </m:e>
+                        <m:sup>
+                          <m:r>
+                            <a:rPr lang="en-GB" b="1" i="1">
+                              <a:latin typeface="Cambria Math"/>
+                            </a:rPr>
+                            <m:t>′</m:t>
+                          </m:r>
+                        </m:sup>
+                      </m:sSup>
+                      <m:r>
+                        <a:rPr lang="en-GB" i="1" dirty="0">
+                          <a:latin typeface="Cambria Math"/>
+                        </a:rPr>
+                        <m:t>+</m:t>
+                      </m:r>
+                      <m:r>
+                        <a:rPr lang="en-GB" i="1" dirty="0">
+                          <a:latin typeface="Cambria Math"/>
+                        </a:rPr>
+                        <m:t>𝜆</m:t>
+                      </m:r>
+                      <m:r>
+                        <a:rPr lang="en-GB" b="1" dirty="0">
+                          <a:latin typeface="Cambria Math"/>
+                        </a:rPr>
+                        <m:t>𝚲</m:t>
+                      </m:r>
+                      <m:r>
+                        <a:rPr lang="en-GB" b="1" i="1" dirty="0">
+                          <a:latin typeface="Cambria Math"/>
+                        </a:rPr>
+                        <m:t>𝒂</m:t>
+                      </m:r>
+                      <m:r>
+                        <a:rPr lang="en-GB" i="1" dirty="0">
+                          <a:latin typeface="Cambria Math"/>
+                        </a:rPr>
+                        <m:t>+</m:t>
+                      </m:r>
+                      <m:r>
+                        <a:rPr lang="en-GB" b="1" i="1" dirty="0">
+                          <a:latin typeface="Cambria Math"/>
+                        </a:rPr>
+                        <m:t>𝑲</m:t>
+                      </m:r>
+                      <m:r>
+                        <a:rPr lang="en-GB" b="1" i="1" dirty="0">
+                          <a:latin typeface="Cambria Math"/>
+                        </a:rPr>
+                        <m:t>𝒂</m:t>
+                      </m:r>
+                      <m:r>
+                        <m:rPr>
+                          <m:aln/>
+                        </m:rPr>
+                        <a:rPr lang="en-GB" b="1" i="1" dirty="0">
+                          <a:latin typeface="Cambria Math"/>
+                        </a:rPr>
+                        <m:t>=</m:t>
+                      </m:r>
+                      <m:r>
+                        <a:rPr lang="en-GB" b="1" i="1" dirty="0" smtClean="0">
+                          <a:latin typeface="Cambria Math"/>
+                        </a:rPr>
+                        <m:t>𝟎</m:t>
+                      </m:r>
+                    </m:oMath>
+                    <m:oMath xmlns:m="http://schemas.openxmlformats.org/officeDocument/2006/math">
+                      <m:r>
+                        <a:rPr lang="en-GB" i="1" dirty="0">
+                          <a:latin typeface="Cambria Math"/>
+                        </a:rPr>
+                        <m:t>𝜆</m:t>
+                      </m:r>
+                      <m:r>
+                        <a:rPr lang="en-GB" b="1" i="1" dirty="0" smtClean="0">
+                          <a:latin typeface="Cambria Math"/>
+                        </a:rPr>
+                        <m:t>(</m:t>
+                      </m:r>
+                      <m:r>
+                        <a:rPr lang="en-GB" b="1" i="1" dirty="0">
+                          <a:latin typeface="Cambria Math"/>
+                        </a:rPr>
+                        <m:t>𝑴</m:t>
+                      </m:r>
+                      <m:sSup>
+                        <m:sSupPr>
+                          <m:ctrlPr>
+                            <a:rPr lang="en-GB" b="1" i="1">
+                              <a:latin typeface="Cambria Math"/>
+                            </a:rPr>
+                          </m:ctrlPr>
+                        </m:sSupPr>
+                        <m:e>
+                          <m:r>
+                            <a:rPr lang="en-GB" b="1" i="1">
+                              <a:latin typeface="Cambria Math"/>
+                            </a:rPr>
+                            <m:t>𝒂</m:t>
+                          </m:r>
+                        </m:e>
+                        <m:sup>
+                          <m:r>
+                            <a:rPr lang="en-GB" b="1" i="1">
+                              <a:latin typeface="Cambria Math"/>
+                            </a:rPr>
+                            <m:t>′</m:t>
+                          </m:r>
+                        </m:sup>
+                      </m:sSup>
+                      <m:r>
+                        <a:rPr lang="en-GB" i="1" dirty="0">
+                          <a:latin typeface="Cambria Math"/>
+                        </a:rPr>
+                        <m:t>+</m:t>
+                      </m:r>
+                      <m:r>
+                        <a:rPr lang="en-GB" b="1" dirty="0">
+                          <a:latin typeface="Cambria Math"/>
+                        </a:rPr>
+                        <m:t>𝚲</m:t>
+                      </m:r>
+                      <m:r>
+                        <a:rPr lang="en-GB" b="1" i="1" dirty="0">
+                          <a:latin typeface="Cambria Math"/>
+                        </a:rPr>
+                        <m:t>𝒂</m:t>
+                      </m:r>
+                      <m:r>
+                        <a:rPr lang="en-GB" b="1" i="1" dirty="0" smtClean="0">
+                          <a:latin typeface="Cambria Math"/>
+                        </a:rPr>
+                        <m:t>)</m:t>
+                      </m:r>
+                      <m:r>
+                        <m:rPr>
+                          <m:aln/>
+                        </m:rPr>
+                        <a:rPr lang="en-GB" b="1" i="1" dirty="0">
+                          <a:latin typeface="Cambria Math"/>
+                        </a:rPr>
+                        <m:t>=</m:t>
+                      </m:r>
+                      <m:r>
+                        <a:rPr lang="en-GB" b="1" i="1" dirty="0" smtClean="0">
+                          <a:latin typeface="Cambria Math"/>
+                        </a:rPr>
+                        <m:t>−</m:t>
+                      </m:r>
+                      <m:r>
+                        <a:rPr lang="en-GB" b="1" i="1" dirty="0">
+                          <a:latin typeface="Cambria Math"/>
+                        </a:rPr>
+                        <m:t>𝑲𝒂</m:t>
+                      </m:r>
+                    </m:oMath>
+                  </m:oMathPara>
+                </a14:m>
+                <a:endParaRPr lang="en-GB" b="1" dirty="0" smtClean="0"/>
+              </a:p>
+              <a:p>
+                <a:pPr marL="0" indent="0">
+                  <a:buNone/>
+                </a:pPr>
+                <a:r>
+                  <a:rPr lang="en-GB" b="1" dirty="0"/>
+                  <a:t/>
+                </a:r>
+                <a:br>
+                  <a:rPr lang="en-GB" b="1" dirty="0"/>
+                </a:br>
+                <a:r>
+                  <a:rPr lang="en-GB" dirty="0" smtClean="0"/>
+                  <a:t>Now combine into vector form</a:t>
+                </a:r>
+                <a:endParaRPr lang="en-GB" b="1" dirty="0" smtClean="0"/>
+              </a:p>
+              <a:p>
+                <a:pPr marL="0" indent="0">
+                  <a:buNone/>
+                </a:pPr>
+                <a14:m>
+                  <m:oMathPara xmlns:m="http://schemas.openxmlformats.org/officeDocument/2006/math">
+                    <m:oMathParaPr>
+                      <m:jc m:val="centerGroup"/>
+                    </m:oMathParaPr>
+                    <m:oMath xmlns:m="http://schemas.openxmlformats.org/officeDocument/2006/math">
+                      <m:r>
+                        <a:rPr lang="en-GB" i="1" dirty="0">
+                          <a:latin typeface="Cambria Math"/>
+                        </a:rPr>
+                        <m:t>𝜆</m:t>
+                      </m:r>
+                      <m:d>
+                        <m:dPr>
+                          <m:begChr m:val="["/>
+                          <m:endChr m:val="]"/>
+                          <m:ctrlPr>
+                            <a:rPr lang="en-GB" i="1" dirty="0" smtClean="0">
+                              <a:latin typeface="Cambria Math"/>
+                            </a:rPr>
+                          </m:ctrlPr>
+                        </m:dPr>
+                        <m:e>
+                          <m:m>
+                            <m:mPr>
+                              <m:mcs>
+                                <m:mc>
+                                  <m:mcPr>
+                                    <m:count m:val="1"/>
+                                    <m:mcJc m:val="center"/>
+                                  </m:mcPr>
+                                </m:mc>
+                              </m:mcs>
+                              <m:ctrlPr>
+                                <a:rPr lang="en-GB" i="1" dirty="0" smtClean="0">
+                                  <a:latin typeface="Cambria Math"/>
+                                </a:rPr>
+                              </m:ctrlPr>
+                            </m:mPr>
+                            <m:mr>
+                              <m:e>
+                                <m:r>
+                                  <a:rPr lang="en-GB" b="1" i="1" dirty="0">
+                                    <a:latin typeface="Cambria Math"/>
+                                  </a:rPr>
+                                  <m:t>𝑴</m:t>
+                                </m:r>
+                                <m:sSup>
+                                  <m:sSupPr>
+                                    <m:ctrlPr>
+                                      <a:rPr lang="en-GB" b="1" i="1">
+                                        <a:latin typeface="Cambria Math"/>
+                                      </a:rPr>
+                                    </m:ctrlPr>
+                                  </m:sSupPr>
+                                  <m:e>
+                                    <m:r>
+                                      <a:rPr lang="en-GB" b="1" i="1">
+                                        <a:latin typeface="Cambria Math"/>
+                                      </a:rPr>
+                                      <m:t>𝒂</m:t>
+                                    </m:r>
+                                  </m:e>
+                                  <m:sup>
+                                    <m:r>
+                                      <a:rPr lang="en-GB" b="1" i="1">
+                                        <a:latin typeface="Cambria Math"/>
+                                      </a:rPr>
+                                      <m:t>′</m:t>
+                                    </m:r>
+                                  </m:sup>
+                                </m:sSup>
+                                <m:r>
+                                  <a:rPr lang="en-GB" i="1" dirty="0">
+                                    <a:latin typeface="Cambria Math"/>
+                                  </a:rPr>
+                                  <m:t>+</m:t>
+                                </m:r>
+                                <m:r>
+                                  <a:rPr lang="en-GB" b="1" dirty="0">
+                                    <a:latin typeface="Cambria Math"/>
+                                  </a:rPr>
+                                  <m:t>𝚲</m:t>
+                                </m:r>
+                                <m:r>
+                                  <a:rPr lang="en-GB" b="1" i="1" dirty="0">
+                                    <a:latin typeface="Cambria Math"/>
+                                  </a:rPr>
+                                  <m:t>𝒂</m:t>
+                                </m:r>
+                              </m:e>
+                            </m:mr>
+                            <m:mr>
+                              <m:e>
+                                <m:r>
+                                  <a:rPr lang="en-GB" b="1" i="1" dirty="0">
+                                    <a:latin typeface="Cambria Math"/>
+                                  </a:rPr>
+                                  <m:t>𝒂</m:t>
+                                </m:r>
+                              </m:e>
+                            </m:mr>
+                          </m:m>
+                        </m:e>
+                      </m:d>
+                      <m:r>
+                        <a:rPr lang="en-GB" b="1" i="1" dirty="0">
+                          <a:latin typeface="Cambria Math"/>
+                        </a:rPr>
+                        <m:t>=</m:t>
+                      </m:r>
+                      <m:d>
+                        <m:dPr>
+                          <m:begChr m:val="["/>
+                          <m:endChr m:val="]"/>
+                          <m:ctrlPr>
+                            <a:rPr lang="en-GB" b="1" i="1" dirty="0" smtClean="0">
+                              <a:latin typeface="Cambria Math"/>
+                            </a:rPr>
+                          </m:ctrlPr>
+                        </m:dPr>
+                        <m:e>
+                          <m:m>
+                            <m:mPr>
+                              <m:mcs>
+                                <m:mc>
+                                  <m:mcPr>
+                                    <m:count m:val="1"/>
+                                    <m:mcJc m:val="center"/>
+                                  </m:mcPr>
+                                </m:mc>
+                              </m:mcs>
+                              <m:ctrlPr>
+                                <a:rPr lang="en-GB" b="1" i="1" dirty="0" smtClean="0">
+                                  <a:latin typeface="Cambria Math"/>
+                                </a:rPr>
+                              </m:ctrlPr>
+                            </m:mPr>
+                            <m:mr>
+                              <m:e>
+                                <m:r>
+                                  <a:rPr lang="en-GB" b="1" i="1" dirty="0">
+                                    <a:latin typeface="Cambria Math"/>
+                                  </a:rPr>
+                                  <m:t>−</m:t>
+                                </m:r>
+                                <m:r>
+                                  <a:rPr lang="en-GB" b="1" i="1" dirty="0">
+                                    <a:latin typeface="Cambria Math"/>
+                                  </a:rPr>
+                                  <m:t>𝑲𝒂</m:t>
+                                </m:r>
+                                <m:r>
+                                  <m:rPr>
+                                    <m:nor/>
+                                  </m:rPr>
+                                  <a:rPr lang="en-GB" b="1" dirty="0"/>
+                                  <m:t> </m:t>
+                                </m:r>
+                              </m:e>
+                            </m:mr>
+                            <m:mr>
+                              <m:e>
+                                <m:sSup>
+                                  <m:sSupPr>
+                                    <m:ctrlPr>
+                                      <a:rPr lang="en-GB" b="1" i="1">
+                                        <a:latin typeface="Cambria Math"/>
+                                      </a:rPr>
+                                    </m:ctrlPr>
+                                  </m:sSupPr>
+                                  <m:e>
+                                    <m:r>
+                                      <a:rPr lang="en-GB" b="1" i="1">
+                                        <a:latin typeface="Cambria Math"/>
+                                      </a:rPr>
+                                      <m:t>𝒂</m:t>
+                                    </m:r>
+                                  </m:e>
+                                  <m:sup>
+                                    <m:r>
+                                      <a:rPr lang="en-GB" b="1" i="1">
+                                        <a:latin typeface="Cambria Math"/>
+                                      </a:rPr>
+                                      <m:t>′</m:t>
+                                    </m:r>
+                                  </m:sup>
+                                </m:sSup>
+                              </m:e>
+                            </m:mr>
+                          </m:m>
+                        </m:e>
+                      </m:d>
+                    </m:oMath>
+                    <m:oMath xmlns:m="http://schemas.openxmlformats.org/officeDocument/2006/math">
+                      <m:r>
+                        <a:rPr lang="en-GB" i="1" dirty="0">
+                          <a:latin typeface="Cambria Math"/>
+                        </a:rPr>
+                        <m:t>𝜆</m:t>
+                      </m:r>
+                      <m:d>
+                        <m:dPr>
+                          <m:begChr m:val="["/>
+                          <m:endChr m:val="]"/>
+                          <m:ctrlPr>
+                            <a:rPr lang="en-GB" i="1" dirty="0">
+                              <a:latin typeface="Cambria Math"/>
+                            </a:rPr>
+                          </m:ctrlPr>
+                        </m:dPr>
+                        <m:e>
+                          <m:m>
+                            <m:mPr>
+                              <m:mcs>
+                                <m:mc>
+                                  <m:mcPr>
+                                    <m:count m:val="1"/>
+                                    <m:mcJc m:val="center"/>
+                                  </m:mcPr>
+                                </m:mc>
+                              </m:mcs>
+                              <m:ctrlPr>
+                                <a:rPr lang="en-GB" i="1" dirty="0">
+                                  <a:latin typeface="Cambria Math"/>
+                                </a:rPr>
+                              </m:ctrlPr>
+                            </m:mPr>
+                            <m:mr>
+                              <m:e>
+                                <m:r>
+                                  <a:rPr lang="en-GB" b="1" i="1" dirty="0">
+                                    <a:latin typeface="Cambria Math"/>
+                                  </a:rPr>
+                                  <m:t>𝑴</m:t>
+                                </m:r>
+                                <m:sSup>
+                                  <m:sSupPr>
+                                    <m:ctrlPr>
+                                      <a:rPr lang="en-GB" b="1" i="1">
+                                        <a:latin typeface="Cambria Math"/>
+                                      </a:rPr>
+                                    </m:ctrlPr>
+                                  </m:sSupPr>
+                                  <m:e>
+                                    <m:r>
+                                      <a:rPr lang="en-GB" b="1" i="1">
+                                        <a:latin typeface="Cambria Math"/>
+                                      </a:rPr>
+                                      <m:t>𝒂</m:t>
+                                    </m:r>
+                                  </m:e>
+                                  <m:sup>
+                                    <m:r>
+                                      <a:rPr lang="en-GB" b="1" i="1">
+                                        <a:latin typeface="Cambria Math"/>
+                                      </a:rPr>
+                                      <m:t>′</m:t>
+                                    </m:r>
+                                  </m:sup>
+                                </m:sSup>
+                                <m:r>
+                                  <a:rPr lang="en-GB" i="1" dirty="0">
+                                    <a:latin typeface="Cambria Math"/>
+                                  </a:rPr>
+                                  <m:t>+</m:t>
+                                </m:r>
+                                <m:r>
+                                  <a:rPr lang="en-GB" b="1" dirty="0">
+                                    <a:latin typeface="Cambria Math"/>
+                                  </a:rPr>
+                                  <m:t>𝚲</m:t>
+                                </m:r>
+                                <m:r>
+                                  <a:rPr lang="en-GB" b="1" i="1" dirty="0">
+                                    <a:latin typeface="Cambria Math"/>
+                                  </a:rPr>
+                                  <m:t>𝒂</m:t>
+                                </m:r>
+                              </m:e>
+                            </m:mr>
+                            <m:mr>
+                              <m:e>
+                                <m:r>
+                                  <a:rPr lang="en-GB" b="1" i="1" dirty="0" smtClean="0">
+                                    <a:latin typeface="Cambria Math"/>
+                                  </a:rPr>
+                                  <m:t>𝟎</m:t>
+                                </m:r>
+                                <m:sSup>
+                                  <m:sSupPr>
+                                    <m:ctrlPr>
+                                      <a:rPr lang="en-GB" b="1" i="1" dirty="0" smtClean="0">
+                                        <a:latin typeface="Cambria Math"/>
+                                      </a:rPr>
+                                    </m:ctrlPr>
+                                  </m:sSupPr>
+                                  <m:e>
+                                    <m:r>
+                                      <a:rPr lang="en-GB" b="1" i="1" dirty="0" smtClean="0">
+                                        <a:latin typeface="Cambria Math"/>
+                                      </a:rPr>
+                                      <m:t>𝒂</m:t>
+                                    </m:r>
+                                  </m:e>
+                                  <m:sup>
+                                    <m:r>
+                                      <a:rPr lang="en-GB" b="1" i="1" dirty="0" smtClean="0">
+                                        <a:latin typeface="Cambria Math"/>
+                                      </a:rPr>
+                                      <m:t>′</m:t>
+                                    </m:r>
+                                  </m:sup>
+                                </m:sSup>
+                                <m:r>
+                                  <a:rPr lang="en-GB" b="1" i="1" dirty="0" smtClean="0">
+                                    <a:latin typeface="Cambria Math"/>
+                                  </a:rPr>
+                                  <m:t>+</m:t>
+                                </m:r>
+                                <m:r>
+                                  <a:rPr lang="en-GB" b="1" i="1" dirty="0">
+                                    <a:latin typeface="Cambria Math"/>
+                                  </a:rPr>
+                                  <m:t>𝑰</m:t>
+                                </m:r>
+                                <m:r>
+                                  <a:rPr lang="en-GB" b="1" i="1" dirty="0">
+                                    <a:latin typeface="Cambria Math"/>
+                                  </a:rPr>
+                                  <m:t>𝒂</m:t>
+                                </m:r>
+                              </m:e>
+                            </m:mr>
+                          </m:m>
+                        </m:e>
+                      </m:d>
+                      <m:r>
+                        <a:rPr lang="en-GB" b="1" i="1" dirty="0">
+                          <a:latin typeface="Cambria Math"/>
+                        </a:rPr>
+                        <m:t>=</m:t>
+                      </m:r>
+                      <m:d>
+                        <m:dPr>
+                          <m:begChr m:val="["/>
+                          <m:endChr m:val="]"/>
+                          <m:ctrlPr>
+                            <a:rPr lang="en-GB" b="1" i="1" dirty="0">
+                              <a:latin typeface="Cambria Math"/>
+                            </a:rPr>
+                          </m:ctrlPr>
+                        </m:dPr>
+                        <m:e>
+                          <m:m>
+                            <m:mPr>
+                              <m:mcs>
+                                <m:mc>
+                                  <m:mcPr>
+                                    <m:count m:val="1"/>
+                                    <m:mcJc m:val="center"/>
+                                  </m:mcPr>
+                                </m:mc>
+                              </m:mcs>
+                              <m:ctrlPr>
+                                <a:rPr lang="en-GB" b="1" i="1" dirty="0">
+                                  <a:latin typeface="Cambria Math"/>
+                                </a:rPr>
+                              </m:ctrlPr>
+                            </m:mPr>
+                            <m:mr>
+                              <m:e>
+                                <m:r>
+                                  <m:rPr>
+                                    <m:brk m:alnAt="7"/>
+                                  </m:rPr>
+                                  <a:rPr lang="en-GB" b="1" i="1" dirty="0" smtClean="0">
+                                    <a:latin typeface="Cambria Math"/>
+                                  </a:rPr>
+                                  <m:t>𝟎</m:t>
+                                </m:r>
+                                <m:r>
+                                  <a:rPr lang="en-GB" b="1" i="1" dirty="0" smtClean="0">
+                                    <a:latin typeface="Cambria Math"/>
+                                  </a:rPr>
+                                  <m:t>𝒂</m:t>
+                                </m:r>
+                                <m:r>
+                                  <a:rPr lang="en-GB" b="1" i="1" dirty="0" smtClean="0">
+                                    <a:latin typeface="Cambria Math"/>
+                                  </a:rPr>
+                                  <m:t>′</m:t>
+                                </m:r>
+                                <m:r>
+                                  <a:rPr lang="en-GB" b="1" i="1" dirty="0">
+                                    <a:latin typeface="Cambria Math"/>
+                                  </a:rPr>
+                                  <m:t>−</m:t>
+                                </m:r>
+                                <m:r>
+                                  <a:rPr lang="en-GB" b="1" i="1" dirty="0">
+                                    <a:latin typeface="Cambria Math"/>
+                                  </a:rPr>
+                                  <m:t>𝑲𝒂</m:t>
+                                </m:r>
+                                <m:r>
+                                  <m:rPr>
+                                    <m:nor/>
+                                  </m:rPr>
+                                  <a:rPr lang="en-GB" b="1" dirty="0"/>
+                                  <m:t> </m:t>
+                                </m:r>
+                              </m:e>
+                            </m:mr>
+                            <m:mr>
+                              <m:e>
+                                <m:r>
+                                  <a:rPr lang="en-GB" b="1" i="1" dirty="0" smtClean="0">
+                                    <a:latin typeface="Cambria Math"/>
+                                  </a:rPr>
+                                  <m:t>𝑰</m:t>
+                                </m:r>
+                                <m:sSup>
+                                  <m:sSupPr>
+                                    <m:ctrlPr>
+                                      <a:rPr lang="en-GB" b="1" i="1">
+                                        <a:latin typeface="Cambria Math"/>
+                                      </a:rPr>
+                                    </m:ctrlPr>
+                                  </m:sSupPr>
+                                  <m:e>
+                                    <m:r>
+                                      <a:rPr lang="en-GB" b="1" i="1">
+                                        <a:latin typeface="Cambria Math"/>
+                                      </a:rPr>
+                                      <m:t>𝒂</m:t>
+                                    </m:r>
+                                  </m:e>
+                                  <m:sup>
+                                    <m:r>
+                                      <a:rPr lang="en-GB" b="1" i="1">
+                                        <a:latin typeface="Cambria Math"/>
+                                      </a:rPr>
+                                      <m:t>′</m:t>
+                                    </m:r>
+                                  </m:sup>
+                                </m:sSup>
+                                <m:r>
+                                  <a:rPr lang="en-GB" b="1" i="1" smtClean="0">
+                                    <a:latin typeface="Cambria Math"/>
+                                  </a:rPr>
+                                  <m:t>+</m:t>
+                                </m:r>
+                                <m:r>
+                                  <a:rPr lang="en-GB" b="1" i="1" smtClean="0">
+                                    <a:latin typeface="Cambria Math"/>
+                                  </a:rPr>
+                                  <m:t>𝟎</m:t>
+                                </m:r>
+                                <m:r>
+                                  <a:rPr lang="en-GB" b="1" i="1" smtClean="0">
+                                    <a:latin typeface="Cambria Math"/>
+                                  </a:rPr>
+                                  <m:t>𝒂</m:t>
+                                </m:r>
+                              </m:e>
+                            </m:mr>
+                          </m:m>
+                        </m:e>
+                      </m:d>
+                    </m:oMath>
+                    <m:oMath xmlns:m="http://schemas.openxmlformats.org/officeDocument/2006/math">
+                      <m:r>
+                        <a:rPr lang="en-GB" i="1" dirty="0">
+                          <a:latin typeface="Cambria Math"/>
+                        </a:rPr>
+                        <m:t>𝜆</m:t>
+                      </m:r>
+                      <m:d>
+                        <m:dPr>
+                          <m:begChr m:val="["/>
+                          <m:endChr m:val="]"/>
+                          <m:ctrlPr>
+                            <a:rPr lang="en-GB" i="1" dirty="0">
+                              <a:latin typeface="Cambria Math"/>
+                            </a:rPr>
+                          </m:ctrlPr>
+                        </m:dPr>
+                        <m:e>
+                          <m:m>
+                            <m:mPr>
+                              <m:mcs>
+                                <m:mc>
+                                  <m:mcPr>
+                                    <m:count m:val="2"/>
+                                    <m:mcJc m:val="center"/>
+                                  </m:mcPr>
+                                </m:mc>
+                              </m:mcs>
+                              <m:ctrlPr>
+                                <a:rPr lang="en-GB" i="1" dirty="0" smtClean="0">
+                                  <a:latin typeface="Cambria Math"/>
+                                </a:rPr>
+                              </m:ctrlPr>
+                            </m:mPr>
+                            <m:mr>
+                              <m:e>
+                                <m:r>
+                                  <a:rPr lang="en-GB" b="1" i="1" dirty="0">
+                                    <a:latin typeface="Cambria Math"/>
+                                  </a:rPr>
+                                  <m:t>𝑴</m:t>
+                                </m:r>
+                              </m:e>
+                              <m:e>
+                                <m:r>
+                                  <a:rPr lang="en-GB" b="1" dirty="0">
+                                    <a:latin typeface="Cambria Math"/>
+                                  </a:rPr>
+                                  <m:t>𝚲</m:t>
+                                </m:r>
+                              </m:e>
+                            </m:mr>
+                            <m:mr>
+                              <m:e>
+                                <m:r>
+                                  <a:rPr lang="en-GB" b="1" i="1" dirty="0" smtClean="0">
+                                    <a:latin typeface="Cambria Math"/>
+                                  </a:rPr>
+                                  <m:t>𝟎</m:t>
+                                </m:r>
+                              </m:e>
+                              <m:e>
+                                <m:r>
+                                  <a:rPr lang="en-GB" b="1" i="1" dirty="0">
+                                    <a:latin typeface="Cambria Math"/>
+                                  </a:rPr>
+                                  <m:t>𝑰</m:t>
+                                </m:r>
+                              </m:e>
+                            </m:mr>
+                          </m:m>
+                        </m:e>
+                      </m:d>
+                      <m:d>
+                        <m:dPr>
+                          <m:begChr m:val="["/>
+                          <m:endChr m:val="]"/>
+                          <m:ctrlPr>
+                            <a:rPr lang="en-GB" i="1" dirty="0">
+                              <a:latin typeface="Cambria Math"/>
+                            </a:rPr>
+                          </m:ctrlPr>
+                        </m:dPr>
+                        <m:e>
+                          <m:m>
+                            <m:mPr>
+                              <m:mcs>
+                                <m:mc>
+                                  <m:mcPr>
+                                    <m:count m:val="1"/>
+                                    <m:mcJc m:val="center"/>
+                                  </m:mcPr>
+                                </m:mc>
+                              </m:mcs>
+                              <m:ctrlPr>
+                                <a:rPr lang="en-GB" i="1" dirty="0">
+                                  <a:latin typeface="Cambria Math"/>
+                                </a:rPr>
+                              </m:ctrlPr>
+                            </m:mPr>
+                            <m:mr>
+                              <m:e>
+                                <m:r>
+                                  <m:rPr>
+                                    <m:brk m:alnAt="7"/>
+                                  </m:rPr>
+                                  <a:rPr lang="en-GB" b="1" i="1" dirty="0" smtClean="0">
+                                    <a:latin typeface="Cambria Math"/>
+                                  </a:rPr>
+                                  <m:t>𝒂</m:t>
+                                </m:r>
+                                <m:r>
+                                  <a:rPr lang="en-GB" b="1" i="1" dirty="0" smtClean="0">
+                                    <a:latin typeface="Cambria Math"/>
+                                  </a:rPr>
+                                  <m:t>′</m:t>
+                                </m:r>
+                              </m:e>
+                            </m:mr>
+                            <m:mr>
+                              <m:e>
+                                <m:r>
+                                  <a:rPr lang="en-GB" b="1" i="1" dirty="0">
+                                    <a:latin typeface="Cambria Math"/>
+                                  </a:rPr>
+                                  <m:t>𝒂</m:t>
+                                </m:r>
+                              </m:e>
+                            </m:mr>
+                          </m:m>
+                        </m:e>
+                      </m:d>
+                      <m:r>
+                        <a:rPr lang="en-GB" b="1" i="1" dirty="0">
+                          <a:latin typeface="Cambria Math"/>
+                        </a:rPr>
+                        <m:t>=</m:t>
+                      </m:r>
+                      <m:d>
+                        <m:dPr>
+                          <m:begChr m:val="["/>
+                          <m:endChr m:val="]"/>
+                          <m:ctrlPr>
+                            <a:rPr lang="en-GB" i="1" dirty="0">
+                              <a:latin typeface="Cambria Math"/>
+                            </a:rPr>
+                          </m:ctrlPr>
+                        </m:dPr>
+                        <m:e>
+                          <m:m>
+                            <m:mPr>
+                              <m:mcs>
+                                <m:mc>
+                                  <m:mcPr>
+                                    <m:count m:val="2"/>
+                                    <m:mcJc m:val="center"/>
+                                  </m:mcPr>
+                                </m:mc>
+                              </m:mcs>
+                              <m:ctrlPr>
+                                <a:rPr lang="en-GB" i="1" dirty="0">
+                                  <a:latin typeface="Cambria Math"/>
+                                </a:rPr>
+                              </m:ctrlPr>
+                            </m:mPr>
+                            <m:mr>
+                              <m:e>
+                                <m:r>
+                                  <a:rPr lang="en-GB" b="1" i="1" dirty="0" smtClean="0">
+                                    <a:latin typeface="Cambria Math"/>
+                                  </a:rPr>
+                                  <m:t>𝟎</m:t>
+                                </m:r>
+                              </m:e>
+                              <m:e>
+                                <m:r>
+                                  <a:rPr lang="en-GB" b="1" i="1" dirty="0" smtClean="0">
+                                    <a:latin typeface="Cambria Math"/>
+                                  </a:rPr>
+                                  <m:t>−</m:t>
+                                </m:r>
+                                <m:r>
+                                  <a:rPr lang="en-GB" b="1" i="1" dirty="0" smtClean="0">
+                                    <a:latin typeface="Cambria Math"/>
+                                  </a:rPr>
+                                  <m:t>𝑲</m:t>
+                                </m:r>
+                              </m:e>
+                            </m:mr>
+                            <m:mr>
+                              <m:e>
+                                <m:r>
+                                  <a:rPr lang="en-GB" b="1" i="1" dirty="0" smtClean="0">
+                                    <a:latin typeface="Cambria Math"/>
+                                  </a:rPr>
+                                  <m:t>𝑰</m:t>
+                                </m:r>
+                              </m:e>
+                              <m:e>
+                                <m:r>
+                                  <a:rPr lang="en-GB" b="1" i="1" dirty="0" smtClean="0">
+                                    <a:latin typeface="Cambria Math"/>
+                                  </a:rPr>
+                                  <m:t>𝟎</m:t>
+                                </m:r>
+                              </m:e>
+                            </m:mr>
+                          </m:m>
+                        </m:e>
+                      </m:d>
+                      <m:d>
+                        <m:dPr>
+                          <m:begChr m:val="["/>
+                          <m:endChr m:val="]"/>
+                          <m:ctrlPr>
+                            <a:rPr lang="en-GB" i="1" dirty="0">
+                              <a:latin typeface="Cambria Math"/>
+                            </a:rPr>
+                          </m:ctrlPr>
+                        </m:dPr>
+                        <m:e>
+                          <m:m>
+                            <m:mPr>
+                              <m:mcs>
+                                <m:mc>
+                                  <m:mcPr>
+                                    <m:count m:val="1"/>
+                                    <m:mcJc m:val="center"/>
+                                  </m:mcPr>
+                                </m:mc>
+                              </m:mcs>
+                              <m:ctrlPr>
+                                <a:rPr lang="en-GB" i="1" dirty="0">
+                                  <a:latin typeface="Cambria Math"/>
+                                </a:rPr>
+                              </m:ctrlPr>
+                            </m:mPr>
+                            <m:mr>
+                              <m:e>
+                                <m:r>
+                                  <m:rPr>
+                                    <m:brk m:alnAt="7"/>
+                                  </m:rPr>
+                                  <a:rPr lang="en-GB" b="1" i="1" dirty="0">
+                                    <a:latin typeface="Cambria Math"/>
+                                  </a:rPr>
+                                  <m:t>𝒂</m:t>
+                                </m:r>
+                                <m:r>
+                                  <a:rPr lang="en-GB" b="1" i="1" dirty="0">
+                                    <a:latin typeface="Cambria Math"/>
+                                  </a:rPr>
+                                  <m:t>′</m:t>
+                                </m:r>
+                              </m:e>
+                            </m:mr>
+                            <m:mr>
+                              <m:e>
+                                <m:r>
+                                  <a:rPr lang="en-GB" b="1" i="1" dirty="0">
+                                    <a:latin typeface="Cambria Math"/>
+                                  </a:rPr>
+                                  <m:t>𝒂</m:t>
+                                </m:r>
+                              </m:e>
+                            </m:mr>
+                          </m:m>
+                        </m:e>
+                      </m:d>
+                    </m:oMath>
+                  </m:oMathPara>
+                </a14:m>
+                <a:endParaRPr lang="en-GB" dirty="0" smtClean="0"/>
+              </a:p>
+              <a:p>
+                <a:pPr marL="0" indent="0">
+                  <a:buNone/>
+                </a:pPr>
+                <a:endParaRPr lang="en-GB" dirty="0" smtClean="0"/>
+              </a:p>
+              <a:p>
+                <a:pPr marL="0" indent="0">
+                  <a:buNone/>
+                </a:pPr>
+                <a:r>
+                  <a:rPr lang="en-GB" dirty="0" smtClean="0"/>
+                  <a:t>But this is just the generalized eigenvalue problem!</a:t>
+                </a:r>
+                <a:r>
+                  <a:rPr lang="en-GB" b="1" dirty="0"/>
+                  <a:t/>
+                </a:r>
+                <a:br>
+                  <a:rPr lang="en-GB" b="1" dirty="0"/>
+                </a:br>
+                <a14:m>
+                  <m:oMathPara xmlns:m="http://schemas.openxmlformats.org/officeDocument/2006/math">
+                    <m:oMathParaPr>
+                      <m:jc m:val="centerGroup"/>
+                    </m:oMathParaPr>
+                    <m:oMath xmlns:m="http://schemas.openxmlformats.org/officeDocument/2006/math">
+                      <m:r>
+                        <a:rPr lang="en-GB" i="1" dirty="0">
+                          <a:latin typeface="Cambria Math"/>
+                        </a:rPr>
+                        <m:t>𝜆</m:t>
+                      </m:r>
+                      <m:r>
+                        <a:rPr lang="en-GB" b="1" i="1" dirty="0" smtClean="0">
+                          <a:latin typeface="Cambria Math"/>
+                        </a:rPr>
+                        <m:t>𝑨𝒗</m:t>
+                      </m:r>
+                      <m:r>
+                        <a:rPr lang="en-GB" b="1" i="1" dirty="0" smtClean="0">
+                          <a:latin typeface="Cambria Math"/>
+                        </a:rPr>
+                        <m:t>=</m:t>
+                      </m:r>
+                      <m:r>
+                        <a:rPr lang="en-GB" b="1" i="1" dirty="0" smtClean="0">
+                          <a:latin typeface="Cambria Math"/>
+                        </a:rPr>
+                        <m:t>𝑩𝒗</m:t>
+                      </m:r>
+                    </m:oMath>
+                  </m:oMathPara>
+                </a14:m>
+                <a:endParaRPr lang="en-GB" dirty="0" smtClean="0"/>
+              </a:p>
+              <a:p>
+                <a:pPr marL="0" indent="0">
+                  <a:buNone/>
+                </a:pPr>
+                <a:endParaRPr lang="en-GB" dirty="0" smtClean="0"/>
+              </a:p>
+              <a:p>
+                <a:pPr marL="0" indent="0">
+                  <a:buNone/>
+                </a:pPr>
+                <a:r>
+                  <a:rPr lang="en-GB" dirty="0" err="1" smtClean="0"/>
+                  <a:t>Matlab</a:t>
+                </a:r>
+                <a:r>
+                  <a:rPr lang="en-GB" dirty="0" smtClean="0"/>
+                  <a:t> can solve this: </a:t>
+                </a:r>
+                <a:r>
+                  <a:rPr lang="en-GB" dirty="0" smtClean="0">
+                    <a:latin typeface="Consolas" panose="020B0609020204030204" pitchFamily="49" charset="0"/>
+                    <a:cs typeface="Consolas" panose="020B0609020204030204" pitchFamily="49" charset="0"/>
+                  </a:rPr>
+                  <a:t>[vectors, lambdas] = </a:t>
+                </a:r>
+                <a:r>
+                  <a:rPr lang="en-GB" dirty="0" err="1" smtClean="0">
+                    <a:latin typeface="Consolas" panose="020B0609020204030204" pitchFamily="49" charset="0"/>
+                    <a:cs typeface="Consolas" panose="020B0609020204030204" pitchFamily="49" charset="0"/>
+                  </a:rPr>
+                  <a:t>eig</a:t>
+                </a:r>
+                <a:r>
+                  <a:rPr lang="en-GB" dirty="0" smtClean="0">
+                    <a:latin typeface="Consolas" panose="020B0609020204030204" pitchFamily="49" charset="0"/>
+                    <a:cs typeface="Consolas" panose="020B0609020204030204" pitchFamily="49" charset="0"/>
+                  </a:rPr>
+                  <a:t>(A, B)</a:t>
+                </a:r>
+              </a:p>
+              <a:p>
+                <a:pPr marL="0" indent="0">
+                  <a:buNone/>
+                </a:pPr>
+                <a:endParaRPr lang="en-GB" dirty="0"/>
+              </a:p>
+              <a:p>
+                <a:pPr marL="0" indent="0">
+                  <a:buNone/>
+                </a:pPr>
+                <a:endParaRPr lang="en-GB" dirty="0"/>
+              </a:p>
+            </p:txBody>
+          </p:sp>
+        </mc:Choice>
+        <mc:Fallback>
+          <p:sp>
+            <p:nvSpPr>
+              <p:cNvPr id="3" name="Content Placeholder 2"/>
+              <p:cNvSpPr>
+                <a:spLocks noGrp="1" noRot="1" noChangeAspect="1" noMove="1" noResize="1" noEditPoints="1" noAdjustHandles="1" noChangeArrowheads="1" noChangeShapeType="1" noTextEdit="1"/>
+              </p:cNvSpPr>
+              <p:nvPr>
+                <p:ph idx="1"/>
+              </p:nvPr>
+            </p:nvSpPr>
+            <p:spPr>
+              <a:blipFill rotWithShape="1">
+                <a:blip r:embed="rId2"/>
+                <a:stretch>
+                  <a:fillRect l="-222" t="-1213"/>
+                </a:stretch>
+              </a:blipFill>
+            </p:spPr>
+            <p:txBody>
+              <a:bodyPr/>
+              <a:lstStyle/>
+              <a:p>
+                <a:r>
+                  <a:rPr lang="en-GB">
+                    <a:noFill/>
+                  </a:rPr>
+                  <a:t> </a:t>
+                </a:r>
+              </a:p>
+            </p:txBody>
+          </p:sp>
+        </mc:Fallback>
+      </mc:AlternateContent>
     </p:spTree>
+    <p:extLst>
+      <p:ext uri="{BB962C8B-B14F-4D97-AF65-F5344CB8AC3E}">
+        <p14:creationId xmlns:p14="http://schemas.microsoft.com/office/powerpoint/2010/main" val="2722850409"/>
+      </p:ext>
+    </p:extLst>
   </p:cSld>
   <p:clrMapOvr>
     <a:masterClrMapping/>
@@ -4853,7 +7870,7 @@
           <a:p>
             <a:r>
               <a:rPr lang="en-GB" dirty="0" smtClean="0"/>
-              <a:t>Adding absorbers to the model</a:t>
+              <a:t>Testing the model</a:t>
             </a:r>
             <a:endParaRPr lang="en-GB" dirty="0"/>
           </a:p>

--- a/powerpoint.pptx
+++ b/powerpoint.pptx
@@ -5,7 +5,7 @@
     <p:sldMasterId id="2147483648" r:id="rId1"/>
   </p:sldMasterIdLst>
   <p:notesMasterIdLst>
-    <p:notesMasterId r:id="rId20"/>
+    <p:notesMasterId r:id="rId26"/>
   </p:notesMasterIdLst>
   <p:sldIdLst>
     <p:sldId id="256" r:id="rId2"/>
@@ -18,14 +18,20 @@
     <p:sldId id="273" r:id="rId9"/>
     <p:sldId id="267" r:id="rId10"/>
     <p:sldId id="268" r:id="rId11"/>
-    <p:sldId id="262" r:id="rId12"/>
-    <p:sldId id="263" r:id="rId13"/>
+    <p:sldId id="274" r:id="rId12"/>
+    <p:sldId id="262" r:id="rId13"/>
     <p:sldId id="264" r:id="rId14"/>
     <p:sldId id="265" r:id="rId15"/>
-    <p:sldId id="266" r:id="rId16"/>
-    <p:sldId id="269" r:id="rId17"/>
-    <p:sldId id="270" r:id="rId18"/>
-    <p:sldId id="271" r:id="rId19"/>
+    <p:sldId id="278" r:id="rId16"/>
+    <p:sldId id="279" r:id="rId17"/>
+    <p:sldId id="280" r:id="rId18"/>
+    <p:sldId id="266" r:id="rId19"/>
+    <p:sldId id="269" r:id="rId20"/>
+    <p:sldId id="270" r:id="rId21"/>
+    <p:sldId id="275" r:id="rId22"/>
+    <p:sldId id="276" r:id="rId23"/>
+    <p:sldId id="277" r:id="rId24"/>
+    <p:sldId id="263" r:id="rId25"/>
   </p:sldIdLst>
   <p:sldSz cx="9144000" cy="6858000" type="screen4x3"/>
   <p:notesSz cx="6858000" cy="9144000"/>
@@ -209,7 +215,8 @@
           <a:p>
             <a:fld id="{4CB3315F-0A10-4DEF-AC67-BCDBA1C482DF}" type="datetimeFigureOut">
               <a:rPr lang="en-GB" smtClean="0"/>
-              <a:t>01/11/2014</a:t>
+              <a:pPr/>
+              <a:t>02/11/2014</a:t>
             </a:fld>
             <a:endParaRPr lang="en-GB"/>
           </a:p>
@@ -370,6 +377,7 @@
           <a:p>
             <a:fld id="{74EAF850-785E-4110-9A5A-A40C7E9D73BD}" type="slidenum">
               <a:rPr lang="en-GB" smtClean="0"/>
+              <a:pPr/>
               <a:t>‹#›</a:t>
             </a:fld>
             <a:endParaRPr lang="en-GB"/>
@@ -379,7 +387,7 @@
     </p:spTree>
     <p:extLst>
       <p:ext uri="{BB962C8B-B14F-4D97-AF65-F5344CB8AC3E}">
-        <p14:creationId xmlns:p14="http://schemas.microsoft.com/office/powerpoint/2010/main" val="2825561085"/>
+        <p14:creationId xmlns="" xmlns:p14="http://schemas.microsoft.com/office/powerpoint/2010/main" val="2825561085"/>
       </p:ext>
     </p:extLst>
   </p:cSld>
@@ -546,7 +554,102 @@
           <a:p>
             <a:fld id="{74EAF850-785E-4110-9A5A-A40C7E9D73BD}" type="slidenum">
               <a:rPr lang="en-GB" smtClean="0"/>
+              <a:pPr/>
               <a:t>2</a:t>
+            </a:fld>
+            <a:endParaRPr lang="en-GB"/>
+          </a:p>
+        </p:txBody>
+      </p:sp>
+    </p:spTree>
+  </p:cSld>
+  <p:clrMapOvr>
+    <a:masterClrMapping/>
+  </p:clrMapOvr>
+</p:notes>
+</file>
+
+<file path=ppt/notesSlides/notesSlide2.xml><?xml version="1.0" encoding="utf-8"?>
+<p:notes xmlns:a="http://schemas.openxmlformats.org/drawingml/2006/main" xmlns:r="http://schemas.openxmlformats.org/officeDocument/2006/relationships" xmlns:p="http://schemas.openxmlformats.org/presentationml/2006/main">
+  <p:cSld>
+    <p:spTree>
+      <p:nvGrpSpPr>
+        <p:cNvPr id="1" name=""/>
+        <p:cNvGrpSpPr/>
+        <p:nvPr/>
+      </p:nvGrpSpPr>
+      <p:grpSpPr>
+        <a:xfrm>
+          <a:off x="0" y="0"/>
+          <a:ext cx="0" cy="0"/>
+          <a:chOff x="0" y="0"/>
+          <a:chExt cx="0" cy="0"/>
+        </a:xfrm>
+      </p:grpSpPr>
+      <p:sp>
+        <p:nvSpPr>
+          <p:cNvPr id="2" name="Slide Image Placeholder 1"/>
+          <p:cNvSpPr>
+            <a:spLocks noGrp="1" noRot="1" noChangeAspect="1"/>
+          </p:cNvSpPr>
+          <p:nvPr>
+            <p:ph type="sldImg"/>
+          </p:nvPr>
+        </p:nvSpPr>
+        <p:spPr/>
+      </p:sp>
+      <p:sp>
+        <p:nvSpPr>
+          <p:cNvPr id="3" name="Notes Placeholder 2"/>
+          <p:cNvSpPr>
+            <a:spLocks noGrp="1"/>
+          </p:cNvSpPr>
+          <p:nvPr>
+            <p:ph type="body" idx="1"/>
+          </p:nvPr>
+        </p:nvSpPr>
+        <p:spPr/>
+        <p:txBody>
+          <a:bodyPr>
+            <a:normAutofit/>
+          </a:bodyPr>
+          <a:lstStyle/>
+          <a:p>
+            <a:r>
+              <a:rPr lang="en-GB" dirty="0" smtClean="0"/>
+              <a:t>Couldn’t get a step response from the structure, because force and signal to transducer were not in sync</a:t>
+            </a:r>
+          </a:p>
+          <a:p>
+            <a:r>
+              <a:rPr lang="en-GB" dirty="0" smtClean="0"/>
+              <a:t>Got data from the original under a frequency sweep</a:t>
+            </a:r>
+          </a:p>
+          <a:p>
+            <a:endParaRPr lang="en-GB" dirty="0"/>
+          </a:p>
+        </p:txBody>
+      </p:sp>
+      <p:sp>
+        <p:nvSpPr>
+          <p:cNvPr id="4" name="Slide Number Placeholder 3"/>
+          <p:cNvSpPr>
+            <a:spLocks noGrp="1"/>
+          </p:cNvSpPr>
+          <p:nvPr>
+            <p:ph type="sldNum" sz="quarter" idx="10"/>
+          </p:nvPr>
+        </p:nvSpPr>
+        <p:spPr/>
+        <p:txBody>
+          <a:bodyPr/>
+          <a:lstStyle/>
+          <a:p>
+            <a:fld id="{74EAF850-785E-4110-9A5A-A40C7E9D73BD}" type="slidenum">
+              <a:rPr lang="en-GB" smtClean="0"/>
+              <a:pPr/>
+              <a:t>10</a:t>
             </a:fld>
             <a:endParaRPr lang="en-GB"/>
           </a:p>
@@ -741,7 +844,8 @@
           <a:p>
             <a:fld id="{77FBBBD1-1E54-4BE2-A488-F65954C7CEA5}" type="datetimeFigureOut">
               <a:rPr lang="en-GB" smtClean="0"/>
-              <a:t>01/11/2014</a:t>
+              <a:pPr/>
+              <a:t>02/11/2014</a:t>
             </a:fld>
             <a:endParaRPr lang="en-GB"/>
           </a:p>
@@ -783,6 +887,7 @@
           <a:p>
             <a:fld id="{0B7ABC80-637C-4206-9773-A5A2DD7DBE4A}" type="slidenum">
               <a:rPr lang="en-GB" smtClean="0"/>
+              <a:pPr/>
               <a:t>‹#›</a:t>
             </a:fld>
             <a:endParaRPr lang="en-GB"/>
@@ -906,7 +1011,8 @@
           <a:p>
             <a:fld id="{77FBBBD1-1E54-4BE2-A488-F65954C7CEA5}" type="datetimeFigureOut">
               <a:rPr lang="en-GB" smtClean="0"/>
-              <a:t>01/11/2014</a:t>
+              <a:pPr/>
+              <a:t>02/11/2014</a:t>
             </a:fld>
             <a:endParaRPr lang="en-GB"/>
           </a:p>
@@ -948,6 +1054,7 @@
           <a:p>
             <a:fld id="{0B7ABC80-637C-4206-9773-A5A2DD7DBE4A}" type="slidenum">
               <a:rPr lang="en-GB" smtClean="0"/>
+              <a:pPr/>
               <a:t>‹#›</a:t>
             </a:fld>
             <a:endParaRPr lang="en-GB"/>
@@ -1081,7 +1188,8 @@
           <a:p>
             <a:fld id="{77FBBBD1-1E54-4BE2-A488-F65954C7CEA5}" type="datetimeFigureOut">
               <a:rPr lang="en-GB" smtClean="0"/>
-              <a:t>01/11/2014</a:t>
+              <a:pPr/>
+              <a:t>02/11/2014</a:t>
             </a:fld>
             <a:endParaRPr lang="en-GB"/>
           </a:p>
@@ -1123,6 +1231,7 @@
           <a:p>
             <a:fld id="{0B7ABC80-637C-4206-9773-A5A2DD7DBE4A}" type="slidenum">
               <a:rPr lang="en-GB" smtClean="0"/>
+              <a:pPr/>
               <a:t>‹#›</a:t>
             </a:fld>
             <a:endParaRPr lang="en-GB"/>
@@ -1246,7 +1355,8 @@
           <a:p>
             <a:fld id="{77FBBBD1-1E54-4BE2-A488-F65954C7CEA5}" type="datetimeFigureOut">
               <a:rPr lang="en-GB" smtClean="0"/>
-              <a:t>01/11/2014</a:t>
+              <a:pPr/>
+              <a:t>02/11/2014</a:t>
             </a:fld>
             <a:endParaRPr lang="en-GB"/>
           </a:p>
@@ -1288,6 +1398,7 @@
           <a:p>
             <a:fld id="{0B7ABC80-637C-4206-9773-A5A2DD7DBE4A}" type="slidenum">
               <a:rPr lang="en-GB" smtClean="0"/>
+              <a:pPr/>
               <a:t>‹#›</a:t>
             </a:fld>
             <a:endParaRPr lang="en-GB"/>
@@ -1487,7 +1598,8 @@
           <a:p>
             <a:fld id="{77FBBBD1-1E54-4BE2-A488-F65954C7CEA5}" type="datetimeFigureOut">
               <a:rPr lang="en-GB" smtClean="0"/>
-              <a:t>01/11/2014</a:t>
+              <a:pPr/>
+              <a:t>02/11/2014</a:t>
             </a:fld>
             <a:endParaRPr lang="en-GB"/>
           </a:p>
@@ -1529,6 +1641,7 @@
           <a:p>
             <a:fld id="{0B7ABC80-637C-4206-9773-A5A2DD7DBE4A}" type="slidenum">
               <a:rPr lang="en-GB" smtClean="0"/>
+              <a:pPr/>
               <a:t>‹#›</a:t>
             </a:fld>
             <a:endParaRPr lang="en-GB"/>
@@ -1770,7 +1883,8 @@
           <a:p>
             <a:fld id="{77FBBBD1-1E54-4BE2-A488-F65954C7CEA5}" type="datetimeFigureOut">
               <a:rPr lang="en-GB" smtClean="0"/>
-              <a:t>01/11/2014</a:t>
+              <a:pPr/>
+              <a:t>02/11/2014</a:t>
             </a:fld>
             <a:endParaRPr lang="en-GB"/>
           </a:p>
@@ -1812,6 +1926,7 @@
           <a:p>
             <a:fld id="{0B7ABC80-637C-4206-9773-A5A2DD7DBE4A}" type="slidenum">
               <a:rPr lang="en-GB" smtClean="0"/>
+              <a:pPr/>
               <a:t>‹#›</a:t>
             </a:fld>
             <a:endParaRPr lang="en-GB"/>
@@ -2187,7 +2302,8 @@
           <a:p>
             <a:fld id="{77FBBBD1-1E54-4BE2-A488-F65954C7CEA5}" type="datetimeFigureOut">
               <a:rPr lang="en-GB" smtClean="0"/>
-              <a:t>01/11/2014</a:t>
+              <a:pPr/>
+              <a:t>02/11/2014</a:t>
             </a:fld>
             <a:endParaRPr lang="en-GB"/>
           </a:p>
@@ -2229,6 +2345,7 @@
           <a:p>
             <a:fld id="{0B7ABC80-637C-4206-9773-A5A2DD7DBE4A}" type="slidenum">
               <a:rPr lang="en-GB" smtClean="0"/>
+              <a:pPr/>
               <a:t>‹#›</a:t>
             </a:fld>
             <a:endParaRPr lang="en-GB"/>
@@ -2300,7 +2417,8 @@
           <a:p>
             <a:fld id="{77FBBBD1-1E54-4BE2-A488-F65954C7CEA5}" type="datetimeFigureOut">
               <a:rPr lang="en-GB" smtClean="0"/>
-              <a:t>01/11/2014</a:t>
+              <a:pPr/>
+              <a:t>02/11/2014</a:t>
             </a:fld>
             <a:endParaRPr lang="en-GB"/>
           </a:p>
@@ -2342,6 +2460,7 @@
           <a:p>
             <a:fld id="{0B7ABC80-637C-4206-9773-A5A2DD7DBE4A}" type="slidenum">
               <a:rPr lang="en-GB" smtClean="0"/>
+              <a:pPr/>
               <a:t>‹#›</a:t>
             </a:fld>
             <a:endParaRPr lang="en-GB"/>
@@ -2390,7 +2509,8 @@
           <a:p>
             <a:fld id="{77FBBBD1-1E54-4BE2-A488-F65954C7CEA5}" type="datetimeFigureOut">
               <a:rPr lang="en-GB" smtClean="0"/>
-              <a:t>01/11/2014</a:t>
+              <a:pPr/>
+              <a:t>02/11/2014</a:t>
             </a:fld>
             <a:endParaRPr lang="en-GB"/>
           </a:p>
@@ -2432,6 +2552,7 @@
           <a:p>
             <a:fld id="{0B7ABC80-637C-4206-9773-A5A2DD7DBE4A}" type="slidenum">
               <a:rPr lang="en-GB" smtClean="0"/>
+              <a:pPr/>
               <a:t>‹#›</a:t>
             </a:fld>
             <a:endParaRPr lang="en-GB"/>
@@ -2662,7 +2783,8 @@
           <a:p>
             <a:fld id="{77FBBBD1-1E54-4BE2-A488-F65954C7CEA5}" type="datetimeFigureOut">
               <a:rPr lang="en-GB" smtClean="0"/>
-              <a:t>01/11/2014</a:t>
+              <a:pPr/>
+              <a:t>02/11/2014</a:t>
             </a:fld>
             <a:endParaRPr lang="en-GB"/>
           </a:p>
@@ -2704,6 +2826,7 @@
           <a:p>
             <a:fld id="{0B7ABC80-637C-4206-9773-A5A2DD7DBE4A}" type="slidenum">
               <a:rPr lang="en-GB" smtClean="0"/>
+              <a:pPr/>
               <a:t>‹#›</a:t>
             </a:fld>
             <a:endParaRPr lang="en-GB"/>
@@ -2910,7 +3033,8 @@
           <a:p>
             <a:fld id="{77FBBBD1-1E54-4BE2-A488-F65954C7CEA5}" type="datetimeFigureOut">
               <a:rPr lang="en-GB" smtClean="0"/>
-              <a:t>01/11/2014</a:t>
+              <a:pPr/>
+              <a:t>02/11/2014</a:t>
             </a:fld>
             <a:endParaRPr lang="en-GB"/>
           </a:p>
@@ -2952,6 +3076,7 @@
           <a:p>
             <a:fld id="{0B7ABC80-637C-4206-9773-A5A2DD7DBE4A}" type="slidenum">
               <a:rPr lang="en-GB" smtClean="0"/>
+              <a:pPr/>
               <a:t>‹#›</a:t>
             </a:fld>
             <a:endParaRPr lang="en-GB"/>
@@ -3118,7 +3243,8 @@
           <a:p>
             <a:fld id="{77FBBBD1-1E54-4BE2-A488-F65954C7CEA5}" type="datetimeFigureOut">
               <a:rPr lang="en-GB" smtClean="0"/>
-              <a:t>01/11/2014</a:t>
+              <a:pPr/>
+              <a:t>02/11/2014</a:t>
             </a:fld>
             <a:endParaRPr lang="en-GB"/>
           </a:p>
@@ -3196,6 +3322,7 @@
           <a:p>
             <a:fld id="{0B7ABC80-637C-4206-9773-A5A2DD7DBE4A}" type="slidenum">
               <a:rPr lang="en-GB" smtClean="0"/>
+              <a:pPr/>
               <a:t>‹#›</a:t>
             </a:fld>
             <a:endParaRPr lang="en-GB"/>
@@ -3523,12 +3650,21 @@
             <p:ph type="subTitle" idx="1"/>
           </p:nvPr>
         </p:nvSpPr>
-        <p:spPr/>
+        <p:spPr>
+          <a:xfrm>
+            <a:off x="1403648" y="4581128"/>
+            <a:ext cx="6400800" cy="694928"/>
+          </a:xfrm>
+        </p:spPr>
         <p:txBody>
           <a:bodyPr/>
           <a:lstStyle/>
           <a:p>
-            <a:endParaRPr lang="en-GB"/>
+            <a:r>
+              <a:rPr lang="en-GB" dirty="0" smtClean="0"/>
+              <a:t>Eric Wieser and Ajinkya Bhalerao</a:t>
+            </a:r>
+            <a:endParaRPr lang="en-GB" dirty="0"/>
           </a:p>
         </p:txBody>
       </p:sp>
@@ -3587,40 +3723,46 @@
           </a:p>
         </p:txBody>
       </p:sp>
-      <p:sp>
-        <p:nvSpPr>
-          <p:cNvPr id="5" name="Content Placeholder 4"/>
-          <p:cNvSpPr>
-            <a:spLocks noGrp="1"/>
-          </p:cNvSpPr>
+      <p:pic>
+        <p:nvPicPr>
+          <p:cNvPr id="6" name="Picture 2" descr="C:\Users\Home\Documents\docs\stuff from uni\year 2 cambridge\cued-icw\graphs\verify.png"/>
+          <p:cNvPicPr>
+            <a:picLocks noGrp="1" noChangeAspect="1" noChangeArrowheads="1"/>
+          </p:cNvPicPr>
           <p:nvPr>
             <p:ph idx="1"/>
           </p:nvPr>
-        </p:nvSpPr>
-        <p:spPr/>
-        <p:txBody>
-          <a:bodyPr/>
-          <a:lstStyle/>
-          <a:p>
-            <a:r>
-              <a:rPr lang="en-GB" dirty="0" smtClean="0"/>
-              <a:t>Couldn’t get a step response from the structure, because force and signal to transducer were not in sync</a:t>
-            </a:r>
-          </a:p>
-          <a:p>
-            <a:r>
-              <a:rPr lang="en-GB" dirty="0" smtClean="0"/>
-              <a:t>Got data from the original under a frequency sweep</a:t>
-            </a:r>
-            <a:endParaRPr lang="en-GB" dirty="0"/>
-          </a:p>
-        </p:txBody>
-      </p:sp>
+        </p:nvPicPr>
+        <p:blipFill>
+          <a:blip r:embed="rId3" cstate="print"/>
+          <a:srcRect/>
+          <a:stretch>
+            <a:fillRect/>
+          </a:stretch>
+        </p:blipFill>
+        <p:spPr bwMode="auto">
+          <a:xfrm>
+            <a:off x="1554691" y="1600200"/>
+            <a:ext cx="6034618" cy="4525963"/>
+          </a:xfrm>
+          <a:prstGeom prst="rect">
+            <a:avLst/>
+          </a:prstGeom>
+          <a:noFill/>
+        </p:spPr>
+      </p:pic>
     </p:spTree>
   </p:cSld>
   <p:clrMapOvr>
     <a:masterClrMapping/>
   </p:clrMapOvr>
+  <p:timing>
+    <p:tnLst>
+      <p:par>
+        <p:cTn id="1" dur="indefinite" restart="never" nodeType="tmRoot"/>
+      </p:par>
+    </p:tnLst>
+  </p:timing>
 </p:sld>
 </file>
 
@@ -3643,7 +3785,7 @@
       </p:grpSpPr>
       <p:sp>
         <p:nvSpPr>
-          <p:cNvPr id="4" name="Title 3"/>
+          <p:cNvPr id="2" name="Title 1"/>
           <p:cNvSpPr>
             <a:spLocks noGrp="1"/>
           </p:cNvSpPr>
@@ -3653,41 +3795,59 @@
         </p:nvSpPr>
         <p:spPr/>
         <p:txBody>
-          <a:bodyPr/>
+          <a:bodyPr>
+            <a:normAutofit fontScale="90000"/>
+          </a:bodyPr>
           <a:lstStyle/>
           <a:p>
             <a:r>
               <a:rPr lang="en-GB" dirty="0" smtClean="0"/>
-              <a:t>Adding absorbers to the model</a:t>
+              <a:t>Displacement-time graphs of model</a:t>
             </a:r>
             <a:endParaRPr lang="en-GB" dirty="0"/>
           </a:p>
         </p:txBody>
       </p:sp>
-      <p:sp>
-        <p:nvSpPr>
-          <p:cNvPr id="5" name="Text Placeholder 4"/>
-          <p:cNvSpPr>
-            <a:spLocks noGrp="1"/>
-          </p:cNvSpPr>
-          <p:nvPr>
-            <p:ph type="body" idx="1"/>
-          </p:nvPr>
-        </p:nvSpPr>
-        <p:spPr/>
-        <p:txBody>
-          <a:bodyPr/>
-          <a:lstStyle/>
-          <a:p>
-            <a:endParaRPr lang="en-GB"/>
-          </a:p>
-        </p:txBody>
-      </p:sp>
+      <p:pic>
+        <p:nvPicPr>
+          <p:cNvPr id="4098" name="Picture 2" descr="C:\Users\Home\Documents\docs\stuff from uni\year 2 cambridge\cued-icw\graphs\disp-all.png"/>
+          <p:cNvPicPr>
+            <a:picLocks noGrp="1" noChangeAspect="1" noChangeArrowheads="1"/>
+          </p:cNvPicPr>
+          <p:nvPr>
+            <p:ph idx="1"/>
+          </p:nvPr>
+        </p:nvPicPr>
+        <p:blipFill>
+          <a:blip r:embed="rId2" cstate="print"/>
+          <a:srcRect/>
+          <a:stretch>
+            <a:fillRect/>
+          </a:stretch>
+        </p:blipFill>
+        <p:spPr bwMode="auto">
+          <a:xfrm>
+            <a:off x="1554691" y="1600200"/>
+            <a:ext cx="6034618" cy="4525963"/>
+          </a:xfrm>
+          <a:prstGeom prst="rect">
+            <a:avLst/>
+          </a:prstGeom>
+          <a:noFill/>
+        </p:spPr>
+      </p:pic>
     </p:spTree>
   </p:cSld>
   <p:clrMapOvr>
     <a:masterClrMapping/>
   </p:clrMapOvr>
+  <p:timing>
+    <p:tnLst>
+      <p:par>
+        <p:cTn id="1" dur="indefinite" restart="never" nodeType="tmRoot"/>
+      </p:par>
+    </p:tnLst>
+  </p:timing>
 </p:sld>
 </file>
 
@@ -3725,7 +3885,7 @@
           <a:p>
             <a:r>
               <a:rPr lang="en-GB" dirty="0" smtClean="0"/>
-              <a:t>Damping resonant peaks</a:t>
+              <a:t>Adding absorbers to the model</a:t>
             </a:r>
             <a:endParaRPr lang="en-GB" dirty="0"/>
           </a:p>
@@ -3733,12 +3893,12 @@
       </p:sp>
       <p:sp>
         <p:nvSpPr>
-          <p:cNvPr id="5" name="Content Placeholder 4"/>
-          <p:cNvSpPr>
-            <a:spLocks noGrp="1"/>
-          </p:cNvSpPr>
-          <p:nvPr>
-            <p:ph idx="1"/>
+          <p:cNvPr id="5" name="Text Placeholder 4"/>
+          <p:cNvSpPr>
+            <a:spLocks noGrp="1"/>
+          </p:cNvSpPr>
+          <p:nvPr>
+            <p:ph type="body" idx="1"/>
           </p:nvPr>
         </p:nvSpPr>
         <p:spPr/>
@@ -3746,50 +3906,7 @@
           <a:bodyPr/>
           <a:lstStyle/>
           <a:p>
-            <a:r>
-              <a:rPr lang="en-GB" dirty="0" smtClean="0"/>
-              <a:t>Absorbers needs a </a:t>
-            </a:r>
-            <a:r>
-              <a:rPr lang="en-GB" i="1" dirty="0" smtClean="0"/>
-              <a:t>damped </a:t>
-            </a:r>
-            <a:r>
-              <a:rPr lang="en-GB" dirty="0" smtClean="0"/>
-              <a:t>frequency matching the frequency of the peak to eliminate</a:t>
-            </a:r>
-          </a:p>
-          <a:p>
-            <a:r>
-              <a:rPr lang="en-GB" dirty="0" smtClean="0"/>
-              <a:t>Can be derived from </a:t>
-            </a:r>
-            <a:r>
-              <a:rPr lang="en-GB" dirty="0" err="1" smtClean="0"/>
-              <a:t>databook</a:t>
-            </a:r>
-            <a:r>
-              <a:rPr lang="en-GB" dirty="0" smtClean="0"/>
-              <a:t> equations</a:t>
-            </a:r>
-          </a:p>
-          <a:p>
-            <a:r>
-              <a:rPr lang="en-GB" dirty="0" smtClean="0"/>
-              <a:t>[equation]</a:t>
-            </a:r>
-          </a:p>
-          <a:p>
-            <a:r>
-              <a:rPr lang="en-GB" dirty="0" smtClean="0"/>
-              <a:t>For simplicity, assume absorber damping equal to building damping</a:t>
-            </a:r>
-          </a:p>
-          <a:p>
-            <a:pPr>
-              <a:buNone/>
-            </a:pPr>
-            <a:endParaRPr lang="en-GB" dirty="0"/>
+            <a:endParaRPr lang="en-GB"/>
           </a:p>
         </p:txBody>
       </p:sp>
@@ -3798,6 +3915,13 @@
   <p:clrMapOvr>
     <a:masterClrMapping/>
   </p:clrMapOvr>
+  <p:timing>
+    <p:tnLst>
+      <p:par>
+        <p:cTn id="1" dur="indefinite" restart="never" nodeType="tmRoot"/>
+      </p:par>
+    </p:tnLst>
+  </p:timing>
 </p:sld>
 </file>
 
@@ -3864,8 +3988,13 @@
           <a:p>
             <a:r>
               <a:rPr lang="en-GB" dirty="0" smtClean="0"/>
-              <a:t>Conserve total mass of absorbers</a:t>
-            </a:r>
+              <a:t>Conserve total mass of </a:t>
+            </a:r>
+            <a:r>
+              <a:rPr lang="en-GB" dirty="0" smtClean="0"/>
+              <a:t>absorbers</a:t>
+            </a:r>
+            <a:endParaRPr lang="en-GB" dirty="0" smtClean="0"/>
           </a:p>
           <a:p>
             <a:r>
@@ -3881,6 +4010,13 @@
   <p:clrMapOvr>
     <a:masterClrMapping/>
   </p:clrMapOvr>
+  <p:timing>
+    <p:tnLst>
+      <p:par>
+        <p:cTn id="1" dur="indefinite" restart="never" nodeType="tmRoot"/>
+      </p:par>
+    </p:tnLst>
+  </p:timing>
 </p:sld>
 </file>
 
@@ -3918,40 +4054,142 @@
           <a:p>
             <a:r>
               <a:rPr lang="en-GB" dirty="0" smtClean="0"/>
-              <a:t>Effect of adding absorbers</a:t>
+              <a:t>Effect of adding </a:t>
+            </a:r>
+            <a:r>
+              <a:rPr lang="en-GB" dirty="0" smtClean="0"/>
+              <a:t>absorbers (video)</a:t>
             </a:r>
             <a:endParaRPr lang="en-GB" dirty="0"/>
           </a:p>
         </p:txBody>
       </p:sp>
-      <p:sp>
-        <p:nvSpPr>
-          <p:cNvPr id="3" name="Content Placeholder 2"/>
-          <p:cNvSpPr>
-            <a:spLocks noGrp="1"/>
-          </p:cNvSpPr>
+      <p:pic>
+        <p:nvPicPr>
+          <p:cNvPr id="10" name="video.avi">
+            <a:hlinkClick r:id="" action="ppaction://media"/>
+          </p:cNvPr>
+          <p:cNvPicPr>
+            <a:picLocks noGrp="1" noRot="1" noChangeAspect="1"/>
+          </p:cNvPicPr>
           <p:nvPr>
             <p:ph idx="1"/>
-          </p:nvPr>
-        </p:nvSpPr>
-        <p:spPr/>
-        <p:txBody>
-          <a:bodyPr/>
-          <a:lstStyle/>
-          <a:p>
-            <a:r>
-              <a:rPr lang="en-GB" dirty="0" smtClean="0"/>
-              <a:t>[graph/animation]</a:t>
-            </a:r>
-            <a:endParaRPr lang="en-GB" dirty="0"/>
-          </a:p>
-        </p:txBody>
-      </p:sp>
+            <a:videoFile r:link="rId1"/>
+          </p:nvPr>
+        </p:nvPicPr>
+        <p:blipFill>
+          <a:blip r:embed="rId3" cstate="print"/>
+          <a:stretch>
+            <a:fillRect/>
+          </a:stretch>
+        </p:blipFill>
+        <p:spPr>
+          <a:xfrm>
+            <a:off x="1524000" y="1576388"/>
+            <a:ext cx="6096000" cy="4572000"/>
+          </a:xfrm>
+          <a:prstGeom prst="rect">
+            <a:avLst/>
+          </a:prstGeom>
+        </p:spPr>
+      </p:pic>
     </p:spTree>
   </p:cSld>
   <p:clrMapOvr>
     <a:masterClrMapping/>
   </p:clrMapOvr>
+  <p:timing>
+    <p:tnLst>
+      <p:par>
+        <p:cTn id="1" dur="indefinite" restart="never" nodeType="tmRoot">
+          <p:childTnLst>
+            <p:seq concurrent="1" nextAc="seek">
+              <p:cTn id="2" restart="whenNotActive" fill="hold" evtFilter="cancelBubble" nodeType="interactiveSeq">
+                <p:stCondLst>
+                  <p:cond evt="onClick" delay="0">
+                    <p:tgtEl>
+                      <p:spTgt spid="10"/>
+                    </p:tgtEl>
+                  </p:cond>
+                </p:stCondLst>
+                <p:endSync evt="end" delay="0">
+                  <p:rtn val="all"/>
+                </p:endSync>
+                <p:childTnLst>
+                  <p:par>
+                    <p:cTn id="3" fill="hold">
+                      <p:stCondLst>
+                        <p:cond delay="0"/>
+                      </p:stCondLst>
+                      <p:childTnLst>
+                        <p:par>
+                          <p:cTn id="4" fill="hold">
+                            <p:stCondLst>
+                              <p:cond delay="0"/>
+                            </p:stCondLst>
+                            <p:childTnLst>
+                              <p:par>
+                                <p:cTn id="5" presetID="2" presetClass="mediacall" presetSubtype="0" fill="hold" nodeType="clickEffect">
+                                  <p:stCondLst>
+                                    <p:cond delay="0"/>
+                                  </p:stCondLst>
+                                  <p:childTnLst>
+                                    <p:cmd type="call" cmd="togglePause">
+                                      <p:cBhvr>
+                                        <p:cTn id="6" dur="1" fill="hold"/>
+                                        <p:tgtEl>
+                                          <p:spTgt spid="10"/>
+                                        </p:tgtEl>
+                                      </p:cBhvr>
+                                    </p:cmd>
+                                  </p:childTnLst>
+                                </p:cTn>
+                              </p:par>
+                            </p:childTnLst>
+                          </p:cTn>
+                        </p:par>
+                      </p:childTnLst>
+                    </p:cTn>
+                  </p:par>
+                </p:childTnLst>
+              </p:cTn>
+              <p:nextCondLst>
+                <p:cond evt="onClick" delay="0">
+                  <p:tgtEl>
+                    <p:spTgt spid="10"/>
+                  </p:tgtEl>
+                </p:cond>
+              </p:nextCondLst>
+            </p:seq>
+            <p:video>
+              <p:cMediaNode>
+                <p:cTn id="7" fill="hold" display="0">
+                  <p:stCondLst>
+                    <p:cond delay="indefinite"/>
+                  </p:stCondLst>
+                  <p:endCondLst>
+                    <p:cond evt="onNext" delay="0">
+                      <p:tgtEl>
+                        <p:sldTgt/>
+                      </p:tgtEl>
+                    </p:cond>
+                    <p:cond evt="onPrev" delay="0">
+                      <p:tgtEl>
+                        <p:sldTgt/>
+                      </p:tgtEl>
+                    </p:cond>
+                  </p:endCondLst>
+                </p:cTn>
+                <p:tgtEl>
+                  <p:spTgt spid="10"/>
+                </p:tgtEl>
+              </p:cMediaNode>
+            </p:video>
+          </p:childTnLst>
+        </p:cTn>
+      </p:par>
+    </p:tnLst>
+  </p:timing>
 </p:sld>
 </file>
 
@@ -3995,47 +4233,41 @@
           </a:p>
         </p:txBody>
       </p:sp>
-      <p:sp>
-        <p:nvSpPr>
-          <p:cNvPr id="3" name="Content Placeholder 2"/>
-          <p:cNvSpPr>
-            <a:spLocks noGrp="1"/>
-          </p:cNvSpPr>
+      <p:pic>
+        <p:nvPicPr>
+          <p:cNvPr id="4" name="Content Placeholder 3" descr="absorber-04.png"/>
+          <p:cNvPicPr>
+            <a:picLocks noGrp="1" noChangeAspect="1"/>
+          </p:cNvPicPr>
           <p:nvPr>
             <p:ph idx="1"/>
           </p:nvPr>
-        </p:nvSpPr>
-        <p:spPr/>
-        <p:txBody>
-          <a:bodyPr/>
-          <a:lstStyle/>
-          <a:p>
-            <a:r>
-              <a:rPr lang="en-GB" dirty="0" smtClean="0"/>
-              <a:t>[histogram of absorber frequency by mass]</a:t>
-            </a:r>
-          </a:p>
-          <a:p>
-            <a:r>
-              <a:rPr lang="en-GB" dirty="0" smtClean="0"/>
-              <a:t>[max amplitude (by floor) against </a:t>
-            </a:r>
-            <a:r>
-              <a:rPr lang="en-GB" dirty="0" err="1" smtClean="0"/>
-              <a:t>n_abs</a:t>
-            </a:r>
-            <a:r>
-              <a:rPr lang="en-GB" dirty="0"/>
-              <a:t>]</a:t>
-            </a:r>
-          </a:p>
-        </p:txBody>
-      </p:sp>
+        </p:nvPicPr>
+        <p:blipFill>
+          <a:blip r:embed="rId2" cstate="print"/>
+          <a:stretch>
+            <a:fillRect/>
+          </a:stretch>
+        </p:blipFill>
+        <p:spPr>
+          <a:xfrm>
+            <a:off x="1554691" y="1600200"/>
+            <a:ext cx="6034618" cy="4525963"/>
+          </a:xfrm>
+        </p:spPr>
+      </p:pic>
     </p:spTree>
   </p:cSld>
   <p:clrMapOvr>
     <a:masterClrMapping/>
   </p:clrMapOvr>
+  <p:timing>
+    <p:tnLst>
+      <p:par>
+        <p:cTn id="1" dur="indefinite" restart="never" nodeType="tmRoot"/>
+      </p:par>
+    </p:tnLst>
+  </p:timing>
 </p:sld>
 </file>
 
@@ -4058,7 +4290,7 @@
       </p:grpSpPr>
       <p:sp>
         <p:nvSpPr>
-          <p:cNvPr id="6" name="Title 5"/>
+          <p:cNvPr id="2" name="Title 1"/>
           <p:cNvSpPr>
             <a:spLocks noGrp="1"/>
           </p:cNvSpPr>
@@ -4073,36 +4305,47 @@
           <a:p>
             <a:r>
               <a:rPr lang="en-GB" dirty="0" smtClean="0"/>
-              <a:t>Applying a “real” earthquake</a:t>
+              <a:t>Effect of adding absorbers</a:t>
             </a:r>
             <a:endParaRPr lang="en-GB" dirty="0"/>
           </a:p>
         </p:txBody>
       </p:sp>
-      <p:sp>
-        <p:nvSpPr>
-          <p:cNvPr id="7" name="Text Placeholder 6"/>
-          <p:cNvSpPr>
-            <a:spLocks noGrp="1"/>
-          </p:cNvSpPr>
-          <p:nvPr>
-            <p:ph type="body" idx="1"/>
-          </p:nvPr>
-        </p:nvSpPr>
-        <p:spPr/>
-        <p:txBody>
-          <a:bodyPr/>
-          <a:lstStyle/>
-          <a:p>
-            <a:endParaRPr lang="en-GB"/>
-          </a:p>
-        </p:txBody>
-      </p:sp>
+      <p:pic>
+        <p:nvPicPr>
+          <p:cNvPr id="4" name="Content Placeholder 3" descr="absorber-05.png"/>
+          <p:cNvPicPr>
+            <a:picLocks noGrp="1" noChangeAspect="1"/>
+          </p:cNvPicPr>
+          <p:nvPr>
+            <p:ph idx="1"/>
+          </p:nvPr>
+        </p:nvPicPr>
+        <p:blipFill>
+          <a:blip r:embed="rId2" cstate="print"/>
+          <a:stretch>
+            <a:fillRect/>
+          </a:stretch>
+        </p:blipFill>
+        <p:spPr>
+          <a:xfrm>
+            <a:off x="1554691" y="1600200"/>
+            <a:ext cx="6034618" cy="4525963"/>
+          </a:xfrm>
+        </p:spPr>
+      </p:pic>
     </p:spTree>
   </p:cSld>
   <p:clrMapOvr>
     <a:masterClrMapping/>
   </p:clrMapOvr>
+  <p:timing>
+    <p:tnLst>
+      <p:par>
+        <p:cTn id="1" dur="indefinite" restart="never" nodeType="tmRoot"/>
+      </p:par>
+    </p:tnLst>
+  </p:timing>
 </p:sld>
 </file>
 
@@ -4125,7 +4368,7 @@
       </p:grpSpPr>
       <p:sp>
         <p:nvSpPr>
-          <p:cNvPr id="4" name="Title 3"/>
+          <p:cNvPr id="2" name="Title 1"/>
           <p:cNvSpPr>
             <a:spLocks noGrp="1"/>
           </p:cNvSpPr>
@@ -4140,36 +4383,47 @@
           <a:p>
             <a:r>
               <a:rPr lang="en-GB" dirty="0" smtClean="0"/>
-              <a:t>Displacement / time graph</a:t>
+              <a:t>Effect of adding absorbers</a:t>
             </a:r>
             <a:endParaRPr lang="en-GB" dirty="0"/>
           </a:p>
         </p:txBody>
       </p:sp>
-      <p:sp>
-        <p:nvSpPr>
-          <p:cNvPr id="5" name="Content Placeholder 4"/>
-          <p:cNvSpPr>
-            <a:spLocks noGrp="1"/>
-          </p:cNvSpPr>
+      <p:pic>
+        <p:nvPicPr>
+          <p:cNvPr id="7" name="Content Placeholder 6" descr="absorber-06.png"/>
+          <p:cNvPicPr>
+            <a:picLocks noGrp="1" noChangeAspect="1"/>
+          </p:cNvPicPr>
           <p:nvPr>
             <p:ph idx="1"/>
           </p:nvPr>
-        </p:nvSpPr>
-        <p:spPr/>
-        <p:txBody>
-          <a:bodyPr/>
-          <a:lstStyle/>
-          <a:p>
-            <a:endParaRPr lang="en-GB"/>
-          </a:p>
-        </p:txBody>
-      </p:sp>
+        </p:nvPicPr>
+        <p:blipFill>
+          <a:blip r:embed="rId2" cstate="print"/>
+          <a:stretch>
+            <a:fillRect/>
+          </a:stretch>
+        </p:blipFill>
+        <p:spPr>
+          <a:xfrm>
+            <a:off x="1554691" y="1600200"/>
+            <a:ext cx="6034618" cy="4525963"/>
+          </a:xfrm>
+        </p:spPr>
+      </p:pic>
     </p:spTree>
   </p:cSld>
   <p:clrMapOvr>
     <a:masterClrMapping/>
   </p:clrMapOvr>
+  <p:timing>
+    <p:tnLst>
+      <p:par>
+        <p:cTn id="1" dur="indefinite" restart="never" nodeType="tmRoot"/>
+      </p:par>
+    </p:tnLst>
+  </p:timing>
 </p:sld>
 </file>
 
@@ -4207,74 +4461,126 @@
           <a:p>
             <a:r>
               <a:rPr lang="en-GB" dirty="0" smtClean="0"/>
-              <a:t>Tuning for earthquakes</a:t>
+              <a:t>Effect of adding absorbers</a:t>
             </a:r>
             <a:endParaRPr lang="en-GB" dirty="0"/>
           </a:p>
         </p:txBody>
       </p:sp>
-      <p:sp>
-        <p:nvSpPr>
-          <p:cNvPr id="3" name="Content Placeholder 2"/>
-          <p:cNvSpPr>
-            <a:spLocks noGrp="1"/>
-          </p:cNvSpPr>
+      <p:pic>
+        <p:nvPicPr>
+          <p:cNvPr id="5123" name="Picture 3" descr="C:\Users\Home\Documents\docs\stuff from uni\year 2 cambridge\cued-icw\graphs - Copy\amp-vs-no-abs.png"/>
+          <p:cNvPicPr>
+            <a:picLocks noGrp="1" noChangeAspect="1" noChangeArrowheads="1"/>
+          </p:cNvPicPr>
           <p:nvPr>
             <p:ph idx="1"/>
           </p:nvPr>
-        </p:nvSpPr>
-        <p:spPr/>
-        <p:txBody>
-          <a:bodyPr/>
-          <a:lstStyle/>
-          <a:p>
-            <a:r>
-              <a:rPr lang="en-GB" dirty="0" smtClean="0"/>
-              <a:t>Multiply FFT of earthquake by freq response when tuning</a:t>
-            </a:r>
-          </a:p>
-          <a:p>
-            <a:r>
-              <a:rPr lang="en-GB" dirty="0" smtClean="0"/>
-              <a:t>Result:</a:t>
-            </a:r>
-          </a:p>
-          <a:p>
-            <a:r>
-              <a:rPr lang="en-GB" dirty="0" smtClean="0"/>
-              <a:t>[graph of displacement before </a:t>
-            </a:r>
-            <a:r>
-              <a:rPr lang="en-GB" dirty="0" err="1" smtClean="0"/>
-              <a:t>vs</a:t>
-            </a:r>
-            <a:r>
-              <a:rPr lang="en-GB" dirty="0" smtClean="0"/>
-              <a:t> after]</a:t>
-            </a:r>
-          </a:p>
-          <a:p>
-            <a:r>
-              <a:rPr lang="en-GB" dirty="0" smtClean="0"/>
-              <a:t>[ </a:t>
-            </a:r>
-            <a:r>
-              <a:rPr lang="en-GB" smtClean="0"/>
-              <a:t>dfft</a:t>
-            </a:r>
-            <a:r>
-              <a:rPr lang="en-GB" dirty="0" smtClean="0"/>
-              <a:t> before after?]</a:t>
-            </a:r>
-            <a:endParaRPr lang="en-GB" dirty="0"/>
-          </a:p>
-        </p:txBody>
-      </p:sp>
+        </p:nvPicPr>
+        <p:blipFill>
+          <a:blip r:embed="rId2" cstate="print"/>
+          <a:srcRect/>
+          <a:stretch>
+            <a:fillRect/>
+          </a:stretch>
+        </p:blipFill>
+        <p:spPr bwMode="auto">
+          <a:xfrm>
+            <a:off x="1554691" y="1600200"/>
+            <a:ext cx="6034618" cy="4525963"/>
+          </a:xfrm>
+          <a:prstGeom prst="rect">
+            <a:avLst/>
+          </a:prstGeom>
+          <a:noFill/>
+        </p:spPr>
+      </p:pic>
     </p:spTree>
   </p:cSld>
   <p:clrMapOvr>
     <a:masterClrMapping/>
   </p:clrMapOvr>
+  <p:timing>
+    <p:tnLst>
+      <p:par>
+        <p:cTn id="1" dur="indefinite" restart="never" nodeType="tmRoot"/>
+      </p:par>
+    </p:tnLst>
+  </p:timing>
+</p:sld>
+</file>
+
+<file path=ppt/slides/slide19.xml><?xml version="1.0" encoding="utf-8"?>
+<p:sld xmlns:a="http://schemas.openxmlformats.org/drawingml/2006/main" xmlns:r="http://schemas.openxmlformats.org/officeDocument/2006/relationships" xmlns:p="http://schemas.openxmlformats.org/presentationml/2006/main">
+  <p:cSld>
+    <p:spTree>
+      <p:nvGrpSpPr>
+        <p:cNvPr id="1" name=""/>
+        <p:cNvGrpSpPr/>
+        <p:nvPr/>
+      </p:nvGrpSpPr>
+      <p:grpSpPr>
+        <a:xfrm>
+          <a:off x="0" y="0"/>
+          <a:ext cx="0" cy="0"/>
+          <a:chOff x="0" y="0"/>
+          <a:chExt cx="0" cy="0"/>
+        </a:xfrm>
+      </p:grpSpPr>
+      <p:sp>
+        <p:nvSpPr>
+          <p:cNvPr id="6" name="Title 5"/>
+          <p:cNvSpPr>
+            <a:spLocks noGrp="1"/>
+          </p:cNvSpPr>
+          <p:nvPr>
+            <p:ph type="title"/>
+          </p:nvPr>
+        </p:nvSpPr>
+        <p:spPr/>
+        <p:txBody>
+          <a:bodyPr/>
+          <a:lstStyle/>
+          <a:p>
+            <a:r>
+              <a:rPr lang="en-GB" dirty="0" smtClean="0"/>
+              <a:t>Applying stimuli</a:t>
+            </a:r>
+            <a:endParaRPr lang="en-GB" dirty="0"/>
+          </a:p>
+        </p:txBody>
+      </p:sp>
+      <p:sp>
+        <p:nvSpPr>
+          <p:cNvPr id="7" name="Text Placeholder 6"/>
+          <p:cNvSpPr>
+            <a:spLocks noGrp="1"/>
+          </p:cNvSpPr>
+          <p:nvPr>
+            <p:ph type="body" idx="1"/>
+          </p:nvPr>
+        </p:nvSpPr>
+        <p:spPr/>
+        <p:txBody>
+          <a:bodyPr/>
+          <a:lstStyle/>
+          <a:p>
+            <a:endParaRPr lang="en-GB"/>
+          </a:p>
+        </p:txBody>
+      </p:sp>
+    </p:spTree>
+  </p:cSld>
+  <p:clrMapOvr>
+    <a:masterClrMapping/>
+  </p:clrMapOvr>
+  <p:timing>
+    <p:tnLst>
+      <p:par>
+        <p:cTn id="1" dur="indefinite" restart="never" nodeType="tmRoot"/>
+      </p:par>
+    </p:tnLst>
+  </p:timing>
 </p:sld>
 </file>
 
@@ -4334,6 +4640,461 @@
           <a:lstStyle/>
           <a:p>
             <a:endParaRPr lang="en-GB"/>
+          </a:p>
+        </p:txBody>
+      </p:sp>
+    </p:spTree>
+  </p:cSld>
+  <p:clrMapOvr>
+    <a:masterClrMapping/>
+  </p:clrMapOvr>
+  <p:timing>
+    <p:tnLst>
+      <p:par>
+        <p:cTn id="1" dur="indefinite" restart="never" nodeType="tmRoot"/>
+      </p:par>
+    </p:tnLst>
+  </p:timing>
+</p:sld>
+</file>
+
+<file path=ppt/slides/slide20.xml><?xml version="1.0" encoding="utf-8"?>
+<p:sld xmlns:a="http://schemas.openxmlformats.org/drawingml/2006/main" xmlns:r="http://schemas.openxmlformats.org/officeDocument/2006/relationships" xmlns:p="http://schemas.openxmlformats.org/presentationml/2006/main">
+  <p:cSld>
+    <p:spTree>
+      <p:nvGrpSpPr>
+        <p:cNvPr id="1" name=""/>
+        <p:cNvGrpSpPr/>
+        <p:nvPr/>
+      </p:nvGrpSpPr>
+      <p:grpSpPr>
+        <a:xfrm>
+          <a:off x="0" y="0"/>
+          <a:ext cx="0" cy="0"/>
+          <a:chOff x="0" y="0"/>
+          <a:chExt cx="0" cy="0"/>
+        </a:xfrm>
+      </p:grpSpPr>
+      <p:sp>
+        <p:nvSpPr>
+          <p:cNvPr id="4" name="Title 3"/>
+          <p:cNvSpPr>
+            <a:spLocks noGrp="1"/>
+          </p:cNvSpPr>
+          <p:nvPr>
+            <p:ph type="title"/>
+          </p:nvPr>
+        </p:nvSpPr>
+        <p:spPr/>
+        <p:txBody>
+          <a:bodyPr/>
+          <a:lstStyle/>
+          <a:p>
+            <a:r>
+              <a:rPr lang="en-GB" dirty="0" smtClean="0"/>
+              <a:t>Response to step input</a:t>
+            </a:r>
+            <a:endParaRPr lang="en-GB" dirty="0"/>
+          </a:p>
+        </p:txBody>
+      </p:sp>
+      <p:pic>
+        <p:nvPicPr>
+          <p:cNvPr id="20" name="Picture 4" descr="C:\Users\Home\Documents\docs\stuff from uni\year 2 cambridge\cued-icw\graphs\step-disp.png"/>
+          <p:cNvPicPr>
+            <a:picLocks noGrp="1" noChangeAspect="1" noChangeArrowheads="1"/>
+          </p:cNvPicPr>
+          <p:nvPr>
+            <p:ph idx="1"/>
+          </p:nvPr>
+        </p:nvPicPr>
+        <p:blipFill>
+          <a:blip r:embed="rId2" cstate="print"/>
+          <a:srcRect/>
+          <a:stretch>
+            <a:fillRect/>
+          </a:stretch>
+        </p:blipFill>
+        <p:spPr bwMode="auto">
+          <a:xfrm>
+            <a:off x="1554691" y="1600200"/>
+            <a:ext cx="6034618" cy="4525963"/>
+          </a:xfrm>
+          <a:prstGeom prst="rect">
+            <a:avLst/>
+          </a:prstGeom>
+          <a:noFill/>
+        </p:spPr>
+      </p:pic>
+    </p:spTree>
+  </p:cSld>
+  <p:clrMapOvr>
+    <a:masterClrMapping/>
+  </p:clrMapOvr>
+  <p:timing>
+    <p:tnLst>
+      <p:par>
+        <p:cTn id="1" dur="indefinite" restart="never" nodeType="tmRoot"/>
+      </p:par>
+    </p:tnLst>
+  </p:timing>
+</p:sld>
+</file>
+
+<file path=ppt/slides/slide21.xml><?xml version="1.0" encoding="utf-8"?>
+<p:sld xmlns:a="http://schemas.openxmlformats.org/drawingml/2006/main" xmlns:r="http://schemas.openxmlformats.org/officeDocument/2006/relationships" xmlns:p="http://schemas.openxmlformats.org/presentationml/2006/main">
+  <p:cSld>
+    <p:spTree>
+      <p:nvGrpSpPr>
+        <p:cNvPr id="1" name=""/>
+        <p:cNvGrpSpPr/>
+        <p:nvPr/>
+      </p:nvGrpSpPr>
+      <p:grpSpPr>
+        <a:xfrm>
+          <a:off x="0" y="0"/>
+          <a:ext cx="0" cy="0"/>
+          <a:chOff x="0" y="0"/>
+          <a:chExt cx="0" cy="0"/>
+        </a:xfrm>
+      </p:grpSpPr>
+      <p:sp>
+        <p:nvSpPr>
+          <p:cNvPr id="4" name="Title 3"/>
+          <p:cNvSpPr>
+            <a:spLocks noGrp="1"/>
+          </p:cNvSpPr>
+          <p:nvPr>
+            <p:ph type="title"/>
+          </p:nvPr>
+        </p:nvSpPr>
+        <p:spPr/>
+        <p:txBody>
+          <a:bodyPr/>
+          <a:lstStyle/>
+          <a:p>
+            <a:r>
+              <a:rPr lang="en-GB" dirty="0" smtClean="0"/>
+              <a:t>Response to frequency sweep</a:t>
+            </a:r>
+            <a:endParaRPr lang="en-GB" dirty="0"/>
+          </a:p>
+        </p:txBody>
+      </p:sp>
+      <p:pic>
+        <p:nvPicPr>
+          <p:cNvPr id="8" name="Picture 3" descr="C:\Users\Home\Documents\docs\stuff from uni\year 2 cambridge\cued-icw\graphs\sweep-disp.png"/>
+          <p:cNvPicPr>
+            <a:picLocks noGrp="1" noChangeAspect="1" noChangeArrowheads="1"/>
+          </p:cNvPicPr>
+          <p:nvPr>
+            <p:ph idx="1"/>
+          </p:nvPr>
+        </p:nvPicPr>
+        <p:blipFill>
+          <a:blip r:embed="rId2" cstate="print"/>
+          <a:srcRect/>
+          <a:stretch>
+            <a:fillRect/>
+          </a:stretch>
+        </p:blipFill>
+        <p:spPr bwMode="auto">
+          <a:xfrm>
+            <a:off x="1554691" y="1600200"/>
+            <a:ext cx="6034618" cy="4525963"/>
+          </a:xfrm>
+          <a:prstGeom prst="rect">
+            <a:avLst/>
+          </a:prstGeom>
+          <a:noFill/>
+        </p:spPr>
+      </p:pic>
+    </p:spTree>
+  </p:cSld>
+  <p:clrMapOvr>
+    <a:masterClrMapping/>
+  </p:clrMapOvr>
+  <p:timing>
+    <p:tnLst>
+      <p:par>
+        <p:cTn id="1" dur="indefinite" restart="never" nodeType="tmRoot"/>
+      </p:par>
+    </p:tnLst>
+  </p:timing>
+</p:sld>
+</file>
+
+<file path=ppt/slides/slide22.xml><?xml version="1.0" encoding="utf-8"?>
+<p:sld xmlns:a="http://schemas.openxmlformats.org/drawingml/2006/main" xmlns:r="http://schemas.openxmlformats.org/officeDocument/2006/relationships" xmlns:p="http://schemas.openxmlformats.org/presentationml/2006/main">
+  <p:cSld>
+    <p:spTree>
+      <p:nvGrpSpPr>
+        <p:cNvPr id="1" name=""/>
+        <p:cNvGrpSpPr/>
+        <p:nvPr/>
+      </p:nvGrpSpPr>
+      <p:grpSpPr>
+        <a:xfrm>
+          <a:off x="0" y="0"/>
+          <a:ext cx="0" cy="0"/>
+          <a:chOff x="0" y="0"/>
+          <a:chExt cx="0" cy="0"/>
+        </a:xfrm>
+      </p:grpSpPr>
+      <p:sp>
+        <p:nvSpPr>
+          <p:cNvPr id="4" name="Title 3"/>
+          <p:cNvSpPr>
+            <a:spLocks noGrp="1"/>
+          </p:cNvSpPr>
+          <p:nvPr>
+            <p:ph type="title"/>
+          </p:nvPr>
+        </p:nvSpPr>
+        <p:spPr/>
+        <p:txBody>
+          <a:bodyPr/>
+          <a:lstStyle/>
+          <a:p>
+            <a:r>
+              <a:rPr lang="en-GB" dirty="0" smtClean="0"/>
+              <a:t>Response to earthquake</a:t>
+            </a:r>
+            <a:endParaRPr lang="en-GB" dirty="0"/>
+          </a:p>
+        </p:txBody>
+      </p:sp>
+      <p:pic>
+        <p:nvPicPr>
+          <p:cNvPr id="10" name="Picture 5" descr="C:\Users\Home\Documents\docs\stuff from uni\year 2 cambridge\cued-icw\graphs\eq-disp.png"/>
+          <p:cNvPicPr>
+            <a:picLocks noGrp="1" noChangeAspect="1" noChangeArrowheads="1"/>
+          </p:cNvPicPr>
+          <p:nvPr>
+            <p:ph idx="1"/>
+          </p:nvPr>
+        </p:nvPicPr>
+        <p:blipFill>
+          <a:blip r:embed="rId2" cstate="print"/>
+          <a:srcRect/>
+          <a:stretch>
+            <a:fillRect/>
+          </a:stretch>
+        </p:blipFill>
+        <p:spPr bwMode="auto">
+          <a:xfrm>
+            <a:off x="1554691" y="1600200"/>
+            <a:ext cx="6034618" cy="4525963"/>
+          </a:xfrm>
+          <a:prstGeom prst="rect">
+            <a:avLst/>
+          </a:prstGeom>
+          <a:noFill/>
+        </p:spPr>
+      </p:pic>
+    </p:spTree>
+  </p:cSld>
+  <p:clrMapOvr>
+    <a:masterClrMapping/>
+  </p:clrMapOvr>
+  <p:timing>
+    <p:tnLst>
+      <p:par>
+        <p:cTn id="1" dur="indefinite" restart="never" nodeType="tmRoot"/>
+      </p:par>
+    </p:tnLst>
+  </p:timing>
+</p:sld>
+</file>
+
+<file path=ppt/slides/slide23.xml><?xml version="1.0" encoding="utf-8"?>
+<p:sld xmlns:a="http://schemas.openxmlformats.org/drawingml/2006/main" xmlns:r="http://schemas.openxmlformats.org/officeDocument/2006/relationships" xmlns:p="http://schemas.openxmlformats.org/presentationml/2006/main">
+  <p:cSld>
+    <p:spTree>
+      <p:nvGrpSpPr>
+        <p:cNvPr id="1" name=""/>
+        <p:cNvGrpSpPr/>
+        <p:nvPr/>
+      </p:nvGrpSpPr>
+      <p:grpSpPr>
+        <a:xfrm>
+          <a:off x="0" y="0"/>
+          <a:ext cx="0" cy="0"/>
+          <a:chOff x="0" y="0"/>
+          <a:chExt cx="0" cy="0"/>
+        </a:xfrm>
+      </p:grpSpPr>
+      <p:sp>
+        <p:nvSpPr>
+          <p:cNvPr id="2" name="Title 1"/>
+          <p:cNvSpPr>
+            <a:spLocks noGrp="1"/>
+          </p:cNvSpPr>
+          <p:nvPr>
+            <p:ph type="title"/>
+          </p:nvPr>
+        </p:nvSpPr>
+        <p:spPr/>
+        <p:txBody>
+          <a:bodyPr/>
+          <a:lstStyle/>
+          <a:p>
+            <a:r>
+              <a:rPr lang="en-GB" dirty="0" smtClean="0"/>
+              <a:t>Tuning for earthquakes</a:t>
+            </a:r>
+            <a:endParaRPr lang="en-GB" dirty="0"/>
+          </a:p>
+        </p:txBody>
+      </p:sp>
+      <p:pic>
+        <p:nvPicPr>
+          <p:cNvPr id="3074" name="Picture 2" descr="C:\Users\Home\Documents\docs\stuff from uni\year 2 cambridge\cued-icw\graphs\fft-eq.png"/>
+          <p:cNvPicPr>
+            <a:picLocks noGrp="1" noChangeAspect="1" noChangeArrowheads="1"/>
+          </p:cNvPicPr>
+          <p:nvPr>
+            <p:ph idx="1"/>
+          </p:nvPr>
+        </p:nvPicPr>
+        <p:blipFill>
+          <a:blip r:embed="rId2" cstate="print"/>
+          <a:srcRect/>
+          <a:stretch>
+            <a:fillRect/>
+          </a:stretch>
+        </p:blipFill>
+        <p:spPr bwMode="auto">
+          <a:xfrm>
+            <a:off x="1554691" y="1600200"/>
+            <a:ext cx="6034618" cy="4525963"/>
+          </a:xfrm>
+          <a:prstGeom prst="rect">
+            <a:avLst/>
+          </a:prstGeom>
+          <a:noFill/>
+        </p:spPr>
+      </p:pic>
+    </p:spTree>
+  </p:cSld>
+  <p:clrMapOvr>
+    <a:masterClrMapping/>
+  </p:clrMapOvr>
+  <p:timing>
+    <p:tnLst>
+      <p:par>
+        <p:cTn id="1" dur="indefinite" restart="never" nodeType="tmRoot"/>
+      </p:par>
+    </p:tnLst>
+  </p:timing>
+</p:sld>
+</file>
+
+<file path=ppt/slides/slide24.xml><?xml version="1.0" encoding="utf-8"?>
+<p:sld xmlns:a="http://schemas.openxmlformats.org/drawingml/2006/main" xmlns:r="http://schemas.openxmlformats.org/officeDocument/2006/relationships" xmlns:p="http://schemas.openxmlformats.org/presentationml/2006/main">
+  <p:cSld>
+    <p:spTree>
+      <p:nvGrpSpPr>
+        <p:cNvPr id="1" name=""/>
+        <p:cNvGrpSpPr/>
+        <p:nvPr/>
+      </p:nvGrpSpPr>
+      <p:grpSpPr>
+        <a:xfrm>
+          <a:off x="0" y="0"/>
+          <a:ext cx="0" cy="0"/>
+          <a:chOff x="0" y="0"/>
+          <a:chExt cx="0" cy="0"/>
+        </a:xfrm>
+      </p:grpSpPr>
+      <p:sp>
+        <p:nvSpPr>
+          <p:cNvPr id="4" name="Title 3"/>
+          <p:cNvSpPr>
+            <a:spLocks noGrp="1"/>
+          </p:cNvSpPr>
+          <p:nvPr>
+            <p:ph type="title"/>
+          </p:nvPr>
+        </p:nvSpPr>
+        <p:spPr/>
+        <p:txBody>
+          <a:bodyPr/>
+          <a:lstStyle/>
+          <a:p>
+            <a:r>
+              <a:rPr lang="en-GB" dirty="0" smtClean="0"/>
+              <a:t>Damping resonant peaks</a:t>
+            </a:r>
+            <a:endParaRPr lang="en-GB" dirty="0"/>
+          </a:p>
+        </p:txBody>
+      </p:sp>
+      <p:sp>
+        <p:nvSpPr>
+          <p:cNvPr id="5" name="Content Placeholder 4"/>
+          <p:cNvSpPr>
+            <a:spLocks noGrp="1"/>
+          </p:cNvSpPr>
+          <p:nvPr>
+            <p:ph idx="1"/>
+          </p:nvPr>
+        </p:nvSpPr>
+        <p:spPr/>
+        <p:txBody>
+          <a:bodyPr/>
+          <a:lstStyle/>
+          <a:p>
+            <a:r>
+              <a:rPr lang="en-GB" dirty="0" smtClean="0"/>
+              <a:t>Absorbers needs a </a:t>
+            </a:r>
+            <a:r>
+              <a:rPr lang="en-GB" i="1" dirty="0" smtClean="0"/>
+              <a:t>damped </a:t>
+            </a:r>
+            <a:r>
+              <a:rPr lang="en-GB" dirty="0" smtClean="0"/>
+              <a:t>frequency matching the frequency of the peak to eliminate</a:t>
+            </a:r>
+          </a:p>
+          <a:p>
+            <a:r>
+              <a:rPr lang="en-GB" dirty="0" smtClean="0"/>
+              <a:t>Can be derived from </a:t>
+            </a:r>
+            <a:r>
+              <a:rPr lang="en-GB" dirty="0" err="1" smtClean="0"/>
+              <a:t>databook</a:t>
+            </a:r>
+            <a:r>
+              <a:rPr lang="en-GB" dirty="0" smtClean="0"/>
+              <a:t> equations</a:t>
+            </a:r>
+          </a:p>
+          <a:p>
+            <a:r>
+              <a:rPr lang="en-GB" dirty="0" smtClean="0"/>
+              <a:t>[equation]</a:t>
+            </a:r>
+          </a:p>
+          <a:p>
+            <a:r>
+              <a:rPr lang="en-GB" dirty="0" smtClean="0"/>
+              <a:t>For simplicity, assume absorber damping equal to building damping</a:t>
+            </a:r>
+          </a:p>
+          <a:p>
+            <a:pPr>
+              <a:buNone/>
+            </a:pPr>
+            <a:endParaRPr lang="en-GB" dirty="0" smtClean="0"/>
+          </a:p>
+          <a:p>
+            <a:pPr>
+              <a:buNone/>
+            </a:pPr>
+            <a:endParaRPr lang="en-GB" dirty="0"/>
           </a:p>
         </p:txBody>
       </p:sp>
@@ -4393,7 +5154,7 @@
         </p:txBody>
       </p:sp>
       <mc:AlternateContent xmlns:mc="http://schemas.openxmlformats.org/markup-compatibility/2006">
-        <mc:Choice xmlns:a14="http://schemas.microsoft.com/office/drawing/2010/main" Requires="a14">
+        <mc:Choice xmlns="" xmlns:a14="http://schemas.microsoft.com/office/drawing/2010/main" Requires="a14">
           <p:sp>
             <p:nvSpPr>
               <p:cNvPr id="3" name="Content Placeholder 2"/>
@@ -4662,7 +5423,7 @@
             </p:nvSpPr>
             <p:spPr>
               <a:blipFill rotWithShape="1">
-                <a:blip r:embed="rId2"/>
+                <a:blip r:embed="rId2" cstate="print"/>
                 <a:stretch>
                   <a:fillRect l="-1630" t="-1752" r="-1037"/>
                 </a:stretch>
@@ -4777,7 +5538,7 @@
         </p:txBody>
       </p:sp>
       <mc:AlternateContent xmlns:mc="http://schemas.openxmlformats.org/markup-compatibility/2006">
-        <mc:Choice xmlns:a14="http://schemas.microsoft.com/office/drawing/2010/main" Requires="a14">
+        <mc:Choice xmlns="" xmlns:a14="http://schemas.microsoft.com/office/drawing/2010/main" Requires="a14">
           <p:sp>
             <p:nvSpPr>
               <p:cNvPr id="3" name="Content Placeholder 2"/>
@@ -5522,7 +6283,7 @@
             </p:nvSpPr>
             <p:spPr>
               <a:blipFill rotWithShape="1">
-                <a:blip r:embed="rId2"/>
+                <a:blip r:embed="rId2" cstate="print"/>
                 <a:stretch>
                   <a:fillRect l="-889" t="-2156"/>
                 </a:stretch>
@@ -5546,7 +6307,7 @@
     </p:spTree>
     <p:extLst>
       <p:ext uri="{BB962C8B-B14F-4D97-AF65-F5344CB8AC3E}">
-        <p14:creationId xmlns:p14="http://schemas.microsoft.com/office/powerpoint/2010/main" val="3854000270"/>
+        <p14:creationId xmlns="" xmlns:p14="http://schemas.microsoft.com/office/powerpoint/2010/main" val="3854000270"/>
       </p:ext>
     </p:extLst>
   </p:cSld>
@@ -5628,7 +6389,13 @@
               <a:rPr lang="en-GB" dirty="0" smtClean="0">
                 <a:latin typeface="+mj-lt"/>
               </a:rPr>
-              <a:t> integrator (like in mars </a:t>
+              <a:t> integrator (like in </a:t>
+            </a:r>
+            <a:r>
+              <a:rPr lang="en-GB" dirty="0" smtClean="0">
+                <a:latin typeface="+mj-lt"/>
+              </a:rPr>
+              <a:t>Mars </a:t>
             </a:r>
             <a:r>
               <a:rPr lang="en-GB" dirty="0" err="1" smtClean="0">
@@ -5679,14 +6446,7 @@
                 <a:latin typeface="+mj-lt"/>
                 <a:cs typeface="Times New Roman"/>
               </a:rPr>
-              <a:t>Works with vectors to find all displacements </a:t>
-            </a:r>
-            <a:r>
-              <a:rPr lang="en-GB" dirty="0" smtClean="0">
-                <a:latin typeface="+mj-lt"/>
-                <a:cs typeface="Times New Roman"/>
-              </a:rPr>
-              <a:t>simultaneously</a:t>
+              <a:t>Works with vectors to find all displacements simultaneously</a:t>
             </a:r>
             <a:endParaRPr lang="en-GB" dirty="0">
               <a:latin typeface="+mj-lt"/>
@@ -5750,7 +6510,7 @@
         </p:txBody>
       </p:sp>
       <mc:AlternateContent xmlns:mc="http://schemas.openxmlformats.org/markup-compatibility/2006">
-        <mc:Choice xmlns:a14="http://schemas.microsoft.com/office/drawing/2010/main" Requires="a14">
+        <mc:Choice xmlns="" xmlns:a14="http://schemas.microsoft.com/office/drawing/2010/main" Requires="a14">
           <p:sp>
             <p:nvSpPr>
               <p:cNvPr id="3" name="Content Placeholder 2"/>
@@ -6332,7 +7092,7 @@
             </p:nvSpPr>
             <p:spPr>
               <a:blipFill rotWithShape="1">
-                <a:blip r:embed="rId2"/>
+                <a:blip r:embed="rId2" cstate="print"/>
                 <a:stretch>
                   <a:fillRect l="-1481" t="-3504"/>
                 </a:stretch>
@@ -6358,6 +7118,13 @@
   <p:clrMapOvr>
     <a:masterClrMapping/>
   </p:clrMapOvr>
+  <p:timing>
+    <p:tnLst>
+      <p:par>
+        <p:cTn id="1" dur="indefinite" restart="never" nodeType="tmRoot"/>
+      </p:par>
+    </p:tnLst>
+  </p:timing>
 </p:sld>
 </file>
 
@@ -6424,13 +7191,8 @@
           <a:p>
             <a:r>
               <a:rPr lang="en-GB" dirty="0" smtClean="0"/>
-              <a:t>Can also be solved by solving a quadratic equation with matrix coefficients (quadratic eigenvalue problem</a:t>
-            </a:r>
-            <a:r>
-              <a:rPr lang="en-GB" dirty="0" smtClean="0"/>
-              <a:t>)</a:t>
-            </a:r>
-            <a:endParaRPr lang="en-GB" dirty="0" smtClean="0"/>
+              <a:t>Can also be solved by solving a quadratic equation with matrix coefficients (quadratic eigenvalue problem)</a:t>
+            </a:r>
           </a:p>
         </p:txBody>
       </p:sp>
@@ -6439,6 +7201,13 @@
   <p:clrMapOvr>
     <a:masterClrMapping/>
   </p:clrMapOvr>
+  <p:timing>
+    <p:tnLst>
+      <p:par>
+        <p:cTn id="1" dur="indefinite" restart="never" nodeType="tmRoot"/>
+      </p:par>
+    </p:tnLst>
+  </p:timing>
 </p:sld>
 </file>
 
@@ -6483,7 +7252,7 @@
         </p:txBody>
       </p:sp>
       <mc:AlternateContent xmlns:mc="http://schemas.openxmlformats.org/markup-compatibility/2006">
-        <mc:Choice xmlns:a14="http://schemas.microsoft.com/office/drawing/2010/main" Requires="a14">
+        <mc:Choice xmlns="" xmlns:a14="http://schemas.microsoft.com/office/drawing/2010/main" Requires="a14">
           <p:sp>
             <p:nvSpPr>
               <p:cNvPr id="3" name="Content Placeholder 2"/>
@@ -7802,7 +8571,7 @@
             </p:nvSpPr>
             <p:spPr>
               <a:blipFill rotWithShape="1">
-                <a:blip r:embed="rId2"/>
+                <a:blip r:embed="rId2" cstate="print"/>
                 <a:stretch>
                   <a:fillRect l="-222" t="-1213"/>
                 </a:stretch>
@@ -7826,13 +8595,20 @@
     </p:spTree>
     <p:extLst>
       <p:ext uri="{BB962C8B-B14F-4D97-AF65-F5344CB8AC3E}">
-        <p14:creationId xmlns:p14="http://schemas.microsoft.com/office/powerpoint/2010/main" val="2722850409"/>
+        <p14:creationId xmlns="" xmlns:p14="http://schemas.microsoft.com/office/powerpoint/2010/main" val="2722850409"/>
       </p:ext>
     </p:extLst>
   </p:cSld>
   <p:clrMapOvr>
     <a:masterClrMapping/>
   </p:clrMapOvr>
+  <p:timing>
+    <p:tnLst>
+      <p:par>
+        <p:cTn id="1" dur="indefinite" restart="never" nodeType="tmRoot"/>
+      </p:par>
+    </p:tnLst>
+  </p:timing>
 </p:sld>
 </file>
 
@@ -7900,6 +8676,13 @@
   <p:clrMapOvr>
     <a:masterClrMapping/>
   </p:clrMapOvr>
+  <p:timing>
+    <p:tnLst>
+      <p:par>
+        <p:cTn id="1" dur="indefinite" restart="never" nodeType="tmRoot"/>
+      </p:par>
+    </p:tnLst>
+  </p:timing>
 </p:sld>
 </file>
 

--- a/powerpoint.pptx
+++ b/powerpoint.pptx
@@ -2,10 +2,10 @@
 <file path=ppt/presentation.xml><?xml version="1.0" encoding="utf-8"?>
 <p:presentation xmlns:a="http://schemas.openxmlformats.org/drawingml/2006/main" xmlns:r="http://schemas.openxmlformats.org/officeDocument/2006/relationships" xmlns:p="http://schemas.openxmlformats.org/presentationml/2006/main" saveSubsetFonts="1">
   <p:sldMasterIdLst>
-    <p:sldMasterId id="2147483648" r:id="rId1"/>
+    <p:sldMasterId id="2147483708" r:id="rId1"/>
   </p:sldMasterIdLst>
   <p:notesMasterIdLst>
-    <p:notesMasterId r:id="rId26"/>
+    <p:notesMasterId r:id="rId27"/>
   </p:notesMasterIdLst>
   <p:sldIdLst>
     <p:sldId id="256" r:id="rId2"/>
@@ -21,17 +21,18 @@
     <p:sldId id="274" r:id="rId12"/>
     <p:sldId id="262" r:id="rId13"/>
     <p:sldId id="264" r:id="rId14"/>
-    <p:sldId id="265" r:id="rId15"/>
-    <p:sldId id="278" r:id="rId16"/>
-    <p:sldId id="279" r:id="rId17"/>
-    <p:sldId id="280" r:id="rId18"/>
-    <p:sldId id="266" r:id="rId19"/>
-    <p:sldId id="269" r:id="rId20"/>
-    <p:sldId id="270" r:id="rId21"/>
-    <p:sldId id="275" r:id="rId22"/>
-    <p:sldId id="276" r:id="rId23"/>
-    <p:sldId id="277" r:id="rId24"/>
-    <p:sldId id="263" r:id="rId25"/>
+    <p:sldId id="263" r:id="rId15"/>
+    <p:sldId id="265" r:id="rId16"/>
+    <p:sldId id="278" r:id="rId17"/>
+    <p:sldId id="279" r:id="rId18"/>
+    <p:sldId id="280" r:id="rId19"/>
+    <p:sldId id="266" r:id="rId20"/>
+    <p:sldId id="269" r:id="rId21"/>
+    <p:sldId id="270" r:id="rId22"/>
+    <p:sldId id="275" r:id="rId23"/>
+    <p:sldId id="276" r:id="rId24"/>
+    <p:sldId id="277" r:id="rId25"/>
+    <p:sldId id="281" r:id="rId26"/>
   </p:sldIdLst>
   <p:sldSz cx="9144000" cy="6858000" type="screen4x3"/>
   <p:notesSz cx="6858000" cy="9144000"/>
@@ -387,7 +388,7 @@
     </p:spTree>
     <p:extLst>
       <p:ext uri="{BB962C8B-B14F-4D97-AF65-F5344CB8AC3E}">
-        <p14:creationId xmlns="" xmlns:p14="http://schemas.microsoft.com/office/powerpoint/2010/main" val="2825561085"/>
+        <p14:creationId xmlns:p14="http://schemas.microsoft.com/office/powerpoint/2010/main" val="2825561085"/>
       </p:ext>
     </p:extLst>
   </p:cSld>
@@ -610,6 +611,696 @@
         </p:nvSpPr>
         <p:spPr/>
         <p:txBody>
+          <a:bodyPr/>
+          <a:lstStyle/>
+          <a:p>
+            <a:r>
+              <a:rPr lang="en-GB" dirty="0" smtClean="0"/>
+              <a:t>Form a system of differential</a:t>
+            </a:r>
+            <a:r>
+              <a:rPr lang="en-GB" baseline="0" dirty="0" smtClean="0"/>
+              <a:t> equations for each body</a:t>
+            </a:r>
+            <a:br>
+              <a:rPr lang="en-GB" baseline="0" dirty="0" smtClean="0"/>
+            </a:br>
+            <a:r>
+              <a:rPr lang="en-GB" baseline="0" dirty="0" smtClean="0"/>
+              <a:t>Collapse these into matrix form</a:t>
+            </a:r>
+            <a:br>
+              <a:rPr lang="en-GB" baseline="0" dirty="0" smtClean="0"/>
+            </a:br>
+            <a:r>
+              <a:rPr lang="en-GB" baseline="0" dirty="0" smtClean="0"/>
+              <a:t/>
+            </a:r>
+            <a:br>
+              <a:rPr lang="en-GB" baseline="0" dirty="0" smtClean="0"/>
+            </a:br>
+            <a:r>
+              <a:rPr lang="en-GB" baseline="0" dirty="0" smtClean="0"/>
+              <a:t>force is applied at only one floor, so we know the form of the force vector</a:t>
+            </a:r>
+            <a:br>
+              <a:rPr lang="en-GB" baseline="0" dirty="0" smtClean="0"/>
+            </a:br>
+            <a:r>
+              <a:rPr lang="en-GB" baseline="0" dirty="0" smtClean="0"/>
+              <a:t/>
+            </a:r>
+            <a:br>
+              <a:rPr lang="en-GB" baseline="0" dirty="0" smtClean="0"/>
+            </a:br>
+            <a:r>
+              <a:rPr lang="en-GB" baseline="0" dirty="0" smtClean="0"/>
+              <a:t>Generalizing the mass matrix is also easy</a:t>
+            </a:r>
+            <a:br>
+              <a:rPr lang="en-GB" baseline="0" dirty="0" smtClean="0"/>
+            </a:br>
+            <a:r>
+              <a:rPr lang="en-GB" baseline="0" dirty="0" smtClean="0"/>
+              <a:t/>
+            </a:r>
+            <a:br>
+              <a:rPr lang="en-GB" baseline="0" dirty="0" smtClean="0"/>
+            </a:br>
+            <a:r>
+              <a:rPr lang="en-GB" baseline="0" dirty="0" smtClean="0"/>
+              <a:t>How do we generalize the damping and stiffness matrices?</a:t>
+            </a:r>
+            <a:endParaRPr lang="en-GB" dirty="0"/>
+          </a:p>
+        </p:txBody>
+      </p:sp>
+      <p:sp>
+        <p:nvSpPr>
+          <p:cNvPr id="4" name="Slide Number Placeholder 3"/>
+          <p:cNvSpPr>
+            <a:spLocks noGrp="1"/>
+          </p:cNvSpPr>
+          <p:nvPr>
+            <p:ph type="sldNum" sz="quarter" idx="10"/>
+          </p:nvPr>
+        </p:nvSpPr>
+        <p:spPr/>
+        <p:txBody>
+          <a:bodyPr/>
+          <a:lstStyle/>
+          <a:p>
+            <a:fld id="{74EAF850-785E-4110-9A5A-A40C7E9D73BD}" type="slidenum">
+              <a:rPr lang="en-GB" smtClean="0"/>
+              <a:pPr/>
+              <a:t>3</a:t>
+            </a:fld>
+            <a:endParaRPr lang="en-GB"/>
+          </a:p>
+        </p:txBody>
+      </p:sp>
+    </p:spTree>
+    <p:extLst>
+      <p:ext uri="{BB962C8B-B14F-4D97-AF65-F5344CB8AC3E}">
+        <p14:creationId xmlns:p14="http://schemas.microsoft.com/office/powerpoint/2010/main" val="529439711"/>
+      </p:ext>
+    </p:extLst>
+  </p:cSld>
+  <p:clrMapOvr>
+    <a:masterClrMapping/>
+  </p:clrMapOvr>
+</p:notes>
+</file>
+
+<file path=ppt/notesSlides/notesSlide3.xml><?xml version="1.0" encoding="utf-8"?>
+<p:notes xmlns:a="http://schemas.openxmlformats.org/drawingml/2006/main" xmlns:r="http://schemas.openxmlformats.org/officeDocument/2006/relationships" xmlns:p="http://schemas.openxmlformats.org/presentationml/2006/main">
+  <p:cSld>
+    <p:spTree>
+      <p:nvGrpSpPr>
+        <p:cNvPr id="1" name=""/>
+        <p:cNvGrpSpPr/>
+        <p:nvPr/>
+      </p:nvGrpSpPr>
+      <p:grpSpPr>
+        <a:xfrm>
+          <a:off x="0" y="0"/>
+          <a:ext cx="0" cy="0"/>
+          <a:chOff x="0" y="0"/>
+          <a:chExt cx="0" cy="0"/>
+        </a:xfrm>
+      </p:grpSpPr>
+      <p:sp>
+        <p:nvSpPr>
+          <p:cNvPr id="2" name="Slide Image Placeholder 1"/>
+          <p:cNvSpPr>
+            <a:spLocks noGrp="1" noRot="1" noChangeAspect="1"/>
+          </p:cNvSpPr>
+          <p:nvPr>
+            <p:ph type="sldImg"/>
+          </p:nvPr>
+        </p:nvSpPr>
+        <p:spPr/>
+      </p:sp>
+      <p:sp>
+        <p:nvSpPr>
+          <p:cNvPr id="3" name="Notes Placeholder 2"/>
+          <p:cNvSpPr>
+            <a:spLocks noGrp="1"/>
+          </p:cNvSpPr>
+          <p:nvPr>
+            <p:ph type="body" idx="1"/>
+          </p:nvPr>
+        </p:nvSpPr>
+        <p:spPr/>
+        <p:txBody>
+          <a:bodyPr/>
+          <a:lstStyle/>
+          <a:p>
+            <a:r>
+              <a:rPr lang="en-GB" dirty="0" smtClean="0"/>
+              <a:t>Differential</a:t>
+            </a:r>
+            <a:r>
+              <a:rPr lang="en-GB" baseline="0" dirty="0" smtClean="0"/>
+              <a:t> equations are linear</a:t>
+            </a:r>
+            <a:br>
+              <a:rPr lang="en-GB" baseline="0" dirty="0" smtClean="0"/>
+            </a:br>
+            <a:r>
+              <a:rPr lang="en-GB" baseline="0" dirty="0" smtClean="0"/>
+              <a:t/>
+            </a:r>
+            <a:br>
+              <a:rPr lang="en-GB" baseline="0" dirty="0" smtClean="0"/>
+            </a:br>
+            <a:r>
+              <a:rPr lang="en-GB" baseline="0" dirty="0" smtClean="0"/>
+              <a:t>So we can break the matrix into a sum of components due to each spring – either between two bodies, or between a body and a rigid support</a:t>
+            </a:r>
+          </a:p>
+          <a:p>
+            <a:endParaRPr lang="en-GB" baseline="0" dirty="0" smtClean="0"/>
+          </a:p>
+          <a:p>
+            <a:r>
+              <a:rPr lang="en-GB" baseline="0" dirty="0" smtClean="0"/>
+              <a:t>And we can derive the stiffness matrix for a single spring by forming the equations for each end, and combining them into a matrix. The rest of the entries in the matrix are zero</a:t>
+            </a:r>
+            <a:endParaRPr lang="en-GB" dirty="0"/>
+          </a:p>
+        </p:txBody>
+      </p:sp>
+      <p:sp>
+        <p:nvSpPr>
+          <p:cNvPr id="4" name="Slide Number Placeholder 3"/>
+          <p:cNvSpPr>
+            <a:spLocks noGrp="1"/>
+          </p:cNvSpPr>
+          <p:nvPr>
+            <p:ph type="sldNum" sz="quarter" idx="10"/>
+          </p:nvPr>
+        </p:nvSpPr>
+        <p:spPr/>
+        <p:txBody>
+          <a:bodyPr/>
+          <a:lstStyle/>
+          <a:p>
+            <a:fld id="{74EAF850-785E-4110-9A5A-A40C7E9D73BD}" type="slidenum">
+              <a:rPr lang="en-GB" smtClean="0"/>
+              <a:pPr/>
+              <a:t>4</a:t>
+            </a:fld>
+            <a:endParaRPr lang="en-GB"/>
+          </a:p>
+        </p:txBody>
+      </p:sp>
+    </p:spTree>
+    <p:extLst>
+      <p:ext uri="{BB962C8B-B14F-4D97-AF65-F5344CB8AC3E}">
+        <p14:creationId xmlns:p14="http://schemas.microsoft.com/office/powerpoint/2010/main" val="2009715850"/>
+      </p:ext>
+    </p:extLst>
+  </p:cSld>
+  <p:clrMapOvr>
+    <a:masterClrMapping/>
+  </p:clrMapOvr>
+</p:notes>
+</file>
+
+<file path=ppt/notesSlides/notesSlide4.xml><?xml version="1.0" encoding="utf-8"?>
+<p:notes xmlns:a="http://schemas.openxmlformats.org/drawingml/2006/main" xmlns:r="http://schemas.openxmlformats.org/officeDocument/2006/relationships" xmlns:p="http://schemas.openxmlformats.org/presentationml/2006/main">
+  <p:cSld>
+    <p:spTree>
+      <p:nvGrpSpPr>
+        <p:cNvPr id="1" name=""/>
+        <p:cNvGrpSpPr/>
+        <p:nvPr/>
+      </p:nvGrpSpPr>
+      <p:grpSpPr>
+        <a:xfrm>
+          <a:off x="0" y="0"/>
+          <a:ext cx="0" cy="0"/>
+          <a:chOff x="0" y="0"/>
+          <a:chExt cx="0" cy="0"/>
+        </a:xfrm>
+      </p:grpSpPr>
+      <p:sp>
+        <p:nvSpPr>
+          <p:cNvPr id="2" name="Slide Image Placeholder 1"/>
+          <p:cNvSpPr>
+            <a:spLocks noGrp="1" noRot="1" noChangeAspect="1"/>
+          </p:cNvSpPr>
+          <p:nvPr>
+            <p:ph type="sldImg"/>
+          </p:nvPr>
+        </p:nvSpPr>
+        <p:spPr/>
+      </p:sp>
+      <p:sp>
+        <p:nvSpPr>
+          <p:cNvPr id="3" name="Notes Placeholder 2"/>
+          <p:cNvSpPr>
+            <a:spLocks noGrp="1"/>
+          </p:cNvSpPr>
+          <p:nvPr>
+            <p:ph type="body" idx="1"/>
+          </p:nvPr>
+        </p:nvSpPr>
+        <p:spPr/>
+        <p:txBody>
+          <a:bodyPr/>
+          <a:lstStyle/>
+          <a:p>
+            <a:r>
+              <a:rPr lang="en-GB" dirty="0" smtClean="0"/>
+              <a:t>Find response over time using a </a:t>
+            </a:r>
+            <a:r>
+              <a:rPr lang="en-GB" dirty="0" err="1" smtClean="0"/>
+              <a:t>verlet</a:t>
+            </a:r>
+            <a:r>
+              <a:rPr lang="en-GB" baseline="0" dirty="0" smtClean="0"/>
+              <a:t> integrator</a:t>
+            </a:r>
+          </a:p>
+          <a:p>
+            <a:endParaRPr lang="en-GB" baseline="0" dirty="0" smtClean="0"/>
+          </a:p>
+          <a:p>
+            <a:r>
+              <a:rPr lang="en-GB" baseline="0" dirty="0" smtClean="0"/>
+              <a:t>Input is an array of external forces over time</a:t>
+            </a:r>
+            <a:br>
+              <a:rPr lang="en-GB" baseline="0" dirty="0" smtClean="0"/>
+            </a:br>
+            <a:r>
+              <a:rPr lang="en-GB" baseline="0" dirty="0" smtClean="0"/>
+              <a:t/>
+            </a:r>
+            <a:br>
+              <a:rPr lang="en-GB" baseline="0" dirty="0" smtClean="0"/>
+            </a:br>
+            <a:r>
+              <a:rPr lang="en-GB" baseline="0" dirty="0" smtClean="0"/>
+              <a:t>Using previous equation, rearrange to find y dot </a:t>
+            </a:r>
+            <a:r>
+              <a:rPr lang="en-GB" baseline="0" dirty="0" err="1" smtClean="0"/>
+              <a:t>dot</a:t>
+            </a:r>
+            <a:r>
+              <a:rPr lang="en-GB" baseline="0" dirty="0" smtClean="0"/>
+              <a:t/>
+            </a:r>
+            <a:br>
+              <a:rPr lang="en-GB" baseline="0" dirty="0" smtClean="0"/>
+            </a:br>
+            <a:r>
+              <a:rPr lang="en-GB" baseline="0" dirty="0" smtClean="0"/>
+              <a:t/>
+            </a:r>
+            <a:br>
+              <a:rPr lang="en-GB" baseline="0" dirty="0" smtClean="0"/>
+            </a:br>
+            <a:r>
+              <a:rPr lang="en-GB" baseline="0" dirty="0" smtClean="0"/>
+              <a:t>Use </a:t>
+            </a:r>
+            <a:r>
+              <a:rPr lang="en-GB" baseline="0" dirty="0" err="1" smtClean="0"/>
+              <a:t>verlet</a:t>
+            </a:r>
+            <a:r>
+              <a:rPr lang="en-GB" baseline="0" dirty="0" smtClean="0"/>
+              <a:t> integration, as in mars lander</a:t>
+            </a:r>
+            <a:br>
+              <a:rPr lang="en-GB" baseline="0" dirty="0" smtClean="0"/>
+            </a:br>
+            <a:r>
+              <a:rPr lang="en-GB" baseline="0" dirty="0" smtClean="0"/>
+              <a:t/>
+            </a:r>
+            <a:br>
+              <a:rPr lang="en-GB" baseline="0" dirty="0" smtClean="0"/>
+            </a:br>
+            <a:r>
+              <a:rPr lang="en-GB" baseline="0" dirty="0" smtClean="0"/>
+              <a:t>Vectors represent displacement of each floor in one axis, rather than displacement of one mars lander in each axis</a:t>
+            </a:r>
+          </a:p>
+          <a:p>
+            <a:endParaRPr lang="en-GB" dirty="0"/>
+          </a:p>
+        </p:txBody>
+      </p:sp>
+      <p:sp>
+        <p:nvSpPr>
+          <p:cNvPr id="4" name="Slide Number Placeholder 3"/>
+          <p:cNvSpPr>
+            <a:spLocks noGrp="1"/>
+          </p:cNvSpPr>
+          <p:nvPr>
+            <p:ph type="sldNum" sz="quarter" idx="10"/>
+          </p:nvPr>
+        </p:nvSpPr>
+        <p:spPr/>
+        <p:txBody>
+          <a:bodyPr/>
+          <a:lstStyle/>
+          <a:p>
+            <a:fld id="{74EAF850-785E-4110-9A5A-A40C7E9D73BD}" type="slidenum">
+              <a:rPr lang="en-GB" smtClean="0"/>
+              <a:pPr/>
+              <a:t>5</a:t>
+            </a:fld>
+            <a:endParaRPr lang="en-GB"/>
+          </a:p>
+        </p:txBody>
+      </p:sp>
+    </p:spTree>
+    <p:extLst>
+      <p:ext uri="{BB962C8B-B14F-4D97-AF65-F5344CB8AC3E}">
+        <p14:creationId xmlns:p14="http://schemas.microsoft.com/office/powerpoint/2010/main" val="1101017892"/>
+      </p:ext>
+    </p:extLst>
+  </p:cSld>
+  <p:clrMapOvr>
+    <a:masterClrMapping/>
+  </p:clrMapOvr>
+</p:notes>
+</file>
+
+<file path=ppt/notesSlides/notesSlide5.xml><?xml version="1.0" encoding="utf-8"?>
+<p:notes xmlns:a="http://schemas.openxmlformats.org/drawingml/2006/main" xmlns:r="http://schemas.openxmlformats.org/officeDocument/2006/relationships" xmlns:p="http://schemas.openxmlformats.org/presentationml/2006/main">
+  <p:cSld>
+    <p:spTree>
+      <p:nvGrpSpPr>
+        <p:cNvPr id="1" name=""/>
+        <p:cNvGrpSpPr/>
+        <p:nvPr/>
+      </p:nvGrpSpPr>
+      <p:grpSpPr>
+        <a:xfrm>
+          <a:off x="0" y="0"/>
+          <a:ext cx="0" cy="0"/>
+          <a:chOff x="0" y="0"/>
+          <a:chExt cx="0" cy="0"/>
+        </a:xfrm>
+      </p:grpSpPr>
+      <p:sp>
+        <p:nvSpPr>
+          <p:cNvPr id="2" name="Slide Image Placeholder 1"/>
+          <p:cNvSpPr>
+            <a:spLocks noGrp="1" noRot="1" noChangeAspect="1"/>
+          </p:cNvSpPr>
+          <p:nvPr>
+            <p:ph type="sldImg"/>
+          </p:nvPr>
+        </p:nvSpPr>
+        <p:spPr/>
+      </p:sp>
+      <p:sp>
+        <p:nvSpPr>
+          <p:cNvPr id="3" name="Notes Placeholder 2"/>
+          <p:cNvSpPr>
+            <a:spLocks noGrp="1"/>
+          </p:cNvSpPr>
+          <p:nvPr>
+            <p:ph type="body" idx="1"/>
+          </p:nvPr>
+        </p:nvSpPr>
+        <p:spPr/>
+        <p:txBody>
+          <a:bodyPr/>
+          <a:lstStyle/>
+          <a:p>
+            <a:r>
+              <a:rPr lang="en-GB" dirty="0" smtClean="0"/>
+              <a:t>Easy way</a:t>
+            </a:r>
+            <a:r>
+              <a:rPr lang="en-GB" baseline="0" dirty="0" smtClean="0"/>
+              <a:t> – use a frequency sweep signal as the input, and find the FFT of the time response</a:t>
+            </a:r>
+          </a:p>
+          <a:p>
+            <a:r>
+              <a:rPr lang="en-GB" baseline="0" dirty="0" smtClean="0"/>
+              <a:t>Discretization of sweep and sampling window causes “wiggles” in result</a:t>
+            </a:r>
+            <a:br>
+              <a:rPr lang="en-GB" baseline="0" dirty="0" smtClean="0"/>
+            </a:br>
+            <a:r>
+              <a:rPr lang="en-GB" baseline="0" dirty="0" smtClean="0"/>
+              <a:t/>
+            </a:r>
+            <a:br>
+              <a:rPr lang="en-GB" baseline="0" dirty="0" smtClean="0"/>
+            </a:br>
+            <a:r>
+              <a:rPr lang="en-GB" baseline="0" dirty="0" smtClean="0"/>
+              <a:t>Better to do this algebraically. Use a substitution as done in lectures, but keep the damping term</a:t>
+            </a:r>
+            <a:br>
+              <a:rPr lang="en-GB" baseline="0" dirty="0" smtClean="0"/>
+            </a:br>
+            <a:r>
+              <a:rPr lang="en-GB" baseline="0" dirty="0" smtClean="0"/>
+              <a:t/>
+            </a:r>
+            <a:br>
+              <a:rPr lang="en-GB" baseline="0" dirty="0" smtClean="0"/>
+            </a:br>
+            <a:r>
+              <a:rPr lang="en-GB" baseline="0" dirty="0" smtClean="0"/>
+              <a:t>Result is complex – take the absolute value for the amplitude of the harmonic response</a:t>
+            </a:r>
+            <a:endParaRPr lang="en-GB" dirty="0"/>
+          </a:p>
+        </p:txBody>
+      </p:sp>
+      <p:sp>
+        <p:nvSpPr>
+          <p:cNvPr id="4" name="Slide Number Placeholder 3"/>
+          <p:cNvSpPr>
+            <a:spLocks noGrp="1"/>
+          </p:cNvSpPr>
+          <p:nvPr>
+            <p:ph type="sldNum" sz="quarter" idx="10"/>
+          </p:nvPr>
+        </p:nvSpPr>
+        <p:spPr/>
+        <p:txBody>
+          <a:bodyPr/>
+          <a:lstStyle/>
+          <a:p>
+            <a:fld id="{74EAF850-785E-4110-9A5A-A40C7E9D73BD}" type="slidenum">
+              <a:rPr lang="en-GB" smtClean="0"/>
+              <a:pPr/>
+              <a:t>6</a:t>
+            </a:fld>
+            <a:endParaRPr lang="en-GB"/>
+          </a:p>
+        </p:txBody>
+      </p:sp>
+    </p:spTree>
+    <p:extLst>
+      <p:ext uri="{BB962C8B-B14F-4D97-AF65-F5344CB8AC3E}">
+        <p14:creationId xmlns:p14="http://schemas.microsoft.com/office/powerpoint/2010/main" val="2383051450"/>
+      </p:ext>
+    </p:extLst>
+  </p:cSld>
+  <p:clrMapOvr>
+    <a:masterClrMapping/>
+  </p:clrMapOvr>
+</p:notes>
+</file>
+
+<file path=ppt/notesSlides/notesSlide6.xml><?xml version="1.0" encoding="utf-8"?>
+<p:notes xmlns:a="http://schemas.openxmlformats.org/drawingml/2006/main" xmlns:r="http://schemas.openxmlformats.org/officeDocument/2006/relationships" xmlns:p="http://schemas.openxmlformats.org/presentationml/2006/main">
+  <p:cSld>
+    <p:spTree>
+      <p:nvGrpSpPr>
+        <p:cNvPr id="1" name=""/>
+        <p:cNvGrpSpPr/>
+        <p:nvPr/>
+      </p:nvGrpSpPr>
+      <p:grpSpPr>
+        <a:xfrm>
+          <a:off x="0" y="0"/>
+          <a:ext cx="0" cy="0"/>
+          <a:chOff x="0" y="0"/>
+          <a:chExt cx="0" cy="0"/>
+        </a:xfrm>
+      </p:grpSpPr>
+      <p:sp>
+        <p:nvSpPr>
+          <p:cNvPr id="2" name="Slide Image Placeholder 1"/>
+          <p:cNvSpPr>
+            <a:spLocks noGrp="1" noRot="1" noChangeAspect="1"/>
+          </p:cNvSpPr>
+          <p:nvPr>
+            <p:ph type="sldImg"/>
+          </p:nvPr>
+        </p:nvSpPr>
+        <p:spPr/>
+      </p:sp>
+      <p:sp>
+        <p:nvSpPr>
+          <p:cNvPr id="3" name="Notes Placeholder 2"/>
+          <p:cNvSpPr>
+            <a:spLocks noGrp="1"/>
+          </p:cNvSpPr>
+          <p:nvPr>
+            <p:ph type="body" idx="1"/>
+          </p:nvPr>
+        </p:nvSpPr>
+        <p:spPr/>
+        <p:txBody>
+          <a:bodyPr/>
+          <a:lstStyle/>
+          <a:p>
+            <a:r>
+              <a:rPr lang="en-GB" dirty="0" smtClean="0"/>
+              <a:t>To apply</a:t>
+            </a:r>
+            <a:r>
+              <a:rPr lang="en-GB" baseline="0" dirty="0" smtClean="0"/>
+              <a:t> absorbers, we need to know the resonant frequencies.</a:t>
+            </a:r>
+            <a:br>
+              <a:rPr lang="en-GB" baseline="0" dirty="0" smtClean="0"/>
+            </a:br>
+            <a:r>
+              <a:rPr lang="en-GB" baseline="0" dirty="0" smtClean="0"/>
+              <a:t/>
+            </a:r>
+            <a:br>
+              <a:rPr lang="en-GB" baseline="0" dirty="0" smtClean="0"/>
+            </a:br>
+            <a:r>
+              <a:rPr lang="en-GB" baseline="0" dirty="0" smtClean="0"/>
+              <a:t>Easiest just to read the peaks off the frequency response graph</a:t>
+            </a:r>
+            <a:br>
+              <a:rPr lang="en-GB" baseline="0" dirty="0" smtClean="0"/>
+            </a:br>
+            <a:r>
+              <a:rPr lang="en-GB" baseline="0" dirty="0" smtClean="0"/>
+              <a:t/>
+            </a:r>
+            <a:br>
+              <a:rPr lang="en-GB" baseline="0" dirty="0" smtClean="0"/>
+            </a:br>
+            <a:r>
+              <a:rPr lang="en-GB" baseline="0" dirty="0" smtClean="0"/>
+              <a:t>Or we could try and do it algebraically again!</a:t>
+            </a:r>
+            <a:br>
+              <a:rPr lang="en-GB" baseline="0" dirty="0" smtClean="0"/>
+            </a:br>
+            <a:r>
+              <a:rPr lang="en-GB" baseline="0" dirty="0" smtClean="0"/>
+              <a:t/>
+            </a:r>
+            <a:br>
+              <a:rPr lang="en-GB" baseline="0" dirty="0" smtClean="0"/>
+            </a:br>
+            <a:r>
+              <a:rPr lang="en-GB" baseline="0" dirty="0" smtClean="0"/>
+              <a:t>Solution in lectures had no </a:t>
+            </a:r>
+            <a:r>
+              <a:rPr lang="en-GB" baseline="0" smtClean="0"/>
+              <a:t>damping term</a:t>
+            </a:r>
+            <a:endParaRPr lang="en-GB" dirty="0"/>
+          </a:p>
+        </p:txBody>
+      </p:sp>
+      <p:sp>
+        <p:nvSpPr>
+          <p:cNvPr id="4" name="Slide Number Placeholder 3"/>
+          <p:cNvSpPr>
+            <a:spLocks noGrp="1"/>
+          </p:cNvSpPr>
+          <p:nvPr>
+            <p:ph type="sldNum" sz="quarter" idx="10"/>
+          </p:nvPr>
+        </p:nvSpPr>
+        <p:spPr/>
+        <p:txBody>
+          <a:bodyPr/>
+          <a:lstStyle/>
+          <a:p>
+            <a:fld id="{74EAF850-785E-4110-9A5A-A40C7E9D73BD}" type="slidenum">
+              <a:rPr lang="en-GB" smtClean="0"/>
+              <a:pPr/>
+              <a:t>7</a:t>
+            </a:fld>
+            <a:endParaRPr lang="en-GB"/>
+          </a:p>
+        </p:txBody>
+      </p:sp>
+    </p:spTree>
+    <p:extLst>
+      <p:ext uri="{BB962C8B-B14F-4D97-AF65-F5344CB8AC3E}">
+        <p14:creationId xmlns:p14="http://schemas.microsoft.com/office/powerpoint/2010/main" val="201094900"/>
+      </p:ext>
+    </p:extLst>
+  </p:cSld>
+  <p:clrMapOvr>
+    <a:masterClrMapping/>
+  </p:clrMapOvr>
+</p:notes>
+</file>
+
+<file path=ppt/notesSlides/notesSlide7.xml><?xml version="1.0" encoding="utf-8"?>
+<p:notes xmlns:a="http://schemas.openxmlformats.org/drawingml/2006/main" xmlns:r="http://schemas.openxmlformats.org/officeDocument/2006/relationships" xmlns:p="http://schemas.openxmlformats.org/presentationml/2006/main">
+  <p:cSld>
+    <p:spTree>
+      <p:nvGrpSpPr>
+        <p:cNvPr id="1" name=""/>
+        <p:cNvGrpSpPr/>
+        <p:nvPr/>
+      </p:nvGrpSpPr>
+      <p:grpSpPr>
+        <a:xfrm>
+          <a:off x="0" y="0"/>
+          <a:ext cx="0" cy="0"/>
+          <a:chOff x="0" y="0"/>
+          <a:chExt cx="0" cy="0"/>
+        </a:xfrm>
+      </p:grpSpPr>
+      <p:sp>
+        <p:nvSpPr>
+          <p:cNvPr id="2" name="Slide Image Placeholder 1"/>
+          <p:cNvSpPr>
+            <a:spLocks noGrp="1" noRot="1" noChangeAspect="1"/>
+          </p:cNvSpPr>
+          <p:nvPr>
+            <p:ph type="sldImg"/>
+          </p:nvPr>
+        </p:nvSpPr>
+        <p:spPr/>
+      </p:sp>
+      <p:sp>
+        <p:nvSpPr>
+          <p:cNvPr id="3" name="Notes Placeholder 2"/>
+          <p:cNvSpPr>
+            <a:spLocks noGrp="1"/>
+          </p:cNvSpPr>
+          <p:nvPr>
+            <p:ph type="body" idx="1"/>
+          </p:nvPr>
+        </p:nvSpPr>
+        <p:spPr/>
+        <p:txBody>
           <a:bodyPr>
             <a:normAutofit/>
           </a:bodyPr>
@@ -820,10 +1511,10 @@
           </a:lstStyle>
           <a:p>
             <a:r>
-              <a:rPr lang="en-US" smtClean="0"/>
+              <a:rPr lang="en-US" dirty="0" smtClean="0"/>
               <a:t>Click to edit Master subtitle style</a:t>
             </a:r>
-            <a:endParaRPr lang="en-GB"/>
+            <a:endParaRPr lang="en-GB" dirty="0"/>
           </a:p>
         </p:txBody>
       </p:sp>
@@ -895,10 +1586,22 @@
         </p:txBody>
       </p:sp>
     </p:spTree>
+    <p:extLst>
+      <p:ext uri="{BB962C8B-B14F-4D97-AF65-F5344CB8AC3E}">
+        <p14:creationId xmlns:p14="http://schemas.microsoft.com/office/powerpoint/2010/main" val="4269896318"/>
+      </p:ext>
+    </p:extLst>
   </p:cSld>
   <p:clrMapOvr>
     <a:masterClrMapping/>
   </p:clrMapOvr>
+  <p:timing>
+    <p:tnLst>
+      <p:par>
+        <p:cTn id="1" dur="indefinite" restart="never" nodeType="tmRoot"/>
+      </p:par>
+    </p:tnLst>
+  </p:timing>
 </p:sldLayout>
 </file>
 
@@ -1062,6 +1765,11 @@
         </p:txBody>
       </p:sp>
     </p:spTree>
+    <p:extLst>
+      <p:ext uri="{BB962C8B-B14F-4D97-AF65-F5344CB8AC3E}">
+        <p14:creationId xmlns:p14="http://schemas.microsoft.com/office/powerpoint/2010/main" val="1608341783"/>
+      </p:ext>
+    </p:extLst>
   </p:cSld>
   <p:clrMapOvr>
     <a:masterClrMapping/>
@@ -1239,6 +1947,11 @@
         </p:txBody>
       </p:sp>
     </p:spTree>
+    <p:extLst>
+      <p:ext uri="{BB962C8B-B14F-4D97-AF65-F5344CB8AC3E}">
+        <p14:creationId xmlns:p14="http://schemas.microsoft.com/office/powerpoint/2010/main" val="1233402435"/>
+      </p:ext>
+    </p:extLst>
   </p:cSld>
   <p:clrMapOvr>
     <a:masterClrMapping/>
@@ -1247,7 +1960,7 @@
 </file>
 
 <file path=ppt/slideLayouts/slideLayout2.xml><?xml version="1.0" encoding="utf-8"?>
-<p:sldLayout xmlns:a="http://schemas.openxmlformats.org/drawingml/2006/main" xmlns:r="http://schemas.openxmlformats.org/officeDocument/2006/relationships" xmlns:p="http://schemas.openxmlformats.org/presentationml/2006/main" type="obj" preserve="1">
+<p:sldLayout xmlns:a="http://schemas.openxmlformats.org/drawingml/2006/main" xmlns:r="http://schemas.openxmlformats.org/officeDocument/2006/relationships" xmlns:p="http://schemas.openxmlformats.org/presentationml/2006/main" showMasterPhAnim="0" type="obj" preserve="1">
   <p:cSld name="Title and Content">
     <p:spTree>
       <p:nvGrpSpPr>
@@ -1299,42 +2012,56 @@
         <p:spPr/>
         <p:txBody>
           <a:bodyPr/>
-          <a:lstStyle/>
+          <a:lstStyle>
+            <a:lvl1pPr>
+              <a:defRPr/>
+            </a:lvl1pPr>
+            <a:lvl5pPr>
+              <a:defRPr/>
+            </a:lvl5pPr>
+          </a:lstStyle>
           <a:p>
             <a:pPr lvl="0"/>
             <a:r>
-              <a:rPr lang="en-US" smtClean="0"/>
+              <a:rPr lang="en-US" dirty="0" smtClean="0"/>
               <a:t>Click to edit Master text styles</a:t>
             </a:r>
           </a:p>
           <a:p>
             <a:pPr lvl="1"/>
             <a:r>
-              <a:rPr lang="en-US" smtClean="0"/>
+              <a:rPr lang="en-US" dirty="0" smtClean="0"/>
               <a:t>Second level</a:t>
             </a:r>
           </a:p>
           <a:p>
             <a:pPr lvl="2"/>
             <a:r>
-              <a:rPr lang="en-US" smtClean="0"/>
+              <a:rPr lang="en-US" dirty="0" smtClean="0"/>
               <a:t>Third level</a:t>
             </a:r>
           </a:p>
           <a:p>
             <a:pPr lvl="3"/>
             <a:r>
-              <a:rPr lang="en-US" smtClean="0"/>
+              <a:rPr lang="en-US" dirty="0" smtClean="0"/>
               <a:t>Fourth level</a:t>
             </a:r>
           </a:p>
           <a:p>
             <a:pPr lvl="4"/>
             <a:r>
-              <a:rPr lang="en-US" smtClean="0"/>
+              <a:rPr lang="en-US" dirty="0" smtClean="0"/>
               <a:t>Fifth level</a:t>
             </a:r>
-            <a:endParaRPr lang="en-GB"/>
+          </a:p>
+          <a:p>
+            <a:pPr lvl="0"/>
+            <a:r>
+              <a:rPr lang="en-GB" dirty="0" err="1" smtClean="0"/>
+              <a:t>rtest</a:t>
+            </a:r>
+            <a:endParaRPr lang="en-GB" dirty="0"/>
           </a:p>
         </p:txBody>
       </p:sp>
@@ -1406,10 +2133,431 @@
         </p:txBody>
       </p:sp>
     </p:spTree>
+    <p:extLst>
+      <p:ext uri="{BB962C8B-B14F-4D97-AF65-F5344CB8AC3E}">
+        <p14:creationId xmlns:p14="http://schemas.microsoft.com/office/powerpoint/2010/main" val="2759545577"/>
+      </p:ext>
+    </p:extLst>
   </p:cSld>
   <p:clrMapOvr>
     <a:masterClrMapping/>
   </p:clrMapOvr>
+  <p:timing>
+    <p:tnLst>
+      <p:par>
+        <p:cTn id="1" dur="indefinite" restart="never" nodeType="tmRoot">
+          <p:childTnLst>
+            <p:seq concurrent="1" nextAc="seek">
+              <p:cTn id="2" dur="indefinite" nodeType="mainSeq">
+                <p:childTnLst>
+                  <p:par>
+                    <p:cTn id="3" fill="hold">
+                      <p:stCondLst>
+                        <p:cond delay="indefinite"/>
+                        <p:cond evt="onBegin" delay="0">
+                          <p:tn val="2"/>
+                        </p:cond>
+                      </p:stCondLst>
+                      <p:childTnLst>
+                        <p:par>
+                          <p:cTn id="4" fill="hold">
+                            <p:stCondLst>
+                              <p:cond delay="0"/>
+                            </p:stCondLst>
+                            <p:childTnLst>
+                              <p:par>
+                                <p:cTn id="5" presetID="1" presetClass="entr" presetSubtype="0" fill="hold" grpId="0" nodeType="withEffect">
+                                  <p:stCondLst>
+                                    <p:cond delay="0"/>
+                                  </p:stCondLst>
+                                  <p:childTnLst>
+                                    <p:set>
+                                      <p:cBhvr>
+                                        <p:cTn id="6" dur="1" fill="hold">
+                                          <p:stCondLst>
+                                            <p:cond delay="0"/>
+                                          </p:stCondLst>
+                                        </p:cTn>
+                                        <p:tgtEl>
+                                          <p:spTgt spid="3">
+                                            <p:txEl>
+                                              <p:pRg st="0" end="0"/>
+                                            </p:txEl>
+                                          </p:spTgt>
+                                        </p:tgtEl>
+                                        <p:attrNameLst>
+                                          <p:attrName>style.visibility</p:attrName>
+                                        </p:attrNameLst>
+                                      </p:cBhvr>
+                                      <p:to>
+                                        <p:strVal val="visible"/>
+                                      </p:to>
+                                    </p:set>
+                                  </p:childTnLst>
+                                </p:cTn>
+                              </p:par>
+                              <p:par>
+                                <p:cTn id="7" presetID="1" presetClass="entr" presetSubtype="0" fill="hold" grpId="0" nodeType="withEffect">
+                                  <p:stCondLst>
+                                    <p:cond delay="0"/>
+                                  </p:stCondLst>
+                                  <p:childTnLst>
+                                    <p:set>
+                                      <p:cBhvr>
+                                        <p:cTn id="8" dur="1" fill="hold">
+                                          <p:stCondLst>
+                                            <p:cond delay="0"/>
+                                          </p:stCondLst>
+                                        </p:cTn>
+                                        <p:tgtEl>
+                                          <p:spTgt spid="3">
+                                            <p:txEl>
+                                              <p:pRg st="1" end="1"/>
+                                            </p:txEl>
+                                          </p:spTgt>
+                                        </p:tgtEl>
+                                        <p:attrNameLst>
+                                          <p:attrName>style.visibility</p:attrName>
+                                        </p:attrNameLst>
+                                      </p:cBhvr>
+                                      <p:to>
+                                        <p:strVal val="visible"/>
+                                      </p:to>
+                                    </p:set>
+                                  </p:childTnLst>
+                                </p:cTn>
+                              </p:par>
+                              <p:par>
+                                <p:cTn id="9" presetID="1" presetClass="entr" presetSubtype="0" fill="hold" grpId="0" nodeType="withEffect">
+                                  <p:stCondLst>
+                                    <p:cond delay="0"/>
+                                  </p:stCondLst>
+                                  <p:childTnLst>
+                                    <p:set>
+                                      <p:cBhvr>
+                                        <p:cTn id="10" dur="1" fill="hold">
+                                          <p:stCondLst>
+                                            <p:cond delay="0"/>
+                                          </p:stCondLst>
+                                        </p:cTn>
+                                        <p:tgtEl>
+                                          <p:spTgt spid="3">
+                                            <p:txEl>
+                                              <p:pRg st="2" end="2"/>
+                                            </p:txEl>
+                                          </p:spTgt>
+                                        </p:tgtEl>
+                                        <p:attrNameLst>
+                                          <p:attrName>style.visibility</p:attrName>
+                                        </p:attrNameLst>
+                                      </p:cBhvr>
+                                      <p:to>
+                                        <p:strVal val="visible"/>
+                                      </p:to>
+                                    </p:set>
+                                  </p:childTnLst>
+                                </p:cTn>
+                              </p:par>
+                              <p:par>
+                                <p:cTn id="11" presetID="1" presetClass="entr" presetSubtype="0" fill="hold" grpId="0" nodeType="withEffect">
+                                  <p:stCondLst>
+                                    <p:cond delay="0"/>
+                                  </p:stCondLst>
+                                  <p:childTnLst>
+                                    <p:set>
+                                      <p:cBhvr>
+                                        <p:cTn id="12" dur="1" fill="hold">
+                                          <p:stCondLst>
+                                            <p:cond delay="0"/>
+                                          </p:stCondLst>
+                                        </p:cTn>
+                                        <p:tgtEl>
+                                          <p:spTgt spid="3">
+                                            <p:txEl>
+                                              <p:pRg st="3" end="3"/>
+                                            </p:txEl>
+                                          </p:spTgt>
+                                        </p:tgtEl>
+                                        <p:attrNameLst>
+                                          <p:attrName>style.visibility</p:attrName>
+                                        </p:attrNameLst>
+                                      </p:cBhvr>
+                                      <p:to>
+                                        <p:strVal val="visible"/>
+                                      </p:to>
+                                    </p:set>
+                                  </p:childTnLst>
+                                </p:cTn>
+                              </p:par>
+                              <p:par>
+                                <p:cTn id="13" presetID="1" presetClass="entr" presetSubtype="0" fill="hold" grpId="0" nodeType="withEffect">
+                                  <p:stCondLst>
+                                    <p:cond delay="0"/>
+                                  </p:stCondLst>
+                                  <p:childTnLst>
+                                    <p:set>
+                                      <p:cBhvr>
+                                        <p:cTn id="14" dur="1" fill="hold">
+                                          <p:stCondLst>
+                                            <p:cond delay="0"/>
+                                          </p:stCondLst>
+                                        </p:cTn>
+                                        <p:tgtEl>
+                                          <p:spTgt spid="3">
+                                            <p:txEl>
+                                              <p:pRg st="4" end="4"/>
+                                            </p:txEl>
+                                          </p:spTgt>
+                                        </p:tgtEl>
+                                        <p:attrNameLst>
+                                          <p:attrName>style.visibility</p:attrName>
+                                        </p:attrNameLst>
+                                      </p:cBhvr>
+                                      <p:to>
+                                        <p:strVal val="visible"/>
+                                      </p:to>
+                                    </p:set>
+                                  </p:childTnLst>
+                                </p:cTn>
+                              </p:par>
+                            </p:childTnLst>
+                          </p:cTn>
+                        </p:par>
+                      </p:childTnLst>
+                    </p:cTn>
+                  </p:par>
+                  <p:par>
+                    <p:cTn id="15" fill="hold">
+                      <p:stCondLst>
+                        <p:cond delay="indefinite"/>
+                      </p:stCondLst>
+                      <p:childTnLst>
+                        <p:par>
+                          <p:cTn id="16" fill="hold">
+                            <p:stCondLst>
+                              <p:cond delay="0"/>
+                            </p:stCondLst>
+                            <p:childTnLst>
+                              <p:par>
+                                <p:cTn id="17" presetID="1" presetClass="entr" presetSubtype="0" fill="hold" grpId="0" nodeType="clickEffect">
+                                  <p:stCondLst>
+                                    <p:cond delay="0"/>
+                                  </p:stCondLst>
+                                  <p:childTnLst>
+                                    <p:set>
+                                      <p:cBhvr>
+                                        <p:cTn id="18" dur="1" fill="hold">
+                                          <p:stCondLst>
+                                            <p:cond delay="0"/>
+                                          </p:stCondLst>
+                                        </p:cTn>
+                                        <p:tgtEl>
+                                          <p:spTgt spid="3">
+                                            <p:txEl>
+                                              <p:pRg st="5" end="5"/>
+                                            </p:txEl>
+                                          </p:spTgt>
+                                        </p:tgtEl>
+                                        <p:attrNameLst>
+                                          <p:attrName>style.visibility</p:attrName>
+                                        </p:attrNameLst>
+                                      </p:cBhvr>
+                                      <p:to>
+                                        <p:strVal val="visible"/>
+                                      </p:to>
+                                    </p:set>
+                                  </p:childTnLst>
+                                </p:cTn>
+                              </p:par>
+                            </p:childTnLst>
+                          </p:cTn>
+                        </p:par>
+                      </p:childTnLst>
+                    </p:cTn>
+                  </p:par>
+                </p:childTnLst>
+              </p:cTn>
+              <p:prevCondLst>
+                <p:cond evt="onPrev" delay="0">
+                  <p:tgtEl>
+                    <p:sldTgt/>
+                  </p:tgtEl>
+                </p:cond>
+              </p:prevCondLst>
+              <p:nextCondLst>
+                <p:cond evt="onNext" delay="0">
+                  <p:tgtEl>
+                    <p:sldTgt/>
+                  </p:tgtEl>
+                </p:cond>
+              </p:nextCondLst>
+            </p:seq>
+          </p:childTnLst>
+        </p:cTn>
+      </p:par>
+    </p:tnLst>
+    <p:bldLst>
+      <p:bldP spid="3" grpId="0" uiExpand="1" build="p">
+        <p:tmplLst>
+          <p:tmpl lvl="1">
+            <p:tnLst>
+              <p:par>
+                <p:cTn presetID="1" presetClass="entr" presetSubtype="0" fill="hold" nodeType="clickEffect">
+                  <p:stCondLst>
+                    <p:cond delay="0"/>
+                  </p:stCondLst>
+                  <p:childTnLst>
+                    <p:set>
+                      <p:cBhvr>
+                        <p:cTn dur="1" fill="hold">
+                          <p:stCondLst>
+                            <p:cond delay="0"/>
+                          </p:stCondLst>
+                        </p:cTn>
+                        <p:tgtEl>
+                          <p:spTgt spid="3"/>
+                        </p:tgtEl>
+                        <p:attrNameLst>
+                          <p:attrName>style.visibility</p:attrName>
+                        </p:attrNameLst>
+                      </p:cBhvr>
+                      <p:to>
+                        <p:strVal val="visible"/>
+                      </p:to>
+                    </p:set>
+                  </p:childTnLst>
+                </p:cTn>
+              </p:par>
+            </p:tnLst>
+          </p:tmpl>
+          <p:tmpl lvl="2">
+            <p:tnLst>
+              <p:par>
+                <p:cTn presetID="1" presetClass="entr" presetSubtype="0" fill="hold" nodeType="withEffect">
+                  <p:stCondLst>
+                    <p:cond delay="0"/>
+                  </p:stCondLst>
+                  <p:childTnLst>
+                    <p:set>
+                      <p:cBhvr>
+                        <p:cTn dur="1" fill="hold">
+                          <p:stCondLst>
+                            <p:cond delay="0"/>
+                          </p:stCondLst>
+                        </p:cTn>
+                        <p:tgtEl>
+                          <p:spTgt spid="3"/>
+                        </p:tgtEl>
+                        <p:attrNameLst>
+                          <p:attrName>style.visibility</p:attrName>
+                        </p:attrNameLst>
+                      </p:cBhvr>
+                      <p:to>
+                        <p:strVal val="visible"/>
+                      </p:to>
+                    </p:set>
+                  </p:childTnLst>
+                </p:cTn>
+              </p:par>
+            </p:tnLst>
+          </p:tmpl>
+          <p:tmpl lvl="3">
+            <p:tnLst>
+              <p:par>
+                <p:cTn presetID="1" presetClass="entr" presetSubtype="0" fill="hold" nodeType="withEffect">
+                  <p:stCondLst>
+                    <p:cond delay="0"/>
+                  </p:stCondLst>
+                  <p:childTnLst>
+                    <p:set>
+                      <p:cBhvr>
+                        <p:cTn dur="1" fill="hold">
+                          <p:stCondLst>
+                            <p:cond delay="0"/>
+                          </p:stCondLst>
+                        </p:cTn>
+                        <p:tgtEl>
+                          <p:spTgt spid="3"/>
+                        </p:tgtEl>
+                        <p:attrNameLst>
+                          <p:attrName>style.visibility</p:attrName>
+                        </p:attrNameLst>
+                      </p:cBhvr>
+                      <p:to>
+                        <p:strVal val="visible"/>
+                      </p:to>
+                    </p:set>
+                  </p:childTnLst>
+                </p:cTn>
+              </p:par>
+            </p:tnLst>
+          </p:tmpl>
+          <p:tmpl lvl="4">
+            <p:tnLst>
+              <p:par>
+                <p:cTn presetID="1" presetClass="entr" presetSubtype="0" fill="hold" nodeType="withEffect">
+                  <p:stCondLst>
+                    <p:cond delay="0"/>
+                  </p:stCondLst>
+                  <p:childTnLst>
+                    <p:set>
+                      <p:cBhvr>
+                        <p:cTn dur="1" fill="hold">
+                          <p:stCondLst>
+                            <p:cond delay="0"/>
+                          </p:stCondLst>
+                        </p:cTn>
+                        <p:tgtEl>
+                          <p:spTgt spid="3"/>
+                        </p:tgtEl>
+                        <p:attrNameLst>
+                          <p:attrName>style.visibility</p:attrName>
+                        </p:attrNameLst>
+                      </p:cBhvr>
+                      <p:to>
+                        <p:strVal val="visible"/>
+                      </p:to>
+                    </p:set>
+                  </p:childTnLst>
+                </p:cTn>
+              </p:par>
+            </p:tnLst>
+          </p:tmpl>
+          <p:tmpl lvl="5">
+            <p:tnLst>
+              <p:par>
+                <p:cTn presetID="1" presetClass="entr" presetSubtype="0" fill="hold" nodeType="withEffect">
+                  <p:stCondLst>
+                    <p:cond delay="0"/>
+                  </p:stCondLst>
+                  <p:childTnLst>
+                    <p:set>
+                      <p:cBhvr>
+                        <p:cTn dur="1" fill="hold">
+                          <p:stCondLst>
+                            <p:cond delay="0"/>
+                          </p:stCondLst>
+                        </p:cTn>
+                        <p:tgtEl>
+                          <p:spTgt spid="3"/>
+                        </p:tgtEl>
+                        <p:attrNameLst>
+                          <p:attrName>style.visibility</p:attrName>
+                        </p:attrNameLst>
+                      </p:cBhvr>
+                      <p:to>
+                        <p:strVal val="visible"/>
+                      </p:to>
+                    </p:set>
+                  </p:childTnLst>
+                </p:cTn>
+              </p:par>
+            </p:tnLst>
+          </p:tmpl>
+        </p:tmplLst>
+      </p:bldP>
+    </p:bldLst>
+  </p:timing>
 </p:sldLayout>
 </file>
 
@@ -1649,6 +2797,11 @@
         </p:txBody>
       </p:sp>
     </p:spTree>
+    <p:extLst>
+      <p:ext uri="{BB962C8B-B14F-4D97-AF65-F5344CB8AC3E}">
+        <p14:creationId xmlns:p14="http://schemas.microsoft.com/office/powerpoint/2010/main" val="3086027100"/>
+      </p:ext>
+    </p:extLst>
   </p:cSld>
   <p:clrMapOvr>
     <a:masterClrMapping/>
@@ -1934,6 +3087,11 @@
         </p:txBody>
       </p:sp>
     </p:spTree>
+    <p:extLst>
+      <p:ext uri="{BB962C8B-B14F-4D97-AF65-F5344CB8AC3E}">
+        <p14:creationId xmlns:p14="http://schemas.microsoft.com/office/powerpoint/2010/main" val="691703340"/>
+      </p:ext>
+    </p:extLst>
   </p:cSld>
   <p:clrMapOvr>
     <a:masterClrMapping/>
@@ -2353,6 +3511,11 @@
         </p:txBody>
       </p:sp>
     </p:spTree>
+    <p:extLst>
+      <p:ext uri="{BB962C8B-B14F-4D97-AF65-F5344CB8AC3E}">
+        <p14:creationId xmlns:p14="http://schemas.microsoft.com/office/powerpoint/2010/main" val="3449036763"/>
+      </p:ext>
+    </p:extLst>
   </p:cSld>
   <p:clrMapOvr>
     <a:masterClrMapping/>
@@ -2468,6 +3631,11 @@
         </p:txBody>
       </p:sp>
     </p:spTree>
+    <p:extLst>
+      <p:ext uri="{BB962C8B-B14F-4D97-AF65-F5344CB8AC3E}">
+        <p14:creationId xmlns:p14="http://schemas.microsoft.com/office/powerpoint/2010/main" val="2879853522"/>
+      </p:ext>
+    </p:extLst>
   </p:cSld>
   <p:clrMapOvr>
     <a:masterClrMapping/>
@@ -2560,6 +3728,11 @@
         </p:txBody>
       </p:sp>
     </p:spTree>
+    <p:extLst>
+      <p:ext uri="{BB962C8B-B14F-4D97-AF65-F5344CB8AC3E}">
+        <p14:creationId xmlns:p14="http://schemas.microsoft.com/office/powerpoint/2010/main" val="2783322055"/>
+      </p:ext>
+    </p:extLst>
   </p:cSld>
   <p:clrMapOvr>
     <a:masterClrMapping/>
@@ -2834,6 +4007,11 @@
         </p:txBody>
       </p:sp>
     </p:spTree>
+    <p:extLst>
+      <p:ext uri="{BB962C8B-B14F-4D97-AF65-F5344CB8AC3E}">
+        <p14:creationId xmlns:p14="http://schemas.microsoft.com/office/powerpoint/2010/main" val="718224448"/>
+      </p:ext>
+    </p:extLst>
   </p:cSld>
   <p:clrMapOvr>
     <a:masterClrMapping/>
@@ -3084,6 +4262,11 @@
         </p:txBody>
       </p:sp>
     </p:spTree>
+    <p:extLst>
+      <p:ext uri="{BB962C8B-B14F-4D97-AF65-F5344CB8AC3E}">
+        <p14:creationId xmlns:p14="http://schemas.microsoft.com/office/powerpoint/2010/main" val="2917296250"/>
+      </p:ext>
+    </p:extLst>
   </p:cSld>
   <p:clrMapOvr>
     <a:masterClrMapping/>
@@ -3173,38 +4356,38 @@
           <a:p>
             <a:pPr lvl="0"/>
             <a:r>
-              <a:rPr lang="en-US" smtClean="0"/>
+              <a:rPr lang="en-US" dirty="0" smtClean="0"/>
               <a:t>Click to edit Master text styles</a:t>
             </a:r>
           </a:p>
           <a:p>
             <a:pPr lvl="1"/>
             <a:r>
-              <a:rPr lang="en-US" smtClean="0"/>
+              <a:rPr lang="en-US" dirty="0" smtClean="0"/>
               <a:t>Second level</a:t>
             </a:r>
           </a:p>
           <a:p>
             <a:pPr lvl="2"/>
             <a:r>
-              <a:rPr lang="en-US" smtClean="0"/>
+              <a:rPr lang="en-US" dirty="0" smtClean="0"/>
               <a:t>Third level</a:t>
             </a:r>
           </a:p>
           <a:p>
             <a:pPr lvl="3"/>
             <a:r>
-              <a:rPr lang="en-US" smtClean="0"/>
+              <a:rPr lang="en-US" dirty="0" smtClean="0"/>
               <a:t>Fourth level</a:t>
             </a:r>
           </a:p>
           <a:p>
             <a:pPr lvl="4"/>
             <a:r>
-              <a:rPr lang="en-US" smtClean="0"/>
+              <a:rPr lang="en-US" dirty="0" smtClean="0"/>
               <a:t>Fifth level</a:t>
             </a:r>
-            <a:endParaRPr lang="en-GB"/>
+            <a:endParaRPr lang="en-GB" dirty="0"/>
           </a:p>
         </p:txBody>
       </p:sp>
@@ -3330,21 +4513,33 @@
         </p:txBody>
       </p:sp>
     </p:spTree>
+    <p:extLst>
+      <p:ext uri="{BB962C8B-B14F-4D97-AF65-F5344CB8AC3E}">
+        <p14:creationId xmlns:p14="http://schemas.microsoft.com/office/powerpoint/2010/main" val="3435610708"/>
+      </p:ext>
+    </p:extLst>
   </p:cSld>
   <p:clrMap bg1="lt1" tx1="dk1" bg2="lt2" tx2="dk2" accent1="accent1" accent2="accent2" accent3="accent3" accent4="accent4" accent5="accent5" accent6="accent6" hlink="hlink" folHlink="folHlink"/>
   <p:sldLayoutIdLst>
-    <p:sldLayoutId id="2147483649" r:id="rId1"/>
-    <p:sldLayoutId id="2147483650" r:id="rId2"/>
-    <p:sldLayoutId id="2147483651" r:id="rId3"/>
-    <p:sldLayoutId id="2147483652" r:id="rId4"/>
-    <p:sldLayoutId id="2147483653" r:id="rId5"/>
-    <p:sldLayoutId id="2147483654" r:id="rId6"/>
-    <p:sldLayoutId id="2147483655" r:id="rId7"/>
-    <p:sldLayoutId id="2147483656" r:id="rId8"/>
-    <p:sldLayoutId id="2147483657" r:id="rId9"/>
-    <p:sldLayoutId id="2147483658" r:id="rId10"/>
-    <p:sldLayoutId id="2147483659" r:id="rId11"/>
+    <p:sldLayoutId id="2147483709" r:id="rId1"/>
+    <p:sldLayoutId id="2147483710" r:id="rId2"/>
+    <p:sldLayoutId id="2147483711" r:id="rId3"/>
+    <p:sldLayoutId id="2147483712" r:id="rId4"/>
+    <p:sldLayoutId id="2147483713" r:id="rId5"/>
+    <p:sldLayoutId id="2147483714" r:id="rId6"/>
+    <p:sldLayoutId id="2147483715" r:id="rId7"/>
+    <p:sldLayoutId id="2147483716" r:id="rId8"/>
+    <p:sldLayoutId id="2147483717" r:id="rId9"/>
+    <p:sldLayoutId id="2147483718" r:id="rId10"/>
+    <p:sldLayoutId id="2147483719" r:id="rId11"/>
   </p:sldLayoutIdLst>
+  <p:timing>
+    <p:tnLst>
+      <p:par>
+        <p:cTn id="1" dur="indefinite" restart="never" nodeType="tmRoot"/>
+      </p:par>
+    </p:tnLst>
+  </p:timing>
   <p:txStyles>
     <p:titleStyle>
       <a:lvl1pPr algn="ctr" defTabSz="914400" rtl="0" eaLnBrk="1" latinLnBrk="0" hangingPunct="1">
@@ -3367,7 +4562,7 @@
         <a:spcBef>
           <a:spcPct val="20000"/>
         </a:spcBef>
-        <a:buFont typeface="Arial" pitchFamily="34" charset="0"/>
+        <a:buFont typeface="Arial" panose="020B0604020202020204" pitchFamily="34" charset="0"/>
         <a:buChar char="•"/>
         <a:defRPr sz="3200" kern="1200">
           <a:solidFill>
@@ -3382,7 +4577,7 @@
         <a:spcBef>
           <a:spcPct val="20000"/>
         </a:spcBef>
-        <a:buFont typeface="Arial" pitchFamily="34" charset="0"/>
+        <a:buFont typeface="Arial" panose="020B0604020202020204" pitchFamily="34" charset="0"/>
         <a:buChar char="–"/>
         <a:defRPr sz="2800" kern="1200">
           <a:solidFill>
@@ -3397,7 +4592,7 @@
         <a:spcBef>
           <a:spcPct val="20000"/>
         </a:spcBef>
-        <a:buFont typeface="Arial" pitchFamily="34" charset="0"/>
+        <a:buFont typeface="Arial" panose="020B0604020202020204" pitchFamily="34" charset="0"/>
         <a:buChar char="•"/>
         <a:defRPr sz="2400" kern="1200">
           <a:solidFill>
@@ -3412,7 +4607,7 @@
         <a:spcBef>
           <a:spcPct val="20000"/>
         </a:spcBef>
-        <a:buFont typeface="Arial" pitchFamily="34" charset="0"/>
+        <a:buFont typeface="Arial" panose="020B0604020202020204" pitchFamily="34" charset="0"/>
         <a:buChar char="–"/>
         <a:defRPr sz="2000" kern="1200">
           <a:solidFill>
@@ -3427,7 +4622,7 @@
         <a:spcBef>
           <a:spcPct val="20000"/>
         </a:spcBef>
-        <a:buFont typeface="Arial" pitchFamily="34" charset="0"/>
+        <a:buFont typeface="Arial" panose="020B0604020202020204" pitchFamily="34" charset="0"/>
         <a:buChar char="»"/>
         <a:defRPr sz="2000" kern="1200">
           <a:solidFill>
@@ -3442,7 +4637,7 @@
         <a:spcBef>
           <a:spcPct val="20000"/>
         </a:spcBef>
-        <a:buFont typeface="Arial" pitchFamily="34" charset="0"/>
+        <a:buFont typeface="Arial" panose="020B0604020202020204" pitchFamily="34" charset="0"/>
         <a:buChar char="•"/>
         <a:defRPr sz="2000" kern="1200">
           <a:solidFill>
@@ -3457,7 +4652,7 @@
         <a:spcBef>
           <a:spcPct val="20000"/>
         </a:spcBef>
-        <a:buFont typeface="Arial" pitchFamily="34" charset="0"/>
+        <a:buFont typeface="Arial" panose="020B0604020202020204" pitchFamily="34" charset="0"/>
         <a:buChar char="•"/>
         <a:defRPr sz="2000" kern="1200">
           <a:solidFill>
@@ -3472,7 +4667,7 @@
         <a:spcBef>
           <a:spcPct val="20000"/>
         </a:spcBef>
-        <a:buFont typeface="Arial" pitchFamily="34" charset="0"/>
+        <a:buFont typeface="Arial" panose="020B0604020202020204" pitchFamily="34" charset="0"/>
         <a:buChar char="•"/>
         <a:defRPr sz="2000" kern="1200">
           <a:solidFill>
@@ -3487,7 +4682,7 @@
         <a:spcBef>
           <a:spcPct val="20000"/>
         </a:spcBef>
-        <a:buFont typeface="Arial" pitchFamily="34" charset="0"/>
+        <a:buFont typeface="Arial" panose="020B0604020202020204" pitchFamily="34" charset="0"/>
         <a:buChar char="•"/>
         <a:defRPr sz="2000" kern="1200">
           <a:solidFill>
@@ -3650,12 +4845,7 @@
             <p:ph type="subTitle" idx="1"/>
           </p:nvPr>
         </p:nvSpPr>
-        <p:spPr>
-          <a:xfrm>
-            <a:off x="1403648" y="4581128"/>
-            <a:ext cx="6400800" cy="694928"/>
-          </a:xfrm>
-        </p:spPr>
+        <p:spPr/>
         <p:txBody>
           <a:bodyPr/>
           <a:lstStyle/>
@@ -3712,7 +4902,9 @@
         </p:nvSpPr>
         <p:spPr/>
         <p:txBody>
-          <a:bodyPr/>
+          <a:bodyPr>
+            <a:normAutofit/>
+          </a:bodyPr>
           <a:lstStyle/>
           <a:p>
             <a:r>
@@ -3735,7 +4927,6 @@
         </p:nvPicPr>
         <p:blipFill>
           <a:blip r:embed="rId3" cstate="print"/>
-          <a:srcRect/>
           <a:stretch>
             <a:fillRect/>
           </a:stretch>
@@ -3743,7 +4934,7 @@
         <p:spPr bwMode="auto">
           <a:xfrm>
             <a:off x="1554691" y="1600200"/>
-            <a:ext cx="6034618" cy="4525963"/>
+            <a:ext cx="6034617" cy="4525963"/>
           </a:xfrm>
           <a:prstGeom prst="rect">
             <a:avLst/>
@@ -3820,7 +5011,6 @@
         </p:nvPicPr>
         <p:blipFill>
           <a:blip r:embed="rId2" cstate="print"/>
-          <a:srcRect/>
           <a:stretch>
             <a:fillRect/>
           </a:stretch>
@@ -3828,7 +5018,7 @@
         <p:spPr bwMode="auto">
           <a:xfrm>
             <a:off x="1554691" y="1600200"/>
-            <a:ext cx="6034618" cy="4525963"/>
+            <a:ext cx="6034617" cy="4525963"/>
           </a:xfrm>
           <a:prstGeom prst="rect">
             <a:avLst/>
@@ -3885,7 +5075,7 @@
           <a:p>
             <a:r>
               <a:rPr lang="en-GB" dirty="0" smtClean="0"/>
-              <a:t>Adding absorbers to the model</a:t>
+              <a:t>Adding absorbers</a:t>
             </a:r>
             <a:endParaRPr lang="en-GB" dirty="0"/>
           </a:p>
@@ -3982,24 +5172,19 @@
           <a:p>
             <a:r>
               <a:rPr lang="en-GB" dirty="0" smtClean="0"/>
-              <a:t>Repeatedly add dampers to eliminate the maximum response</a:t>
+              <a:t>Repeatedly add absorbers to eliminate the maximum response</a:t>
             </a:r>
           </a:p>
           <a:p>
             <a:r>
               <a:rPr lang="en-GB" dirty="0" smtClean="0"/>
-              <a:t>Conserve total mass of </a:t>
-            </a:r>
+              <a:t>Conserve their total mass</a:t>
+            </a:r>
+          </a:p>
+          <a:p>
             <a:r>
               <a:rPr lang="en-GB" dirty="0" smtClean="0"/>
-              <a:t>absorbers</a:t>
-            </a:r>
-            <a:endParaRPr lang="en-GB" dirty="0" smtClean="0"/>
-          </a:p>
-          <a:p>
-            <a:r>
-              <a:rPr lang="en-GB" dirty="0" smtClean="0"/>
-              <a:t>As a result, some absorbers become less massive and therefore less effective, so are duplicated on further iterations</a:t>
+              <a:t>Some absorbers become less massive and therefore less effective, so are duplicated on further iterations</a:t>
             </a:r>
             <a:endParaRPr lang="en-GB" dirty="0"/>
           </a:p>
@@ -4039,7 +5224,7 @@
       </p:grpSpPr>
       <p:sp>
         <p:nvSpPr>
-          <p:cNvPr id="2" name="Title 1"/>
+          <p:cNvPr id="4" name="Title 3"/>
           <p:cNvSpPr>
             <a:spLocks noGrp="1"/>
           </p:cNvSpPr>
@@ -4054,11 +5239,277 @@
           <a:p>
             <a:r>
               <a:rPr lang="en-GB" dirty="0" smtClean="0"/>
-              <a:t>Effect of adding </a:t>
-            </a:r>
+              <a:t>Damping resonant peaks</a:t>
+            </a:r>
+            <a:endParaRPr lang="en-GB" dirty="0"/>
+          </a:p>
+        </p:txBody>
+      </p:sp>
+      <mc:AlternateContent xmlns:mc="http://schemas.openxmlformats.org/markup-compatibility/2006">
+        <mc:Choice xmlns:a14="http://schemas.microsoft.com/office/drawing/2010/main" Requires="a14">
+          <p:sp>
+            <p:nvSpPr>
+              <p:cNvPr id="5" name="Content Placeholder 4"/>
+              <p:cNvSpPr>
+                <a:spLocks noGrp="1"/>
+              </p:cNvSpPr>
+              <p:nvPr>
+                <p:ph idx="1"/>
+              </p:nvPr>
+            </p:nvSpPr>
+            <p:spPr/>
+            <p:txBody>
+              <a:bodyPr>
+                <a:normAutofit/>
+              </a:bodyPr>
+              <a:lstStyle/>
+              <a:p>
+                <a:r>
+                  <a:rPr lang="en-GB" dirty="0" smtClean="0"/>
+                  <a:t>Absorbers needs a </a:t>
+                </a:r>
+                <a:r>
+                  <a:rPr lang="en-GB" i="1" dirty="0" smtClean="0"/>
+                  <a:t>damped </a:t>
+                </a:r>
+                <a:r>
+                  <a:rPr lang="en-GB" dirty="0" smtClean="0"/>
+                  <a:t>frequency matching the frequency of the peak to eliminate</a:t>
+                </a:r>
+              </a:p>
+              <a:p>
+                <a:r>
+                  <a:rPr lang="en-GB" dirty="0" smtClean="0"/>
+                  <a:t>Can be derived from </a:t>
+                </a:r>
+                <a:r>
+                  <a:rPr lang="en-GB" dirty="0" err="1" smtClean="0"/>
+                  <a:t>databook</a:t>
+                </a:r>
+                <a:r>
+                  <a:rPr lang="en-GB" dirty="0" smtClean="0"/>
+                  <a:t> equations</a:t>
+                </a:r>
+              </a:p>
+              <a:p>
+                <a14:m>
+                  <m:oMath xmlns:m="http://schemas.openxmlformats.org/officeDocument/2006/math">
+                    <m:r>
+                      <a:rPr lang="en-GB" b="0" i="1" smtClean="0">
+                        <a:latin typeface="Cambria Math"/>
+                      </a:rPr>
+                      <m:t>𝑘</m:t>
+                    </m:r>
+                    <m:r>
+                      <a:rPr lang="en-GB" b="0" i="1" smtClean="0">
+                        <a:latin typeface="Cambria Math"/>
+                      </a:rPr>
+                      <m:t>=</m:t>
+                    </m:r>
+                    <m:r>
+                      <a:rPr lang="en-GB" b="0" i="1" smtClean="0">
+                        <a:latin typeface="Cambria Math"/>
+                      </a:rPr>
+                      <m:t>𝑚</m:t>
+                    </m:r>
+                    <m:sSubSup>
+                      <m:sSubSupPr>
+                        <m:ctrlPr>
+                          <a:rPr lang="en-GB" b="0" i="1" smtClean="0">
+                            <a:latin typeface="Cambria Math"/>
+                          </a:rPr>
+                        </m:ctrlPr>
+                      </m:sSubSupPr>
+                      <m:e>
+                        <m:r>
+                          <a:rPr lang="en-GB" b="0" i="1" smtClean="0">
+                            <a:latin typeface="Cambria Math"/>
+                          </a:rPr>
+                          <m:t>𝜔</m:t>
+                        </m:r>
+                      </m:e>
+                      <m:sub>
+                        <m:r>
+                          <a:rPr lang="en-GB" b="0" i="1" smtClean="0">
+                            <a:latin typeface="Cambria Math"/>
+                          </a:rPr>
+                          <m:t>𝑑</m:t>
+                        </m:r>
+                      </m:sub>
+                      <m:sup>
+                        <m:r>
+                          <a:rPr lang="en-GB" b="0" i="1" smtClean="0">
+                            <a:latin typeface="Cambria Math"/>
+                          </a:rPr>
+                          <m:t>2</m:t>
+                        </m:r>
+                      </m:sup>
+                    </m:sSubSup>
+                    <m:r>
+                      <a:rPr lang="en-GB" b="0" i="1" smtClean="0">
+                        <a:latin typeface="Cambria Math"/>
+                      </a:rPr>
+                      <m:t>+</m:t>
+                    </m:r>
+                    <m:f>
+                      <m:fPr>
+                        <m:ctrlPr>
+                          <a:rPr lang="en-GB" b="0" i="1" smtClean="0">
+                            <a:latin typeface="Cambria Math"/>
+                          </a:rPr>
+                        </m:ctrlPr>
+                      </m:fPr>
+                      <m:num>
+                        <m:sSup>
+                          <m:sSupPr>
+                            <m:ctrlPr>
+                              <a:rPr lang="en-GB" b="0" i="1" smtClean="0">
+                                <a:latin typeface="Cambria Math"/>
+                              </a:rPr>
+                            </m:ctrlPr>
+                          </m:sSupPr>
+                          <m:e>
+                            <m:r>
+                              <a:rPr lang="en-GB" b="0" i="1" smtClean="0">
+                                <a:latin typeface="Cambria Math"/>
+                              </a:rPr>
+                              <m:t>𝜆</m:t>
+                            </m:r>
+                          </m:e>
+                          <m:sup>
+                            <m:r>
+                              <a:rPr lang="en-GB" b="0" i="1" smtClean="0">
+                                <a:latin typeface="Cambria Math"/>
+                              </a:rPr>
+                              <m:t>2</m:t>
+                            </m:r>
+                          </m:sup>
+                        </m:sSup>
+                      </m:num>
+                      <m:den>
+                        <m:r>
+                          <a:rPr lang="en-GB" b="0" i="1" smtClean="0">
+                            <a:latin typeface="Cambria Math"/>
+                          </a:rPr>
+                          <m:t>4</m:t>
+                        </m:r>
+                        <m:r>
+                          <a:rPr lang="en-GB" b="0" i="1" smtClean="0">
+                            <a:latin typeface="Cambria Math"/>
+                          </a:rPr>
+                          <m:t>𝑚</m:t>
+                        </m:r>
+                      </m:den>
+                    </m:f>
+                  </m:oMath>
+                </a14:m>
+                <a:endParaRPr lang="en-GB" dirty="0" smtClean="0"/>
+              </a:p>
+              <a:p>
+                <a:r>
+                  <a:rPr lang="en-GB" dirty="0" smtClean="0"/>
+                  <a:t>Second term is negligible (~0.1%)</a:t>
+                </a:r>
+              </a:p>
+              <a:p>
+                <a:pPr>
+                  <a:buNone/>
+                </a:pPr>
+                <a:endParaRPr lang="en-GB" dirty="0" smtClean="0"/>
+              </a:p>
+              <a:p>
+                <a:pPr>
+                  <a:buNone/>
+                </a:pPr>
+                <a:endParaRPr lang="en-GB" dirty="0"/>
+              </a:p>
+            </p:txBody>
+          </p:sp>
+        </mc:Choice>
+        <mc:Fallback>
+          <p:sp>
+            <p:nvSpPr>
+              <p:cNvPr id="5" name="Content Placeholder 4"/>
+              <p:cNvSpPr>
+                <a:spLocks noGrp="1" noRot="1" noChangeAspect="1" noMove="1" noResize="1" noEditPoints="1" noAdjustHandles="1" noChangeArrowheads="1" noChangeShapeType="1" noTextEdit="1"/>
+              </p:cNvSpPr>
+              <p:nvPr>
+                <p:ph idx="1"/>
+              </p:nvPr>
+            </p:nvSpPr>
+            <p:spPr>
+              <a:blipFill rotWithShape="1">
+                <a:blip r:embed="rId2"/>
+                <a:stretch>
+                  <a:fillRect l="-1630" t="-1752"/>
+                </a:stretch>
+              </a:blipFill>
+            </p:spPr>
+            <p:txBody>
+              <a:bodyPr/>
+              <a:lstStyle/>
+              <a:p>
+                <a:r>
+                  <a:rPr lang="en-GB">
+                    <a:noFill/>
+                  </a:rPr>
+                  <a:t> </a:t>
+                </a:r>
+              </a:p>
+            </p:txBody>
+          </p:sp>
+        </mc:Fallback>
+      </mc:AlternateContent>
+    </p:spTree>
+  </p:cSld>
+  <p:clrMapOvr>
+    <a:masterClrMapping/>
+  </p:clrMapOvr>
+  <p:timing>
+    <p:tnLst>
+      <p:par>
+        <p:cTn id="1" dur="indefinite" restart="never" nodeType="tmRoot"/>
+      </p:par>
+    </p:tnLst>
+  </p:timing>
+</p:sld>
+</file>
+
+<file path=ppt/slides/slide15.xml><?xml version="1.0" encoding="utf-8"?>
+<p:sld xmlns:a="http://schemas.openxmlformats.org/drawingml/2006/main" xmlns:r="http://schemas.openxmlformats.org/officeDocument/2006/relationships" xmlns:p="http://schemas.openxmlformats.org/presentationml/2006/main">
+  <p:cSld>
+    <p:spTree>
+      <p:nvGrpSpPr>
+        <p:cNvPr id="1" name=""/>
+        <p:cNvGrpSpPr/>
+        <p:nvPr/>
+      </p:nvGrpSpPr>
+      <p:grpSpPr>
+        <a:xfrm>
+          <a:off x="0" y="0"/>
+          <a:ext cx="0" cy="0"/>
+          <a:chOff x="0" y="0"/>
+          <a:chExt cx="0" cy="0"/>
+        </a:xfrm>
+      </p:grpSpPr>
+      <p:sp>
+        <p:nvSpPr>
+          <p:cNvPr id="2" name="Title 1"/>
+          <p:cNvSpPr>
+            <a:spLocks noGrp="1"/>
+          </p:cNvSpPr>
+          <p:nvPr>
+            <p:ph type="title"/>
+          </p:nvPr>
+        </p:nvSpPr>
+        <p:spPr/>
+        <p:txBody>
+          <a:bodyPr/>
+          <a:lstStyle/>
+          <a:p>
             <a:r>
               <a:rPr lang="en-GB" dirty="0" smtClean="0"/>
-              <a:t>absorbers (video)</a:t>
+              <a:t>Effect of adding absorbers (video)</a:t>
             </a:r>
             <a:endParaRPr lang="en-GB" dirty="0"/>
           </a:p>
@@ -4085,8 +5536,8 @@
         </p:blipFill>
         <p:spPr>
           <a:xfrm>
-            <a:off x="1524000" y="1576388"/>
-            <a:ext cx="6096000" cy="4572000"/>
+            <a:off x="3048000" y="2719388"/>
+            <a:ext cx="3048000" cy="2286000"/>
           </a:xfrm>
           <a:prstGeom prst="rect">
             <a:avLst/>
@@ -4193,84 +5644,6 @@
 </p:sld>
 </file>
 
-<file path=ppt/slides/slide15.xml><?xml version="1.0" encoding="utf-8"?>
-<p:sld xmlns:a="http://schemas.openxmlformats.org/drawingml/2006/main" xmlns:r="http://schemas.openxmlformats.org/officeDocument/2006/relationships" xmlns:p="http://schemas.openxmlformats.org/presentationml/2006/main">
-  <p:cSld>
-    <p:spTree>
-      <p:nvGrpSpPr>
-        <p:cNvPr id="1" name=""/>
-        <p:cNvGrpSpPr/>
-        <p:nvPr/>
-      </p:nvGrpSpPr>
-      <p:grpSpPr>
-        <a:xfrm>
-          <a:off x="0" y="0"/>
-          <a:ext cx="0" cy="0"/>
-          <a:chOff x="0" y="0"/>
-          <a:chExt cx="0" cy="0"/>
-        </a:xfrm>
-      </p:grpSpPr>
-      <p:sp>
-        <p:nvSpPr>
-          <p:cNvPr id="2" name="Title 1"/>
-          <p:cNvSpPr>
-            <a:spLocks noGrp="1"/>
-          </p:cNvSpPr>
-          <p:nvPr>
-            <p:ph type="title"/>
-          </p:nvPr>
-        </p:nvSpPr>
-        <p:spPr/>
-        <p:txBody>
-          <a:bodyPr/>
-          <a:lstStyle/>
-          <a:p>
-            <a:r>
-              <a:rPr lang="en-GB" dirty="0" smtClean="0"/>
-              <a:t>Effect of adding absorbers</a:t>
-            </a:r>
-            <a:endParaRPr lang="en-GB" dirty="0"/>
-          </a:p>
-        </p:txBody>
-      </p:sp>
-      <p:pic>
-        <p:nvPicPr>
-          <p:cNvPr id="4" name="Content Placeholder 3" descr="absorber-04.png"/>
-          <p:cNvPicPr>
-            <a:picLocks noGrp="1" noChangeAspect="1"/>
-          </p:cNvPicPr>
-          <p:nvPr>
-            <p:ph idx="1"/>
-          </p:nvPr>
-        </p:nvPicPr>
-        <p:blipFill>
-          <a:blip r:embed="rId2" cstate="print"/>
-          <a:stretch>
-            <a:fillRect/>
-          </a:stretch>
-        </p:blipFill>
-        <p:spPr>
-          <a:xfrm>
-            <a:off x="1554691" y="1600200"/>
-            <a:ext cx="6034618" cy="4525963"/>
-          </a:xfrm>
-        </p:spPr>
-      </p:pic>
-    </p:spTree>
-  </p:cSld>
-  <p:clrMapOvr>
-    <a:masterClrMapping/>
-  </p:clrMapOvr>
-  <p:timing>
-    <p:tnLst>
-      <p:par>
-        <p:cTn id="1" dur="indefinite" restart="never" nodeType="tmRoot"/>
-      </p:par>
-    </p:tnLst>
-  </p:timing>
-</p:sld>
-</file>
-
 <file path=ppt/slides/slide16.xml><?xml version="1.0" encoding="utf-8"?>
 <p:sld xmlns:a="http://schemas.openxmlformats.org/drawingml/2006/main" xmlns:r="http://schemas.openxmlformats.org/officeDocument/2006/relationships" xmlns:p="http://schemas.openxmlformats.org/presentationml/2006/main">
   <p:cSld>
@@ -4313,7 +5686,7 @@
       </p:sp>
       <p:pic>
         <p:nvPicPr>
-          <p:cNvPr id="4" name="Content Placeholder 3" descr="absorber-05.png"/>
+          <p:cNvPr id="4" name="Content Placeholder 3" descr="absorber-04.png"/>
           <p:cNvPicPr>
             <a:picLocks noGrp="1" noChangeAspect="1"/>
           </p:cNvPicPr>
@@ -4330,7 +5703,7 @@
         <p:spPr>
           <a:xfrm>
             <a:off x="1554691" y="1600200"/>
-            <a:ext cx="6034618" cy="4525963"/>
+            <a:ext cx="6034617" cy="4525963"/>
           </a:xfrm>
         </p:spPr>
       </p:pic>
@@ -4391,7 +5764,7 @@
       </p:sp>
       <p:pic>
         <p:nvPicPr>
-          <p:cNvPr id="7" name="Content Placeholder 6" descr="absorber-06.png"/>
+          <p:cNvPr id="4" name="Content Placeholder 3" descr="absorber-05.png"/>
           <p:cNvPicPr>
             <a:picLocks noGrp="1" noChangeAspect="1"/>
           </p:cNvPicPr>
@@ -4408,7 +5781,7 @@
         <p:spPr>
           <a:xfrm>
             <a:off x="1554691" y="1600200"/>
-            <a:ext cx="6034618" cy="4525963"/>
+            <a:ext cx="6034617" cy="4525963"/>
           </a:xfrm>
         </p:spPr>
       </p:pic>
@@ -4469,9 +5842,9 @@
       </p:sp>
       <p:pic>
         <p:nvPicPr>
-          <p:cNvPr id="5123" name="Picture 3" descr="C:\Users\Home\Documents\docs\stuff from uni\year 2 cambridge\cued-icw\graphs - Copy\amp-vs-no-abs.png"/>
+          <p:cNvPr id="7" name="Content Placeholder 6" descr="absorber-06.png"/>
           <p:cNvPicPr>
-            <a:picLocks noGrp="1" noChangeAspect="1" noChangeArrowheads="1"/>
+            <a:picLocks noGrp="1" noChangeAspect="1"/>
           </p:cNvPicPr>
           <p:nvPr>
             <p:ph idx="1"/>
@@ -4479,20 +5852,15 @@
         </p:nvPicPr>
         <p:blipFill>
           <a:blip r:embed="rId2" cstate="print"/>
-          <a:srcRect/>
           <a:stretch>
             <a:fillRect/>
           </a:stretch>
         </p:blipFill>
-        <p:spPr bwMode="auto">
+        <p:spPr>
           <a:xfrm>
             <a:off x="1554691" y="1600200"/>
-            <a:ext cx="6034618" cy="4525963"/>
+            <a:ext cx="6034617" cy="4525963"/>
           </a:xfrm>
-          <a:prstGeom prst="rect">
-            <a:avLst/>
-          </a:prstGeom>
-          <a:noFill/>
         </p:spPr>
       </p:pic>
     </p:spTree>
@@ -4529,7 +5897,7 @@
       </p:grpSpPr>
       <p:sp>
         <p:nvSpPr>
-          <p:cNvPr id="6" name="Title 5"/>
+          <p:cNvPr id="2" name="Title 1"/>
           <p:cNvSpPr>
             <a:spLocks noGrp="1"/>
           </p:cNvSpPr>
@@ -4544,31 +5912,39 @@
           <a:p>
             <a:r>
               <a:rPr lang="en-GB" dirty="0" smtClean="0"/>
-              <a:t>Applying stimuli</a:t>
+              <a:t>Effect of adding absorbers</a:t>
             </a:r>
             <a:endParaRPr lang="en-GB" dirty="0"/>
           </a:p>
         </p:txBody>
       </p:sp>
-      <p:sp>
-        <p:nvSpPr>
-          <p:cNvPr id="7" name="Text Placeholder 6"/>
-          <p:cNvSpPr>
-            <a:spLocks noGrp="1"/>
-          </p:cNvSpPr>
-          <p:nvPr>
-            <p:ph type="body" idx="1"/>
-          </p:nvPr>
-        </p:nvSpPr>
-        <p:spPr/>
-        <p:txBody>
-          <a:bodyPr/>
-          <a:lstStyle/>
-          <a:p>
-            <a:endParaRPr lang="en-GB"/>
-          </a:p>
-        </p:txBody>
-      </p:sp>
+      <p:pic>
+        <p:nvPicPr>
+          <p:cNvPr id="5123" name="Picture 3" descr="C:\Users\Home\Documents\docs\stuff from uni\year 2 cambridge\cued-icw\graphs - Copy\amp-vs-no-abs.png"/>
+          <p:cNvPicPr>
+            <a:picLocks noGrp="1" noChangeAspect="1" noChangeArrowheads="1"/>
+          </p:cNvPicPr>
+          <p:nvPr>
+            <p:ph idx="1"/>
+          </p:nvPr>
+        </p:nvPicPr>
+        <p:blipFill>
+          <a:blip r:embed="rId2" cstate="print"/>
+          <a:stretch>
+            <a:fillRect/>
+          </a:stretch>
+        </p:blipFill>
+        <p:spPr bwMode="auto">
+          <a:xfrm>
+            <a:off x="1554691" y="1600200"/>
+            <a:ext cx="6034617" cy="4525963"/>
+          </a:xfrm>
+          <a:prstGeom prst="rect">
+            <a:avLst/>
+          </a:prstGeom>
+          <a:noFill/>
+        </p:spPr>
+      </p:pic>
     </p:spTree>
   </p:cSld>
   <p:clrMapOvr>
@@ -4618,7 +5994,7 @@
           <a:p>
             <a:r>
               <a:rPr lang="en-GB" dirty="0" smtClean="0"/>
-              <a:t>Building the model</a:t>
+              <a:t>Designing the simulator</a:t>
             </a:r>
             <a:endParaRPr lang="en-GB" dirty="0"/>
           </a:p>
@@ -4639,7 +6015,27 @@
           <a:bodyPr/>
           <a:lstStyle/>
           <a:p>
-            <a:endParaRPr lang="en-GB"/>
+            <a:r>
+              <a:rPr lang="en-GB" dirty="0" smtClean="0"/>
+              <a:t>In python, using </a:t>
+            </a:r>
+            <a:r>
+              <a:rPr lang="en-GB" dirty="0" err="1" smtClean="0"/>
+              <a:t>numpy</a:t>
+            </a:r>
+            <a:r>
+              <a:rPr lang="en-GB" dirty="0"/>
+              <a:t> </a:t>
+            </a:r>
+            <a:r>
+              <a:rPr lang="en-GB" dirty="0" smtClean="0"/>
+              <a:t>and </a:t>
+            </a:r>
+            <a:r>
+              <a:rPr lang="en-GB" dirty="0" err="1" smtClean="0"/>
+              <a:t>matplotlib</a:t>
+            </a:r>
+            <a:endParaRPr lang="en-GB" dirty="0"/>
           </a:p>
         </p:txBody>
       </p:sp>
@@ -4677,7 +6073,7 @@
       </p:grpSpPr>
       <p:sp>
         <p:nvSpPr>
-          <p:cNvPr id="4" name="Title 3"/>
+          <p:cNvPr id="6" name="Title 5"/>
           <p:cNvSpPr>
             <a:spLocks noGrp="1"/>
           </p:cNvSpPr>
@@ -4692,40 +6088,35 @@
           <a:p>
             <a:r>
               <a:rPr lang="en-GB" dirty="0" smtClean="0"/>
-              <a:t>Response to step input</a:t>
+              <a:t>Applying stimuli</a:t>
             </a:r>
             <a:endParaRPr lang="en-GB" dirty="0"/>
           </a:p>
         </p:txBody>
       </p:sp>
-      <p:pic>
-        <p:nvPicPr>
-          <p:cNvPr id="20" name="Picture 4" descr="C:\Users\Home\Documents\docs\stuff from uni\year 2 cambridge\cued-icw\graphs\step-disp.png"/>
-          <p:cNvPicPr>
-            <a:picLocks noGrp="1" noChangeAspect="1" noChangeArrowheads="1"/>
-          </p:cNvPicPr>
-          <p:nvPr>
-            <p:ph idx="1"/>
-          </p:nvPr>
-        </p:nvPicPr>
-        <p:blipFill>
-          <a:blip r:embed="rId2" cstate="print"/>
-          <a:srcRect/>
-          <a:stretch>
-            <a:fillRect/>
-          </a:stretch>
-        </p:blipFill>
-        <p:spPr bwMode="auto">
-          <a:xfrm>
-            <a:off x="1554691" y="1600200"/>
-            <a:ext cx="6034618" cy="4525963"/>
-          </a:xfrm>
-          <a:prstGeom prst="rect">
-            <a:avLst/>
-          </a:prstGeom>
-          <a:noFill/>
-        </p:spPr>
-      </p:pic>
+      <p:sp>
+        <p:nvSpPr>
+          <p:cNvPr id="7" name="Text Placeholder 6"/>
+          <p:cNvSpPr>
+            <a:spLocks noGrp="1"/>
+          </p:cNvSpPr>
+          <p:nvPr>
+            <p:ph type="body" idx="1"/>
+          </p:nvPr>
+        </p:nvSpPr>
+        <p:spPr/>
+        <p:txBody>
+          <a:bodyPr/>
+          <a:lstStyle/>
+          <a:p>
+            <a:r>
+              <a:rPr lang="en-GB" dirty="0" smtClean="0"/>
+              <a:t>Investigating the effectiveness of the absorbers</a:t>
+            </a:r>
+            <a:endParaRPr lang="en-GB" dirty="0"/>
+          </a:p>
+        </p:txBody>
+      </p:sp>
     </p:spTree>
   </p:cSld>
   <p:clrMapOvr>
@@ -4775,7 +6166,7 @@
           <a:p>
             <a:r>
               <a:rPr lang="en-GB" dirty="0" smtClean="0"/>
-              <a:t>Response to frequency sweep</a:t>
+              <a:t>Response to step input</a:t>
             </a:r>
             <a:endParaRPr lang="en-GB" dirty="0"/>
           </a:p>
@@ -4783,7 +6174,7 @@
       </p:sp>
       <p:pic>
         <p:nvPicPr>
-          <p:cNvPr id="8" name="Picture 3" descr="C:\Users\Home\Documents\docs\stuff from uni\year 2 cambridge\cued-icw\graphs\sweep-disp.png"/>
+          <p:cNvPr id="20" name="Picture 4" descr="C:\Users\Home\Documents\docs\stuff from uni\year 2 cambridge\cued-icw\graphs\step-disp.png"/>
           <p:cNvPicPr>
             <a:picLocks noGrp="1" noChangeAspect="1" noChangeArrowheads="1"/>
           </p:cNvPicPr>
@@ -4793,7 +6184,6 @@
         </p:nvPicPr>
         <p:blipFill>
           <a:blip r:embed="rId2" cstate="print"/>
-          <a:srcRect/>
           <a:stretch>
             <a:fillRect/>
           </a:stretch>
@@ -4801,7 +6191,7 @@
         <p:spPr bwMode="auto">
           <a:xfrm>
             <a:off x="1554691" y="1600200"/>
-            <a:ext cx="6034618" cy="4525963"/>
+            <a:ext cx="6034617" cy="4525963"/>
           </a:xfrm>
           <a:prstGeom prst="rect">
             <a:avLst/>
@@ -4858,7 +6248,7 @@
           <a:p>
             <a:r>
               <a:rPr lang="en-GB" dirty="0" smtClean="0"/>
-              <a:t>Response to earthquake</a:t>
+              <a:t>Response to frequency sweep</a:t>
             </a:r>
             <a:endParaRPr lang="en-GB" dirty="0"/>
           </a:p>
@@ -4866,7 +6256,7 @@
       </p:sp>
       <p:pic>
         <p:nvPicPr>
-          <p:cNvPr id="10" name="Picture 5" descr="C:\Users\Home\Documents\docs\stuff from uni\year 2 cambridge\cued-icw\graphs\eq-disp.png"/>
+          <p:cNvPr id="8" name="Picture 3" descr="C:\Users\Home\Documents\docs\stuff from uni\year 2 cambridge\cued-icw\graphs\sweep-disp.png"/>
           <p:cNvPicPr>
             <a:picLocks noGrp="1" noChangeAspect="1" noChangeArrowheads="1"/>
           </p:cNvPicPr>
@@ -4876,7 +6266,6 @@
         </p:nvPicPr>
         <p:blipFill>
           <a:blip r:embed="rId2" cstate="print"/>
-          <a:srcRect/>
           <a:stretch>
             <a:fillRect/>
           </a:stretch>
@@ -4884,7 +6273,7 @@
         <p:spPr bwMode="auto">
           <a:xfrm>
             <a:off x="1554691" y="1600200"/>
-            <a:ext cx="6034618" cy="4525963"/>
+            <a:ext cx="6034617" cy="4525963"/>
           </a:xfrm>
           <a:prstGeom prst="rect">
             <a:avLst/>
@@ -4926,7 +6315,7 @@
       </p:grpSpPr>
       <p:sp>
         <p:nvSpPr>
-          <p:cNvPr id="2" name="Title 1"/>
+          <p:cNvPr id="4" name="Title 3"/>
           <p:cNvSpPr>
             <a:spLocks noGrp="1"/>
           </p:cNvSpPr>
@@ -4941,7 +6330,7 @@
           <a:p>
             <a:r>
               <a:rPr lang="en-GB" dirty="0" smtClean="0"/>
-              <a:t>Tuning for earthquakes</a:t>
+              <a:t>Response to earthquake</a:t>
             </a:r>
             <a:endParaRPr lang="en-GB" dirty="0"/>
           </a:p>
@@ -4949,7 +6338,7 @@
       </p:sp>
       <p:pic>
         <p:nvPicPr>
-          <p:cNvPr id="3074" name="Picture 2" descr="C:\Users\Home\Documents\docs\stuff from uni\year 2 cambridge\cued-icw\graphs\fft-eq.png"/>
+          <p:cNvPr id="10" name="Picture 5" descr="C:\Users\Home\Documents\docs\stuff from uni\year 2 cambridge\cued-icw\graphs\eq-disp.png"/>
           <p:cNvPicPr>
             <a:picLocks noGrp="1" noChangeAspect="1" noChangeArrowheads="1"/>
           </p:cNvPicPr>
@@ -4959,7 +6348,6 @@
         </p:nvPicPr>
         <p:blipFill>
           <a:blip r:embed="rId2" cstate="print"/>
-          <a:srcRect/>
           <a:stretch>
             <a:fillRect/>
           </a:stretch>
@@ -4967,7 +6355,7 @@
         <p:spPr bwMode="auto">
           <a:xfrm>
             <a:off x="1554691" y="1600200"/>
-            <a:ext cx="6034618" cy="4525963"/>
+            <a:ext cx="6034617" cy="4525963"/>
           </a:xfrm>
           <a:prstGeom prst="rect">
             <a:avLst/>
@@ -5009,7 +6397,7 @@
       </p:grpSpPr>
       <p:sp>
         <p:nvSpPr>
-          <p:cNvPr id="4" name="Title 3"/>
+          <p:cNvPr id="2" name="Title 1"/>
           <p:cNvSpPr>
             <a:spLocks noGrp="1"/>
           </p:cNvSpPr>
@@ -5024,20 +6412,79 @@
           <a:p>
             <a:r>
               <a:rPr lang="en-GB" dirty="0" smtClean="0"/>
-              <a:t>Damping resonant peaks</a:t>
+              <a:t>Tuning for earthquakes</a:t>
             </a:r>
             <a:endParaRPr lang="en-GB" dirty="0"/>
           </a:p>
         </p:txBody>
       </p:sp>
-      <p:sp>
-        <p:nvSpPr>
-          <p:cNvPr id="5" name="Content Placeholder 4"/>
+      <p:pic>
+        <p:nvPicPr>
+          <p:cNvPr id="3074" name="Picture 2" descr="C:\Users\Home\Documents\docs\stuff from uni\year 2 cambridge\cued-icw\graphs\fft-eq.png"/>
+          <p:cNvPicPr>
+            <a:picLocks noGrp="1" noChangeAspect="1" noChangeArrowheads="1"/>
+          </p:cNvPicPr>
+          <p:nvPr>
+            <p:ph idx="1"/>
+          </p:nvPr>
+        </p:nvPicPr>
+        <p:blipFill>
+          <a:blip r:embed="rId2" cstate="print"/>
+          <a:stretch>
+            <a:fillRect/>
+          </a:stretch>
+        </p:blipFill>
+        <p:spPr bwMode="auto">
+          <a:xfrm>
+            <a:off x="1554691" y="1600200"/>
+            <a:ext cx="6034617" cy="4525963"/>
+          </a:xfrm>
+          <a:prstGeom prst="rect">
+            <a:avLst/>
+          </a:prstGeom>
+          <a:noFill/>
+        </p:spPr>
+      </p:pic>
+    </p:spTree>
+  </p:cSld>
+  <p:clrMapOvr>
+    <a:masterClrMapping/>
+  </p:clrMapOvr>
+  <p:timing>
+    <p:tnLst>
+      <p:par>
+        <p:cTn id="1" dur="indefinite" restart="never" nodeType="tmRoot"/>
+      </p:par>
+    </p:tnLst>
+  </p:timing>
+</p:sld>
+</file>
+
+<file path=ppt/slides/slide25.xml><?xml version="1.0" encoding="utf-8"?>
+<p:sld xmlns:a="http://schemas.openxmlformats.org/drawingml/2006/main" xmlns:r="http://schemas.openxmlformats.org/officeDocument/2006/relationships" xmlns:p="http://schemas.openxmlformats.org/presentationml/2006/main">
+  <p:cSld>
+    <p:spTree>
+      <p:nvGrpSpPr>
+        <p:cNvPr id="1" name=""/>
+        <p:cNvGrpSpPr/>
+        <p:nvPr/>
+      </p:nvGrpSpPr>
+      <p:grpSpPr>
+        <a:xfrm>
+          <a:off x="0" y="0"/>
+          <a:ext cx="0" cy="0"/>
+          <a:chOff x="0" y="0"/>
+          <a:chExt cx="0" cy="0"/>
+        </a:xfrm>
+      </p:grpSpPr>
+      <p:sp>
+        <p:nvSpPr>
+          <p:cNvPr id="2" name="Title 1"/>
           <p:cNvSpPr>
             <a:spLocks noGrp="1"/>
           </p:cNvSpPr>
           <p:nvPr>
-            <p:ph idx="1"/>
+            <p:ph type="title"/>
           </p:nvPr>
         </p:nvSpPr>
         <p:spPr/>
@@ -5047,58 +6494,52 @@
           <a:p>
             <a:r>
               <a:rPr lang="en-GB" dirty="0" smtClean="0"/>
-              <a:t>Absorbers needs a </a:t>
-            </a:r>
-            <a:r>
-              <a:rPr lang="en-GB" i="1" dirty="0" smtClean="0"/>
-              <a:t>damped </a:t>
-            </a:r>
+              <a:t>Conclusions</a:t>
+            </a:r>
+            <a:endParaRPr lang="en-GB" dirty="0"/>
+          </a:p>
+        </p:txBody>
+      </p:sp>
+      <p:sp>
+        <p:nvSpPr>
+          <p:cNvPr id="3" name="Content Placeholder 2"/>
+          <p:cNvSpPr>
+            <a:spLocks noGrp="1"/>
+          </p:cNvSpPr>
+          <p:nvPr>
+            <p:ph idx="1"/>
+          </p:nvPr>
+        </p:nvSpPr>
+        <p:spPr/>
+        <p:txBody>
+          <a:bodyPr/>
+          <a:lstStyle/>
+          <a:p>
             <a:r>
               <a:rPr lang="en-GB" dirty="0" smtClean="0"/>
-              <a:t>frequency matching the frequency of the peak to eliminate</a:t>
+              <a:t>Linear modelling is reasonably representative of the true behaviour of the system</a:t>
             </a:r>
           </a:p>
           <a:p>
             <a:r>
               <a:rPr lang="en-GB" dirty="0" smtClean="0"/>
-              <a:t>Can be derived from </a:t>
-            </a:r>
-            <a:r>
-              <a:rPr lang="en-GB" dirty="0" err="1" smtClean="0"/>
-              <a:t>databook</a:t>
-            </a:r>
+              <a:t>Adding more absorbers gives diminishing returns</a:t>
+            </a:r>
+          </a:p>
+          <a:p>
             <a:r>
               <a:rPr lang="en-GB" dirty="0" smtClean="0"/>
-              <a:t> equations</a:t>
-            </a:r>
-          </a:p>
-          <a:p>
-            <a:r>
-              <a:rPr lang="en-GB" dirty="0" smtClean="0"/>
-              <a:t>[equation]</a:t>
-            </a:r>
-          </a:p>
-          <a:p>
-            <a:r>
-              <a:rPr lang="en-GB" dirty="0" smtClean="0"/>
-              <a:t>For simplicity, assume absorber damping equal to building damping</a:t>
-            </a:r>
-          </a:p>
-          <a:p>
-            <a:pPr>
-              <a:buNone/>
-            </a:pPr>
-            <a:endParaRPr lang="en-GB" dirty="0" smtClean="0"/>
-          </a:p>
-          <a:p>
-            <a:pPr>
-              <a:buNone/>
-            </a:pPr>
-            <a:endParaRPr lang="en-GB" dirty="0"/>
+              <a:t>Absorbers are effective at mitigating motion due to earthquakes</a:t>
+            </a:r>
           </a:p>
         </p:txBody>
       </p:sp>
     </p:spTree>
+    <p:extLst>
+      <p:ext uri="{BB962C8B-B14F-4D97-AF65-F5344CB8AC3E}">
+        <p14:creationId xmlns:p14="http://schemas.microsoft.com/office/powerpoint/2010/main" val="3120524057"/>
+      </p:ext>
+    </p:extLst>
   </p:cSld>
   <p:clrMapOvr>
     <a:masterClrMapping/>
@@ -5154,7 +6595,7 @@
         </p:txBody>
       </p:sp>
       <mc:AlternateContent xmlns:mc="http://schemas.openxmlformats.org/markup-compatibility/2006">
-        <mc:Choice xmlns="" xmlns:a14="http://schemas.microsoft.com/office/drawing/2010/main" Requires="a14">
+        <mc:Choice xmlns:a14="http://schemas.microsoft.com/office/drawing/2010/main" Requires="a14">
           <p:sp>
             <p:nvSpPr>
               <p:cNvPr id="3" name="Content Placeholder 2"/>
@@ -5168,41 +6609,9 @@
             <p:spPr/>
             <p:txBody>
               <a:bodyPr>
-                <a:normAutofit/>
+                <a:normAutofit fontScale="92500" lnSpcReduction="10000"/>
               </a:bodyPr>
               <a:lstStyle/>
-              <a:p>
-                <a:r>
-                  <a:rPr lang="en-GB" dirty="0" smtClean="0"/>
-                  <a:t>N-DOF simulator</a:t>
-                </a:r>
-              </a:p>
-              <a:p>
-                <a:r>
-                  <a:rPr lang="en-GB" dirty="0" smtClean="0"/>
-                  <a:t>Written </a:t>
-                </a:r>
-                <a:r>
-                  <a:rPr lang="en-GB" dirty="0" smtClean="0"/>
-                  <a:t>in python (using </a:t>
-                </a:r>
-                <a:r>
-                  <a:rPr lang="en-GB" dirty="0" err="1" smtClean="0"/>
-                  <a:t>numpy</a:t>
-                </a:r>
-                <a:r>
-                  <a:rPr lang="en-GB" dirty="0" smtClean="0"/>
-                  <a:t>, a library that gives us the power of </a:t>
-                </a:r>
-                <a:r>
-                  <a:rPr lang="en-GB" dirty="0" err="1" smtClean="0"/>
-                  <a:t>matlab</a:t>
-                </a:r>
-                <a:r>
-                  <a:rPr lang="en-GB" dirty="0" smtClean="0"/>
-                  <a:t>)</a:t>
-                </a:r>
-              </a:p>
               <a:p>
                 <a:r>
                   <a:rPr lang="en-GB" dirty="0" smtClean="0"/>
@@ -5396,16 +6805,303 @@
                 <a:endParaRPr lang="en-GB" b="1" dirty="0" smtClean="0"/>
               </a:p>
               <a:p>
-                <a:pPr marL="0" indent="0">
-                  <a:buNone/>
-                </a:pPr>
+                <a14:m>
+                  <m:oMath xmlns:m="http://schemas.openxmlformats.org/officeDocument/2006/math">
+                    <m:r>
+                      <a:rPr lang="en-GB" b="1" i="1" dirty="0">
+                        <a:latin typeface="Cambria Math"/>
+                      </a:rPr>
+                      <m:t>𝒇</m:t>
+                    </m:r>
+                    <m:r>
+                      <a:rPr lang="en-GB" i="1" dirty="0">
+                        <a:latin typeface="Cambria Math"/>
+                      </a:rPr>
+                      <m:t>=</m:t>
+                    </m:r>
+                    <m:d>
+                      <m:dPr>
+                        <m:begChr m:val="["/>
+                        <m:endChr m:val="]"/>
+                        <m:ctrlPr>
+                          <a:rPr lang="en-GB" i="1" dirty="0">
+                            <a:latin typeface="Cambria Math"/>
+                          </a:rPr>
+                        </m:ctrlPr>
+                      </m:dPr>
+                      <m:e>
+                        <m:m>
+                          <m:mPr>
+                            <m:mcs>
+                              <m:mc>
+                                <m:mcPr>
+                                  <m:count m:val="1"/>
+                                  <m:mcJc m:val="center"/>
+                                </m:mcPr>
+                              </m:mc>
+                            </m:mcs>
+                            <m:ctrlPr>
+                              <a:rPr lang="en-GB" i="1" dirty="0">
+                                <a:latin typeface="Cambria Math"/>
+                              </a:rPr>
+                            </m:ctrlPr>
+                          </m:mPr>
+                          <m:mr>
+                            <m:e>
+                              <m:r>
+                                <m:rPr>
+                                  <m:brk m:alnAt="7"/>
+                                </m:rPr>
+                                <a:rPr lang="en-GB" i="1" dirty="0">
+                                  <a:latin typeface="Cambria Math"/>
+                                </a:rPr>
+                                <m:t>𝑓</m:t>
+                              </m:r>
+                            </m:e>
+                          </m:mr>
+                          <m:mr>
+                            <m:e>
+                              <m:r>
+                                <a:rPr lang="en-GB" i="1" dirty="0">
+                                  <a:latin typeface="Cambria Math"/>
+                                </a:rPr>
+                                <m:t>0</m:t>
+                              </m:r>
+                            </m:e>
+                          </m:mr>
+                          <m:mr>
+                            <m:e>
+                              <m:r>
+                                <a:rPr lang="en-GB" i="1" dirty="0">
+                                  <a:latin typeface="Cambria Math"/>
+                                </a:rPr>
+                                <m:t>⋮</m:t>
+                              </m:r>
+                            </m:e>
+                          </m:mr>
+                        </m:m>
+                      </m:e>
+                    </m:d>
+                  </m:oMath>
+                </a14:m>
+                <a:r>
+                  <a:rPr lang="en-GB" dirty="0"/>
+                  <a:t> </a:t>
+                </a:r>
                 <a:endParaRPr lang="en-GB" dirty="0" smtClean="0"/>
               </a:p>
               <a:p>
-                <a:endParaRPr lang="en-GB" dirty="0" smtClean="0"/>
+                <a14:m>
+                  <m:oMath xmlns:m="http://schemas.openxmlformats.org/officeDocument/2006/math">
+                    <m:r>
+                      <a:rPr lang="en-GB" b="1" i="1" dirty="0" smtClean="0">
+                        <a:latin typeface="Cambria Math"/>
+                      </a:rPr>
+                      <m:t>𝑴</m:t>
+                    </m:r>
+                    <m:r>
+                      <a:rPr lang="en-GB" b="1" i="1" dirty="0" smtClean="0">
+                        <a:latin typeface="Cambria Math"/>
+                      </a:rPr>
+                      <m:t>=</m:t>
+                    </m:r>
+                    <m:d>
+                      <m:dPr>
+                        <m:begChr m:val="["/>
+                        <m:endChr m:val="]"/>
+                        <m:ctrlPr>
+                          <a:rPr lang="en-GB" b="1" i="1" dirty="0" smtClean="0">
+                            <a:latin typeface="Cambria Math"/>
+                          </a:rPr>
+                        </m:ctrlPr>
+                      </m:dPr>
+                      <m:e>
+                        <m:m>
+                          <m:mPr>
+                            <m:mcs>
+                              <m:mc>
+                                <m:mcPr>
+                                  <m:count m:val="3"/>
+                                  <m:mcJc m:val="center"/>
+                                </m:mcPr>
+                              </m:mc>
+                            </m:mcs>
+                            <m:ctrlPr>
+                              <a:rPr lang="en-GB" i="1" dirty="0" smtClean="0">
+                                <a:latin typeface="Cambria Math"/>
+                              </a:rPr>
+                            </m:ctrlPr>
+                          </m:mPr>
+                          <m:mr>
+                            <m:e>
+                              <m:sSub>
+                                <m:sSubPr>
+                                  <m:ctrlPr>
+                                    <a:rPr lang="en-GB" i="1" dirty="0" smtClean="0">
+                                      <a:latin typeface="Cambria Math"/>
+                                    </a:rPr>
+                                  </m:ctrlPr>
+                                </m:sSubPr>
+                                <m:e>
+                                  <m:r>
+                                    <m:rPr>
+                                      <m:brk m:alnAt="7"/>
+                                    </m:rPr>
+                                    <a:rPr lang="en-GB" b="0" i="1" dirty="0" smtClean="0">
+                                      <a:latin typeface="Cambria Math"/>
+                                    </a:rPr>
+                                    <m:t>𝑚</m:t>
+                                  </m:r>
+                                </m:e>
+                                <m:sub>
+                                  <m:r>
+                                    <m:rPr>
+                                      <m:brk m:alnAt="7"/>
+                                    </m:rPr>
+                                    <a:rPr lang="en-GB" b="0" i="1" dirty="0" smtClean="0">
+                                      <a:latin typeface="Cambria Math"/>
+                                    </a:rPr>
+                                    <m:t>0</m:t>
+                                  </m:r>
+                                </m:sub>
+                              </m:sSub>
+                            </m:e>
+                            <m:e>
+                              <m:r>
+                                <a:rPr lang="en-GB" b="0" i="1" dirty="0" smtClean="0">
+                                  <a:latin typeface="Cambria Math"/>
+                                </a:rPr>
+                                <m:t>0</m:t>
+                              </m:r>
+                            </m:e>
+                            <m:e>
+                              <m:r>
+                                <a:rPr lang="en-GB" b="0" i="1" dirty="0" smtClean="0">
+                                  <a:latin typeface="Cambria Math"/>
+                                </a:rPr>
+                                <m:t>⋯</m:t>
+                              </m:r>
+                            </m:e>
+                          </m:mr>
+                          <m:mr>
+                            <m:e>
+                              <m:r>
+                                <a:rPr lang="en-GB" b="0" i="1" dirty="0" smtClean="0">
+                                  <a:latin typeface="Cambria Math"/>
+                                </a:rPr>
+                                <m:t>0</m:t>
+                              </m:r>
+                            </m:e>
+                            <m:e>
+                              <m:sSub>
+                                <m:sSubPr>
+                                  <m:ctrlPr>
+                                    <a:rPr lang="en-GB" b="0" i="1" dirty="0" smtClean="0">
+                                      <a:latin typeface="Cambria Math"/>
+                                    </a:rPr>
+                                  </m:ctrlPr>
+                                </m:sSubPr>
+                                <m:e>
+                                  <m:r>
+                                    <a:rPr lang="en-GB" b="0" i="1" dirty="0" smtClean="0">
+                                      <a:latin typeface="Cambria Math"/>
+                                    </a:rPr>
+                                    <m:t>𝑚</m:t>
+                                  </m:r>
+                                </m:e>
+                                <m:sub>
+                                  <m:r>
+                                    <a:rPr lang="en-GB" b="0" i="1" dirty="0" smtClean="0">
+                                      <a:latin typeface="Cambria Math"/>
+                                    </a:rPr>
+                                    <m:t>1</m:t>
+                                  </m:r>
+                                </m:sub>
+                              </m:sSub>
+                            </m:e>
+                            <m:e>
+                              <m:r>
+                                <a:rPr lang="en-GB" b="0" i="1" dirty="0" smtClean="0">
+                                  <a:latin typeface="Cambria Math"/>
+                                </a:rPr>
+                                <m:t>⋯</m:t>
+                              </m:r>
+                            </m:e>
+                          </m:mr>
+                          <m:mr>
+                            <m:e>
+                              <m:r>
+                                <a:rPr lang="en-GB" b="0" i="1" dirty="0" smtClean="0">
+                                  <a:latin typeface="Cambria Math"/>
+                                </a:rPr>
+                                <m:t>⋮</m:t>
+                              </m:r>
+                            </m:e>
+                            <m:e>
+                              <m:r>
+                                <a:rPr lang="en-GB" b="0" i="1" dirty="0" smtClean="0">
+                                  <a:latin typeface="Cambria Math"/>
+                                </a:rPr>
+                                <m:t>⋮</m:t>
+                              </m:r>
+                            </m:e>
+                            <m:e>
+                              <m:r>
+                                <a:rPr lang="en-GB" b="0" i="1" dirty="0" smtClean="0">
+                                  <a:latin typeface="Cambria Math"/>
+                                </a:rPr>
+                                <m:t>⋱</m:t>
+                              </m:r>
+                            </m:e>
+                          </m:mr>
+                        </m:m>
+                      </m:e>
+                    </m:d>
+                  </m:oMath>
+                </a14:m>
+                <a:endParaRPr lang="en-GB" b="1" i="1" dirty="0" smtClean="0">
+                  <a:latin typeface="Cambria Math"/>
+                </a:endParaRPr>
               </a:p>
               <a:p>
-                <a:endParaRPr lang="en-GB" dirty="0"/>
+                <a14:m>
+                  <m:oMath xmlns:m="http://schemas.openxmlformats.org/officeDocument/2006/math">
+                    <m:r>
+                      <a:rPr lang="en-GB" b="1" i="0" dirty="0" smtClean="0">
+                        <a:latin typeface="Cambria Math"/>
+                      </a:rPr>
+                      <m:t>𝚲</m:t>
+                    </m:r>
+                    <m:r>
+                      <a:rPr lang="en-GB" b="1" i="0" dirty="0" smtClean="0">
+                        <a:latin typeface="Cambria Math"/>
+                      </a:rPr>
+                      <m:t>,</m:t>
+                    </m:r>
+                    <m:r>
+                      <a:rPr lang="en-GB" b="1" i="0" dirty="0" smtClean="0">
+                        <a:latin typeface="Cambria Math"/>
+                      </a:rPr>
+                      <m:t>𝐊</m:t>
+                    </m:r>
+                    <m:r>
+                      <a:rPr lang="en-GB" b="1" i="0" dirty="0" smtClean="0">
+                        <a:latin typeface="Cambria Math"/>
+                      </a:rPr>
+                      <m:t>=</m:t>
+                    </m:r>
+                    <m:r>
+                      <m:rPr>
+                        <m:nor/>
+                      </m:rPr>
+                      <a:rPr lang="en-GB" i="0" dirty="0" smtClean="0">
+                        <a:latin typeface="Cambria Math"/>
+                      </a:rPr>
+                      <m:t>?</m:t>
+                    </m:r>
+                  </m:oMath>
+                </a14:m>
+                <a:endParaRPr lang="en-GB" dirty="0" smtClean="0"/>
               </a:p>
             </p:txBody>
           </p:sp>
@@ -5423,9 +7119,9 @@
             </p:nvSpPr>
             <p:spPr>
               <a:blipFill rotWithShape="1">
-                <a:blip r:embed="rId2" cstate="print"/>
+                <a:blip r:embed="rId3"/>
                 <a:stretch>
-                  <a:fillRect l="-1630" t="-1752" r="-1037"/>
+                  <a:fillRect l="-1481" t="-2695"/>
                 </a:stretch>
               </a:blipFill>
             </p:spPr>
@@ -5538,7 +7234,7 @@
         </p:txBody>
       </p:sp>
       <mc:AlternateContent xmlns:mc="http://schemas.openxmlformats.org/markup-compatibility/2006">
-        <mc:Choice xmlns="" xmlns:a14="http://schemas.microsoft.com/office/drawing/2010/main" Requires="a14">
+        <mc:Choice xmlns:a14="http://schemas.microsoft.com/office/drawing/2010/main" Requires="a14">
           <p:sp>
             <p:nvSpPr>
               <p:cNvPr id="3" name="Content Placeholder 2"/>
@@ -5552,7 +7248,7 @@
             <p:spPr/>
             <p:txBody>
               <a:bodyPr>
-                <a:normAutofit fontScale="70000" lnSpcReduction="20000"/>
+                <a:normAutofit fontScale="55000" lnSpcReduction="20000"/>
               </a:bodyPr>
               <a:lstStyle/>
               <a:p>
@@ -5705,6 +7401,322 @@
                           </m:sSub>
                         </m:e>
                       </m:nary>
+                    </m:oMath>
+                  </m:oMathPara>
+                </a14:m>
+                <a:endParaRPr lang="en-GB" b="0" i="1" dirty="0" smtClean="0">
+                  <a:latin typeface="Cambria Math"/>
+                </a:endParaRPr>
+              </a:p>
+              <a:p>
+                <a:pPr marL="0" indent="0">
+                  <a:buNone/>
+                </a:pPr>
+                <a:r>
+                  <a:rPr lang="en-GB" dirty="0" smtClean="0"/>
+                  <a:t>Force due to a single spring:</a:t>
+                </a:r>
+                <a:endParaRPr lang="en-GB" dirty="0"/>
+              </a:p>
+              <a:p>
+                <a:pPr marL="0" indent="0">
+                  <a:buNone/>
+                </a:pPr>
+                <a14:m>
+                  <m:oMathPara xmlns:m="http://schemas.openxmlformats.org/officeDocument/2006/math">
+                    <m:oMathParaPr>
+                      <m:jc m:val="centerGroup"/>
+                    </m:oMathParaPr>
+                    <m:oMath xmlns:m="http://schemas.openxmlformats.org/officeDocument/2006/math">
+                      <m:sSub>
+                        <m:sSubPr>
+                          <m:ctrlPr>
+                            <a:rPr lang="en-GB" b="0" i="1" smtClean="0">
+                              <a:latin typeface="Cambria Math"/>
+                            </a:rPr>
+                          </m:ctrlPr>
+                        </m:sSubPr>
+                        <m:e>
+                          <m:r>
+                            <a:rPr lang="en-GB" b="0" i="1" smtClean="0">
+                              <a:latin typeface="Cambria Math"/>
+                            </a:rPr>
+                            <m:t>𝑓</m:t>
+                          </m:r>
+                        </m:e>
+                        <m:sub>
+                          <m:r>
+                            <a:rPr lang="en-GB" b="0" i="1" smtClean="0">
+                              <a:latin typeface="Cambria Math"/>
+                            </a:rPr>
+                            <m:t>𝑖</m:t>
+                          </m:r>
+                        </m:sub>
+                      </m:sSub>
+                      <m:r>
+                        <a:rPr lang="en-GB" b="0" i="1" smtClean="0">
+                          <a:latin typeface="Cambria Math"/>
+                        </a:rPr>
+                        <m:t>=</m:t>
+                      </m:r>
+                      <m:sSub>
+                        <m:sSubPr>
+                          <m:ctrlPr>
+                            <a:rPr lang="en-GB" b="0" i="1" smtClean="0">
+                              <a:latin typeface="Cambria Math"/>
+                            </a:rPr>
+                          </m:ctrlPr>
+                        </m:sSubPr>
+                        <m:e>
+                          <m:r>
+                            <a:rPr lang="en-GB" b="0" i="1" smtClean="0">
+                              <a:latin typeface="Cambria Math"/>
+                            </a:rPr>
+                            <m:t>𝑘</m:t>
+                          </m:r>
+                        </m:e>
+                        <m:sub>
+                          <m:r>
+                            <a:rPr lang="en-GB" b="0" i="1" smtClean="0">
+                              <a:latin typeface="Cambria Math"/>
+                            </a:rPr>
+                            <m:t>𝑖</m:t>
+                          </m:r>
+                          <m:r>
+                            <a:rPr lang="en-GB" b="0" i="1" smtClean="0">
+                              <a:latin typeface="Cambria Math"/>
+                            </a:rPr>
+                            <m:t>,</m:t>
+                          </m:r>
+                          <m:r>
+                            <a:rPr lang="en-GB" b="0" i="1" smtClean="0">
+                              <a:latin typeface="Cambria Math"/>
+                            </a:rPr>
+                            <m:t>𝑗</m:t>
+                          </m:r>
+                        </m:sub>
+                      </m:sSub>
+                      <m:r>
+                        <a:rPr lang="en-GB" b="0" i="1" smtClean="0">
+                          <a:latin typeface="Cambria Math"/>
+                        </a:rPr>
+                        <m:t>(</m:t>
+                      </m:r>
+                      <m:sSub>
+                        <m:sSubPr>
+                          <m:ctrlPr>
+                            <a:rPr lang="en-GB" b="0" i="1" smtClean="0">
+                              <a:latin typeface="Cambria Math"/>
+                            </a:rPr>
+                          </m:ctrlPr>
+                        </m:sSubPr>
+                        <m:e>
+                          <m:r>
+                            <a:rPr lang="en-GB" b="0" i="1" smtClean="0">
+                              <a:latin typeface="Cambria Math"/>
+                            </a:rPr>
+                            <m:t>𝑦</m:t>
+                          </m:r>
+                        </m:e>
+                        <m:sub>
+                          <m:r>
+                            <a:rPr lang="en-GB" b="0" i="1" smtClean="0">
+                              <a:latin typeface="Cambria Math"/>
+                            </a:rPr>
+                            <m:t>𝑖</m:t>
+                          </m:r>
+                        </m:sub>
+                      </m:sSub>
+                      <m:r>
+                        <a:rPr lang="en-GB" b="0" i="1" smtClean="0">
+                          <a:latin typeface="Cambria Math"/>
+                        </a:rPr>
+                        <m:t>−</m:t>
+                      </m:r>
+                      <m:sSub>
+                        <m:sSubPr>
+                          <m:ctrlPr>
+                            <a:rPr lang="en-GB" b="0" i="1" smtClean="0">
+                              <a:latin typeface="Cambria Math"/>
+                            </a:rPr>
+                          </m:ctrlPr>
+                        </m:sSubPr>
+                        <m:e>
+                          <m:r>
+                            <a:rPr lang="en-GB" b="0" i="1" smtClean="0">
+                              <a:latin typeface="Cambria Math"/>
+                            </a:rPr>
+                            <m:t>𝑦</m:t>
+                          </m:r>
+                        </m:e>
+                        <m:sub>
+                          <m:r>
+                            <a:rPr lang="en-GB" b="0" i="1" smtClean="0">
+                              <a:latin typeface="Cambria Math"/>
+                            </a:rPr>
+                            <m:t>𝑗</m:t>
+                          </m:r>
+                        </m:sub>
+                      </m:sSub>
+                      <m:r>
+                        <a:rPr lang="en-GB" b="0" i="1" smtClean="0">
+                          <a:latin typeface="Cambria Math"/>
+                        </a:rPr>
+                        <m:t>)</m:t>
+                      </m:r>
+                    </m:oMath>
+                  </m:oMathPara>
+                </a14:m>
+                <a:endParaRPr lang="en-GB" i="1" dirty="0">
+                  <a:latin typeface="Cambria Math"/>
+                </a:endParaRPr>
+              </a:p>
+              <a:p>
+                <a:pPr marL="0" indent="0">
+                  <a:buNone/>
+                </a:pPr>
+                <a14:m>
+                  <m:oMathPara xmlns:m="http://schemas.openxmlformats.org/officeDocument/2006/math">
+                    <m:oMathParaPr>
+                      <m:jc m:val="centerGroup"/>
+                    </m:oMathParaPr>
+                    <m:oMath xmlns:m="http://schemas.openxmlformats.org/officeDocument/2006/math">
+                      <m:sSub>
+                        <m:sSubPr>
+                          <m:ctrlPr>
+                            <a:rPr lang="en-GB" i="1">
+                              <a:latin typeface="Cambria Math"/>
+                            </a:rPr>
+                          </m:ctrlPr>
+                        </m:sSubPr>
+                        <m:e>
+                          <m:r>
+                            <a:rPr lang="en-GB" b="0" i="1" smtClean="0">
+                              <a:latin typeface="Cambria Math"/>
+                            </a:rPr>
+                            <m:t>𝑓</m:t>
+                          </m:r>
+                        </m:e>
+                        <m:sub>
+                          <m:r>
+                            <a:rPr lang="en-GB" b="0" i="1" smtClean="0">
+                              <a:latin typeface="Cambria Math"/>
+                            </a:rPr>
+                            <m:t>𝑗</m:t>
+                          </m:r>
+                        </m:sub>
+                      </m:sSub>
+                      <m:r>
+                        <a:rPr lang="en-GB" i="1">
+                          <a:latin typeface="Cambria Math"/>
+                        </a:rPr>
+                        <m:t>=</m:t>
+                      </m:r>
+                      <m:sSub>
+                        <m:sSubPr>
+                          <m:ctrlPr>
+                            <a:rPr lang="en-GB" i="1">
+                              <a:latin typeface="Cambria Math"/>
+                            </a:rPr>
+                          </m:ctrlPr>
+                        </m:sSubPr>
+                        <m:e>
+                          <m:r>
+                            <a:rPr lang="en-GB" i="1">
+                              <a:latin typeface="Cambria Math"/>
+                            </a:rPr>
+                            <m:t>𝑘</m:t>
+                          </m:r>
+                        </m:e>
+                        <m:sub>
+                          <m:r>
+                            <a:rPr lang="en-GB" i="1">
+                              <a:latin typeface="Cambria Math"/>
+                            </a:rPr>
+                            <m:t>𝑖</m:t>
+                          </m:r>
+                          <m:r>
+                            <a:rPr lang="en-GB" i="1">
+                              <a:latin typeface="Cambria Math"/>
+                            </a:rPr>
+                            <m:t>,</m:t>
+                          </m:r>
+                          <m:r>
+                            <a:rPr lang="en-GB" i="1">
+                              <a:latin typeface="Cambria Math"/>
+                            </a:rPr>
+                            <m:t>𝑗</m:t>
+                          </m:r>
+                        </m:sub>
+                      </m:sSub>
+                      <m:r>
+                        <a:rPr lang="en-GB" i="1">
+                          <a:latin typeface="Cambria Math"/>
+                        </a:rPr>
+                        <m:t>(</m:t>
+                      </m:r>
+                      <m:sSub>
+                        <m:sSubPr>
+                          <m:ctrlPr>
+                            <a:rPr lang="en-GB" i="1">
+                              <a:latin typeface="Cambria Math"/>
+                            </a:rPr>
+                          </m:ctrlPr>
+                        </m:sSubPr>
+                        <m:e>
+                          <m:r>
+                            <a:rPr lang="en-GB" b="0" i="1" smtClean="0">
+                              <a:latin typeface="Cambria Math"/>
+                            </a:rPr>
+                            <m:t>𝑦</m:t>
+                          </m:r>
+                        </m:e>
+                        <m:sub>
+                          <m:r>
+                            <a:rPr lang="en-GB" b="0" i="1" smtClean="0">
+                              <a:latin typeface="Cambria Math"/>
+                            </a:rPr>
+                            <m:t>𝑗</m:t>
+                          </m:r>
+                        </m:sub>
+                      </m:sSub>
+                      <m:r>
+                        <a:rPr lang="en-GB" i="1">
+                          <a:latin typeface="Cambria Math"/>
+                        </a:rPr>
+                        <m:t>−</m:t>
+                      </m:r>
+                      <m:sSub>
+                        <m:sSubPr>
+                          <m:ctrlPr>
+                            <a:rPr lang="en-GB" i="1">
+                              <a:latin typeface="Cambria Math"/>
+                            </a:rPr>
+                          </m:ctrlPr>
+                        </m:sSubPr>
+                        <m:e>
+                          <m:r>
+                            <a:rPr lang="en-GB" b="0" i="1" smtClean="0">
+                              <a:latin typeface="Cambria Math"/>
+                            </a:rPr>
+                            <m:t>𝑦</m:t>
+                          </m:r>
+                        </m:e>
+                        <m:sub>
+                          <m:r>
+                            <a:rPr lang="en-GB" b="0" i="1" smtClean="0">
+                              <a:latin typeface="Cambria Math"/>
+                            </a:rPr>
+                            <m:t>𝑖</m:t>
+                          </m:r>
+                        </m:sub>
+                      </m:sSub>
+                      <m:r>
+                        <a:rPr lang="en-GB" i="1">
+                          <a:latin typeface="Cambria Math"/>
+                        </a:rPr>
+                        <m:t>)</m:t>
+                      </m:r>
                     </m:oMath>
                   </m:oMathPara>
                 </a14:m>
@@ -6283,9 +8295,9 @@
             </p:nvSpPr>
             <p:spPr>
               <a:blipFill rotWithShape="1">
-                <a:blip r:embed="rId2" cstate="print"/>
+                <a:blip r:embed="rId3"/>
                 <a:stretch>
-                  <a:fillRect l="-889" t="-2156"/>
+                  <a:fillRect l="-593" t="-1752" b="-943"/>
                 </a:stretch>
               </a:blipFill>
             </p:spPr>
@@ -6307,7 +8319,7 @@
     </p:spTree>
     <p:extLst>
       <p:ext uri="{BB962C8B-B14F-4D97-AF65-F5344CB8AC3E}">
-        <p14:creationId xmlns="" xmlns:p14="http://schemas.microsoft.com/office/powerpoint/2010/main" val="3854000270"/>
+        <p14:creationId xmlns:p14="http://schemas.microsoft.com/office/powerpoint/2010/main" val="3854000270"/>
       </p:ext>
     </p:extLst>
   </p:cSld>
@@ -6358,7 +8370,7 @@
           <a:p>
             <a:r>
               <a:rPr lang="en-GB" dirty="0" smtClean="0"/>
-              <a:t>Time response</a:t>
+              <a:t>Response over time</a:t>
             </a:r>
             <a:endParaRPr lang="en-GB" dirty="0"/>
           </a:p>
@@ -6374,48 +8386,29 @@
             <p:ph idx="1"/>
           </p:nvPr>
         </p:nvSpPr>
-        <p:spPr/>
+        <p:spPr>
+          <a:xfrm>
+            <a:off x="457200" y="1600201"/>
+            <a:ext cx="8229600" cy="3052936"/>
+          </a:xfrm>
+        </p:spPr>
         <p:txBody>
-          <a:bodyPr/>
+          <a:bodyPr>
+            <a:normAutofit/>
+          </a:bodyPr>
           <a:lstStyle/>
           <a:p>
-            <a:r>
-              <a:rPr lang="en-GB" dirty="0" err="1" smtClean="0">
-                <a:latin typeface="+mj-lt"/>
-              </a:rPr>
-              <a:t>Verlet</a:t>
-            </a:r>
             <a:r>
               <a:rPr lang="en-GB" dirty="0" smtClean="0">
                 <a:latin typeface="+mj-lt"/>
               </a:rPr>
-              <a:t> integrator (like in </a:t>
+              <a:t>Takes </a:t>
             </a:r>
             <a:r>
               <a:rPr lang="en-GB" dirty="0" smtClean="0">
                 <a:latin typeface="+mj-lt"/>
               </a:rPr>
-              <a:t>Mars </a:t>
-            </a:r>
-            <a:r>
-              <a:rPr lang="en-GB" dirty="0" err="1" smtClean="0">
-                <a:latin typeface="+mj-lt"/>
-              </a:rPr>
-              <a:t>lander</a:t>
-            </a:r>
-            <a:r>
-              <a:rPr lang="en-GB" dirty="0" smtClean="0">
-                <a:latin typeface="+mj-lt"/>
-              </a:rPr>
-              <a:t>!)</a:t>
-            </a:r>
-          </a:p>
-          <a:p>
-            <a:r>
-              <a:rPr lang="en-GB" dirty="0" smtClean="0">
-                <a:latin typeface="+mj-lt"/>
-              </a:rPr>
-              <a:t>Takes external force as a function of time</a:t>
+              <a:t>external force as a function of time</a:t>
             </a:r>
           </a:p>
           <a:p>
@@ -6437,16 +8430,28 @@
                 <a:latin typeface="+mj-lt"/>
                 <a:cs typeface="Times New Roman"/>
               </a:rPr>
-              <a:t> to find acceleration</a:t>
-            </a:r>
-          </a:p>
-          <a:p>
+              <a:t> to find </a:t>
+            </a:r>
             <a:r>
               <a:rPr lang="en-GB" dirty="0" smtClean="0">
                 <a:latin typeface="+mj-lt"/>
                 <a:cs typeface="Times New Roman"/>
               </a:rPr>
-              <a:t>Works with vectors to find all displacements simultaneously</a:t>
+              <a:t>acceleration</a:t>
+            </a:r>
+          </a:p>
+          <a:p>
+            <a:r>
+              <a:rPr lang="en-GB" dirty="0" err="1"/>
+              <a:t>Verlet</a:t>
+            </a:r>
+            <a:r>
+              <a:rPr lang="en-GB" dirty="0"/>
+              <a:t> </a:t>
+            </a:r>
+            <a:r>
+              <a:rPr lang="en-GB" dirty="0" smtClean="0"/>
+              <a:t>integration</a:t>
             </a:r>
             <a:endParaRPr lang="en-GB" dirty="0">
               <a:latin typeface="+mj-lt"/>
@@ -6454,6 +8459,179 @@
           </a:p>
         </p:txBody>
       </p:sp>
+      <p:pic>
+        <p:nvPicPr>
+          <p:cNvPr id="6" name="Picture 3"/>
+          <p:cNvPicPr>
+            <a:picLocks noChangeAspect="1" noChangeArrowheads="1"/>
+          </p:cNvPicPr>
+          <p:nvPr/>
+        </p:nvPicPr>
+        <p:blipFill rotWithShape="1">
+          <a:blip r:embed="rId3">
+            <a:extLst>
+              <a:ext uri="{28A0092B-C50C-407E-A947-70E740481C1C}">
+                <a14:useLocalDpi xmlns:a14="http://schemas.microsoft.com/office/drawing/2010/main" val="0"/>
+              </a:ext>
+            </a:extLst>
+          </a:blip>
+          <a:srcRect l="92536"/>
+          <a:stretch/>
+        </p:blipFill>
+        <p:spPr bwMode="auto">
+          <a:xfrm>
+            <a:off x="-15279" y="4661805"/>
+            <a:ext cx="9159280" cy="2223580"/>
+          </a:xfrm>
+          <a:prstGeom prst="rect">
+            <a:avLst/>
+          </a:prstGeom>
+          <a:noFill/>
+          <a:ln>
+            <a:noFill/>
+          </a:ln>
+          <a:extLst>
+            <a:ext uri="{909E8E84-426E-40DD-AFC4-6F175D3DCCD1}">
+              <a14:hiddenFill xmlns:a14="http://schemas.microsoft.com/office/drawing/2010/main">
+                <a:solidFill>
+                  <a:schemeClr val="accent1"/>
+                </a:solidFill>
+              </a14:hiddenFill>
+            </a:ext>
+            <a:ext uri="{91240B29-F687-4F45-9708-019B960494DF}">
+              <a14:hiddenLine xmlns:a14="http://schemas.microsoft.com/office/drawing/2010/main" w="9525">
+                <a:solidFill>
+                  <a:schemeClr val="tx1"/>
+                </a:solidFill>
+                <a:miter lim="800000"/>
+                <a:headEnd/>
+                <a:tailEnd/>
+              </a14:hiddenLine>
+            </a:ext>
+          </a:extLst>
+        </p:spPr>
+      </p:pic>
+      <p:grpSp>
+        <p:nvGrpSpPr>
+          <p:cNvPr id="5" name="Group 4"/>
+          <p:cNvGrpSpPr/>
+          <p:nvPr/>
+        </p:nvGrpSpPr>
+        <p:grpSpPr>
+          <a:xfrm>
+            <a:off x="731691" y="4661805"/>
+            <a:ext cx="7929834" cy="2196195"/>
+            <a:chOff x="731691" y="4661805"/>
+            <a:chExt cx="7929834" cy="2196195"/>
+          </a:xfrm>
+        </p:grpSpPr>
+        <p:pic>
+          <p:nvPicPr>
+            <p:cNvPr id="1029" name="Picture 5"/>
+            <p:cNvPicPr>
+              <a:picLocks noChangeAspect="1" noChangeArrowheads="1"/>
+            </p:cNvPicPr>
+            <p:nvPr/>
+          </p:nvPicPr>
+          <p:blipFill>
+            <a:blip r:embed="rId4">
+              <a:extLst>
+                <a:ext uri="{28A0092B-C50C-407E-A947-70E740481C1C}">
+                  <a14:useLocalDpi xmlns:a14="http://schemas.microsoft.com/office/drawing/2010/main" val="0"/>
+                </a:ext>
+              </a:extLst>
+            </a:blip>
+            <a:srcRect/>
+            <a:stretch>
+              <a:fillRect/>
+            </a:stretch>
+          </p:blipFill>
+          <p:spPr bwMode="auto">
+            <a:xfrm>
+              <a:off x="731691" y="4678405"/>
+              <a:ext cx="2688181" cy="1630358"/>
+            </a:xfrm>
+            <a:prstGeom prst="rect">
+              <a:avLst/>
+            </a:prstGeom>
+            <a:noFill/>
+            <a:ln>
+              <a:noFill/>
+            </a:ln>
+            <a:extLst>
+              <a:ext uri="{909E8E84-426E-40DD-AFC4-6F175D3DCCD1}">
+                <a14:hiddenFill xmlns:a14="http://schemas.microsoft.com/office/drawing/2010/main">
+                  <a:solidFill>
+                    <a:schemeClr val="accent1"/>
+                  </a:solidFill>
+                </a14:hiddenFill>
+              </a:ext>
+              <a:ext uri="{91240B29-F687-4F45-9708-019B960494DF}">
+                <a14:hiddenLine xmlns:a14="http://schemas.microsoft.com/office/drawing/2010/main" w="9525">
+                  <a:solidFill>
+                    <a:schemeClr val="tx1"/>
+                  </a:solidFill>
+                  <a:miter lim="800000"/>
+                  <a:headEnd/>
+                  <a:tailEnd/>
+                </a14:hiddenLine>
+              </a:ext>
+            </a:extLst>
+          </p:spPr>
+        </p:pic>
+        <p:pic>
+          <p:nvPicPr>
+            <p:cNvPr id="1030" name="Picture 6"/>
+            <p:cNvPicPr>
+              <a:picLocks noChangeAspect="1" noChangeArrowheads="1"/>
+            </p:cNvPicPr>
+            <p:nvPr/>
+          </p:nvPicPr>
+          <p:blipFill rotWithShape="1">
+            <a:blip r:embed="rId5">
+              <a:extLst>
+                <a:ext uri="{28A0092B-C50C-407E-A947-70E740481C1C}">
+                  <a14:useLocalDpi xmlns:a14="http://schemas.microsoft.com/office/drawing/2010/main" val="0"/>
+                </a:ext>
+              </a:extLst>
+            </a:blip>
+            <a:srcRect b="4330"/>
+            <a:stretch/>
+          </p:blipFill>
+          <p:spPr bwMode="auto">
+            <a:xfrm>
+              <a:off x="4572000" y="4661805"/>
+              <a:ext cx="4089525" cy="2196195"/>
+            </a:xfrm>
+            <a:prstGeom prst="rect">
+              <a:avLst/>
+            </a:prstGeom>
+            <a:noFill/>
+            <a:ln>
+              <a:noFill/>
+            </a:ln>
+            <a:extLst>
+              <a:ext uri="{909E8E84-426E-40DD-AFC4-6F175D3DCCD1}">
+                <a14:hiddenFill xmlns:a14="http://schemas.microsoft.com/office/drawing/2010/main">
+                  <a:solidFill>
+                    <a:schemeClr val="accent1"/>
+                  </a:solidFill>
+                </a14:hiddenFill>
+              </a:ext>
+              <a:ext uri="{91240B29-F687-4F45-9708-019B960494DF}">
+                <a14:hiddenLine xmlns:a14="http://schemas.microsoft.com/office/drawing/2010/main" w="9525">
+                  <a:solidFill>
+                    <a:schemeClr val="tx1"/>
+                  </a:solidFill>
+                  <a:miter lim="800000"/>
+                  <a:headEnd/>
+                  <a:tailEnd/>
+                </a14:hiddenLine>
+              </a:ext>
+            </a:extLst>
+          </p:spPr>
+        </p:pic>
+      </p:grpSp>
     </p:spTree>
   </p:cSld>
   <p:clrMapOvr>
@@ -6462,7 +8640,75 @@
   <p:timing>
     <p:tnLst>
       <p:par>
-        <p:cTn id="1" dur="indefinite" restart="never" nodeType="tmRoot"/>
+        <p:cTn id="1" dur="indefinite" restart="never" nodeType="tmRoot">
+          <p:childTnLst>
+            <p:seq concurrent="1" nextAc="seek">
+              <p:cTn id="2" dur="indefinite" nodeType="mainSeq">
+                <p:childTnLst>
+                  <p:par>
+                    <p:cTn id="3" fill="hold">
+                      <p:stCondLst>
+                        <p:cond delay="indefinite"/>
+                      </p:stCondLst>
+                      <p:childTnLst>
+                        <p:par>
+                          <p:cTn id="4" fill="hold">
+                            <p:stCondLst>
+                              <p:cond delay="0"/>
+                            </p:stCondLst>
+                            <p:childTnLst>
+                              <p:par>
+                                <p:cTn id="5" presetID="1" presetClass="entr" presetSubtype="0" fill="hold" nodeType="clickEffect">
+                                  <p:stCondLst>
+                                    <p:cond delay="0"/>
+                                  </p:stCondLst>
+                                  <p:childTnLst>
+                                    <p:set>
+                                      <p:cBhvr>
+                                        <p:cTn id="6" dur="1" fill="hold">
+                                          <p:stCondLst>
+                                            <p:cond delay="0"/>
+                                          </p:stCondLst>
+                                        </p:cTn>
+                                        <p:tgtEl>
+                                          <p:spTgt spid="5"/>
+                                        </p:tgtEl>
+                                        <p:attrNameLst>
+                                          <p:attrName>style.visibility</p:attrName>
+                                        </p:attrNameLst>
+                                      </p:cBhvr>
+                                      <p:to>
+                                        <p:strVal val="visible"/>
+                                      </p:to>
+                                    </p:set>
+                                  </p:childTnLst>
+                                </p:cTn>
+                              </p:par>
+                            </p:childTnLst>
+                          </p:cTn>
+                        </p:par>
+                      </p:childTnLst>
+                    </p:cTn>
+                  </p:par>
+                </p:childTnLst>
+              </p:cTn>
+              <p:prevCondLst>
+                <p:cond evt="onPrev" delay="0">
+                  <p:tgtEl>
+                    <p:sldTgt/>
+                  </p:tgtEl>
+                </p:cond>
+              </p:prevCondLst>
+              <p:nextCondLst>
+                <p:cond evt="onNext" delay="0">
+                  <p:tgtEl>
+                    <p:sldTgt/>
+                  </p:tgtEl>
+                </p:cond>
+              </p:nextCondLst>
+            </p:seq>
+          </p:childTnLst>
+        </p:cTn>
       </p:par>
     </p:tnLst>
   </p:timing>
@@ -6486,6 +8732,58 @@
           <a:chExt cx="0" cy="0"/>
         </a:xfrm>
       </p:grpSpPr>
+      <p:pic>
+        <p:nvPicPr>
+          <p:cNvPr id="5" name="Picture 3"/>
+          <p:cNvPicPr>
+            <a:picLocks noChangeAspect="1" noChangeArrowheads="1"/>
+          </p:cNvPicPr>
+          <p:nvPr/>
+        </p:nvPicPr>
+        <p:blipFill rotWithShape="1">
+          <a:blip r:embed="rId3">
+            <a:extLst>
+              <a:ext uri="{28A0092B-C50C-407E-A947-70E740481C1C}">
+                <a14:useLocalDpi xmlns:a14="http://schemas.microsoft.com/office/drawing/2010/main" val="0"/>
+              </a:ext>
+            </a:extLst>
+          </a:blip>
+          <a:srcRect l="92536"/>
+          <a:stretch/>
+        </p:blipFill>
+        <p:spPr bwMode="auto">
+          <a:xfrm>
+            <a:off x="-15279" y="5386673"/>
+            <a:ext cx="9159280" cy="1498712"/>
+          </a:xfrm>
+          <a:prstGeom prst="rect">
+            <a:avLst/>
+          </a:prstGeom>
+          <a:noFill/>
+          <a:ln>
+            <a:noFill/>
+          </a:ln>
+          <a:extLst>
+            <a:ext uri="{909E8E84-426E-40DD-AFC4-6F175D3DCCD1}">
+              <a14:hiddenFill xmlns:a14="http://schemas.microsoft.com/office/drawing/2010/main">
+                <a:solidFill>
+                  <a:schemeClr val="accent1"/>
+                </a:solidFill>
+              </a14:hiddenFill>
+            </a:ext>
+            <a:ext uri="{91240B29-F687-4F45-9708-019B960494DF}">
+              <a14:hiddenLine xmlns:a14="http://schemas.microsoft.com/office/drawing/2010/main" w="9525">
+                <a:solidFill>
+                  <a:schemeClr val="tx1"/>
+                </a:solidFill>
+                <a:miter lim="800000"/>
+                <a:headEnd/>
+                <a:tailEnd/>
+              </a14:hiddenLine>
+            </a:ext>
+          </a:extLst>
+        </p:spPr>
+      </p:pic>
       <p:sp>
         <p:nvSpPr>
           <p:cNvPr id="2" name="Title 1"/>
@@ -6510,7 +8808,7 @@
         </p:txBody>
       </p:sp>
       <mc:AlternateContent xmlns:mc="http://schemas.openxmlformats.org/markup-compatibility/2006">
-        <mc:Choice xmlns="" xmlns:a14="http://schemas.microsoft.com/office/drawing/2010/main" Requires="a14">
+        <mc:Choice xmlns:a14="http://schemas.microsoft.com/office/drawing/2010/main" Requires="a14">
           <p:sp>
             <p:nvSpPr>
               <p:cNvPr id="3" name="Content Placeholder 2"/>
@@ -6521,57 +8819,31 @@
                 <p:ph idx="1"/>
               </p:nvPr>
             </p:nvSpPr>
-            <p:spPr/>
+            <p:spPr>
+              <a:xfrm>
+                <a:off x="457200" y="1600201"/>
+                <a:ext cx="8229600" cy="3701008"/>
+              </a:xfrm>
+            </p:spPr>
             <p:txBody>
               <a:bodyPr>
-                <a:normAutofit fontScale="92500" lnSpcReduction="20000"/>
+                <a:normAutofit fontScale="85000" lnSpcReduction="20000"/>
               </a:bodyPr>
               <a:lstStyle/>
               <a:p>
                 <a:r>
                   <a:rPr lang="en-GB" dirty="0" smtClean="0"/>
-                  <a:t>fft</a:t>
-                </a:r>
-                <a:r>
-                  <a:rPr lang="en-GB" dirty="0" smtClean="0"/>
-                  <a:t> of the time response (using </a:t>
-                </a:r>
-                <a:r>
-                  <a:rPr lang="en-GB" dirty="0" err="1" smtClean="0"/>
-                  <a:t>builtins</a:t>
-                </a:r>
-                <a:r>
-                  <a:rPr lang="en-GB" dirty="0" smtClean="0"/>
-                  <a:t>)</a:t>
+                  <a:t>FFT of response to frequency sweep?</a:t>
                 </a:r>
               </a:p>
               <a:p>
                 <a:r>
                   <a:rPr lang="en-GB" dirty="0" smtClean="0"/>
-                  <a:t>When subjected to a frequency-sweep input</a:t>
+                  <a:t>Or better, algebraically:</a:t>
                 </a:r>
               </a:p>
               <a:p>
-                <a:r>
-                  <a:rPr lang="en-GB" dirty="0" smtClean="0"/>
-                  <a:t>Causes artefacts in [graph]</a:t>
-                </a:r>
-              </a:p>
-              <a:p>
-                <a:r>
-                  <a:rPr lang="en-GB" dirty="0" smtClean="0"/>
-                  <a:t>We can do it algebraically </a:t>
-                </a:r>
-                <a:r>
-                  <a:rPr lang="en-GB" dirty="0" smtClean="0"/>
-                  <a:t>too:</a:t>
-                </a:r>
-              </a:p>
-              <a:p>
-                <a:pPr marL="457200" lvl="1" indent="0">
-                  <a:buNone/>
-                </a:pPr>
-                <a:endParaRPr lang="en-GB" dirty="0"/>
+                <a:endParaRPr lang="en-GB" dirty="0" smtClean="0"/>
               </a:p>
               <a:p>
                 <a:pPr marL="457200" lvl="1" indent="0">
@@ -6584,7 +8856,7 @@
                     </m:oMathParaPr>
                     <m:oMath xmlns:m="http://schemas.openxmlformats.org/officeDocument/2006/math">
                       <m:r>
-                        <a:rPr lang="en-GB" b="1" i="1" dirty="0">
+                        <a:rPr lang="en-GB" b="1" i="1" dirty="0" smtClean="0">
                           <a:latin typeface="Cambria Math"/>
                         </a:rPr>
                         <m:t>𝒚</m:t>
@@ -6635,6 +8907,66 @@
                           </m:r>
                           <m:r>
                             <a:rPr lang="en-GB" b="0" i="1" dirty="0" smtClean="0">
+                              <a:latin typeface="Cambria Math"/>
+                            </a:rPr>
+                            <m:t>𝑡</m:t>
+                          </m:r>
+                        </m:sup>
+                      </m:sSup>
+                    </m:oMath>
+                    <m:oMath xmlns:m="http://schemas.openxmlformats.org/officeDocument/2006/math">
+                      <m:r>
+                        <a:rPr lang="en-GB" b="1" i="1" dirty="0" smtClean="0">
+                          <a:latin typeface="Cambria Math"/>
+                        </a:rPr>
+                        <m:t>𝒇</m:t>
+                      </m:r>
+                      <m:r>
+                        <m:rPr>
+                          <m:aln/>
+                        </m:rPr>
+                        <a:rPr lang="en-GB" b="1" i="1" dirty="0">
+                          <a:latin typeface="Cambria Math"/>
+                        </a:rPr>
+                        <m:t>=</m:t>
+                      </m:r>
+                      <m:r>
+                        <a:rPr lang="en-GB" b="1" i="1" dirty="0" smtClean="0">
+                          <a:latin typeface="Cambria Math"/>
+                        </a:rPr>
+                        <m:t>𝒃</m:t>
+                      </m:r>
+                      <m:sSup>
+                        <m:sSupPr>
+                          <m:ctrlPr>
+                            <a:rPr lang="en-GB" i="1" dirty="0">
+                              <a:latin typeface="Cambria Math"/>
+                            </a:rPr>
+                          </m:ctrlPr>
+                        </m:sSupPr>
+                        <m:e>
+                          <m:r>
+                            <a:rPr lang="en-GB" i="1" dirty="0">
+                              <a:latin typeface="Cambria Math"/>
+                            </a:rPr>
+                            <m:t>𝑒</m:t>
+                          </m:r>
+                        </m:e>
+                        <m:sup>
+                          <m:r>
+                            <a:rPr lang="en-GB" i="1" dirty="0">
+                              <a:latin typeface="Cambria Math"/>
+                            </a:rPr>
+                            <m:t>𝑖</m:t>
+                          </m:r>
+                          <m:r>
+                            <a:rPr lang="en-GB" i="1" dirty="0">
+                              <a:latin typeface="Cambria Math"/>
+                            </a:rPr>
+                            <m:t>𝜔</m:t>
+                          </m:r>
+                          <m:r>
+                            <a:rPr lang="en-GB" i="1" dirty="0">
                               <a:latin typeface="Cambria Math"/>
                             </a:rPr>
                             <m:t>𝑡</m:t>
@@ -6827,10 +9159,10 @@
                         <m:t>=</m:t>
                       </m:r>
                       <m:r>
-                        <a:rPr lang="en-GB" b="1" i="1" dirty="0">
+                        <a:rPr lang="en-GB" b="1" i="1" dirty="0" smtClean="0">
                           <a:latin typeface="Cambria Math"/>
                         </a:rPr>
-                        <m:t>𝒇</m:t>
+                        <m:t>𝒃</m:t>
                       </m:r>
                     </m:oMath>
                     <m:oMath xmlns:m="http://schemas.openxmlformats.org/officeDocument/2006/math">
@@ -6934,10 +9266,10 @@
                         <m:t>=</m:t>
                       </m:r>
                       <m:r>
-                        <a:rPr lang="en-GB" b="1" i="1" dirty="0">
+                        <a:rPr lang="en-GB" b="1" i="1" dirty="0" smtClean="0">
                           <a:latin typeface="Cambria Math"/>
                         </a:rPr>
-                        <m:t>𝒇</m:t>
+                        <m:t>𝒃</m:t>
                       </m:r>
                     </m:oMath>
                     <m:oMath xmlns:m="http://schemas.openxmlformats.org/officeDocument/2006/math">
@@ -7066,15 +9398,21 @@
                         </m:sup>
                       </m:sSup>
                       <m:r>
-                        <a:rPr lang="en-GB" b="1" i="1" dirty="0">
+                        <a:rPr lang="en-GB" b="1" i="1" dirty="0" smtClean="0">
                           <a:latin typeface="Cambria Math"/>
                         </a:rPr>
-                        <m:t>𝒇</m:t>
+                        <m:t>𝒃</m:t>
                       </m:r>
                     </m:oMath>
                   </m:oMathPara>
                 </a14:m>
-                <a:endParaRPr lang="en-GB" b="1" dirty="0"/>
+                <a:endParaRPr lang="en-GB" dirty="0" smtClean="0"/>
+              </a:p>
+              <a:p>
+                <a:pPr marL="0" indent="0">
+                  <a:buNone/>
+                </a:pPr>
+                <a:endParaRPr lang="en-GB" dirty="0" smtClean="0"/>
               </a:p>
             </p:txBody>
           </p:sp>
@@ -7091,10 +9429,14 @@
               </p:nvPr>
             </p:nvSpPr>
             <p:spPr>
+              <a:xfrm>
+                <a:off x="457200" y="1600201"/>
+                <a:ext cx="8229600" cy="3701008"/>
+              </a:xfrm>
               <a:blipFill rotWithShape="1">
-                <a:blip r:embed="rId2" cstate="print"/>
+                <a:blip r:embed="rId4"/>
                 <a:stretch>
-                  <a:fillRect l="-1481" t="-3504"/>
+                  <a:fillRect l="-1185" t="-3295"/>
                 </a:stretch>
               </a:blipFill>
             </p:spPr>
@@ -7113,6 +9455,60 @@
           </p:sp>
         </mc:Fallback>
       </mc:AlternateContent>
+      <p:pic>
+        <p:nvPicPr>
+          <p:cNvPr id="2050" name="Picture 2"/>
+          <p:cNvPicPr>
+            <a:picLocks noChangeAspect="1" noChangeArrowheads="1"/>
+          </p:cNvPicPr>
+          <p:nvPr/>
+        </p:nvPicPr>
+        <p:blipFill>
+          <a:blip r:embed="rId5">
+            <a:extLst>
+              <a:ext uri="{28A0092B-C50C-407E-A947-70E740481C1C}">
+                <a14:useLocalDpi xmlns:a14="http://schemas.microsoft.com/office/drawing/2010/main" val="0"/>
+              </a:ext>
+            </a:extLst>
+          </a:blip>
+          <a:srcRect/>
+          <a:stretch>
+            <a:fillRect/>
+          </a:stretch>
+        </p:blipFill>
+        <p:spPr bwMode="auto">
+          <a:xfrm>
+            <a:off x="2834640" y="5386673"/>
+            <a:ext cx="3474720" cy="1471327"/>
+          </a:xfrm>
+          <a:prstGeom prst="rect">
+            <a:avLst/>
+          </a:prstGeom>
+          <a:noFill/>
+          <a:ln>
+            <a:noFill/>
+          </a:ln>
+          <a:extLst>
+            <a:ext uri="{909E8E84-426E-40DD-AFC4-6F175D3DCCD1}">
+              <a14:hiddenFill xmlns:a14="http://schemas.microsoft.com/office/drawing/2010/main">
+                <a:solidFill>
+                  <a:schemeClr val="accent1"/>
+                </a:solidFill>
+              </a14:hiddenFill>
+            </a:ext>
+            <a:ext uri="{91240B29-F687-4F45-9708-019B960494DF}">
+              <a14:hiddenLine xmlns:a14="http://schemas.microsoft.com/office/drawing/2010/main" w="9525">
+                <a:solidFill>
+                  <a:schemeClr val="tx1"/>
+                </a:solidFill>
+                <a:miter lim="800000"/>
+                <a:headEnd/>
+                <a:tailEnd/>
+              </a14:hiddenLine>
+            </a:ext>
+          </a:extLst>
+        </p:spPr>
+      </p:pic>
     </p:spTree>
   </p:cSld>
   <p:clrMapOvr>
@@ -7121,7 +9517,75 @@
   <p:timing>
     <p:tnLst>
       <p:par>
-        <p:cTn id="1" dur="indefinite" restart="never" nodeType="tmRoot"/>
+        <p:cTn id="1" dur="indefinite" restart="never" nodeType="tmRoot">
+          <p:childTnLst>
+            <p:seq concurrent="1" nextAc="seek">
+              <p:cTn id="2" dur="indefinite" nodeType="mainSeq">
+                <p:childTnLst>
+                  <p:par>
+                    <p:cTn id="3" fill="hold">
+                      <p:stCondLst>
+                        <p:cond delay="indefinite"/>
+                      </p:stCondLst>
+                      <p:childTnLst>
+                        <p:par>
+                          <p:cTn id="4" fill="hold">
+                            <p:stCondLst>
+                              <p:cond delay="0"/>
+                            </p:stCondLst>
+                            <p:childTnLst>
+                              <p:par>
+                                <p:cTn id="5" presetID="1" presetClass="entr" presetSubtype="0" fill="hold" nodeType="clickEffect">
+                                  <p:stCondLst>
+                                    <p:cond delay="0"/>
+                                  </p:stCondLst>
+                                  <p:childTnLst>
+                                    <p:set>
+                                      <p:cBhvr>
+                                        <p:cTn id="6" dur="1" fill="hold">
+                                          <p:stCondLst>
+                                            <p:cond delay="0"/>
+                                          </p:stCondLst>
+                                        </p:cTn>
+                                        <p:tgtEl>
+                                          <p:spTgt spid="2050"/>
+                                        </p:tgtEl>
+                                        <p:attrNameLst>
+                                          <p:attrName>style.visibility</p:attrName>
+                                        </p:attrNameLst>
+                                      </p:cBhvr>
+                                      <p:to>
+                                        <p:strVal val="visible"/>
+                                      </p:to>
+                                    </p:set>
+                                  </p:childTnLst>
+                                </p:cTn>
+                              </p:par>
+                            </p:childTnLst>
+                          </p:cTn>
+                        </p:par>
+                      </p:childTnLst>
+                    </p:cTn>
+                  </p:par>
+                </p:childTnLst>
+              </p:cTn>
+              <p:prevCondLst>
+                <p:cond evt="onPrev" delay="0">
+                  <p:tgtEl>
+                    <p:sldTgt/>
+                  </p:tgtEl>
+                </p:cond>
+              </p:prevCondLst>
+              <p:nextCondLst>
+                <p:cond evt="onNext" delay="0">
+                  <p:tgtEl>
+                    <p:sldTgt/>
+                  </p:tgtEl>
+                </p:cond>
+              </p:nextCondLst>
+            </p:seq>
+          </p:childTnLst>
+        </p:cTn>
       </p:par>
     </p:tnLst>
   </p:timing>
@@ -7191,8 +9655,21 @@
           <a:p>
             <a:r>
               <a:rPr lang="en-GB" dirty="0" smtClean="0"/>
-              <a:t>Can also be solved by solving a quadratic equation with matrix coefficients (quadratic eigenvalue problem)</a:t>
-            </a:r>
+              <a:t>Can also be solved by solving a </a:t>
+            </a:r>
+            <a:r>
+              <a:rPr lang="en-GB" i="1" dirty="0" smtClean="0"/>
+              <a:t>quadratic</a:t>
+            </a:r>
+            <a:r>
+              <a:rPr lang="en-GB" dirty="0" smtClean="0"/>
+              <a:t> equation with matrix </a:t>
+            </a:r>
+            <a:r>
+              <a:rPr lang="en-GB" dirty="0" smtClean="0"/>
+              <a:t>coefficients</a:t>
+            </a:r>
+            <a:endParaRPr lang="en-GB" dirty="0" smtClean="0"/>
           </a:p>
         </p:txBody>
       </p:sp>
@@ -7240,7 +9717,9 @@
         </p:nvSpPr>
         <p:spPr/>
         <p:txBody>
-          <a:bodyPr/>
+          <a:bodyPr>
+            <a:normAutofit/>
+          </a:bodyPr>
           <a:lstStyle/>
           <a:p>
             <a:r>
@@ -7251,8 +9730,8 @@
           </a:p>
         </p:txBody>
       </p:sp>
-      <mc:AlternateContent xmlns:mc="http://schemas.openxmlformats.org/markup-compatibility/2006">
-        <mc:Choice xmlns="" xmlns:a14="http://schemas.microsoft.com/office/drawing/2010/main" Requires="a14">
+      <mc:AlternateContent xmlns:mc="http://schemas.openxmlformats.org/markup-compatibility/2006" xmlns:a14="http://schemas.microsoft.com/office/drawing/2010/main">
+        <mc:Choice Requires="a14">
           <p:sp>
             <p:nvSpPr>
               <p:cNvPr id="3" name="Content Placeholder 2"/>
@@ -7563,13 +10042,7 @@
                         <a:rPr lang="en-GB" b="1" i="1" dirty="0">
                           <a:latin typeface="Cambria Math"/>
                         </a:rPr>
-                        <m:t>𝑲</m:t>
-                      </m:r>
-                      <m:r>
-                        <a:rPr lang="en-GB" b="1" i="1" dirty="0">
-                          <a:latin typeface="Cambria Math"/>
-                        </a:rPr>
-                        <m:t>𝒂</m:t>
+                        <m:t>𝑲𝒂</m:t>
                       </m:r>
                       <m:r>
                         <m:rPr>
@@ -8026,13 +10499,7 @@
                                   <a:rPr lang="en-GB" b="1" i="1" dirty="0">
                                     <a:latin typeface="Cambria Math"/>
                                   </a:rPr>
-                                  <m:t>𝑰</m:t>
-                                </m:r>
-                                <m:r>
-                                  <a:rPr lang="en-GB" b="1" i="1" dirty="0">
-                                    <a:latin typeface="Cambria Math"/>
-                                  </a:rPr>
-                                  <m:t>𝒂</m:t>
+                                  <m:t>𝑰𝒂</m:t>
                                 </m:r>
                               </m:e>
                             </m:mr>
@@ -8093,13 +10560,7 @@
                                   <a:rPr lang="en-GB" b="1" i="1" dirty="0" smtClean="0">
                                     <a:latin typeface="Cambria Math"/>
                                   </a:rPr>
-                                  <m:t>′</m:t>
-                                </m:r>
-                                <m:r>
-                                  <a:rPr lang="en-GB" b="1" i="1" dirty="0">
-                                    <a:latin typeface="Cambria Math"/>
-                                  </a:rPr>
-                                  <m:t>−</m:t>
+                                  <m:t>′−</m:t>
                                 </m:r>
                                 <m:r>
                                   <a:rPr lang="en-GB" b="1" i="1" dirty="0">
@@ -8558,7 +11019,7 @@
             </p:txBody>
           </p:sp>
         </mc:Choice>
-        <mc:Fallback>
+        <mc:Fallback xmlns="">
           <p:sp>
             <p:nvSpPr>
               <p:cNvPr id="3" name="Content Placeholder 2"/>
@@ -8595,7 +11056,7 @@
     </p:spTree>
     <p:extLst>
       <p:ext uri="{BB962C8B-B14F-4D97-AF65-F5344CB8AC3E}">
-        <p14:creationId xmlns="" xmlns:p14="http://schemas.microsoft.com/office/powerpoint/2010/main" val="2722850409"/>
+        <p14:creationId xmlns:p14="http://schemas.microsoft.com/office/powerpoint/2010/main" val="2722850409"/>
       </p:ext>
     </p:extLst>
   </p:cSld>
@@ -8646,7 +11107,7 @@
           <a:p>
             <a:r>
               <a:rPr lang="en-GB" dirty="0" smtClean="0"/>
-              <a:t>Testing the model</a:t>
+              <a:t>Testing the simulator</a:t>
             </a:r>
             <a:endParaRPr lang="en-GB" dirty="0"/>
           </a:p>
@@ -8667,7 +11128,11 @@
           <a:bodyPr/>
           <a:lstStyle/>
           <a:p>
-            <a:endParaRPr lang="en-GB"/>
+            <a:r>
+              <a:rPr lang="en-GB" dirty="0" smtClean="0"/>
+              <a:t>By comparison to reality and inspection</a:t>
+            </a:r>
+            <a:endParaRPr lang="en-GB" dirty="0"/>
           </a:p>
         </p:txBody>
       </p:sp>
@@ -8761,6 +11226,7 @@
         <a:font script="Mong" typeface="Mongolian Baiti"/>
         <a:font script="Viet" typeface="Times New Roman"/>
         <a:font script="Uigh" typeface="Microsoft Uighur"/>
+        <a:font script="Geor" typeface="Sylfaen"/>
       </a:majorFont>
       <a:minorFont>
         <a:latin typeface="Calibri"/>
@@ -8795,6 +11261,7 @@
         <a:font script="Mong" typeface="Mongolian Baiti"/>
         <a:font script="Viet" typeface="Arial"/>
         <a:font script="Uigh" typeface="Microsoft Uighur"/>
+        <a:font script="Geor" typeface="Sylfaen"/>
       </a:minorFont>
     </a:fontScheme>
     <a:fmtScheme name="Office">

--- a/powerpoint.pptx
+++ b/powerpoint.pptx
@@ -534,6 +534,38 @@
           </a:bodyPr>
           <a:lstStyle/>
           <a:p>
+            <a:r>
+              <a:rPr lang="en-GB" dirty="0" smtClean="0"/>
+              <a:t>So, our first</a:t>
+            </a:r>
+            <a:r>
+              <a:rPr lang="en-GB" baseline="0" dirty="0" smtClean="0"/>
+              <a:t> job is to build a software model of the structure. We did this in python, using </a:t>
+            </a:r>
+            <a:r>
+              <a:rPr lang="en-GB" baseline="0" dirty="0" err="1" smtClean="0"/>
+              <a:t>numpy</a:t>
+            </a:r>
+            <a:r>
+              <a:rPr lang="en-GB" baseline="0" dirty="0" smtClean="0"/>
+              <a:t> for matrix algebra, and </a:t>
+            </a:r>
+            <a:r>
+              <a:rPr lang="en-GB" baseline="0" dirty="0" err="1" smtClean="0"/>
+              <a:t>matplotlib</a:t>
+            </a:r>
+            <a:r>
+              <a:rPr lang="en-GB" baseline="0" dirty="0" smtClean="0"/>
+              <a:t> for plotting. It’s a lot like </a:t>
+            </a:r>
+            <a:r>
+              <a:rPr lang="en-GB" baseline="0" dirty="0" err="1" smtClean="0"/>
+              <a:t>matlab</a:t>
+            </a:r>
+            <a:r>
+              <a:rPr lang="en-GB" baseline="0" dirty="0" smtClean="0"/>
+              <a:t>.</a:t>
+            </a:r>
             <a:endParaRPr lang="en-GB" dirty="0"/>
           </a:p>
         </p:txBody>
@@ -1213,11 +1245,7 @@
             </a:br>
             <a:r>
               <a:rPr lang="en-GB" baseline="0" dirty="0" smtClean="0"/>
-              <a:t>Solution in lectures had no </a:t>
-            </a:r>
-            <a:r>
-              <a:rPr lang="en-GB" baseline="0" smtClean="0"/>
-              <a:t>damping term</a:t>
+              <a:t>Solution in lectures had no damping term</a:t>
             </a:r>
             <a:endParaRPr lang="en-GB" dirty="0"/>
           </a:p>
@@ -1301,6 +1329,157 @@
         </p:nvSpPr>
         <p:spPr/>
         <p:txBody>
+          <a:bodyPr/>
+          <a:lstStyle/>
+          <a:p>
+            <a:r>
+              <a:rPr lang="en-GB" dirty="0" smtClean="0"/>
+              <a:t>Start off with our equation</a:t>
+            </a:r>
+            <a:r>
+              <a:rPr lang="en-GB" baseline="0" dirty="0" smtClean="0"/>
+              <a:t> from before, substituting for clarity</a:t>
+            </a:r>
+            <a:br>
+              <a:rPr lang="en-GB" baseline="0" dirty="0" smtClean="0"/>
+            </a:br>
+            <a:r>
+              <a:rPr lang="en-GB" baseline="0" dirty="0" smtClean="0"/>
+              <a:t/>
+            </a:r>
+            <a:br>
+              <a:rPr lang="en-GB" baseline="0" dirty="0" smtClean="0"/>
+            </a:br>
+            <a:r>
+              <a:rPr lang="en-GB" baseline="0" dirty="0" smtClean="0"/>
+              <a:t>Introduce a substitution, removing the quadratic term</a:t>
+            </a:r>
+            <a:br>
+              <a:rPr lang="en-GB" baseline="0" dirty="0" smtClean="0"/>
+            </a:br>
+            <a:r>
+              <a:rPr lang="en-GB" baseline="0" dirty="0" smtClean="0"/>
+              <a:t/>
+            </a:r>
+            <a:br>
+              <a:rPr lang="en-GB" baseline="0" dirty="0" smtClean="0"/>
+            </a:br>
+            <a:r>
+              <a:rPr lang="en-GB" baseline="0" dirty="0" smtClean="0"/>
+              <a:t>Now we have two simultaneous equations, which can be written in matrix form</a:t>
+            </a:r>
+            <a:br>
+              <a:rPr lang="en-GB" baseline="0" dirty="0" smtClean="0"/>
+            </a:br>
+            <a:r>
+              <a:rPr lang="en-GB" baseline="0" dirty="0" smtClean="0"/>
+              <a:t/>
+            </a:r>
+            <a:br>
+              <a:rPr lang="en-GB" baseline="0" dirty="0" smtClean="0"/>
+            </a:br>
+            <a:r>
+              <a:rPr lang="en-GB" baseline="0" dirty="0" smtClean="0"/>
+              <a:t>And we end up with a standard form that </a:t>
+            </a:r>
+            <a:r>
+              <a:rPr lang="en-GB" baseline="0" dirty="0" err="1" smtClean="0"/>
+              <a:t>numpy</a:t>
+            </a:r>
+            <a:r>
+              <a:rPr lang="en-GB" baseline="0" dirty="0" smtClean="0"/>
+              <a:t> (or </a:t>
+            </a:r>
+            <a:r>
+              <a:rPr lang="en-GB" baseline="0" dirty="0" err="1" smtClean="0"/>
+              <a:t>matlab</a:t>
+            </a:r>
+            <a:r>
+              <a:rPr lang="en-GB" baseline="0" dirty="0" smtClean="0"/>
+              <a:t>) is able to solve</a:t>
+            </a:r>
+            <a:endParaRPr lang="en-GB" dirty="0"/>
+          </a:p>
+        </p:txBody>
+      </p:sp>
+      <p:sp>
+        <p:nvSpPr>
+          <p:cNvPr id="4" name="Slide Number Placeholder 3"/>
+          <p:cNvSpPr>
+            <a:spLocks noGrp="1"/>
+          </p:cNvSpPr>
+          <p:nvPr>
+            <p:ph type="sldNum" sz="quarter" idx="10"/>
+          </p:nvPr>
+        </p:nvSpPr>
+        <p:spPr/>
+        <p:txBody>
+          <a:bodyPr/>
+          <a:lstStyle/>
+          <a:p>
+            <a:fld id="{74EAF850-785E-4110-9A5A-A40C7E9D73BD}" type="slidenum">
+              <a:rPr lang="en-GB" smtClean="0"/>
+              <a:pPr/>
+              <a:t>8</a:t>
+            </a:fld>
+            <a:endParaRPr lang="en-GB"/>
+          </a:p>
+        </p:txBody>
+      </p:sp>
+    </p:spTree>
+    <p:extLst>
+      <p:ext uri="{BB962C8B-B14F-4D97-AF65-F5344CB8AC3E}">
+        <p14:creationId xmlns:p14="http://schemas.microsoft.com/office/powerpoint/2010/main" val="86311380"/>
+      </p:ext>
+    </p:extLst>
+  </p:cSld>
+  <p:clrMapOvr>
+    <a:masterClrMapping/>
+  </p:clrMapOvr>
+</p:notes>
+</file>
+
+<file path=ppt/notesSlides/notesSlide8.xml><?xml version="1.0" encoding="utf-8"?>
+<p:notes xmlns:a="http://schemas.openxmlformats.org/drawingml/2006/main" xmlns:r="http://schemas.openxmlformats.org/officeDocument/2006/relationships" xmlns:p="http://schemas.openxmlformats.org/presentationml/2006/main">
+  <p:cSld>
+    <p:spTree>
+      <p:nvGrpSpPr>
+        <p:cNvPr id="1" name=""/>
+        <p:cNvGrpSpPr/>
+        <p:nvPr/>
+      </p:nvGrpSpPr>
+      <p:grpSpPr>
+        <a:xfrm>
+          <a:off x="0" y="0"/>
+          <a:ext cx="0" cy="0"/>
+          <a:chOff x="0" y="0"/>
+          <a:chExt cx="0" cy="0"/>
+        </a:xfrm>
+      </p:grpSpPr>
+      <p:sp>
+        <p:nvSpPr>
+          <p:cNvPr id="2" name="Slide Image Placeholder 1"/>
+          <p:cNvSpPr>
+            <a:spLocks noGrp="1" noRot="1" noChangeAspect="1"/>
+          </p:cNvSpPr>
+          <p:nvPr>
+            <p:ph type="sldImg"/>
+          </p:nvPr>
+        </p:nvSpPr>
+        <p:spPr/>
+      </p:sp>
+      <p:sp>
+        <p:nvSpPr>
+          <p:cNvPr id="3" name="Notes Placeholder 2"/>
+          <p:cNvSpPr>
+            <a:spLocks noGrp="1"/>
+          </p:cNvSpPr>
+          <p:nvPr>
+            <p:ph type="body" idx="1"/>
+          </p:nvPr>
+        </p:nvSpPr>
+        <p:spPr/>
+        <p:txBody>
           <a:bodyPr>
             <a:normAutofit/>
           </a:bodyPr>
@@ -1314,8 +1493,70 @@
           <a:p>
             <a:r>
               <a:rPr lang="en-GB" dirty="0" smtClean="0"/>
-              <a:t>Got data from the original under a frequency sweep</a:t>
-            </a:r>
+              <a:t>Got data from the original under a frequency </a:t>
+            </a:r>
+            <a:r>
+              <a:rPr lang="en-GB" dirty="0" smtClean="0"/>
+              <a:t>sweep</a:t>
+            </a:r>
+            <a:br>
+              <a:rPr lang="en-GB" dirty="0" smtClean="0"/>
+            </a:br>
+            <a:r>
+              <a:rPr lang="en-GB" dirty="0" smtClean="0"/>
+              <a:t/>
+            </a:r>
+            <a:br>
+              <a:rPr lang="en-GB" dirty="0" smtClean="0"/>
+            </a:br>
+            <a:r>
+              <a:rPr lang="en-GB" dirty="0" smtClean="0"/>
+              <a:t>Resonant</a:t>
+            </a:r>
+            <a:r>
+              <a:rPr lang="en-GB" baseline="0" dirty="0" smtClean="0"/>
+              <a:t> peaks </a:t>
+            </a:r>
+            <a:r>
+              <a:rPr lang="en-GB" baseline="0" dirty="0" err="1" smtClean="0"/>
+              <a:t>occut</a:t>
+            </a:r>
+            <a:r>
+              <a:rPr lang="en-GB" baseline="0" dirty="0" smtClean="0"/>
+              <a:t> in roughly the same places in both traces</a:t>
+            </a:r>
+          </a:p>
+          <a:p>
+            <a:endParaRPr lang="en-GB" baseline="0" dirty="0" smtClean="0"/>
+          </a:p>
+          <a:p>
+            <a:r>
+              <a:rPr lang="en-GB" baseline="0" dirty="0" smtClean="0"/>
+              <a:t>Peaks are wider in measured response – suggesting more degrees of freedom, </a:t>
+            </a:r>
+            <a:r>
+              <a:rPr lang="en-GB" baseline="0" dirty="0" err="1" smtClean="0"/>
+              <a:t>eg</a:t>
+            </a:r>
+            <a:r>
+              <a:rPr lang="en-GB" baseline="0" dirty="0" smtClean="0"/>
+              <a:t> flexible floor or bolts</a:t>
+            </a:r>
+            <a:br>
+              <a:rPr lang="en-GB" baseline="0" dirty="0" smtClean="0"/>
+            </a:br>
+            <a:r>
+              <a:rPr lang="en-GB" baseline="0" dirty="0" smtClean="0"/>
+              <a:t/>
+            </a:r>
+            <a:br>
+              <a:rPr lang="en-GB" baseline="0" dirty="0" smtClean="0"/>
+            </a:br>
+            <a:r>
+              <a:rPr lang="en-GB" baseline="0" dirty="0" smtClean="0"/>
+              <a:t>No units from measurements, so not possible to compare magnitude</a:t>
+            </a:r>
+            <a:endParaRPr lang="en-GB" dirty="0" smtClean="0"/>
           </a:p>
           <a:p>
             <a:endParaRPr lang="en-GB" dirty="0"/>
@@ -1347,6 +1588,122 @@
         </p:txBody>
       </p:sp>
     </p:spTree>
+  </p:cSld>
+  <p:clrMapOvr>
+    <a:masterClrMapping/>
+  </p:clrMapOvr>
+</p:notes>
+</file>
+
+<file path=ppt/notesSlides/notesSlide9.xml><?xml version="1.0" encoding="utf-8"?>
+<p:notes xmlns:a="http://schemas.openxmlformats.org/drawingml/2006/main" xmlns:r="http://schemas.openxmlformats.org/officeDocument/2006/relationships" xmlns:p="http://schemas.openxmlformats.org/presentationml/2006/main">
+  <p:cSld>
+    <p:spTree>
+      <p:nvGrpSpPr>
+        <p:cNvPr id="1" name=""/>
+        <p:cNvGrpSpPr/>
+        <p:nvPr/>
+      </p:nvGrpSpPr>
+      <p:grpSpPr>
+        <a:xfrm>
+          <a:off x="0" y="0"/>
+          <a:ext cx="0" cy="0"/>
+          <a:chOff x="0" y="0"/>
+          <a:chExt cx="0" cy="0"/>
+        </a:xfrm>
+      </p:grpSpPr>
+      <p:sp>
+        <p:nvSpPr>
+          <p:cNvPr id="2" name="Slide Image Placeholder 1"/>
+          <p:cNvSpPr>
+            <a:spLocks noGrp="1" noRot="1" noChangeAspect="1"/>
+          </p:cNvSpPr>
+          <p:nvPr>
+            <p:ph type="sldImg"/>
+          </p:nvPr>
+        </p:nvSpPr>
+        <p:spPr/>
+      </p:sp>
+      <p:sp>
+        <p:nvSpPr>
+          <p:cNvPr id="3" name="Notes Placeholder 2"/>
+          <p:cNvSpPr>
+            <a:spLocks noGrp="1"/>
+          </p:cNvSpPr>
+          <p:nvPr>
+            <p:ph type="body" idx="1"/>
+          </p:nvPr>
+        </p:nvSpPr>
+        <p:spPr/>
+        <p:txBody>
+          <a:bodyPr/>
+          <a:lstStyle/>
+          <a:p>
+            <a:r>
+              <a:rPr lang="en-GB" dirty="0" smtClean="0"/>
+              <a:t>Step decays exponentially</a:t>
+            </a:r>
+          </a:p>
+          <a:p>
+            <a:endParaRPr lang="en-GB" dirty="0" smtClean="0"/>
+          </a:p>
+          <a:p>
+            <a:r>
+              <a:rPr lang="en-GB" dirty="0" smtClean="0"/>
+              <a:t>A frequency sweep has</a:t>
+            </a:r>
+            <a:r>
+              <a:rPr lang="en-GB" baseline="0" dirty="0" smtClean="0"/>
+              <a:t> three high-amplitude regions corresponding to the resonant frequencies</a:t>
+            </a:r>
+            <a:br>
+              <a:rPr lang="en-GB" baseline="0" dirty="0" smtClean="0"/>
+            </a:br>
+            <a:r>
+              <a:rPr lang="en-GB" baseline="0" dirty="0" smtClean="0"/>
+              <a:t/>
+            </a:r>
+            <a:br>
+              <a:rPr lang="en-GB" baseline="0" dirty="0" smtClean="0"/>
+            </a:br>
+            <a:r>
+              <a:rPr lang="en-GB" baseline="0" dirty="0" smtClean="0"/>
+              <a:t>And a test of running earthquake data through the simulator, which we’ll talk about more later</a:t>
+            </a:r>
+            <a:endParaRPr lang="en-GB" dirty="0"/>
+          </a:p>
+        </p:txBody>
+      </p:sp>
+      <p:sp>
+        <p:nvSpPr>
+          <p:cNvPr id="4" name="Slide Number Placeholder 3"/>
+          <p:cNvSpPr>
+            <a:spLocks noGrp="1"/>
+          </p:cNvSpPr>
+          <p:nvPr>
+            <p:ph type="sldNum" sz="quarter" idx="10"/>
+          </p:nvPr>
+        </p:nvSpPr>
+        <p:spPr/>
+        <p:txBody>
+          <a:bodyPr/>
+          <a:lstStyle/>
+          <a:p>
+            <a:fld id="{74EAF850-785E-4110-9A5A-A40C7E9D73BD}" type="slidenum">
+              <a:rPr lang="en-GB" smtClean="0"/>
+              <a:pPr/>
+              <a:t>11</a:t>
+            </a:fld>
+            <a:endParaRPr lang="en-GB"/>
+          </a:p>
+        </p:txBody>
+      </p:sp>
+    </p:spTree>
+    <p:extLst>
+      <p:ext uri="{BB962C8B-B14F-4D97-AF65-F5344CB8AC3E}">
+        <p14:creationId xmlns:p14="http://schemas.microsoft.com/office/powerpoint/2010/main" val="2434158992"/>
+      </p:ext>
+    </p:extLst>
   </p:cSld>
   <p:clrMapOvr>
     <a:masterClrMapping/>
@@ -5010,7 +5367,7 @@
           </p:nvPr>
         </p:nvPicPr>
         <p:blipFill>
-          <a:blip r:embed="rId2" cstate="print"/>
+          <a:blip r:embed="rId3" cstate="print"/>
           <a:stretch>
             <a:fillRect/>
           </a:stretch>
@@ -11032,7 +11389,7 @@
             </p:nvSpPr>
             <p:spPr>
               <a:blipFill rotWithShape="1">
-                <a:blip r:embed="rId2" cstate="print"/>
+                <a:blip r:embed="rId3" cstate="print"/>
                 <a:stretch>
                   <a:fillRect l="-222" t="-1213"/>
                 </a:stretch>
@@ -11130,7 +11487,11 @@
           <a:p>
             <a:r>
               <a:rPr lang="en-GB" dirty="0" smtClean="0"/>
-              <a:t>By comparison to reality and inspection</a:t>
+              <a:t>By comparison to reality and </a:t>
+            </a:r>
+            <a:r>
+              <a:rPr lang="en-GB" dirty="0" smtClean="0"/>
+              <a:t>by inspection</a:t>
             </a:r>
             <a:endParaRPr lang="en-GB" dirty="0"/>
           </a:p>

--- a/powerpoint.pptx
+++ b/powerpoint.pptx
@@ -5,7 +5,7 @@
     <p:sldMasterId id="2147483708" r:id="rId1"/>
   </p:sldMasterIdLst>
   <p:notesMasterIdLst>
-    <p:notesMasterId r:id="rId27"/>
+    <p:notesMasterId r:id="rId26"/>
   </p:notesMasterIdLst>
   <p:sldIdLst>
     <p:sldId id="256" r:id="rId2"/>
@@ -21,18 +21,17 @@
     <p:sldId id="274" r:id="rId12"/>
     <p:sldId id="262" r:id="rId13"/>
     <p:sldId id="264" r:id="rId14"/>
-    <p:sldId id="263" r:id="rId15"/>
-    <p:sldId id="265" r:id="rId16"/>
-    <p:sldId id="278" r:id="rId17"/>
-    <p:sldId id="279" r:id="rId18"/>
-    <p:sldId id="280" r:id="rId19"/>
-    <p:sldId id="266" r:id="rId20"/>
-    <p:sldId id="269" r:id="rId21"/>
-    <p:sldId id="270" r:id="rId22"/>
-    <p:sldId id="275" r:id="rId23"/>
-    <p:sldId id="276" r:id="rId24"/>
-    <p:sldId id="277" r:id="rId25"/>
-    <p:sldId id="281" r:id="rId26"/>
+    <p:sldId id="265" r:id="rId15"/>
+    <p:sldId id="278" r:id="rId16"/>
+    <p:sldId id="279" r:id="rId17"/>
+    <p:sldId id="280" r:id="rId18"/>
+    <p:sldId id="266" r:id="rId19"/>
+    <p:sldId id="269" r:id="rId20"/>
+    <p:sldId id="270" r:id="rId21"/>
+    <p:sldId id="275" r:id="rId22"/>
+    <p:sldId id="276" r:id="rId23"/>
+    <p:sldId id="277" r:id="rId24"/>
+    <p:sldId id="281" r:id="rId25"/>
   </p:sldIdLst>
   <p:sldSz cx="9144000" cy="6858000" type="screen4x3"/>
   <p:notesSz cx="6858000" cy="9144000"/>
@@ -595,6 +594,91 @@
         </p:txBody>
       </p:sp>
     </p:spTree>
+  </p:cSld>
+  <p:clrMapOvr>
+    <a:masterClrMapping/>
+  </p:clrMapOvr>
+</p:notes>
+</file>
+
+<file path=ppt/notesSlides/notesSlide10.xml><?xml version="1.0" encoding="utf-8"?>
+<p:notes xmlns:a="http://schemas.openxmlformats.org/drawingml/2006/main" xmlns:r="http://schemas.openxmlformats.org/officeDocument/2006/relationships" xmlns:p="http://schemas.openxmlformats.org/presentationml/2006/main">
+  <p:cSld>
+    <p:spTree>
+      <p:nvGrpSpPr>
+        <p:cNvPr id="1" name=""/>
+        <p:cNvGrpSpPr/>
+        <p:nvPr/>
+      </p:nvGrpSpPr>
+      <p:grpSpPr>
+        <a:xfrm>
+          <a:off x="0" y="0"/>
+          <a:ext cx="0" cy="0"/>
+          <a:chOff x="0" y="0"/>
+          <a:chExt cx="0" cy="0"/>
+        </a:xfrm>
+      </p:grpSpPr>
+      <p:sp>
+        <p:nvSpPr>
+          <p:cNvPr id="2" name="Slide Image Placeholder 1"/>
+          <p:cNvSpPr>
+            <a:spLocks noGrp="1" noRot="1" noChangeAspect="1"/>
+          </p:cNvSpPr>
+          <p:nvPr>
+            <p:ph type="sldImg"/>
+          </p:nvPr>
+        </p:nvSpPr>
+        <p:spPr/>
+      </p:sp>
+      <p:sp>
+        <p:nvSpPr>
+          <p:cNvPr id="3" name="Notes Placeholder 2"/>
+          <p:cNvSpPr>
+            <a:spLocks noGrp="1"/>
+          </p:cNvSpPr>
+          <p:nvPr>
+            <p:ph type="body" idx="1"/>
+          </p:nvPr>
+        </p:nvSpPr>
+        <p:spPr/>
+        <p:txBody>
+          <a:bodyPr/>
+          <a:lstStyle/>
+          <a:p>
+            <a:endParaRPr lang="en-GB"/>
+          </a:p>
+        </p:txBody>
+      </p:sp>
+      <p:sp>
+        <p:nvSpPr>
+          <p:cNvPr id="4" name="Slide Number Placeholder 3"/>
+          <p:cNvSpPr>
+            <a:spLocks noGrp="1"/>
+          </p:cNvSpPr>
+          <p:nvPr>
+            <p:ph type="sldNum" sz="quarter" idx="10"/>
+          </p:nvPr>
+        </p:nvSpPr>
+        <p:spPr/>
+        <p:txBody>
+          <a:bodyPr/>
+          <a:lstStyle/>
+          <a:p>
+            <a:fld id="{74EAF850-785E-4110-9A5A-A40C7E9D73BD}" type="slidenum">
+              <a:rPr lang="en-GB" smtClean="0"/>
+              <a:pPr/>
+              <a:t>23</a:t>
+            </a:fld>
+            <a:endParaRPr lang="en-GB"/>
+          </a:p>
+        </p:txBody>
+      </p:sp>
+    </p:spTree>
+    <p:extLst>
+      <p:ext uri="{BB962C8B-B14F-4D97-AF65-F5344CB8AC3E}">
+        <p14:creationId xmlns:p14="http://schemas.microsoft.com/office/powerpoint/2010/main" val="2702309126"/>
+      </p:ext>
+    </p:extLst>
   </p:cSld>
   <p:clrMapOvr>
     <a:masterClrMapping/>
@@ -5274,29 +5358,31 @@
       </p:sp>
       <p:pic>
         <p:nvPicPr>
-          <p:cNvPr id="6" name="Picture 2" descr="C:\Users\Home\Documents\docs\stuff from uni\year 2 cambridge\cued-icw\graphs\verify.png"/>
+          <p:cNvPr id="3" name="Content Placeholder 2"/>
           <p:cNvPicPr>
-            <a:picLocks noGrp="1" noChangeAspect="1" noChangeArrowheads="1"/>
+            <a:picLocks noGrp="1" noChangeAspect="1"/>
           </p:cNvPicPr>
           <p:nvPr>
             <p:ph idx="1"/>
           </p:nvPr>
         </p:nvPicPr>
         <p:blipFill>
-          <a:blip r:embed="rId3" cstate="print"/>
+          <a:blip r:embed="rId3">
+            <a:extLst>
+              <a:ext uri="{28A0092B-C50C-407E-A947-70E740481C1C}">
+                <a14:useLocalDpi xmlns:a14="http://schemas.microsoft.com/office/drawing/2010/main" val="0"/>
+              </a:ext>
+            </a:extLst>
+          </a:blip>
           <a:stretch>
             <a:fillRect/>
           </a:stretch>
         </p:blipFill>
-        <p:spPr bwMode="auto">
+        <p:spPr>
           <a:xfrm>
             <a:off x="1554691" y="1600200"/>
             <a:ext cx="6034617" cy="4525963"/>
           </a:xfrm>
-          <a:prstGeom prst="rect">
-            <a:avLst/>
-          </a:prstGeom>
-          <a:noFill/>
         </p:spPr>
       </p:pic>
     </p:spTree>
@@ -5358,29 +5444,31 @@
       </p:sp>
       <p:pic>
         <p:nvPicPr>
-          <p:cNvPr id="4098" name="Picture 2" descr="C:\Users\Home\Documents\docs\stuff from uni\year 2 cambridge\cued-icw\graphs\disp-all.png"/>
+          <p:cNvPr id="6" name="Content Placeholder 5"/>
           <p:cNvPicPr>
-            <a:picLocks noGrp="1" noChangeAspect="1" noChangeArrowheads="1"/>
+            <a:picLocks noGrp="1" noChangeAspect="1"/>
           </p:cNvPicPr>
           <p:nvPr>
             <p:ph idx="1"/>
           </p:nvPr>
         </p:nvPicPr>
         <p:blipFill>
-          <a:blip r:embed="rId3" cstate="print"/>
+          <a:blip r:embed="rId3">
+            <a:extLst>
+              <a:ext uri="{28A0092B-C50C-407E-A947-70E740481C1C}">
+                <a14:useLocalDpi xmlns:a14="http://schemas.microsoft.com/office/drawing/2010/main" val="0"/>
+              </a:ext>
+            </a:extLst>
+          </a:blip>
           <a:stretch>
             <a:fillRect/>
           </a:stretch>
         </p:blipFill>
-        <p:spPr bwMode="auto">
+        <p:spPr>
           <a:xfrm>
             <a:off x="1554691" y="1600200"/>
             <a:ext cx="6034617" cy="4525963"/>
           </a:xfrm>
-          <a:prstGeom prst="rect">
-            <a:avLst/>
-          </a:prstGeom>
-          <a:noFill/>
         </p:spPr>
       </p:pic>
     </p:spTree>
@@ -5541,7 +5629,11 @@
           <a:p>
             <a:r>
               <a:rPr lang="en-GB" dirty="0" smtClean="0"/>
-              <a:t>Some absorbers become less massive and therefore less effective, so are duplicated on further iterations</a:t>
+              <a:t>Some absorbers become less massive and therefore less </a:t>
+            </a:r>
+            <a:r>
+              <a:rPr lang="en-GB" dirty="0" smtClean="0"/>
+              <a:t>effective</a:t>
             </a:r>
             <a:endParaRPr lang="en-GB" dirty="0"/>
           </a:p>
@@ -5581,7 +5673,7 @@
       </p:grpSpPr>
       <p:sp>
         <p:nvSpPr>
-          <p:cNvPr id="4" name="Title 3"/>
+          <p:cNvPr id="2" name="Title 1"/>
           <p:cNvSpPr>
             <a:spLocks noGrp="1"/>
           </p:cNvSpPr>
@@ -5596,276 +5688,6 @@
           <a:p>
             <a:r>
               <a:rPr lang="en-GB" dirty="0" smtClean="0"/>
-              <a:t>Damping resonant peaks</a:t>
-            </a:r>
-            <a:endParaRPr lang="en-GB" dirty="0"/>
-          </a:p>
-        </p:txBody>
-      </p:sp>
-      <mc:AlternateContent xmlns:mc="http://schemas.openxmlformats.org/markup-compatibility/2006">
-        <mc:Choice xmlns:a14="http://schemas.microsoft.com/office/drawing/2010/main" Requires="a14">
-          <p:sp>
-            <p:nvSpPr>
-              <p:cNvPr id="5" name="Content Placeholder 4"/>
-              <p:cNvSpPr>
-                <a:spLocks noGrp="1"/>
-              </p:cNvSpPr>
-              <p:nvPr>
-                <p:ph idx="1"/>
-              </p:nvPr>
-            </p:nvSpPr>
-            <p:spPr/>
-            <p:txBody>
-              <a:bodyPr>
-                <a:normAutofit/>
-              </a:bodyPr>
-              <a:lstStyle/>
-              <a:p>
-                <a:r>
-                  <a:rPr lang="en-GB" dirty="0" smtClean="0"/>
-                  <a:t>Absorbers needs a </a:t>
-                </a:r>
-                <a:r>
-                  <a:rPr lang="en-GB" i="1" dirty="0" smtClean="0"/>
-                  <a:t>damped </a:t>
-                </a:r>
-                <a:r>
-                  <a:rPr lang="en-GB" dirty="0" smtClean="0"/>
-                  <a:t>frequency matching the frequency of the peak to eliminate</a:t>
-                </a:r>
-              </a:p>
-              <a:p>
-                <a:r>
-                  <a:rPr lang="en-GB" dirty="0" smtClean="0"/>
-                  <a:t>Can be derived from </a:t>
-                </a:r>
-                <a:r>
-                  <a:rPr lang="en-GB" dirty="0" err="1" smtClean="0"/>
-                  <a:t>databook</a:t>
-                </a:r>
-                <a:r>
-                  <a:rPr lang="en-GB" dirty="0" smtClean="0"/>
-                  <a:t> equations</a:t>
-                </a:r>
-              </a:p>
-              <a:p>
-                <a14:m>
-                  <m:oMath xmlns:m="http://schemas.openxmlformats.org/officeDocument/2006/math">
-                    <m:r>
-                      <a:rPr lang="en-GB" b="0" i="1" smtClean="0">
-                        <a:latin typeface="Cambria Math"/>
-                      </a:rPr>
-                      <m:t>𝑘</m:t>
-                    </m:r>
-                    <m:r>
-                      <a:rPr lang="en-GB" b="0" i="1" smtClean="0">
-                        <a:latin typeface="Cambria Math"/>
-                      </a:rPr>
-                      <m:t>=</m:t>
-                    </m:r>
-                    <m:r>
-                      <a:rPr lang="en-GB" b="0" i="1" smtClean="0">
-                        <a:latin typeface="Cambria Math"/>
-                      </a:rPr>
-                      <m:t>𝑚</m:t>
-                    </m:r>
-                    <m:sSubSup>
-                      <m:sSubSupPr>
-                        <m:ctrlPr>
-                          <a:rPr lang="en-GB" b="0" i="1" smtClean="0">
-                            <a:latin typeface="Cambria Math"/>
-                          </a:rPr>
-                        </m:ctrlPr>
-                      </m:sSubSupPr>
-                      <m:e>
-                        <m:r>
-                          <a:rPr lang="en-GB" b="0" i="1" smtClean="0">
-                            <a:latin typeface="Cambria Math"/>
-                          </a:rPr>
-                          <m:t>𝜔</m:t>
-                        </m:r>
-                      </m:e>
-                      <m:sub>
-                        <m:r>
-                          <a:rPr lang="en-GB" b="0" i="1" smtClean="0">
-                            <a:latin typeface="Cambria Math"/>
-                          </a:rPr>
-                          <m:t>𝑑</m:t>
-                        </m:r>
-                      </m:sub>
-                      <m:sup>
-                        <m:r>
-                          <a:rPr lang="en-GB" b="0" i="1" smtClean="0">
-                            <a:latin typeface="Cambria Math"/>
-                          </a:rPr>
-                          <m:t>2</m:t>
-                        </m:r>
-                      </m:sup>
-                    </m:sSubSup>
-                    <m:r>
-                      <a:rPr lang="en-GB" b="0" i="1" smtClean="0">
-                        <a:latin typeface="Cambria Math"/>
-                      </a:rPr>
-                      <m:t>+</m:t>
-                    </m:r>
-                    <m:f>
-                      <m:fPr>
-                        <m:ctrlPr>
-                          <a:rPr lang="en-GB" b="0" i="1" smtClean="0">
-                            <a:latin typeface="Cambria Math"/>
-                          </a:rPr>
-                        </m:ctrlPr>
-                      </m:fPr>
-                      <m:num>
-                        <m:sSup>
-                          <m:sSupPr>
-                            <m:ctrlPr>
-                              <a:rPr lang="en-GB" b="0" i="1" smtClean="0">
-                                <a:latin typeface="Cambria Math"/>
-                              </a:rPr>
-                            </m:ctrlPr>
-                          </m:sSupPr>
-                          <m:e>
-                            <m:r>
-                              <a:rPr lang="en-GB" b="0" i="1" smtClean="0">
-                                <a:latin typeface="Cambria Math"/>
-                              </a:rPr>
-                              <m:t>𝜆</m:t>
-                            </m:r>
-                          </m:e>
-                          <m:sup>
-                            <m:r>
-                              <a:rPr lang="en-GB" b="0" i="1" smtClean="0">
-                                <a:latin typeface="Cambria Math"/>
-                              </a:rPr>
-                              <m:t>2</m:t>
-                            </m:r>
-                          </m:sup>
-                        </m:sSup>
-                      </m:num>
-                      <m:den>
-                        <m:r>
-                          <a:rPr lang="en-GB" b="0" i="1" smtClean="0">
-                            <a:latin typeface="Cambria Math"/>
-                          </a:rPr>
-                          <m:t>4</m:t>
-                        </m:r>
-                        <m:r>
-                          <a:rPr lang="en-GB" b="0" i="1" smtClean="0">
-                            <a:latin typeface="Cambria Math"/>
-                          </a:rPr>
-                          <m:t>𝑚</m:t>
-                        </m:r>
-                      </m:den>
-                    </m:f>
-                  </m:oMath>
-                </a14:m>
-                <a:endParaRPr lang="en-GB" dirty="0" smtClean="0"/>
-              </a:p>
-              <a:p>
-                <a:r>
-                  <a:rPr lang="en-GB" dirty="0" smtClean="0"/>
-                  <a:t>Second term is negligible (~0.1%)</a:t>
-                </a:r>
-              </a:p>
-              <a:p>
-                <a:pPr>
-                  <a:buNone/>
-                </a:pPr>
-                <a:endParaRPr lang="en-GB" dirty="0" smtClean="0"/>
-              </a:p>
-              <a:p>
-                <a:pPr>
-                  <a:buNone/>
-                </a:pPr>
-                <a:endParaRPr lang="en-GB" dirty="0"/>
-              </a:p>
-            </p:txBody>
-          </p:sp>
-        </mc:Choice>
-        <mc:Fallback>
-          <p:sp>
-            <p:nvSpPr>
-              <p:cNvPr id="5" name="Content Placeholder 4"/>
-              <p:cNvSpPr>
-                <a:spLocks noGrp="1" noRot="1" noChangeAspect="1" noMove="1" noResize="1" noEditPoints="1" noAdjustHandles="1" noChangeArrowheads="1" noChangeShapeType="1" noTextEdit="1"/>
-              </p:cNvSpPr>
-              <p:nvPr>
-                <p:ph idx="1"/>
-              </p:nvPr>
-            </p:nvSpPr>
-            <p:spPr>
-              <a:blipFill rotWithShape="1">
-                <a:blip r:embed="rId2"/>
-                <a:stretch>
-                  <a:fillRect l="-1630" t="-1752"/>
-                </a:stretch>
-              </a:blipFill>
-            </p:spPr>
-            <p:txBody>
-              <a:bodyPr/>
-              <a:lstStyle/>
-              <a:p>
-                <a:r>
-                  <a:rPr lang="en-GB">
-                    <a:noFill/>
-                  </a:rPr>
-                  <a:t> </a:t>
-                </a:r>
-              </a:p>
-            </p:txBody>
-          </p:sp>
-        </mc:Fallback>
-      </mc:AlternateContent>
-    </p:spTree>
-  </p:cSld>
-  <p:clrMapOvr>
-    <a:masterClrMapping/>
-  </p:clrMapOvr>
-  <p:timing>
-    <p:tnLst>
-      <p:par>
-        <p:cTn id="1" dur="indefinite" restart="never" nodeType="tmRoot"/>
-      </p:par>
-    </p:tnLst>
-  </p:timing>
-</p:sld>
-</file>
-
-<file path=ppt/slides/slide15.xml><?xml version="1.0" encoding="utf-8"?>
-<p:sld xmlns:a="http://schemas.openxmlformats.org/drawingml/2006/main" xmlns:r="http://schemas.openxmlformats.org/officeDocument/2006/relationships" xmlns:p="http://schemas.openxmlformats.org/presentationml/2006/main">
-  <p:cSld>
-    <p:spTree>
-      <p:nvGrpSpPr>
-        <p:cNvPr id="1" name=""/>
-        <p:cNvGrpSpPr/>
-        <p:nvPr/>
-      </p:nvGrpSpPr>
-      <p:grpSpPr>
-        <a:xfrm>
-          <a:off x="0" y="0"/>
-          <a:ext cx="0" cy="0"/>
-          <a:chOff x="0" y="0"/>
-          <a:chExt cx="0" cy="0"/>
-        </a:xfrm>
-      </p:grpSpPr>
-      <p:sp>
-        <p:nvSpPr>
-          <p:cNvPr id="2" name="Title 1"/>
-          <p:cNvSpPr>
-            <a:spLocks noGrp="1"/>
-          </p:cNvSpPr>
-          <p:nvPr>
-            <p:ph type="title"/>
-          </p:nvPr>
-        </p:nvSpPr>
-        <p:spPr/>
-        <p:txBody>
-          <a:bodyPr/>
-          <a:lstStyle/>
-          <a:p>
-            <a:r>
-              <a:rPr lang="en-GB" dirty="0" smtClean="0"/>
               <a:t>Effect of adding absorbers (video)</a:t>
             </a:r>
             <a:endParaRPr lang="en-GB" dirty="0"/>
@@ -5874,31 +5696,33 @@
       </p:sp>
       <p:pic>
         <p:nvPicPr>
-          <p:cNvPr id="10" name="video.avi">
+          <p:cNvPr id="4" name="video.avi">
             <a:hlinkClick r:id="" action="ppaction://media"/>
           </p:cNvPr>
           <p:cNvPicPr>
-            <a:picLocks noGrp="1" noRot="1" noChangeAspect="1"/>
+            <a:picLocks noGrp="1" noChangeAspect="1"/>
           </p:cNvPicPr>
           <p:nvPr>
             <p:ph idx="1"/>
-            <a:videoFile r:link="rId1"/>
+            <a:videoFile r:link="rId2"/>
+            <p:extLst>
+              <p:ext uri="{DAA4B4D4-6D71-4841-9C94-3DE7FCFB9230}">
+                <p14:media xmlns:p14="http://schemas.microsoft.com/office/powerpoint/2010/main" r:embed="rId1"/>
+              </p:ext>
+            </p:extLst>
           </p:nvPr>
         </p:nvPicPr>
         <p:blipFill>
-          <a:blip r:embed="rId3" cstate="print"/>
+          <a:blip r:embed="rId4"/>
           <a:stretch>
             <a:fillRect/>
           </a:stretch>
         </p:blipFill>
         <p:spPr>
           <a:xfrm>
-            <a:off x="3048000" y="2719388"/>
-            <a:ext cx="3048000" cy="2286000"/>
+            <a:off x="1554163" y="1600200"/>
+            <a:ext cx="6034087" cy="4525963"/>
           </a:xfrm>
-          <a:prstGeom prst="rect">
-            <a:avLst/>
-          </a:prstGeom>
         </p:spPr>
       </p:pic>
     </p:spTree>
@@ -5916,7 +5740,7 @@
                 <p:stCondLst>
                   <p:cond evt="onClick" delay="0">
                     <p:tgtEl>
-                      <p:spTgt spid="10"/>
+                      <p:spTgt spid="4"/>
                     </p:tgtEl>
                   </p:cond>
                 </p:stCondLst>
@@ -5946,7 +5770,7 @@
                                       <p:cBhvr>
                                         <p:cTn id="6" dur="1" fill="hold"/>
                                         <p:tgtEl>
-                                          <p:spTgt spid="10"/>
+                                          <p:spTgt spid="4"/>
                                         </p:tgtEl>
                                       </p:cBhvr>
                                     </p:cmd>
@@ -5964,37 +5788,103 @@
               <p:nextCondLst>
                 <p:cond evt="onClick" delay="0">
                   <p:tgtEl>
-                    <p:spTgt spid="10"/>
+                    <p:spTgt spid="4"/>
                   </p:tgtEl>
                 </p:cond>
               </p:nextCondLst>
             </p:seq>
             <p:video>
-              <p:cMediaNode>
+              <p:cMediaNode vol="80000">
                 <p:cTn id="7" fill="hold" display="0">
                   <p:stCondLst>
                     <p:cond delay="indefinite"/>
                   </p:stCondLst>
-                  <p:endCondLst>
-                    <p:cond evt="onNext" delay="0">
-                      <p:tgtEl>
-                        <p:sldTgt/>
-                      </p:tgtEl>
-                    </p:cond>
-                    <p:cond evt="onPrev" delay="0">
-                      <p:tgtEl>
-                        <p:sldTgt/>
-                      </p:tgtEl>
-                    </p:cond>
-                  </p:endCondLst>
                 </p:cTn>
                 <p:tgtEl>
-                  <p:spTgt spid="10"/>
+                  <p:spTgt spid="4"/>
                 </p:tgtEl>
               </p:cMediaNode>
             </p:video>
           </p:childTnLst>
         </p:cTn>
+      </p:par>
+    </p:tnLst>
+  </p:timing>
+</p:sld>
+</file>
+
+<file path=ppt/slides/slide15.xml><?xml version="1.0" encoding="utf-8"?>
+<p:sld xmlns:a="http://schemas.openxmlformats.org/drawingml/2006/main" xmlns:r="http://schemas.openxmlformats.org/officeDocument/2006/relationships" xmlns:p="http://schemas.openxmlformats.org/presentationml/2006/main">
+  <p:cSld>
+    <p:spTree>
+      <p:nvGrpSpPr>
+        <p:cNvPr id="1" name=""/>
+        <p:cNvGrpSpPr/>
+        <p:nvPr/>
+      </p:nvGrpSpPr>
+      <p:grpSpPr>
+        <a:xfrm>
+          <a:off x="0" y="0"/>
+          <a:ext cx="0" cy="0"/>
+          <a:chOff x="0" y="0"/>
+          <a:chExt cx="0" cy="0"/>
+        </a:xfrm>
+      </p:grpSpPr>
+      <p:sp>
+        <p:nvSpPr>
+          <p:cNvPr id="2" name="Title 1"/>
+          <p:cNvSpPr>
+            <a:spLocks noGrp="1"/>
+          </p:cNvSpPr>
+          <p:nvPr>
+            <p:ph type="title"/>
+          </p:nvPr>
+        </p:nvSpPr>
+        <p:spPr/>
+        <p:txBody>
+          <a:bodyPr/>
+          <a:lstStyle/>
+          <a:p>
+            <a:r>
+              <a:rPr lang="en-GB" dirty="0" smtClean="0"/>
+              <a:t>Effect of adding absorbers</a:t>
+            </a:r>
+            <a:endParaRPr lang="en-GB" dirty="0"/>
+          </a:p>
+        </p:txBody>
+      </p:sp>
+      <p:pic>
+        <p:nvPicPr>
+          <p:cNvPr id="4" name="Content Placeholder 3" descr="absorber-04.png"/>
+          <p:cNvPicPr>
+            <a:picLocks noGrp="1" noChangeAspect="1"/>
+          </p:cNvPicPr>
+          <p:nvPr>
+            <p:ph idx="1"/>
+          </p:nvPr>
+        </p:nvPicPr>
+        <p:blipFill>
+          <a:blip r:embed="rId2" cstate="print"/>
+          <a:stretch>
+            <a:fillRect/>
+          </a:stretch>
+        </p:blipFill>
+        <p:spPr>
+          <a:xfrm>
+            <a:off x="1554691" y="1600200"/>
+            <a:ext cx="6034617" cy="4525963"/>
+          </a:xfrm>
+        </p:spPr>
+      </p:pic>
+    </p:spTree>
+  </p:cSld>
+  <p:clrMapOvr>
+    <a:masterClrMapping/>
+  </p:clrMapOvr>
+  <p:timing>
+    <p:tnLst>
+      <p:par>
+        <p:cTn id="1" dur="indefinite" restart="never" nodeType="tmRoot"/>
       </p:par>
     </p:tnLst>
   </p:timing>
@@ -6043,7 +5933,7 @@
       </p:sp>
       <p:pic>
         <p:nvPicPr>
-          <p:cNvPr id="4" name="Content Placeholder 3" descr="absorber-04.png"/>
+          <p:cNvPr id="4" name="Content Placeholder 3" descr="absorber-05.png"/>
           <p:cNvPicPr>
             <a:picLocks noGrp="1" noChangeAspect="1"/>
           </p:cNvPicPr>
@@ -6121,7 +6011,7 @@
       </p:sp>
       <p:pic>
         <p:nvPicPr>
-          <p:cNvPr id="4" name="Content Placeholder 3" descr="absorber-05.png"/>
+          <p:cNvPr id="7" name="Content Placeholder 6" descr="absorber-06.png"/>
           <p:cNvPicPr>
             <a:picLocks noGrp="1" noChangeAspect="1"/>
           </p:cNvPicPr>
@@ -6199,9 +6089,9 @@
       </p:sp>
       <p:pic>
         <p:nvPicPr>
-          <p:cNvPr id="7" name="Content Placeholder 6" descr="absorber-06.png"/>
+          <p:cNvPr id="5123" name="Picture 3" descr="C:\Users\Home\Documents\docs\stuff from uni\year 2 cambridge\cued-icw\graphs - Copy\amp-vs-no-abs.png"/>
           <p:cNvPicPr>
-            <a:picLocks noGrp="1" noChangeAspect="1"/>
+            <a:picLocks noGrp="1" noChangeAspect="1" noChangeArrowheads="1"/>
           </p:cNvPicPr>
           <p:nvPr>
             <p:ph idx="1"/>
@@ -6213,11 +6103,15 @@
             <a:fillRect/>
           </a:stretch>
         </p:blipFill>
-        <p:spPr>
+        <p:spPr bwMode="auto">
           <a:xfrm>
             <a:off x="1554691" y="1600200"/>
             <a:ext cx="6034617" cy="4525963"/>
           </a:xfrm>
+          <a:prstGeom prst="rect">
+            <a:avLst/>
+          </a:prstGeom>
+          <a:noFill/>
         </p:spPr>
       </p:pic>
     </p:spTree>
@@ -6254,7 +6148,7 @@
       </p:grpSpPr>
       <p:sp>
         <p:nvSpPr>
-          <p:cNvPr id="2" name="Title 1"/>
+          <p:cNvPr id="6" name="Title 5"/>
           <p:cNvSpPr>
             <a:spLocks noGrp="1"/>
           </p:cNvSpPr>
@@ -6269,7 +6163,179 @@
           <a:p>
             <a:r>
               <a:rPr lang="en-GB" dirty="0" smtClean="0"/>
-              <a:t>Effect of adding absorbers</a:t>
+              <a:t>Applying stimuli</a:t>
+            </a:r>
+            <a:endParaRPr lang="en-GB" dirty="0"/>
+          </a:p>
+        </p:txBody>
+      </p:sp>
+      <p:sp>
+        <p:nvSpPr>
+          <p:cNvPr id="7" name="Text Placeholder 6"/>
+          <p:cNvSpPr>
+            <a:spLocks noGrp="1"/>
+          </p:cNvSpPr>
+          <p:nvPr>
+            <p:ph type="body" idx="1"/>
+          </p:nvPr>
+        </p:nvSpPr>
+        <p:spPr/>
+        <p:txBody>
+          <a:bodyPr/>
+          <a:lstStyle/>
+          <a:p>
+            <a:r>
+              <a:rPr lang="en-GB" dirty="0" smtClean="0"/>
+              <a:t>Investigating the effectiveness of the absorbers</a:t>
+            </a:r>
+            <a:endParaRPr lang="en-GB" dirty="0"/>
+          </a:p>
+        </p:txBody>
+      </p:sp>
+    </p:spTree>
+  </p:cSld>
+  <p:clrMapOvr>
+    <a:masterClrMapping/>
+  </p:clrMapOvr>
+  <p:timing>
+    <p:tnLst>
+      <p:par>
+        <p:cTn id="1" dur="indefinite" restart="never" nodeType="tmRoot"/>
+      </p:par>
+    </p:tnLst>
+  </p:timing>
+</p:sld>
+</file>
+
+<file path=ppt/slides/slide2.xml><?xml version="1.0" encoding="utf-8"?>
+<p:sld xmlns:a="http://schemas.openxmlformats.org/drawingml/2006/main" xmlns:r="http://schemas.openxmlformats.org/officeDocument/2006/relationships" xmlns:p="http://schemas.openxmlformats.org/presentationml/2006/main">
+  <p:cSld>
+    <p:spTree>
+      <p:nvGrpSpPr>
+        <p:cNvPr id="1" name=""/>
+        <p:cNvGrpSpPr/>
+        <p:nvPr/>
+      </p:nvGrpSpPr>
+      <p:grpSpPr>
+        <a:xfrm>
+          <a:off x="0" y="0"/>
+          <a:ext cx="0" cy="0"/>
+          <a:chOff x="0" y="0"/>
+          <a:chExt cx="0" cy="0"/>
+        </a:xfrm>
+      </p:grpSpPr>
+      <p:sp>
+        <p:nvSpPr>
+          <p:cNvPr id="4" name="Title 3"/>
+          <p:cNvSpPr>
+            <a:spLocks noGrp="1"/>
+          </p:cNvSpPr>
+          <p:nvPr>
+            <p:ph type="title"/>
+          </p:nvPr>
+        </p:nvSpPr>
+        <p:spPr/>
+        <p:txBody>
+          <a:bodyPr/>
+          <a:lstStyle/>
+          <a:p>
+            <a:r>
+              <a:rPr lang="en-GB" dirty="0" smtClean="0"/>
+              <a:t>Designing the simulator</a:t>
+            </a:r>
+            <a:endParaRPr lang="en-GB" dirty="0"/>
+          </a:p>
+        </p:txBody>
+      </p:sp>
+      <p:sp>
+        <p:nvSpPr>
+          <p:cNvPr id="5" name="Text Placeholder 4"/>
+          <p:cNvSpPr>
+            <a:spLocks noGrp="1"/>
+          </p:cNvSpPr>
+          <p:nvPr>
+            <p:ph type="body" idx="1"/>
+          </p:nvPr>
+        </p:nvSpPr>
+        <p:spPr/>
+        <p:txBody>
+          <a:bodyPr/>
+          <a:lstStyle/>
+          <a:p>
+            <a:r>
+              <a:rPr lang="en-GB" dirty="0" smtClean="0"/>
+              <a:t>In python, using </a:t>
+            </a:r>
+            <a:r>
+              <a:rPr lang="en-GB" dirty="0" err="1" smtClean="0"/>
+              <a:t>numpy</a:t>
+            </a:r>
+            <a:r>
+              <a:rPr lang="en-GB" dirty="0"/>
+              <a:t> </a:t>
+            </a:r>
+            <a:r>
+              <a:rPr lang="en-GB" dirty="0" smtClean="0"/>
+              <a:t>and </a:t>
+            </a:r>
+            <a:r>
+              <a:rPr lang="en-GB" dirty="0" err="1" smtClean="0"/>
+              <a:t>matplotlib</a:t>
+            </a:r>
+            <a:endParaRPr lang="en-GB" dirty="0"/>
+          </a:p>
+        </p:txBody>
+      </p:sp>
+    </p:spTree>
+  </p:cSld>
+  <p:clrMapOvr>
+    <a:masterClrMapping/>
+  </p:clrMapOvr>
+  <p:timing>
+    <p:tnLst>
+      <p:par>
+        <p:cTn id="1" dur="indefinite" restart="never" nodeType="tmRoot"/>
+      </p:par>
+    </p:tnLst>
+  </p:timing>
+</p:sld>
+</file>
+
+<file path=ppt/slides/slide20.xml><?xml version="1.0" encoding="utf-8"?>
+<p:sld xmlns:a="http://schemas.openxmlformats.org/drawingml/2006/main" xmlns:r="http://schemas.openxmlformats.org/officeDocument/2006/relationships" xmlns:p="http://schemas.openxmlformats.org/presentationml/2006/main">
+  <p:cSld>
+    <p:spTree>
+      <p:nvGrpSpPr>
+        <p:cNvPr id="1" name=""/>
+        <p:cNvGrpSpPr/>
+        <p:nvPr/>
+      </p:nvGrpSpPr>
+      <p:grpSpPr>
+        <a:xfrm>
+          <a:off x="0" y="0"/>
+          <a:ext cx="0" cy="0"/>
+          <a:chOff x="0" y="0"/>
+          <a:chExt cx="0" cy="0"/>
+        </a:xfrm>
+      </p:grpSpPr>
+      <p:sp>
+        <p:nvSpPr>
+          <p:cNvPr id="4" name="Title 3"/>
+          <p:cNvSpPr>
+            <a:spLocks noGrp="1"/>
+          </p:cNvSpPr>
+          <p:nvPr>
+            <p:ph type="title"/>
+          </p:nvPr>
+        </p:nvSpPr>
+        <p:spPr/>
+        <p:txBody>
+          <a:bodyPr/>
+          <a:lstStyle/>
+          <a:p>
+            <a:r>
+              <a:rPr lang="en-GB" dirty="0" smtClean="0"/>
+              <a:t>Response to step input</a:t>
             </a:r>
             <a:endParaRPr lang="en-GB" dirty="0"/>
           </a:p>
@@ -6277,7 +6343,7 @@
       </p:sp>
       <p:pic>
         <p:nvPicPr>
-          <p:cNvPr id="5123" name="Picture 3" descr="C:\Users\Home\Documents\docs\stuff from uni\year 2 cambridge\cued-icw\graphs - Copy\amp-vs-no-abs.png"/>
+          <p:cNvPr id="20" name="Picture 4" descr="C:\Users\Home\Documents\docs\stuff from uni\year 2 cambridge\cued-icw\graphs\step-disp.png"/>
           <p:cNvPicPr>
             <a:picLocks noGrp="1" noChangeAspect="1" noChangeArrowheads="1"/>
           </p:cNvPicPr>
@@ -6317,178 +6383,6 @@
 </p:sld>
 </file>
 
-<file path=ppt/slides/slide2.xml><?xml version="1.0" encoding="utf-8"?>
-<p:sld xmlns:a="http://schemas.openxmlformats.org/drawingml/2006/main" xmlns:r="http://schemas.openxmlformats.org/officeDocument/2006/relationships" xmlns:p="http://schemas.openxmlformats.org/presentationml/2006/main">
-  <p:cSld>
-    <p:spTree>
-      <p:nvGrpSpPr>
-        <p:cNvPr id="1" name=""/>
-        <p:cNvGrpSpPr/>
-        <p:nvPr/>
-      </p:nvGrpSpPr>
-      <p:grpSpPr>
-        <a:xfrm>
-          <a:off x="0" y="0"/>
-          <a:ext cx="0" cy="0"/>
-          <a:chOff x="0" y="0"/>
-          <a:chExt cx="0" cy="0"/>
-        </a:xfrm>
-      </p:grpSpPr>
-      <p:sp>
-        <p:nvSpPr>
-          <p:cNvPr id="4" name="Title 3"/>
-          <p:cNvSpPr>
-            <a:spLocks noGrp="1"/>
-          </p:cNvSpPr>
-          <p:nvPr>
-            <p:ph type="title"/>
-          </p:nvPr>
-        </p:nvSpPr>
-        <p:spPr/>
-        <p:txBody>
-          <a:bodyPr/>
-          <a:lstStyle/>
-          <a:p>
-            <a:r>
-              <a:rPr lang="en-GB" dirty="0" smtClean="0"/>
-              <a:t>Designing the simulator</a:t>
-            </a:r>
-            <a:endParaRPr lang="en-GB" dirty="0"/>
-          </a:p>
-        </p:txBody>
-      </p:sp>
-      <p:sp>
-        <p:nvSpPr>
-          <p:cNvPr id="5" name="Text Placeholder 4"/>
-          <p:cNvSpPr>
-            <a:spLocks noGrp="1"/>
-          </p:cNvSpPr>
-          <p:nvPr>
-            <p:ph type="body" idx="1"/>
-          </p:nvPr>
-        </p:nvSpPr>
-        <p:spPr/>
-        <p:txBody>
-          <a:bodyPr/>
-          <a:lstStyle/>
-          <a:p>
-            <a:r>
-              <a:rPr lang="en-GB" dirty="0" smtClean="0"/>
-              <a:t>In python, using </a:t>
-            </a:r>
-            <a:r>
-              <a:rPr lang="en-GB" dirty="0" err="1" smtClean="0"/>
-              <a:t>numpy</a:t>
-            </a:r>
-            <a:r>
-              <a:rPr lang="en-GB" dirty="0"/>
-              <a:t> </a:t>
-            </a:r>
-            <a:r>
-              <a:rPr lang="en-GB" dirty="0" smtClean="0"/>
-              <a:t>and </a:t>
-            </a:r>
-            <a:r>
-              <a:rPr lang="en-GB" dirty="0" err="1" smtClean="0"/>
-              <a:t>matplotlib</a:t>
-            </a:r>
-            <a:endParaRPr lang="en-GB" dirty="0"/>
-          </a:p>
-        </p:txBody>
-      </p:sp>
-    </p:spTree>
-  </p:cSld>
-  <p:clrMapOvr>
-    <a:masterClrMapping/>
-  </p:clrMapOvr>
-  <p:timing>
-    <p:tnLst>
-      <p:par>
-        <p:cTn id="1" dur="indefinite" restart="never" nodeType="tmRoot"/>
-      </p:par>
-    </p:tnLst>
-  </p:timing>
-</p:sld>
-</file>
-
-<file path=ppt/slides/slide20.xml><?xml version="1.0" encoding="utf-8"?>
-<p:sld xmlns:a="http://schemas.openxmlformats.org/drawingml/2006/main" xmlns:r="http://schemas.openxmlformats.org/officeDocument/2006/relationships" xmlns:p="http://schemas.openxmlformats.org/presentationml/2006/main">
-  <p:cSld>
-    <p:spTree>
-      <p:nvGrpSpPr>
-        <p:cNvPr id="1" name=""/>
-        <p:cNvGrpSpPr/>
-        <p:nvPr/>
-      </p:nvGrpSpPr>
-      <p:grpSpPr>
-        <a:xfrm>
-          <a:off x="0" y="0"/>
-          <a:ext cx="0" cy="0"/>
-          <a:chOff x="0" y="0"/>
-          <a:chExt cx="0" cy="0"/>
-        </a:xfrm>
-      </p:grpSpPr>
-      <p:sp>
-        <p:nvSpPr>
-          <p:cNvPr id="6" name="Title 5"/>
-          <p:cNvSpPr>
-            <a:spLocks noGrp="1"/>
-          </p:cNvSpPr>
-          <p:nvPr>
-            <p:ph type="title"/>
-          </p:nvPr>
-        </p:nvSpPr>
-        <p:spPr/>
-        <p:txBody>
-          <a:bodyPr/>
-          <a:lstStyle/>
-          <a:p>
-            <a:r>
-              <a:rPr lang="en-GB" dirty="0" smtClean="0"/>
-              <a:t>Applying stimuli</a:t>
-            </a:r>
-            <a:endParaRPr lang="en-GB" dirty="0"/>
-          </a:p>
-        </p:txBody>
-      </p:sp>
-      <p:sp>
-        <p:nvSpPr>
-          <p:cNvPr id="7" name="Text Placeholder 6"/>
-          <p:cNvSpPr>
-            <a:spLocks noGrp="1"/>
-          </p:cNvSpPr>
-          <p:nvPr>
-            <p:ph type="body" idx="1"/>
-          </p:nvPr>
-        </p:nvSpPr>
-        <p:spPr/>
-        <p:txBody>
-          <a:bodyPr/>
-          <a:lstStyle/>
-          <a:p>
-            <a:r>
-              <a:rPr lang="en-GB" dirty="0" smtClean="0"/>
-              <a:t>Investigating the effectiveness of the absorbers</a:t>
-            </a:r>
-            <a:endParaRPr lang="en-GB" dirty="0"/>
-          </a:p>
-        </p:txBody>
-      </p:sp>
-    </p:spTree>
-  </p:cSld>
-  <p:clrMapOvr>
-    <a:masterClrMapping/>
-  </p:clrMapOvr>
-  <p:timing>
-    <p:tnLst>
-      <p:par>
-        <p:cTn id="1" dur="indefinite" restart="never" nodeType="tmRoot"/>
-      </p:par>
-    </p:tnLst>
-  </p:timing>
-</p:sld>
-</file>
-
 <file path=ppt/slides/slide21.xml><?xml version="1.0" encoding="utf-8"?>
 <p:sld xmlns:a="http://schemas.openxmlformats.org/drawingml/2006/main" xmlns:r="http://schemas.openxmlformats.org/officeDocument/2006/relationships" xmlns:p="http://schemas.openxmlformats.org/presentationml/2006/main">
   <p:cSld>
@@ -6523,7 +6417,7 @@
           <a:p>
             <a:r>
               <a:rPr lang="en-GB" dirty="0" smtClean="0"/>
-              <a:t>Response to step input</a:t>
+              <a:t>Response to frequency sweep</a:t>
             </a:r>
             <a:endParaRPr lang="en-GB" dirty="0"/>
           </a:p>
@@ -6531,7 +6425,7 @@
       </p:sp>
       <p:pic>
         <p:nvPicPr>
-          <p:cNvPr id="20" name="Picture 4" descr="C:\Users\Home\Documents\docs\stuff from uni\year 2 cambridge\cued-icw\graphs\step-disp.png"/>
+          <p:cNvPr id="8" name="Picture 3" descr="C:\Users\Home\Documents\docs\stuff from uni\year 2 cambridge\cued-icw\graphs\sweep-disp.png"/>
           <p:cNvPicPr>
             <a:picLocks noGrp="1" noChangeAspect="1" noChangeArrowheads="1"/>
           </p:cNvPicPr>
@@ -6605,7 +6499,7 @@
           <a:p>
             <a:r>
               <a:rPr lang="en-GB" dirty="0" smtClean="0"/>
-              <a:t>Response to frequency sweep</a:t>
+              <a:t>Response to earthquake</a:t>
             </a:r>
             <a:endParaRPr lang="en-GB" dirty="0"/>
           </a:p>
@@ -6613,7 +6507,7 @@
       </p:sp>
       <p:pic>
         <p:nvPicPr>
-          <p:cNvPr id="8" name="Picture 3" descr="C:\Users\Home\Documents\docs\stuff from uni\year 2 cambridge\cued-icw\graphs\sweep-disp.png"/>
+          <p:cNvPr id="10" name="Picture 5" descr="C:\Users\Home\Documents\docs\stuff from uni\year 2 cambridge\cued-icw\graphs\eq-disp.png"/>
           <p:cNvPicPr>
             <a:picLocks noGrp="1" noChangeAspect="1" noChangeArrowheads="1"/>
           </p:cNvPicPr>
@@ -6672,7 +6566,7 @@
       </p:grpSpPr>
       <p:sp>
         <p:nvSpPr>
-          <p:cNvPr id="4" name="Title 3"/>
+          <p:cNvPr id="2" name="Title 1"/>
           <p:cNvSpPr>
             <a:spLocks noGrp="1"/>
           </p:cNvSpPr>
@@ -6687,7 +6581,7 @@
           <a:p>
             <a:r>
               <a:rPr lang="en-GB" dirty="0" smtClean="0"/>
-              <a:t>Response to earthquake</a:t>
+              <a:t>Tuning for earthquakes</a:t>
             </a:r>
             <a:endParaRPr lang="en-GB" dirty="0"/>
           </a:p>
@@ -6695,29 +6589,31 @@
       </p:sp>
       <p:pic>
         <p:nvPicPr>
-          <p:cNvPr id="10" name="Picture 5" descr="C:\Users\Home\Documents\docs\stuff from uni\year 2 cambridge\cued-icw\graphs\eq-disp.png"/>
+          <p:cNvPr id="4" name="Content Placeholder 3"/>
           <p:cNvPicPr>
-            <a:picLocks noGrp="1" noChangeAspect="1" noChangeArrowheads="1"/>
+            <a:picLocks noGrp="1" noChangeAspect="1"/>
           </p:cNvPicPr>
           <p:nvPr>
             <p:ph idx="1"/>
           </p:nvPr>
         </p:nvPicPr>
         <p:blipFill>
-          <a:blip r:embed="rId2" cstate="print"/>
+          <a:blip r:embed="rId3">
+            <a:extLst>
+              <a:ext uri="{28A0092B-C50C-407E-A947-70E740481C1C}">
+                <a14:useLocalDpi xmlns:a14="http://schemas.microsoft.com/office/drawing/2010/main" val="0"/>
+              </a:ext>
+            </a:extLst>
+          </a:blip>
           <a:stretch>
             <a:fillRect/>
           </a:stretch>
         </p:blipFill>
-        <p:spPr bwMode="auto">
+        <p:spPr>
           <a:xfrm>
             <a:off x="1554691" y="1600200"/>
             <a:ext cx="6034617" cy="4525963"/>
           </a:xfrm>
-          <a:prstGeom prst="rect">
-            <a:avLst/>
-          </a:prstGeom>
-          <a:noFill/>
         </p:spPr>
       </p:pic>
     </p:spTree>
@@ -6736,88 +6632,6 @@
 </file>
 
 <file path=ppt/slides/slide24.xml><?xml version="1.0" encoding="utf-8"?>
-<p:sld xmlns:a="http://schemas.openxmlformats.org/drawingml/2006/main" xmlns:r="http://schemas.openxmlformats.org/officeDocument/2006/relationships" xmlns:p="http://schemas.openxmlformats.org/presentationml/2006/main">
-  <p:cSld>
-    <p:spTree>
-      <p:nvGrpSpPr>
-        <p:cNvPr id="1" name=""/>
-        <p:cNvGrpSpPr/>
-        <p:nvPr/>
-      </p:nvGrpSpPr>
-      <p:grpSpPr>
-        <a:xfrm>
-          <a:off x="0" y="0"/>
-          <a:ext cx="0" cy="0"/>
-          <a:chOff x="0" y="0"/>
-          <a:chExt cx="0" cy="0"/>
-        </a:xfrm>
-      </p:grpSpPr>
-      <p:sp>
-        <p:nvSpPr>
-          <p:cNvPr id="2" name="Title 1"/>
-          <p:cNvSpPr>
-            <a:spLocks noGrp="1"/>
-          </p:cNvSpPr>
-          <p:nvPr>
-            <p:ph type="title"/>
-          </p:nvPr>
-        </p:nvSpPr>
-        <p:spPr/>
-        <p:txBody>
-          <a:bodyPr/>
-          <a:lstStyle/>
-          <a:p>
-            <a:r>
-              <a:rPr lang="en-GB" dirty="0" smtClean="0"/>
-              <a:t>Tuning for earthquakes</a:t>
-            </a:r>
-            <a:endParaRPr lang="en-GB" dirty="0"/>
-          </a:p>
-        </p:txBody>
-      </p:sp>
-      <p:pic>
-        <p:nvPicPr>
-          <p:cNvPr id="3074" name="Picture 2" descr="C:\Users\Home\Documents\docs\stuff from uni\year 2 cambridge\cued-icw\graphs\fft-eq.png"/>
-          <p:cNvPicPr>
-            <a:picLocks noGrp="1" noChangeAspect="1" noChangeArrowheads="1"/>
-          </p:cNvPicPr>
-          <p:nvPr>
-            <p:ph idx="1"/>
-          </p:nvPr>
-        </p:nvPicPr>
-        <p:blipFill>
-          <a:blip r:embed="rId2" cstate="print"/>
-          <a:stretch>
-            <a:fillRect/>
-          </a:stretch>
-        </p:blipFill>
-        <p:spPr bwMode="auto">
-          <a:xfrm>
-            <a:off x="1554691" y="1600200"/>
-            <a:ext cx="6034617" cy="4525963"/>
-          </a:xfrm>
-          <a:prstGeom prst="rect">
-            <a:avLst/>
-          </a:prstGeom>
-          <a:noFill/>
-        </p:spPr>
-      </p:pic>
-    </p:spTree>
-  </p:cSld>
-  <p:clrMapOvr>
-    <a:masterClrMapping/>
-  </p:clrMapOvr>
-  <p:timing>
-    <p:tnLst>
-      <p:par>
-        <p:cTn id="1" dur="indefinite" restart="never" nodeType="tmRoot"/>
-      </p:par>
-    </p:tnLst>
-  </p:timing>
-</p:sld>
-</file>
-
-<file path=ppt/slides/slide25.xml><?xml version="1.0" encoding="utf-8"?>
 <p:sld xmlns:a="http://schemas.openxmlformats.org/drawingml/2006/main" xmlns:r="http://schemas.openxmlformats.org/officeDocument/2006/relationships" xmlns:p="http://schemas.openxmlformats.org/presentationml/2006/main">
   <p:cSld>
     <p:spTree>
@@ -10087,8 +9901,8 @@
           </a:p>
         </p:txBody>
       </p:sp>
-      <mc:AlternateContent xmlns:mc="http://schemas.openxmlformats.org/markup-compatibility/2006" xmlns:a14="http://schemas.microsoft.com/office/drawing/2010/main">
-        <mc:Choice Requires="a14">
+      <mc:AlternateContent xmlns:mc="http://schemas.openxmlformats.org/markup-compatibility/2006">
+        <mc:Choice xmlns:a14="http://schemas.microsoft.com/office/drawing/2010/main" Requires="a14">
           <p:sp>
             <p:nvSpPr>
               <p:cNvPr id="3" name="Content Placeholder 2"/>
@@ -10102,7 +9916,7 @@
             <p:spPr/>
             <p:txBody>
               <a:bodyPr>
-                <a:normAutofit fontScale="47500" lnSpcReduction="20000"/>
+                <a:normAutofit fontScale="40000" lnSpcReduction="20000"/>
               </a:bodyPr>
               <a:lstStyle/>
               <a:p>
@@ -10726,6 +10540,32 @@
                         </m:e>
                       </m:d>
                     </m:oMath>
+                  </m:oMathPara>
+                </a14:m>
+                <a:endParaRPr lang="en-GB" b="1" i="1" dirty="0" smtClean="0">
+                  <a:latin typeface="Cambria Math"/>
+                </a:endParaRPr>
+              </a:p>
+              <a:p>
+                <a:pPr marL="0" indent="0">
+                  <a:buNone/>
+                </a:pPr>
+                <a:r>
+                  <a:rPr lang="en-GB" b="1" i="1" dirty="0">
+                    <a:latin typeface="Cambria Math"/>
+                  </a:rPr>
+                  <a:t/>
+                </a:r>
+                <a:br>
+                  <a:rPr lang="en-GB" b="1" i="1" dirty="0">
+                    <a:latin typeface="Cambria Math"/>
+                  </a:rPr>
+                </a:br>
+                <a14:m>
+                  <m:oMathPara xmlns:m="http://schemas.openxmlformats.org/officeDocument/2006/math">
+                    <m:oMathParaPr>
+                      <m:jc m:val="centerGroup"/>
+                    </m:oMathParaPr>
                     <m:oMath xmlns:m="http://schemas.openxmlformats.org/officeDocument/2006/math">
                       <m:r>
                         <a:rPr lang="en-GB" i="1" dirty="0">
@@ -10991,6 +10831,32 @@
                         </m:e>
                       </m:d>
                     </m:oMath>
+                  </m:oMathPara>
+                </a14:m>
+                <a:endParaRPr lang="en-GB" b="1" i="1" dirty="0" smtClean="0">
+                  <a:latin typeface="Cambria Math"/>
+                </a:endParaRPr>
+              </a:p>
+              <a:p>
+                <a:pPr marL="0" indent="0">
+                  <a:buNone/>
+                </a:pPr>
+                <a:r>
+                  <a:rPr lang="en-GB" b="1" i="1" dirty="0" smtClean="0">
+                    <a:latin typeface="Cambria Math"/>
+                  </a:rPr>
+                  <a:t/>
+                </a:r>
+                <a:br>
+                  <a:rPr lang="en-GB" b="1" i="1" dirty="0" smtClean="0">
+                    <a:latin typeface="Cambria Math"/>
+                  </a:rPr>
+                </a:br>
+                <a14:m>
+                  <m:oMathPara xmlns:m="http://schemas.openxmlformats.org/officeDocument/2006/math">
+                    <m:oMathParaPr>
+                      <m:jc m:val="centerGroup"/>
+                    </m:oMathParaPr>
                     <m:oMath xmlns:m="http://schemas.openxmlformats.org/officeDocument/2006/math">
                       <m:r>
                         <a:rPr lang="en-GB" i="1" dirty="0">
@@ -11376,7 +11242,7 @@
             </p:txBody>
           </p:sp>
         </mc:Choice>
-        <mc:Fallback xmlns="">
+        <mc:Fallback>
           <p:sp>
             <p:nvSpPr>
               <p:cNvPr id="3" name="Content Placeholder 2"/>
@@ -11389,9 +11255,9 @@
             </p:nvSpPr>
             <p:spPr>
               <a:blipFill rotWithShape="1">
-                <a:blip r:embed="rId3" cstate="print"/>
+                <a:blip r:embed="rId3"/>
                 <a:stretch>
-                  <a:fillRect l="-222" t="-1213"/>
+                  <a:fillRect l="-74" t="-943"/>
                 </a:stretch>
               </a:blipFill>
             </p:spPr>
